--- a/VRI_bird_data_scenarios.pptx
+++ b/VRI_bird_data_scenarios.pptx
@@ -6,6 +6,7 @@
   </p:sldMasterIdLst>
   <p:sldIdLst>
     <p:sldId id="256" r:id="rId2"/>
+    <p:sldId id="257" r:id="rId3"/>
   </p:sldIdLst>
   <p:sldSz cx="12192000" cy="6858000"/>
   <p:notesSz cx="6858000" cy="9144000"/>
@@ -104,6 +105,11 @@
       </a:defRPr>
     </a:lvl9pPr>
   </p:defaultTextStyle>
+  <p:extLst>
+    <p:ext uri="{EFAFB233-063F-42B5-8137-9DF3F51BA10A}">
+      <p15:sldGuideLst xmlns:p15="http://schemas.microsoft.com/office/powerpoint/2012/main"/>
+    </p:ext>
+  </p:extLst>
 </p:presentation>
 </file>
 
@@ -238,7 +244,7 @@
           <a:p>
             <a:fld id="{2D5072A0-6F4A-496D-BC20-1C16D5D961A8}" type="datetimeFigureOut">
               <a:rPr lang="en-US" smtClean="0"/>
-              <a:t>12/19/2017</a:t>
+              <a:t>12/20/2017</a:t>
             </a:fld>
             <a:endParaRPr lang="en-US"/>
           </a:p>
@@ -408,7 +414,7 @@
           <a:p>
             <a:fld id="{2D5072A0-6F4A-496D-BC20-1C16D5D961A8}" type="datetimeFigureOut">
               <a:rPr lang="en-US" smtClean="0"/>
-              <a:t>12/19/2017</a:t>
+              <a:t>12/20/2017</a:t>
             </a:fld>
             <a:endParaRPr lang="en-US"/>
           </a:p>
@@ -588,7 +594,7 @@
           <a:p>
             <a:fld id="{2D5072A0-6F4A-496D-BC20-1C16D5D961A8}" type="datetimeFigureOut">
               <a:rPr lang="en-US" smtClean="0"/>
-              <a:t>12/19/2017</a:t>
+              <a:t>12/20/2017</a:t>
             </a:fld>
             <a:endParaRPr lang="en-US"/>
           </a:p>
@@ -758,7 +764,7 @@
           <a:p>
             <a:fld id="{2D5072A0-6F4A-496D-BC20-1C16D5D961A8}" type="datetimeFigureOut">
               <a:rPr lang="en-US" smtClean="0"/>
-              <a:t>12/19/2017</a:t>
+              <a:t>12/20/2017</a:t>
             </a:fld>
             <a:endParaRPr lang="en-US"/>
           </a:p>
@@ -1004,7 +1010,7 @@
           <a:p>
             <a:fld id="{2D5072A0-6F4A-496D-BC20-1C16D5D961A8}" type="datetimeFigureOut">
               <a:rPr lang="en-US" smtClean="0"/>
-              <a:t>12/19/2017</a:t>
+              <a:t>12/20/2017</a:t>
             </a:fld>
             <a:endParaRPr lang="en-US"/>
           </a:p>
@@ -1236,7 +1242,7 @@
           <a:p>
             <a:fld id="{2D5072A0-6F4A-496D-BC20-1C16D5D961A8}" type="datetimeFigureOut">
               <a:rPr lang="en-US" smtClean="0"/>
-              <a:t>12/19/2017</a:t>
+              <a:t>12/20/2017</a:t>
             </a:fld>
             <a:endParaRPr lang="en-US"/>
           </a:p>
@@ -1603,7 +1609,7 @@
           <a:p>
             <a:fld id="{2D5072A0-6F4A-496D-BC20-1C16D5D961A8}" type="datetimeFigureOut">
               <a:rPr lang="en-US" smtClean="0"/>
-              <a:t>12/19/2017</a:t>
+              <a:t>12/20/2017</a:t>
             </a:fld>
             <a:endParaRPr lang="en-US"/>
           </a:p>
@@ -1721,7 +1727,7 @@
           <a:p>
             <a:fld id="{2D5072A0-6F4A-496D-BC20-1C16D5D961A8}" type="datetimeFigureOut">
               <a:rPr lang="en-US" smtClean="0"/>
-              <a:t>12/19/2017</a:t>
+              <a:t>12/20/2017</a:t>
             </a:fld>
             <a:endParaRPr lang="en-US"/>
           </a:p>
@@ -1816,7 +1822,7 @@
           <a:p>
             <a:fld id="{2D5072A0-6F4A-496D-BC20-1C16D5D961A8}" type="datetimeFigureOut">
               <a:rPr lang="en-US" smtClean="0"/>
-              <a:t>12/19/2017</a:t>
+              <a:t>12/20/2017</a:t>
             </a:fld>
             <a:endParaRPr lang="en-US"/>
           </a:p>
@@ -2093,7 +2099,7 @@
           <a:p>
             <a:fld id="{2D5072A0-6F4A-496D-BC20-1C16D5D961A8}" type="datetimeFigureOut">
               <a:rPr lang="en-US" smtClean="0"/>
-              <a:t>12/19/2017</a:t>
+              <a:t>12/20/2017</a:t>
             </a:fld>
             <a:endParaRPr lang="en-US"/>
           </a:p>
@@ -2346,7 +2352,7 @@
           <a:p>
             <a:fld id="{2D5072A0-6F4A-496D-BC20-1C16D5D961A8}" type="datetimeFigureOut">
               <a:rPr lang="en-US" smtClean="0"/>
-              <a:t>12/19/2017</a:t>
+              <a:t>12/20/2017</a:t>
             </a:fld>
             <a:endParaRPr lang="en-US"/>
           </a:p>
@@ -2559,7 +2565,7 @@
           <a:p>
             <a:fld id="{2D5072A0-6F4A-496D-BC20-1C16D5D961A8}" type="datetimeFigureOut">
               <a:rPr lang="en-US" smtClean="0"/>
-              <a:t>12/19/2017</a:t>
+              <a:t>12/20/2017</a:t>
             </a:fld>
             <a:endParaRPr lang="en-US"/>
           </a:p>
@@ -4231,6 +4237,337 @@
 </p:sld>
 </file>
 
+<file path=ppt/slides/slide2.xml><?xml version="1.0" encoding="utf-8"?>
+<p:sld xmlns:a="http://schemas.openxmlformats.org/drawingml/2006/main" xmlns:r="http://schemas.openxmlformats.org/officeDocument/2006/relationships" xmlns:p="http://schemas.openxmlformats.org/presentationml/2006/main">
+  <p:cSld>
+    <p:spTree>
+      <p:nvGrpSpPr>
+        <p:cNvPr id="1" name=""/>
+        <p:cNvGrpSpPr/>
+        <p:nvPr/>
+      </p:nvGrpSpPr>
+      <p:grpSpPr>
+        <a:xfrm>
+          <a:off x="0" y="0"/>
+          <a:ext cx="0" cy="0"/>
+          <a:chOff x="0" y="0"/>
+          <a:chExt cx="0" cy="0"/>
+        </a:xfrm>
+      </p:grpSpPr>
+      <p:sp>
+        <p:nvSpPr>
+          <p:cNvPr id="2" name="Rectangle 1"/>
+          <p:cNvSpPr/>
+          <p:nvPr/>
+        </p:nvSpPr>
+        <p:spPr>
+          <a:xfrm>
+            <a:off x="723207" y="332509"/>
+            <a:ext cx="1886989" cy="889462"/>
+          </a:xfrm>
+          <a:prstGeom prst="rect">
+            <a:avLst/>
+          </a:prstGeom>
+        </p:spPr>
+        <p:style>
+          <a:lnRef idx="2">
+            <a:schemeClr val="accent1">
+              <a:shade val="50000"/>
+            </a:schemeClr>
+          </a:lnRef>
+          <a:fillRef idx="1">
+            <a:schemeClr val="accent1"/>
+          </a:fillRef>
+          <a:effectRef idx="0">
+            <a:schemeClr val="accent1"/>
+          </a:effectRef>
+          <a:fontRef idx="minor">
+            <a:schemeClr val="lt1"/>
+          </a:fontRef>
+        </p:style>
+        <p:txBody>
+          <a:bodyPr rtlCol="0" anchor="ctr"/>
+          <a:lstStyle/>
+          <a:p>
+            <a:pPr algn="ctr"/>
+            <a:r>
+              <a:rPr lang="en-US" dirty="0" smtClean="0"/>
+              <a:t>Quality-check </a:t>
+            </a:r>
+            <a:br>
+              <a:rPr lang="en-US" dirty="0" smtClean="0"/>
+            </a:br>
+            <a:r>
+              <a:rPr lang="en-US" dirty="0" smtClean="0"/>
+              <a:t>Bird Data</a:t>
+            </a:r>
+            <a:endParaRPr lang="en-US" dirty="0"/>
+          </a:p>
+        </p:txBody>
+      </p:sp>
+      <p:sp>
+        <p:nvSpPr>
+          <p:cNvPr id="3" name="Rectangle 2"/>
+          <p:cNvSpPr/>
+          <p:nvPr/>
+        </p:nvSpPr>
+        <p:spPr>
+          <a:xfrm>
+            <a:off x="3568931" y="332508"/>
+            <a:ext cx="1886989" cy="889462"/>
+          </a:xfrm>
+          <a:prstGeom prst="rect">
+            <a:avLst/>
+          </a:prstGeom>
+        </p:spPr>
+        <p:style>
+          <a:lnRef idx="2">
+            <a:schemeClr val="accent2">
+              <a:shade val="50000"/>
+            </a:schemeClr>
+          </a:lnRef>
+          <a:fillRef idx="1">
+            <a:schemeClr val="accent2"/>
+          </a:fillRef>
+          <a:effectRef idx="0">
+            <a:schemeClr val="accent2"/>
+          </a:effectRef>
+          <a:fontRef idx="minor">
+            <a:schemeClr val="lt1"/>
+          </a:fontRef>
+        </p:style>
+        <p:txBody>
+          <a:bodyPr rtlCol="0" anchor="ctr"/>
+          <a:lstStyle/>
+          <a:p>
+            <a:pPr algn="ctr"/>
+            <a:r>
+              <a:rPr lang="en-US" dirty="0" smtClean="0"/>
+              <a:t>Quality-check </a:t>
+            </a:r>
+            <a:br>
+              <a:rPr lang="en-US" dirty="0" smtClean="0"/>
+            </a:br>
+            <a:r>
+              <a:rPr lang="en-US" dirty="0" smtClean="0"/>
+              <a:t>VRI Data</a:t>
+            </a:r>
+            <a:endParaRPr lang="en-US" dirty="0"/>
+          </a:p>
+        </p:txBody>
+      </p:sp>
+      <p:cxnSp>
+        <p:nvCxnSpPr>
+          <p:cNvPr id="5" name="Elbow Connector 4"/>
+          <p:cNvCxnSpPr/>
+          <p:nvPr/>
+        </p:nvCxnSpPr>
+        <p:spPr>
+          <a:xfrm rot="16200000" flipH="1">
+            <a:off x="712816" y="1460962"/>
+            <a:ext cx="581894" cy="103912"/>
+          </a:xfrm>
+          <a:prstGeom prst="bentConnector3">
+            <a:avLst>
+              <a:gd name="adj1" fmla="val 100000"/>
+            </a:avLst>
+          </a:prstGeom>
+          <a:ln>
+            <a:tailEnd type="triangle"/>
+          </a:ln>
+        </p:spPr>
+        <p:style>
+          <a:lnRef idx="1">
+            <a:schemeClr val="accent1"/>
+          </a:lnRef>
+          <a:fillRef idx="0">
+            <a:schemeClr val="accent1"/>
+          </a:fillRef>
+          <a:effectRef idx="0">
+            <a:schemeClr val="accent1"/>
+          </a:effectRef>
+          <a:fontRef idx="minor">
+            <a:schemeClr val="tx1"/>
+          </a:fontRef>
+        </p:style>
+      </p:cxnSp>
+      <p:sp>
+        <p:nvSpPr>
+          <p:cNvPr id="9" name="TextBox 8"/>
+          <p:cNvSpPr txBox="1"/>
+          <p:nvPr/>
+        </p:nvSpPr>
+        <p:spPr>
+          <a:xfrm>
+            <a:off x="1076500" y="1662548"/>
+            <a:ext cx="1234377" cy="738664"/>
+          </a:xfrm>
+          <a:prstGeom prst="rect">
+            <a:avLst/>
+          </a:prstGeom>
+          <a:noFill/>
+          <a:ln>
+            <a:solidFill>
+              <a:schemeClr val="accent1"/>
+            </a:solidFill>
+          </a:ln>
+        </p:spPr>
+        <p:txBody>
+          <a:bodyPr wrap="none" rtlCol="0">
+            <a:spAutoFit/>
+          </a:bodyPr>
+          <a:lstStyle/>
+          <a:p>
+            <a:pPr marL="285750" indent="-285750">
+              <a:buFont typeface="Arial" panose="020B0604020202020204" pitchFamily="34" charset="0"/>
+              <a:buChar char="•"/>
+            </a:pPr>
+            <a:r>
+              <a:rPr lang="en-US" sz="1400" dirty="0" smtClean="0"/>
+              <a:t>Duplicates</a:t>
+            </a:r>
+          </a:p>
+          <a:p>
+            <a:pPr marL="285750" indent="-285750">
+              <a:buFont typeface="Arial" panose="020B0604020202020204" pitchFamily="34" charset="0"/>
+              <a:buChar char="•"/>
+            </a:pPr>
+            <a:r>
+              <a:rPr lang="en-US" sz="1400" dirty="0" smtClean="0"/>
+              <a:t>Errors</a:t>
+            </a:r>
+          </a:p>
+          <a:p>
+            <a:pPr marL="285750" indent="-285750">
+              <a:buFont typeface="Arial" panose="020B0604020202020204" pitchFamily="34" charset="0"/>
+              <a:buChar char="•"/>
+            </a:pPr>
+            <a:r>
+              <a:rPr lang="en-US" sz="1400" dirty="0" smtClean="0"/>
+              <a:t>Save csv</a:t>
+            </a:r>
+            <a:endParaRPr lang="en-US" sz="1400" dirty="0"/>
+          </a:p>
+        </p:txBody>
+      </p:sp>
+      <p:cxnSp>
+        <p:nvCxnSpPr>
+          <p:cNvPr id="10" name="Elbow Connector 9"/>
+          <p:cNvCxnSpPr/>
+          <p:nvPr/>
+        </p:nvCxnSpPr>
+        <p:spPr>
+          <a:xfrm rot="16200000" flipH="1">
+            <a:off x="3533602" y="1460962"/>
+            <a:ext cx="581894" cy="103912"/>
+          </a:xfrm>
+          <a:prstGeom prst="bentConnector3">
+            <a:avLst>
+              <a:gd name="adj1" fmla="val 100000"/>
+            </a:avLst>
+          </a:prstGeom>
+          <a:ln>
+            <a:solidFill>
+              <a:schemeClr val="accent2"/>
+            </a:solidFill>
+            <a:tailEnd type="triangle"/>
+          </a:ln>
+        </p:spPr>
+        <p:style>
+          <a:lnRef idx="1">
+            <a:schemeClr val="accent1"/>
+          </a:lnRef>
+          <a:fillRef idx="0">
+            <a:schemeClr val="accent1"/>
+          </a:fillRef>
+          <a:effectRef idx="0">
+            <a:schemeClr val="accent1"/>
+          </a:effectRef>
+          <a:fontRef idx="minor">
+            <a:schemeClr val="tx1"/>
+          </a:fontRef>
+        </p:style>
+      </p:cxnSp>
+      <p:sp>
+        <p:nvSpPr>
+          <p:cNvPr id="11" name="TextBox 10"/>
+          <p:cNvSpPr txBox="1"/>
+          <p:nvPr/>
+        </p:nvSpPr>
+        <p:spPr>
+          <a:xfrm>
+            <a:off x="3897286" y="1662548"/>
+            <a:ext cx="2170659" cy="738664"/>
+          </a:xfrm>
+          <a:prstGeom prst="rect">
+            <a:avLst/>
+          </a:prstGeom>
+          <a:noFill/>
+          <a:ln>
+            <a:solidFill>
+              <a:schemeClr val="accent2"/>
+            </a:solidFill>
+          </a:ln>
+        </p:spPr>
+        <p:txBody>
+          <a:bodyPr wrap="none" rtlCol="0">
+            <a:spAutoFit/>
+          </a:bodyPr>
+          <a:lstStyle/>
+          <a:p>
+            <a:pPr marL="285750" indent="-285750">
+              <a:buFont typeface="Arial" panose="020B0604020202020204" pitchFamily="34" charset="0"/>
+              <a:buChar char="•"/>
+            </a:pPr>
+            <a:r>
+              <a:rPr lang="en-US" sz="1400" dirty="0" smtClean="0"/>
+              <a:t>Duplicates</a:t>
+            </a:r>
+          </a:p>
+          <a:p>
+            <a:pPr marL="285750" indent="-285750">
+              <a:buFont typeface="Arial" panose="020B0604020202020204" pitchFamily="34" charset="0"/>
+              <a:buChar char="•"/>
+            </a:pPr>
+            <a:r>
+              <a:rPr lang="en-US" sz="1400" dirty="0" smtClean="0"/>
+              <a:t>Merge </a:t>
+            </a:r>
+            <a:r>
+              <a:rPr lang="en-US" sz="1400" dirty="0" err="1" smtClean="0"/>
+              <a:t>Forsite</a:t>
+            </a:r>
+            <a:r>
+              <a:rPr lang="en-US" sz="1400" dirty="0" smtClean="0"/>
+              <a:t> &amp; Canfor</a:t>
+            </a:r>
+          </a:p>
+          <a:p>
+            <a:pPr marL="285750" indent="-285750">
+              <a:buFont typeface="Arial" panose="020B0604020202020204" pitchFamily="34" charset="0"/>
+              <a:buChar char="•"/>
+            </a:pPr>
+            <a:r>
+              <a:rPr lang="en-US" sz="1400" dirty="0" smtClean="0"/>
+              <a:t>Save csv</a:t>
+            </a:r>
+            <a:endParaRPr lang="en-US" sz="1400" dirty="0"/>
+          </a:p>
+        </p:txBody>
+      </p:sp>
+    </p:spTree>
+    <p:extLst>
+      <p:ext uri="{BB962C8B-B14F-4D97-AF65-F5344CB8AC3E}">
+        <p14:creationId xmlns:p14="http://schemas.microsoft.com/office/powerpoint/2010/main" val="3228582158"/>
+      </p:ext>
+    </p:extLst>
+  </p:cSld>
+  <p:clrMapOvr>
+    <a:masterClrMapping/>
+  </p:clrMapOvr>
+</p:sld>
+</file>
+
 <file path=ppt/theme/theme1.xml><?xml version="1.0" encoding="utf-8"?>
 <a:theme xmlns:a="http://schemas.openxmlformats.org/drawingml/2006/main" name="Office Theme">
   <a:themeElements>

--- a/VRI_bird_data_scenarios.pptx
+++ b/VRI_bird_data_scenarios.pptx
@@ -4262,8 +4262,8 @@
         </p:nvSpPr>
         <p:spPr>
           <a:xfrm>
-            <a:off x="723207" y="332509"/>
-            <a:ext cx="1886989" cy="889462"/>
+            <a:off x="872835" y="332509"/>
+            <a:ext cx="2069869" cy="889462"/>
           </a:xfrm>
           <a:prstGeom prst="rect">
             <a:avLst/>
@@ -4313,8 +4313,8 @@
         </p:nvSpPr>
         <p:spPr>
           <a:xfrm>
-            <a:off x="3568931" y="332508"/>
-            <a:ext cx="1886989" cy="889462"/>
+            <a:off x="3568931" y="191191"/>
+            <a:ext cx="3423046" cy="889462"/>
           </a:xfrm>
           <a:prstGeom prst="rect">
             <a:avLst/>
@@ -4343,7 +4343,11 @@
             <a:pPr algn="ctr"/>
             <a:r>
               <a:rPr lang="en-US" dirty="0" smtClean="0"/>
-              <a:t>Quality-check </a:t>
+              <a:t>Pre-Process </a:t>
+            </a:r>
+            <a:r>
+              <a:rPr lang="en-US" dirty="0" smtClean="0"/>
+              <a:t/>
             </a:r>
             <a:br>
               <a:rPr lang="en-US" dirty="0" smtClean="0"/>
@@ -4399,8 +4403,8 @@
         </p:nvSpPr>
         <p:spPr>
           <a:xfrm>
-            <a:off x="1076500" y="1662548"/>
-            <a:ext cx="1234377" cy="738664"/>
+            <a:off x="1076501" y="1487980"/>
+            <a:ext cx="1866204" cy="1384995"/>
           </a:xfrm>
           <a:prstGeom prst="rect">
             <a:avLst/>
@@ -4413,7 +4417,7 @@
           </a:ln>
         </p:spPr>
         <p:txBody>
-          <a:bodyPr wrap="none" rtlCol="0">
+          <a:bodyPr wrap="square" rtlCol="0">
             <a:spAutoFit/>
           </a:bodyPr>
           <a:lstStyle/>
@@ -4424,8 +4428,9 @@
             </a:pPr>
             <a:r>
               <a:rPr lang="en-US" sz="1400" dirty="0" smtClean="0"/>
-              <a:t>Duplicates</a:t>
-            </a:r>
+              <a:t>Look for &amp; eliminate duplicates</a:t>
+            </a:r>
+            <a:endParaRPr lang="en-US" sz="1400" dirty="0" smtClean="0"/>
           </a:p>
           <a:p>
             <a:pPr marL="285750" indent="-285750">
@@ -4434,8 +4439,13 @@
             </a:pPr>
             <a:r>
               <a:rPr lang="en-US" sz="1400" dirty="0" smtClean="0"/>
-              <a:t>Errors</a:t>
-            </a:r>
+              <a:t>Find and correct for e</a:t>
+            </a:r>
+            <a:r>
+              <a:rPr lang="en-US" sz="1400" dirty="0" smtClean="0"/>
+              <a:t>rrors</a:t>
+            </a:r>
+            <a:endParaRPr lang="en-US" sz="1400" dirty="0" smtClean="0"/>
           </a:p>
           <a:p>
             <a:pPr marL="285750" indent="-285750">
@@ -4450,20 +4460,73 @@
           </a:p>
         </p:txBody>
       </p:sp>
+      <p:sp>
+        <p:nvSpPr>
+          <p:cNvPr id="11" name="TextBox 10"/>
+          <p:cNvSpPr txBox="1"/>
+          <p:nvPr/>
+        </p:nvSpPr>
+        <p:spPr>
+          <a:xfrm>
+            <a:off x="5666927" y="1454350"/>
+            <a:ext cx="1325050" cy="954107"/>
+          </a:xfrm>
+          <a:prstGeom prst="rect">
+            <a:avLst/>
+          </a:prstGeom>
+          <a:noFill/>
+          <a:ln>
+            <a:solidFill>
+              <a:schemeClr val="accent2"/>
+            </a:solidFill>
+          </a:ln>
+        </p:spPr>
+        <p:txBody>
+          <a:bodyPr wrap="square" rtlCol="0">
+            <a:spAutoFit/>
+          </a:bodyPr>
+          <a:lstStyle/>
+          <a:p>
+            <a:pPr marL="285750" indent="-285750">
+              <a:buFont typeface="Arial" panose="020B0604020202020204" pitchFamily="34" charset="0"/>
+              <a:buChar char="•"/>
+            </a:pPr>
+            <a:r>
+              <a:rPr lang="en-US" sz="1400" dirty="0"/>
+              <a:t>Look for &amp; eliminate duplicates</a:t>
+            </a:r>
+          </a:p>
+          <a:p>
+            <a:pPr marL="285750" indent="-285750">
+              <a:buFont typeface="Arial" panose="020B0604020202020204" pitchFamily="34" charset="0"/>
+              <a:buChar char="•"/>
+            </a:pPr>
+            <a:r>
+              <a:rPr lang="en-US" sz="1400" dirty="0" smtClean="0"/>
+              <a:t>Save </a:t>
+            </a:r>
+            <a:r>
+              <a:rPr lang="en-US" sz="1400" dirty="0" err="1" smtClean="0"/>
+              <a:t>RData</a:t>
+            </a:r>
+            <a:endParaRPr lang="en-US" sz="1400" dirty="0"/>
+          </a:p>
+        </p:txBody>
+      </p:sp>
       <p:cxnSp>
         <p:nvCxnSpPr>
-          <p:cNvPr id="10" name="Elbow Connector 9"/>
+          <p:cNvPr id="8" name="Elbow Connector 7"/>
           <p:cNvCxnSpPr/>
           <p:nvPr/>
         </p:nvCxnSpPr>
         <p:spPr>
           <a:xfrm rot="16200000" flipH="1">
-            <a:off x="3533602" y="1460962"/>
-            <a:ext cx="581894" cy="103912"/>
+            <a:off x="2834172" y="2144845"/>
+            <a:ext cx="1684256" cy="139938"/>
           </a:xfrm>
           <a:prstGeom prst="bentConnector3">
             <a:avLst>
-              <a:gd name="adj1" fmla="val 100000"/>
+              <a:gd name="adj1" fmla="val 99849"/>
             </a:avLst>
           </a:prstGeom>
           <a:ln>
@@ -4488,16 +4551,54 @@
           </a:fontRef>
         </p:style>
       </p:cxnSp>
-      <p:sp>
-        <p:nvSpPr>
-          <p:cNvPr id="11" name="TextBox 10"/>
+      <p:cxnSp>
+        <p:nvCxnSpPr>
+          <p:cNvPr id="13" name="Elbow Connector 12"/>
+          <p:cNvCxnSpPr/>
+          <p:nvPr/>
+        </p:nvCxnSpPr>
+        <p:spPr>
+          <a:xfrm rot="16200000" flipH="1">
+            <a:off x="3626168" y="3827297"/>
+            <a:ext cx="658632" cy="149640"/>
+          </a:xfrm>
+          <a:prstGeom prst="bentConnector3">
+            <a:avLst>
+              <a:gd name="adj1" fmla="val 99223"/>
+            </a:avLst>
+          </a:prstGeom>
+          <a:ln>
+            <a:solidFill>
+              <a:schemeClr val="accent2"/>
+            </a:solidFill>
+            <a:tailEnd type="triangle"/>
+          </a:ln>
+        </p:spPr>
+        <p:style>
+          <a:lnRef idx="1">
+            <a:schemeClr val="accent1"/>
+          </a:lnRef>
+          <a:fillRef idx="0">
+            <a:schemeClr val="accent1"/>
+          </a:fillRef>
+          <a:effectRef idx="0">
+            <a:schemeClr val="accent1"/>
+          </a:effectRef>
+          <a:fontRef idx="minor">
+            <a:schemeClr val="tx1"/>
+          </a:fontRef>
+        </p:style>
+      </p:cxnSp>
+      <p:sp>
+        <p:nvSpPr>
+          <p:cNvPr id="14" name="TextBox 13"/>
           <p:cNvSpPr txBox="1"/>
           <p:nvPr/>
         </p:nvSpPr>
         <p:spPr>
           <a:xfrm>
-            <a:off x="3897286" y="1662548"/>
-            <a:ext cx="2170659" cy="738664"/>
+            <a:off x="3791991" y="2834137"/>
+            <a:ext cx="1578443" cy="738664"/>
           </a:xfrm>
           <a:prstGeom prst="rect">
             <a:avLst/>
@@ -4510,7 +4611,7 @@
           </a:ln>
         </p:spPr>
         <p:txBody>
-          <a:bodyPr wrap="none" rtlCol="0">
+          <a:bodyPr wrap="square" rtlCol="0">
             <a:spAutoFit/>
           </a:bodyPr>
           <a:lstStyle/>
@@ -4520,26 +4621,128 @@
               <a:buChar char="•"/>
             </a:pPr>
             <a:r>
-              <a:rPr lang="en-US" sz="1400" dirty="0" smtClean="0"/>
-              <a:t>Duplicates</a:t>
-            </a:r>
-          </a:p>
+              <a:rPr lang="en-CA" sz="1400" dirty="0" smtClean="0"/>
+              <a:t>Standardize tree species codes</a:t>
+            </a:r>
+          </a:p>
+        </p:txBody>
+      </p:sp>
+      <p:sp>
+        <p:nvSpPr>
+          <p:cNvPr id="17" name="Rectangle 16"/>
+          <p:cNvSpPr/>
+          <p:nvPr/>
+        </p:nvSpPr>
+        <p:spPr>
+          <a:xfrm>
+            <a:off x="7936032" y="169322"/>
+            <a:ext cx="1886989" cy="889462"/>
+          </a:xfrm>
+          <a:prstGeom prst="rect">
+            <a:avLst/>
+          </a:prstGeom>
+        </p:spPr>
+        <p:style>
+          <a:lnRef idx="2">
+            <a:schemeClr val="accent6">
+              <a:shade val="50000"/>
+            </a:schemeClr>
+          </a:lnRef>
+          <a:fillRef idx="1">
+            <a:schemeClr val="accent6"/>
+          </a:fillRef>
+          <a:effectRef idx="0">
+            <a:schemeClr val="accent6"/>
+          </a:effectRef>
+          <a:fontRef idx="minor">
+            <a:schemeClr val="lt1"/>
+          </a:fontRef>
+        </p:style>
+        <p:txBody>
+          <a:bodyPr rtlCol="0" anchor="ctr"/>
+          <a:lstStyle/>
+          <a:p>
+            <a:pPr algn="ctr"/>
+            <a:r>
+              <a:rPr lang="en-US" dirty="0" smtClean="0"/>
+              <a:t>Extract Intersected VRI Dataset</a:t>
+            </a:r>
+            <a:endParaRPr lang="en-US" dirty="0"/>
+          </a:p>
+        </p:txBody>
+      </p:sp>
+      <p:cxnSp>
+        <p:nvCxnSpPr>
+          <p:cNvPr id="18" name="Elbow Connector 17"/>
+          <p:cNvCxnSpPr/>
+          <p:nvPr/>
+        </p:nvCxnSpPr>
+        <p:spPr>
+          <a:xfrm rot="16200000" flipH="1">
+            <a:off x="7900703" y="1297776"/>
+            <a:ext cx="581894" cy="103912"/>
+          </a:xfrm>
+          <a:prstGeom prst="bentConnector3">
+            <a:avLst>
+              <a:gd name="adj1" fmla="val 100000"/>
+            </a:avLst>
+          </a:prstGeom>
+          <a:ln>
+            <a:solidFill>
+              <a:srgbClr val="935C2F"/>
+            </a:solidFill>
+            <a:tailEnd type="triangle"/>
+          </a:ln>
+        </p:spPr>
+        <p:style>
+          <a:lnRef idx="1">
+            <a:schemeClr val="accent1"/>
+          </a:lnRef>
+          <a:fillRef idx="0">
+            <a:schemeClr val="accent1"/>
+          </a:fillRef>
+          <a:effectRef idx="0">
+            <a:schemeClr val="accent1"/>
+          </a:effectRef>
+          <a:fontRef idx="minor">
+            <a:schemeClr val="tx1"/>
+          </a:fontRef>
+        </p:style>
+      </p:cxnSp>
+      <p:sp>
+        <p:nvSpPr>
+          <p:cNvPr id="19" name="TextBox 18"/>
+          <p:cNvSpPr txBox="1"/>
+          <p:nvPr/>
+        </p:nvSpPr>
+        <p:spPr>
+          <a:xfrm>
+            <a:off x="8243606" y="1485930"/>
+            <a:ext cx="2062939" cy="3108543"/>
+          </a:xfrm>
+          <a:prstGeom prst="rect">
+            <a:avLst/>
+          </a:prstGeom>
+          <a:noFill/>
+          <a:ln>
+            <a:solidFill>
+              <a:srgbClr val="935C2F"/>
+            </a:solidFill>
+          </a:ln>
+        </p:spPr>
+        <p:txBody>
+          <a:bodyPr wrap="square" rtlCol="0">
+            <a:spAutoFit/>
+          </a:bodyPr>
+          <a:lstStyle/>
           <a:p>
             <a:pPr marL="285750" indent="-285750">
               <a:buFont typeface="Arial" panose="020B0604020202020204" pitchFamily="34" charset="0"/>
               <a:buChar char="•"/>
             </a:pPr>
             <a:r>
-              <a:rPr lang="en-US" sz="1400" dirty="0" smtClean="0"/>
-              <a:t>Merge </a:t>
-            </a:r>
-            <a:r>
-              <a:rPr lang="en-US" sz="1400" dirty="0" err="1" smtClean="0"/>
-              <a:t>Forsite</a:t>
-            </a:r>
-            <a:r>
-              <a:rPr lang="en-US" sz="1400" dirty="0" smtClean="0"/>
-              <a:t> &amp; Canfor</a:t>
+              <a:rPr lang="en-CA" sz="1400" dirty="0" smtClean="0"/>
+              <a:t>Check for duplicates within each intersected dataset</a:t>
             </a:r>
           </a:p>
           <a:p>
@@ -4548,10 +4751,866 @@
               <a:buChar char="•"/>
             </a:pPr>
             <a:r>
+              <a:rPr lang="en-CA" sz="1400" dirty="0" smtClean="0"/>
+              <a:t>Identify how to extract corrected attributes from full </a:t>
+            </a:r>
+            <a:r>
+              <a:rPr lang="en-CA" sz="1400" dirty="0" err="1" smtClean="0"/>
+              <a:t>vri</a:t>
+            </a:r>
+            <a:r>
+              <a:rPr lang="en-CA" sz="1400" dirty="0" smtClean="0"/>
+              <a:t> table based on a polygon identifier</a:t>
+            </a:r>
+          </a:p>
+          <a:p>
+            <a:pPr marL="285750" indent="-285750">
+              <a:buFont typeface="Arial" panose="020B0604020202020204" pitchFamily="34" charset="0"/>
+              <a:buChar char="•"/>
+            </a:pPr>
+            <a:r>
+              <a:rPr lang="en-CA" sz="1400" dirty="0" smtClean="0"/>
+              <a:t>Check for duplicates among datasets</a:t>
+            </a:r>
+          </a:p>
+          <a:p>
+            <a:pPr marL="285750" indent="-285750">
+              <a:buFont typeface="Arial" panose="020B0604020202020204" pitchFamily="34" charset="0"/>
+              <a:buChar char="•"/>
+            </a:pPr>
+            <a:r>
+              <a:rPr lang="en-CA" sz="1400" dirty="0" smtClean="0"/>
+              <a:t>Extract attributes from full VRI file for each bird point</a:t>
+            </a:r>
+          </a:p>
+          <a:p>
+            <a:pPr marL="285750" indent="-285750">
+              <a:buFont typeface="Arial" panose="020B0604020202020204" pitchFamily="34" charset="0"/>
+              <a:buChar char="•"/>
+            </a:pPr>
+            <a:endParaRPr lang="en-US" sz="1400" dirty="0"/>
+          </a:p>
+        </p:txBody>
+      </p:sp>
+      <p:cxnSp>
+        <p:nvCxnSpPr>
+          <p:cNvPr id="20" name="Elbow Connector 19"/>
+          <p:cNvCxnSpPr/>
+          <p:nvPr/>
+        </p:nvCxnSpPr>
+        <p:spPr>
+          <a:xfrm rot="16200000" flipH="1">
+            <a:off x="7367535" y="2412838"/>
+            <a:ext cx="1684256" cy="139938"/>
+          </a:xfrm>
+          <a:prstGeom prst="bentConnector3">
+            <a:avLst>
+              <a:gd name="adj1" fmla="val 99849"/>
+            </a:avLst>
+          </a:prstGeom>
+          <a:ln>
+            <a:solidFill>
+              <a:srgbClr val="935C2F"/>
+            </a:solidFill>
+            <a:tailEnd type="triangle"/>
+          </a:ln>
+        </p:spPr>
+        <p:style>
+          <a:lnRef idx="1">
+            <a:schemeClr val="accent1"/>
+          </a:lnRef>
+          <a:fillRef idx="0">
+            <a:schemeClr val="accent1"/>
+          </a:fillRef>
+          <a:effectRef idx="0">
+            <a:schemeClr val="accent1"/>
+          </a:effectRef>
+          <a:fontRef idx="minor">
+            <a:schemeClr val="tx1"/>
+          </a:fontRef>
+        </p:style>
+      </p:cxnSp>
+      <p:cxnSp>
+        <p:nvCxnSpPr>
+          <p:cNvPr id="22" name="Elbow Connector 21"/>
+          <p:cNvCxnSpPr/>
+          <p:nvPr/>
+        </p:nvCxnSpPr>
+        <p:spPr>
+          <a:xfrm rot="16200000" flipH="1">
+            <a:off x="7367535" y="4028278"/>
+            <a:ext cx="1684256" cy="139938"/>
+          </a:xfrm>
+          <a:prstGeom prst="bentConnector3">
+            <a:avLst>
+              <a:gd name="adj1" fmla="val 99849"/>
+            </a:avLst>
+          </a:prstGeom>
+          <a:ln>
+            <a:solidFill>
+              <a:srgbClr val="935C2F"/>
+            </a:solidFill>
+            <a:tailEnd type="triangle"/>
+          </a:ln>
+        </p:spPr>
+        <p:style>
+          <a:lnRef idx="1">
+            <a:schemeClr val="accent1"/>
+          </a:lnRef>
+          <a:fillRef idx="0">
+            <a:schemeClr val="accent1"/>
+          </a:fillRef>
+          <a:effectRef idx="0">
+            <a:schemeClr val="accent1"/>
+          </a:effectRef>
+          <a:fontRef idx="minor">
+            <a:schemeClr val="tx1"/>
+          </a:fontRef>
+        </p:style>
+      </p:cxnSp>
+      <p:sp>
+        <p:nvSpPr>
+          <p:cNvPr id="23" name="TextBox 22"/>
+          <p:cNvSpPr txBox="1"/>
+          <p:nvPr/>
+        </p:nvSpPr>
+        <p:spPr>
+          <a:xfrm>
+            <a:off x="8264387" y="4752519"/>
+            <a:ext cx="2062939" cy="307777"/>
+          </a:xfrm>
+          <a:prstGeom prst="rect">
+            <a:avLst/>
+          </a:prstGeom>
+          <a:noFill/>
+          <a:ln>
+            <a:solidFill>
+              <a:srgbClr val="935C2F"/>
+            </a:solidFill>
+          </a:ln>
+        </p:spPr>
+        <p:txBody>
+          <a:bodyPr wrap="square" rtlCol="0">
+            <a:spAutoFit/>
+          </a:bodyPr>
+          <a:lstStyle/>
+          <a:p>
+            <a:pPr marL="285750" indent="-285750">
+              <a:buFont typeface="Arial" panose="020B0604020202020204" pitchFamily="34" charset="0"/>
+              <a:buChar char="•"/>
+            </a:pPr>
+            <a:endParaRPr lang="en-US" sz="1400" dirty="0"/>
+          </a:p>
+        </p:txBody>
+      </p:sp>
+      <p:sp>
+        <p:nvSpPr>
+          <p:cNvPr id="25" name="Rectangle 24"/>
+          <p:cNvSpPr/>
+          <p:nvPr/>
+        </p:nvSpPr>
+        <p:spPr>
+          <a:xfrm>
+            <a:off x="8274089" y="4513593"/>
+            <a:ext cx="2053237" cy="238926"/>
+          </a:xfrm>
+          <a:prstGeom prst="rect">
+            <a:avLst/>
+          </a:prstGeom>
+          <a:solidFill>
+            <a:srgbClr val="EF8C1F">
+              <a:alpha val="69804"/>
+            </a:srgbClr>
+          </a:solidFill>
+          <a:ln>
+            <a:solidFill>
+              <a:srgbClr val="935C2F">
+                <a:alpha val="89804"/>
+              </a:srgbClr>
+            </a:solidFill>
+          </a:ln>
+        </p:spPr>
+        <p:style>
+          <a:lnRef idx="2">
+            <a:schemeClr val="accent2">
+              <a:shade val="50000"/>
+            </a:schemeClr>
+          </a:lnRef>
+          <a:fillRef idx="1">
+            <a:schemeClr val="accent2"/>
+          </a:fillRef>
+          <a:effectRef idx="0">
+            <a:schemeClr val="accent2"/>
+          </a:effectRef>
+          <a:fontRef idx="minor">
+            <a:schemeClr val="lt1"/>
+          </a:fontRef>
+        </p:style>
+        <p:txBody>
+          <a:bodyPr rtlCol="0" anchor="ctr"/>
+          <a:lstStyle/>
+          <a:p>
+            <a:pPr algn="ctr"/>
+            <a:r>
               <a:rPr lang="en-US" sz="1400" dirty="0" smtClean="0"/>
-              <a:t>Save csv</a:t>
+              <a:t>In Matrix Validation file:</a:t>
             </a:r>
             <a:endParaRPr lang="en-US" sz="1400" dirty="0"/>
+          </a:p>
+        </p:txBody>
+      </p:sp>
+      <p:sp>
+        <p:nvSpPr>
+          <p:cNvPr id="7" name="TextBox 6"/>
+          <p:cNvSpPr txBox="1"/>
+          <p:nvPr/>
+        </p:nvSpPr>
+        <p:spPr>
+          <a:xfrm>
+            <a:off x="3803976" y="1229029"/>
+            <a:ext cx="1351652" cy="276999"/>
+          </a:xfrm>
+          <a:prstGeom prst="rect">
+            <a:avLst/>
+          </a:prstGeom>
+          <a:noFill/>
+        </p:spPr>
+        <p:txBody>
+          <a:bodyPr wrap="none" rtlCol="0">
+            <a:spAutoFit/>
+          </a:bodyPr>
+          <a:lstStyle/>
+          <a:p>
+            <a:r>
+              <a:rPr lang="en-CA" sz="1200" dirty="0" smtClean="0"/>
+              <a:t>01.01 – </a:t>
+            </a:r>
+            <a:r>
+              <a:rPr lang="en-CA" sz="1200" dirty="0" err="1" smtClean="0"/>
+              <a:t>Forsite</a:t>
+            </a:r>
+            <a:r>
+              <a:rPr lang="en-CA" sz="1200" dirty="0" smtClean="0"/>
+              <a:t> VRI</a:t>
+            </a:r>
+            <a:endParaRPr lang="en-US" sz="1200" dirty="0"/>
+          </a:p>
+        </p:txBody>
+      </p:sp>
+      <p:sp>
+        <p:nvSpPr>
+          <p:cNvPr id="30" name="TextBox 29"/>
+          <p:cNvSpPr txBox="1"/>
+          <p:nvPr/>
+        </p:nvSpPr>
+        <p:spPr>
+          <a:xfrm>
+            <a:off x="1107063" y="1246702"/>
+            <a:ext cx="537327" cy="276999"/>
+          </a:xfrm>
+          <a:prstGeom prst="rect">
+            <a:avLst/>
+          </a:prstGeom>
+          <a:noFill/>
+        </p:spPr>
+        <p:txBody>
+          <a:bodyPr wrap="none" rtlCol="0">
+            <a:spAutoFit/>
+          </a:bodyPr>
+          <a:lstStyle/>
+          <a:p>
+            <a:r>
+              <a:rPr lang="en-CA" sz="1200" dirty="0" smtClean="0"/>
+              <a:t>00.01</a:t>
+            </a:r>
+            <a:endParaRPr lang="en-US" sz="1200" dirty="0"/>
+          </a:p>
+        </p:txBody>
+      </p:sp>
+      <p:cxnSp>
+        <p:nvCxnSpPr>
+          <p:cNvPr id="44" name="Elbow Connector 43"/>
+          <p:cNvCxnSpPr>
+            <a:endCxn id="11" idx="1"/>
+          </p:cNvCxnSpPr>
+          <p:nvPr/>
+        </p:nvCxnSpPr>
+        <p:spPr>
+          <a:xfrm rot="16200000" flipH="1">
+            <a:off x="5141792" y="1406269"/>
+            <a:ext cx="865998" cy="184272"/>
+          </a:xfrm>
+          <a:prstGeom prst="bentConnector2">
+            <a:avLst/>
+          </a:prstGeom>
+          <a:ln>
+            <a:solidFill>
+              <a:schemeClr val="accent2"/>
+            </a:solidFill>
+            <a:tailEnd type="triangle"/>
+          </a:ln>
+        </p:spPr>
+        <p:style>
+          <a:lnRef idx="1">
+            <a:schemeClr val="accent1"/>
+          </a:lnRef>
+          <a:fillRef idx="0">
+            <a:schemeClr val="accent1"/>
+          </a:fillRef>
+          <a:effectRef idx="0">
+            <a:schemeClr val="accent1"/>
+          </a:effectRef>
+          <a:fontRef idx="minor">
+            <a:schemeClr val="tx1"/>
+          </a:fontRef>
+        </p:style>
+      </p:cxnSp>
+      <p:sp>
+        <p:nvSpPr>
+          <p:cNvPr id="47" name="TextBox 46"/>
+          <p:cNvSpPr txBox="1"/>
+          <p:nvPr/>
+        </p:nvSpPr>
+        <p:spPr>
+          <a:xfrm>
+            <a:off x="3791991" y="1454350"/>
+            <a:ext cx="1578443" cy="954107"/>
+          </a:xfrm>
+          <a:prstGeom prst="rect">
+            <a:avLst/>
+          </a:prstGeom>
+          <a:noFill/>
+          <a:ln>
+            <a:solidFill>
+              <a:schemeClr val="accent2"/>
+            </a:solidFill>
+          </a:ln>
+        </p:spPr>
+        <p:txBody>
+          <a:bodyPr wrap="square" rtlCol="0">
+            <a:spAutoFit/>
+          </a:bodyPr>
+          <a:lstStyle/>
+          <a:p>
+            <a:pPr marL="285750" indent="-285750">
+              <a:buFont typeface="Arial" panose="020B0604020202020204" pitchFamily="34" charset="0"/>
+              <a:buChar char="•"/>
+            </a:pPr>
+            <a:r>
+              <a:rPr lang="en-US" sz="1400" dirty="0"/>
+              <a:t>Look for &amp; eliminate duplicates</a:t>
+            </a:r>
+          </a:p>
+          <a:p>
+            <a:pPr marL="285750" indent="-285750">
+              <a:buFont typeface="Arial" panose="020B0604020202020204" pitchFamily="34" charset="0"/>
+              <a:buChar char="•"/>
+            </a:pPr>
+            <a:r>
+              <a:rPr lang="en-US" sz="1400" dirty="0" smtClean="0"/>
+              <a:t>Save </a:t>
+            </a:r>
+            <a:r>
+              <a:rPr lang="en-US" sz="1400" dirty="0" err="1" smtClean="0"/>
+              <a:t>RData</a:t>
+            </a:r>
+            <a:endParaRPr lang="en-US" sz="1400" dirty="0"/>
+          </a:p>
+        </p:txBody>
+      </p:sp>
+      <p:cxnSp>
+        <p:nvCxnSpPr>
+          <p:cNvPr id="48" name="Elbow Connector 47"/>
+          <p:cNvCxnSpPr>
+            <a:endCxn id="47" idx="1"/>
+          </p:cNvCxnSpPr>
+          <p:nvPr/>
+        </p:nvCxnSpPr>
+        <p:spPr>
+          <a:xfrm rot="16200000" flipH="1">
+            <a:off x="3266856" y="1406269"/>
+            <a:ext cx="865998" cy="184272"/>
+          </a:xfrm>
+          <a:prstGeom prst="bentConnector2">
+            <a:avLst/>
+          </a:prstGeom>
+          <a:ln>
+            <a:solidFill>
+              <a:schemeClr val="accent2"/>
+            </a:solidFill>
+            <a:tailEnd type="triangle"/>
+          </a:ln>
+        </p:spPr>
+        <p:style>
+          <a:lnRef idx="1">
+            <a:schemeClr val="accent1"/>
+          </a:lnRef>
+          <a:fillRef idx="0">
+            <a:schemeClr val="accent1"/>
+          </a:fillRef>
+          <a:effectRef idx="0">
+            <a:schemeClr val="accent1"/>
+          </a:effectRef>
+          <a:fontRef idx="minor">
+            <a:schemeClr val="tx1"/>
+          </a:fontRef>
+        </p:style>
+      </p:cxnSp>
+      <p:sp>
+        <p:nvSpPr>
+          <p:cNvPr id="51" name="TextBox 50"/>
+          <p:cNvSpPr txBox="1"/>
+          <p:nvPr/>
+        </p:nvSpPr>
+        <p:spPr>
+          <a:xfrm>
+            <a:off x="5611765" y="1218412"/>
+            <a:ext cx="1342740" cy="276999"/>
+          </a:xfrm>
+          <a:prstGeom prst="rect">
+            <a:avLst/>
+          </a:prstGeom>
+          <a:noFill/>
+        </p:spPr>
+        <p:txBody>
+          <a:bodyPr wrap="none" rtlCol="0">
+            <a:spAutoFit/>
+          </a:bodyPr>
+          <a:lstStyle/>
+          <a:p>
+            <a:r>
+              <a:rPr lang="en-CA" sz="1200" dirty="0" smtClean="0"/>
+              <a:t>01.02 – Canfor TFL</a:t>
+            </a:r>
+            <a:endParaRPr lang="en-US" sz="1200" dirty="0"/>
+          </a:p>
+        </p:txBody>
+      </p:sp>
+      <p:sp>
+        <p:nvSpPr>
+          <p:cNvPr id="52" name="TextBox 51"/>
+          <p:cNvSpPr txBox="1"/>
+          <p:nvPr/>
+        </p:nvSpPr>
+        <p:spPr>
+          <a:xfrm>
+            <a:off x="4063756" y="3957932"/>
+            <a:ext cx="1581011" cy="738664"/>
+          </a:xfrm>
+          <a:prstGeom prst="rect">
+            <a:avLst/>
+          </a:prstGeom>
+          <a:noFill/>
+          <a:ln>
+            <a:solidFill>
+              <a:schemeClr val="accent2"/>
+            </a:solidFill>
+          </a:ln>
+        </p:spPr>
+        <p:txBody>
+          <a:bodyPr wrap="square" rtlCol="0">
+            <a:spAutoFit/>
+          </a:bodyPr>
+          <a:lstStyle/>
+          <a:p>
+            <a:pPr marL="285750" indent="-285750">
+              <a:buFont typeface="Arial" panose="020B0604020202020204" pitchFamily="34" charset="0"/>
+              <a:buChar char="•"/>
+            </a:pPr>
+            <a:r>
+              <a:rPr lang="en-CA" sz="1400" dirty="0" smtClean="0"/>
+              <a:t>Quality-check and correct stand areas</a:t>
+            </a:r>
+          </a:p>
+        </p:txBody>
+      </p:sp>
+      <p:sp>
+        <p:nvSpPr>
+          <p:cNvPr id="53" name="TextBox 52"/>
+          <p:cNvSpPr txBox="1"/>
+          <p:nvPr/>
+        </p:nvSpPr>
+        <p:spPr>
+          <a:xfrm>
+            <a:off x="4063756" y="4898221"/>
+            <a:ext cx="1581011" cy="738664"/>
+          </a:xfrm>
+          <a:prstGeom prst="rect">
+            <a:avLst/>
+          </a:prstGeom>
+          <a:noFill/>
+          <a:ln>
+            <a:solidFill>
+              <a:schemeClr val="accent2"/>
+            </a:solidFill>
+          </a:ln>
+        </p:spPr>
+        <p:txBody>
+          <a:bodyPr wrap="square" rtlCol="0">
+            <a:spAutoFit/>
+          </a:bodyPr>
+          <a:lstStyle/>
+          <a:p>
+            <a:pPr marL="285750" indent="-285750">
+              <a:buFont typeface="Arial" panose="020B0604020202020204" pitchFamily="34" charset="0"/>
+              <a:buChar char="•"/>
+            </a:pPr>
+            <a:r>
+              <a:rPr lang="en-CA" sz="1400" dirty="0" smtClean="0"/>
+              <a:t>Quality-check </a:t>
+            </a:r>
+            <a:r>
+              <a:rPr lang="en-CA" sz="1400" dirty="0"/>
+              <a:t>and correct stand </a:t>
+            </a:r>
+            <a:r>
+              <a:rPr lang="en-CA" sz="1400" dirty="0" smtClean="0"/>
+              <a:t>ranks</a:t>
+            </a:r>
+            <a:endParaRPr lang="en-CA" sz="1400" dirty="0"/>
+          </a:p>
+        </p:txBody>
+      </p:sp>
+      <p:cxnSp>
+        <p:nvCxnSpPr>
+          <p:cNvPr id="54" name="Elbow Connector 53"/>
+          <p:cNvCxnSpPr/>
+          <p:nvPr/>
+        </p:nvCxnSpPr>
+        <p:spPr>
+          <a:xfrm rot="16200000" flipH="1">
+            <a:off x="3108505" y="4355456"/>
+            <a:ext cx="1684256" cy="139938"/>
+          </a:xfrm>
+          <a:prstGeom prst="bentConnector3">
+            <a:avLst>
+              <a:gd name="adj1" fmla="val 99849"/>
+            </a:avLst>
+          </a:prstGeom>
+          <a:ln>
+            <a:solidFill>
+              <a:schemeClr val="accent2"/>
+            </a:solidFill>
+            <a:tailEnd type="triangle"/>
+          </a:ln>
+        </p:spPr>
+        <p:style>
+          <a:lnRef idx="1">
+            <a:schemeClr val="accent1"/>
+          </a:lnRef>
+          <a:fillRef idx="0">
+            <a:schemeClr val="accent1"/>
+          </a:fillRef>
+          <a:effectRef idx="0">
+            <a:schemeClr val="accent1"/>
+          </a:effectRef>
+          <a:fontRef idx="minor">
+            <a:schemeClr val="tx1"/>
+          </a:fontRef>
+        </p:style>
+      </p:cxnSp>
+      <p:sp>
+        <p:nvSpPr>
+          <p:cNvPr id="55" name="TextBox 54"/>
+          <p:cNvSpPr txBox="1"/>
+          <p:nvPr/>
+        </p:nvSpPr>
+        <p:spPr>
+          <a:xfrm>
+            <a:off x="3789423" y="2613603"/>
+            <a:ext cx="1560299" cy="461665"/>
+          </a:xfrm>
+          <a:prstGeom prst="rect">
+            <a:avLst/>
+          </a:prstGeom>
+          <a:noFill/>
+        </p:spPr>
+        <p:txBody>
+          <a:bodyPr wrap="none" rtlCol="0">
+            <a:spAutoFit/>
+          </a:bodyPr>
+          <a:lstStyle/>
+          <a:p>
+            <a:r>
+              <a:rPr lang="en-CA" sz="1200" dirty="0" smtClean="0"/>
+              <a:t>01.01a - tree </a:t>
+            </a:r>
+            <a:r>
+              <a:rPr lang="en-CA" sz="1200" dirty="0" err="1" smtClean="0"/>
+              <a:t>sp</a:t>
+            </a:r>
+            <a:r>
+              <a:rPr lang="en-CA" sz="1200" dirty="0" smtClean="0"/>
+              <a:t> group</a:t>
+            </a:r>
+          </a:p>
+          <a:p>
+            <a:endParaRPr lang="en-US" sz="1200" dirty="0"/>
+          </a:p>
+        </p:txBody>
+      </p:sp>
+      <p:sp>
+        <p:nvSpPr>
+          <p:cNvPr id="56" name="TextBox 55"/>
+          <p:cNvSpPr txBox="1"/>
+          <p:nvPr/>
+        </p:nvSpPr>
+        <p:spPr>
+          <a:xfrm>
+            <a:off x="4063756" y="3739349"/>
+            <a:ext cx="1418145" cy="276999"/>
+          </a:xfrm>
+          <a:prstGeom prst="rect">
+            <a:avLst/>
+          </a:prstGeom>
+          <a:noFill/>
+        </p:spPr>
+        <p:txBody>
+          <a:bodyPr wrap="none" rtlCol="0">
+            <a:spAutoFit/>
+          </a:bodyPr>
+          <a:lstStyle/>
+          <a:p>
+            <a:r>
+              <a:rPr lang="en-CA" sz="1200" dirty="0" smtClean="0"/>
+              <a:t>01.01b – stand area</a:t>
+            </a:r>
+            <a:endParaRPr lang="en-US" sz="1200" dirty="0"/>
+          </a:p>
+        </p:txBody>
+      </p:sp>
+      <p:sp>
+        <p:nvSpPr>
+          <p:cNvPr id="57" name="TextBox 56"/>
+          <p:cNvSpPr txBox="1"/>
+          <p:nvPr/>
+        </p:nvSpPr>
+        <p:spPr>
+          <a:xfrm>
+            <a:off x="4063756" y="4681588"/>
+            <a:ext cx="1402628" cy="276999"/>
+          </a:xfrm>
+          <a:prstGeom prst="rect">
+            <a:avLst/>
+          </a:prstGeom>
+          <a:noFill/>
+        </p:spPr>
+        <p:txBody>
+          <a:bodyPr wrap="none" rtlCol="0">
+            <a:spAutoFit/>
+          </a:bodyPr>
+          <a:lstStyle/>
+          <a:p>
+            <a:r>
+              <a:rPr lang="en-CA" sz="1200" dirty="0" smtClean="0"/>
+              <a:t>01.01c – stand rank</a:t>
+            </a:r>
+            <a:endParaRPr lang="en-US" sz="1200" dirty="0"/>
+          </a:p>
+        </p:txBody>
+      </p:sp>
+      <p:cxnSp>
+        <p:nvCxnSpPr>
+          <p:cNvPr id="62" name="Elbow Connector 61"/>
+          <p:cNvCxnSpPr/>
+          <p:nvPr/>
+        </p:nvCxnSpPr>
+        <p:spPr>
+          <a:xfrm rot="16200000" flipH="1">
+            <a:off x="4251896" y="5903142"/>
+            <a:ext cx="658632" cy="149640"/>
+          </a:xfrm>
+          <a:prstGeom prst="bentConnector3">
+            <a:avLst>
+              <a:gd name="adj1" fmla="val 99223"/>
+            </a:avLst>
+          </a:prstGeom>
+          <a:ln>
+            <a:solidFill>
+              <a:schemeClr val="accent2"/>
+            </a:solidFill>
+            <a:tailEnd type="triangle"/>
+          </a:ln>
+        </p:spPr>
+        <p:style>
+          <a:lnRef idx="1">
+            <a:schemeClr val="accent1"/>
+          </a:lnRef>
+          <a:fillRef idx="0">
+            <a:schemeClr val="accent1"/>
+          </a:fillRef>
+          <a:effectRef idx="0">
+            <a:schemeClr val="accent1"/>
+          </a:effectRef>
+          <a:fontRef idx="minor">
+            <a:schemeClr val="tx1"/>
+          </a:fontRef>
+        </p:style>
+      </p:cxnSp>
+      <p:cxnSp>
+        <p:nvCxnSpPr>
+          <p:cNvPr id="63" name="Elbow Connector 62"/>
+          <p:cNvCxnSpPr/>
+          <p:nvPr/>
+        </p:nvCxnSpPr>
+        <p:spPr>
+          <a:xfrm rot="5400000">
+            <a:off x="4796309" y="4209351"/>
+            <a:ext cx="3957791" cy="358602"/>
+          </a:xfrm>
+          <a:prstGeom prst="bentConnector3">
+            <a:avLst>
+              <a:gd name="adj1" fmla="val 99988"/>
+            </a:avLst>
+          </a:prstGeom>
+          <a:ln>
+            <a:solidFill>
+              <a:schemeClr val="accent2"/>
+            </a:solidFill>
+            <a:tailEnd type="triangle"/>
+          </a:ln>
+        </p:spPr>
+        <p:style>
+          <a:lnRef idx="1">
+            <a:schemeClr val="accent1"/>
+          </a:lnRef>
+          <a:fillRef idx="0">
+            <a:schemeClr val="accent1"/>
+          </a:fillRef>
+          <a:effectRef idx="0">
+            <a:schemeClr val="accent1"/>
+          </a:effectRef>
+          <a:fontRef idx="minor">
+            <a:schemeClr val="tx1"/>
+          </a:fontRef>
+        </p:style>
+      </p:cxnSp>
+      <p:sp>
+        <p:nvSpPr>
+          <p:cNvPr id="68" name="TextBox 67"/>
+          <p:cNvSpPr txBox="1"/>
+          <p:nvPr/>
+        </p:nvSpPr>
+        <p:spPr>
+          <a:xfrm>
+            <a:off x="4675878" y="5834900"/>
+            <a:ext cx="1882554" cy="954107"/>
+          </a:xfrm>
+          <a:prstGeom prst="rect">
+            <a:avLst/>
+          </a:prstGeom>
+          <a:noFill/>
+          <a:ln>
+            <a:solidFill>
+              <a:schemeClr val="accent2"/>
+            </a:solidFill>
+          </a:ln>
+        </p:spPr>
+        <p:txBody>
+          <a:bodyPr wrap="square" rtlCol="0">
+            <a:spAutoFit/>
+          </a:bodyPr>
+          <a:lstStyle/>
+          <a:p>
+            <a:pPr marL="285750" indent="-285750">
+              <a:buFont typeface="Arial" panose="020B0604020202020204" pitchFamily="34" charset="0"/>
+              <a:buChar char="•"/>
+            </a:pPr>
+            <a:r>
+              <a:rPr lang="en-CA" sz="1400" dirty="0" smtClean="0"/>
+              <a:t>Format dates</a:t>
+            </a:r>
+          </a:p>
+          <a:p>
+            <a:pPr marL="285750" indent="-285750">
+              <a:buFont typeface="Arial" panose="020B0604020202020204" pitchFamily="34" charset="0"/>
+              <a:buChar char="•"/>
+            </a:pPr>
+            <a:r>
+              <a:rPr lang="en-CA" sz="1400" dirty="0" smtClean="0"/>
+              <a:t>Extract years</a:t>
+            </a:r>
+          </a:p>
+          <a:p>
+            <a:pPr marL="285750" indent="-285750">
+              <a:buFont typeface="Arial" panose="020B0604020202020204" pitchFamily="34" charset="0"/>
+              <a:buChar char="•"/>
+            </a:pPr>
+            <a:r>
+              <a:rPr lang="en-CA" sz="1400" dirty="0" smtClean="0"/>
+              <a:t>Class age</a:t>
+            </a:r>
+          </a:p>
+          <a:p>
+            <a:pPr marL="285750" indent="-285750">
+              <a:buFont typeface="Arial" panose="020B0604020202020204" pitchFamily="34" charset="0"/>
+              <a:buChar char="•"/>
+            </a:pPr>
+            <a:r>
+              <a:rPr lang="en-CA" sz="1400" dirty="0" smtClean="0"/>
+              <a:t>Class height</a:t>
+            </a:r>
+            <a:endParaRPr lang="en-CA" sz="1400" dirty="0"/>
+          </a:p>
+        </p:txBody>
+      </p:sp>
+      <p:sp>
+        <p:nvSpPr>
+          <p:cNvPr id="69" name="TextBox 68"/>
+          <p:cNvSpPr txBox="1"/>
+          <p:nvPr/>
+        </p:nvSpPr>
+        <p:spPr>
+          <a:xfrm>
+            <a:off x="4803386" y="5623827"/>
+            <a:ext cx="1373902" cy="276999"/>
+          </a:xfrm>
+          <a:prstGeom prst="rect">
+            <a:avLst/>
+          </a:prstGeom>
+          <a:noFill/>
+        </p:spPr>
+        <p:txBody>
+          <a:bodyPr wrap="none" rtlCol="0">
+            <a:spAutoFit/>
+          </a:bodyPr>
+          <a:lstStyle/>
+          <a:p>
+            <a:r>
+              <a:rPr lang="en-CA" sz="1200" dirty="0" smtClean="0"/>
+              <a:t>01.03 – merge files</a:t>
+            </a:r>
+            <a:endParaRPr lang="en-US" sz="1200" dirty="0"/>
+          </a:p>
+        </p:txBody>
+      </p:sp>
+      <p:sp>
+        <p:nvSpPr>
+          <p:cNvPr id="70" name="TextBox 69"/>
+          <p:cNvSpPr txBox="1"/>
+          <p:nvPr/>
+        </p:nvSpPr>
+        <p:spPr>
+          <a:xfrm>
+            <a:off x="8221653" y="1266036"/>
+            <a:ext cx="684803" cy="276999"/>
+          </a:xfrm>
+          <a:prstGeom prst="rect">
+            <a:avLst/>
+          </a:prstGeom>
+          <a:noFill/>
+        </p:spPr>
+        <p:txBody>
+          <a:bodyPr wrap="none" rtlCol="0">
+            <a:spAutoFit/>
+          </a:bodyPr>
+          <a:lstStyle/>
+          <a:p>
+            <a:r>
+              <a:rPr lang="en-CA" sz="1200" dirty="0" smtClean="0"/>
+              <a:t>02.01 – </a:t>
+            </a:r>
+            <a:endParaRPr lang="en-US" sz="1200" dirty="0"/>
           </a:p>
         </p:txBody>
       </p:sp>

--- a/VRI_bird_data_scenarios.pptx
+++ b/VRI_bird_data_scenarios.pptx
@@ -6,7 +6,8 @@
   </p:sldMasterIdLst>
   <p:sldIdLst>
     <p:sldId id="256" r:id="rId2"/>
-    <p:sldId id="257" r:id="rId3"/>
+    <p:sldId id="258" r:id="rId3"/>
+    <p:sldId id="257" r:id="rId4"/>
   </p:sldIdLst>
   <p:sldSz cx="12192000" cy="6858000"/>
   <p:notesSz cx="6858000" cy="9144000"/>
@@ -244,7 +245,7 @@
           <a:p>
             <a:fld id="{2D5072A0-6F4A-496D-BC20-1C16D5D961A8}" type="datetimeFigureOut">
               <a:rPr lang="en-US" smtClean="0"/>
-              <a:t>12/20/2017</a:t>
+              <a:t>12/22/2017</a:t>
             </a:fld>
             <a:endParaRPr lang="en-US"/>
           </a:p>
@@ -414,7 +415,7 @@
           <a:p>
             <a:fld id="{2D5072A0-6F4A-496D-BC20-1C16D5D961A8}" type="datetimeFigureOut">
               <a:rPr lang="en-US" smtClean="0"/>
-              <a:t>12/20/2017</a:t>
+              <a:t>12/22/2017</a:t>
             </a:fld>
             <a:endParaRPr lang="en-US"/>
           </a:p>
@@ -594,7 +595,7 @@
           <a:p>
             <a:fld id="{2D5072A0-6F4A-496D-BC20-1C16D5D961A8}" type="datetimeFigureOut">
               <a:rPr lang="en-US" smtClean="0"/>
-              <a:t>12/20/2017</a:t>
+              <a:t>12/22/2017</a:t>
             </a:fld>
             <a:endParaRPr lang="en-US"/>
           </a:p>
@@ -764,7 +765,7 @@
           <a:p>
             <a:fld id="{2D5072A0-6F4A-496D-BC20-1C16D5D961A8}" type="datetimeFigureOut">
               <a:rPr lang="en-US" smtClean="0"/>
-              <a:t>12/20/2017</a:t>
+              <a:t>12/22/2017</a:t>
             </a:fld>
             <a:endParaRPr lang="en-US"/>
           </a:p>
@@ -1010,7 +1011,7 @@
           <a:p>
             <a:fld id="{2D5072A0-6F4A-496D-BC20-1C16D5D961A8}" type="datetimeFigureOut">
               <a:rPr lang="en-US" smtClean="0"/>
-              <a:t>12/20/2017</a:t>
+              <a:t>12/22/2017</a:t>
             </a:fld>
             <a:endParaRPr lang="en-US"/>
           </a:p>
@@ -1242,7 +1243,7 @@
           <a:p>
             <a:fld id="{2D5072A0-6F4A-496D-BC20-1C16D5D961A8}" type="datetimeFigureOut">
               <a:rPr lang="en-US" smtClean="0"/>
-              <a:t>12/20/2017</a:t>
+              <a:t>12/22/2017</a:t>
             </a:fld>
             <a:endParaRPr lang="en-US"/>
           </a:p>
@@ -1609,7 +1610,7 @@
           <a:p>
             <a:fld id="{2D5072A0-6F4A-496D-BC20-1C16D5D961A8}" type="datetimeFigureOut">
               <a:rPr lang="en-US" smtClean="0"/>
-              <a:t>12/20/2017</a:t>
+              <a:t>12/22/2017</a:t>
             </a:fld>
             <a:endParaRPr lang="en-US"/>
           </a:p>
@@ -1727,7 +1728,7 @@
           <a:p>
             <a:fld id="{2D5072A0-6F4A-496D-BC20-1C16D5D961A8}" type="datetimeFigureOut">
               <a:rPr lang="en-US" smtClean="0"/>
-              <a:t>12/20/2017</a:t>
+              <a:t>12/22/2017</a:t>
             </a:fld>
             <a:endParaRPr lang="en-US"/>
           </a:p>
@@ -1822,7 +1823,7 @@
           <a:p>
             <a:fld id="{2D5072A0-6F4A-496D-BC20-1C16D5D961A8}" type="datetimeFigureOut">
               <a:rPr lang="en-US" smtClean="0"/>
-              <a:t>12/20/2017</a:t>
+              <a:t>12/22/2017</a:t>
             </a:fld>
             <a:endParaRPr lang="en-US"/>
           </a:p>
@@ -2099,7 +2100,7 @@
           <a:p>
             <a:fld id="{2D5072A0-6F4A-496D-BC20-1C16D5D961A8}" type="datetimeFigureOut">
               <a:rPr lang="en-US" smtClean="0"/>
-              <a:t>12/20/2017</a:t>
+              <a:t>12/22/2017</a:t>
             </a:fld>
             <a:endParaRPr lang="en-US"/>
           </a:p>
@@ -2352,7 +2353,7 @@
           <a:p>
             <a:fld id="{2D5072A0-6F4A-496D-BC20-1C16D5D961A8}" type="datetimeFigureOut">
               <a:rPr lang="en-US" smtClean="0"/>
-              <a:t>12/20/2017</a:t>
+              <a:t>12/22/2017</a:t>
             </a:fld>
             <a:endParaRPr lang="en-US"/>
           </a:p>
@@ -2565,7 +2566,7 @@
           <a:p>
             <a:fld id="{2D5072A0-6F4A-496D-BC20-1C16D5D961A8}" type="datetimeFigureOut">
               <a:rPr lang="en-US" smtClean="0"/>
-              <a:t>12/20/2017</a:t>
+              <a:t>12/22/2017</a:t>
             </a:fld>
             <a:endParaRPr lang="en-US"/>
           </a:p>
@@ -2970,1260 +2971,1521 @@
           <a:chExt cx="0" cy="0"/>
         </a:xfrm>
       </p:grpSpPr>
-      <p:grpSp>
-        <p:nvGrpSpPr>
-          <p:cNvPr id="52" name="Group 51"/>
-          <p:cNvGrpSpPr/>
-          <p:nvPr/>
-        </p:nvGrpSpPr>
-        <p:grpSpPr>
-          <a:xfrm>
-            <a:off x="137159" y="275282"/>
-            <a:ext cx="10162310" cy="5649110"/>
-            <a:chOff x="137159" y="275282"/>
-            <a:chExt cx="10162310" cy="5649110"/>
-          </a:xfrm>
-        </p:grpSpPr>
-        <p:cxnSp>
-          <p:nvCxnSpPr>
-            <p:cNvPr id="5" name="Straight Arrow Connector 4"/>
-            <p:cNvCxnSpPr/>
-            <p:nvPr/>
-          </p:nvCxnSpPr>
-          <p:spPr>
-            <a:xfrm>
-              <a:off x="166255" y="2940558"/>
-              <a:ext cx="4372494" cy="0"/>
-            </a:xfrm>
-            <a:prstGeom prst="straightConnector1">
-              <a:avLst/>
-            </a:prstGeom>
-            <a:ln w="12700">
-              <a:tailEnd type="triangle"/>
-            </a:ln>
-          </p:spPr>
-          <p:style>
-            <a:lnRef idx="1">
-              <a:schemeClr val="accent1"/>
-            </a:lnRef>
-            <a:fillRef idx="0">
-              <a:schemeClr val="accent1"/>
-            </a:fillRef>
-            <a:effectRef idx="0">
-              <a:schemeClr val="accent1"/>
-            </a:effectRef>
-            <a:fontRef idx="minor">
-              <a:schemeClr val="tx1"/>
-            </a:fontRef>
-          </p:style>
-        </p:cxnSp>
-        <p:sp>
-          <p:nvSpPr>
-            <p:cNvPr id="6" name="Rectangle 5"/>
-            <p:cNvSpPr/>
-            <p:nvPr/>
-          </p:nvSpPr>
-          <p:spPr>
-            <a:xfrm>
-              <a:off x="228599" y="2292165"/>
-              <a:ext cx="1221971" cy="548640"/>
-            </a:xfrm>
-            <a:prstGeom prst="rect">
-              <a:avLst/>
-            </a:prstGeom>
-          </p:spPr>
-          <p:style>
-            <a:lnRef idx="2">
-              <a:schemeClr val="accent1">
-                <a:shade val="50000"/>
-              </a:schemeClr>
-            </a:lnRef>
-            <a:fillRef idx="1">
-              <a:schemeClr val="accent1"/>
-            </a:fillRef>
-            <a:effectRef idx="0">
-              <a:schemeClr val="accent1"/>
-            </a:effectRef>
-            <a:fontRef idx="minor">
-              <a:schemeClr val="lt1"/>
-            </a:fontRef>
-          </p:style>
-          <p:txBody>
-            <a:bodyPr rtlCol="0" anchor="ctr"/>
-            <a:lstStyle/>
-            <a:p>
-              <a:pPr algn="ctr"/>
-              <a:r>
-                <a:rPr lang="en-CA" sz="1600" dirty="0" smtClean="0"/>
-                <a:t>Reference Year</a:t>
-              </a:r>
-              <a:endParaRPr lang="en-US" sz="1600" dirty="0"/>
-            </a:p>
-          </p:txBody>
-        </p:sp>
-        <p:sp>
-          <p:nvSpPr>
-            <p:cNvPr id="7" name="Rectangle 6"/>
-            <p:cNvSpPr/>
-            <p:nvPr/>
-          </p:nvSpPr>
-          <p:spPr>
-            <a:xfrm>
-              <a:off x="1596733" y="2292165"/>
-              <a:ext cx="1294015" cy="548640"/>
-            </a:xfrm>
-            <a:prstGeom prst="rect">
-              <a:avLst/>
-            </a:prstGeom>
-          </p:spPr>
-          <p:style>
-            <a:lnRef idx="2">
-              <a:schemeClr val="accent3">
-                <a:shade val="50000"/>
-              </a:schemeClr>
-            </a:lnRef>
-            <a:fillRef idx="1">
-              <a:schemeClr val="accent3"/>
-            </a:fillRef>
-            <a:effectRef idx="0">
-              <a:schemeClr val="accent3"/>
-            </a:effectRef>
-            <a:fontRef idx="minor">
-              <a:schemeClr val="lt1"/>
-            </a:fontRef>
-          </p:style>
-          <p:txBody>
-            <a:bodyPr rtlCol="0" anchor="ctr"/>
-            <a:lstStyle/>
-            <a:p>
-              <a:pPr algn="ctr"/>
-              <a:r>
-                <a:rPr lang="en-CA" sz="1600" dirty="0" smtClean="0"/>
-                <a:t>Disturbance Year</a:t>
-              </a:r>
-              <a:endParaRPr lang="en-US" sz="1600" dirty="0"/>
-            </a:p>
-          </p:txBody>
-        </p:sp>
-        <p:sp>
-          <p:nvSpPr>
-            <p:cNvPr id="8" name="Rectangle 7"/>
-            <p:cNvSpPr/>
-            <p:nvPr/>
-          </p:nvSpPr>
-          <p:spPr>
-            <a:xfrm>
-              <a:off x="3060467" y="2292165"/>
-              <a:ext cx="875608" cy="548640"/>
-            </a:xfrm>
-            <a:prstGeom prst="rect">
-              <a:avLst/>
-            </a:prstGeom>
-          </p:spPr>
-          <p:style>
-            <a:lnRef idx="2">
-              <a:schemeClr val="accent4">
-                <a:shade val="50000"/>
-              </a:schemeClr>
-            </a:lnRef>
-            <a:fillRef idx="1">
-              <a:schemeClr val="accent4"/>
-            </a:fillRef>
-            <a:effectRef idx="0">
-              <a:schemeClr val="accent4"/>
-            </a:effectRef>
-            <a:fontRef idx="minor">
-              <a:schemeClr val="lt1"/>
-            </a:fontRef>
-          </p:style>
-          <p:txBody>
-            <a:bodyPr rtlCol="0" anchor="ctr"/>
-            <a:lstStyle/>
-            <a:p>
-              <a:pPr algn="ctr"/>
-              <a:r>
-                <a:rPr lang="en-CA" sz="1600" dirty="0" smtClean="0"/>
-                <a:t>Bird Survey</a:t>
-              </a:r>
-              <a:endParaRPr lang="en-US" sz="1600" dirty="0"/>
-            </a:p>
-          </p:txBody>
-        </p:sp>
-        <p:sp>
-          <p:nvSpPr>
-            <p:cNvPr id="9" name="TextBox 8"/>
-            <p:cNvSpPr txBox="1"/>
-            <p:nvPr/>
-          </p:nvSpPr>
-          <p:spPr>
-            <a:xfrm>
-              <a:off x="4484023" y="1947112"/>
-              <a:ext cx="5760720" cy="1169551"/>
-            </a:xfrm>
-            <a:prstGeom prst="rect">
-              <a:avLst/>
-            </a:prstGeom>
-            <a:noFill/>
-          </p:spPr>
-          <p:txBody>
-            <a:bodyPr wrap="square" rtlCol="0">
-              <a:spAutoFit/>
-            </a:bodyPr>
-            <a:lstStyle/>
-            <a:p>
-              <a:r>
-                <a:rPr lang="en-CA" sz="1400" dirty="0" smtClean="0"/>
-                <a:t>A disturbance occurred after the inventory and before the bird survey. </a:t>
-              </a:r>
-            </a:p>
-            <a:p>
-              <a:r>
-                <a:rPr lang="en-CA" sz="1400" dirty="0" smtClean="0">
-                  <a:sym typeface="Wingdings" panose="05000000000000000000" pitchFamily="2" charset="2"/>
-                </a:rPr>
-                <a:t> PROBABLE</a:t>
-              </a:r>
-              <a:r>
-                <a:rPr lang="en-CA" sz="1400" dirty="0" smtClean="0"/>
-                <a:t> MISMATCH: Inventory reflects pre-disturbance conditions, but bird survey represents post-disturbance conditions. </a:t>
-              </a:r>
-            </a:p>
-            <a:p>
-              <a:r>
-                <a:rPr lang="en-CA" sz="1400" dirty="0" smtClean="0">
-                  <a:sym typeface="Wingdings" panose="05000000000000000000" pitchFamily="2" charset="2"/>
-                </a:rPr>
-                <a:t> </a:t>
-              </a:r>
-              <a:r>
-                <a:rPr lang="en-CA" sz="1400" dirty="0" smtClean="0"/>
-                <a:t>EXCEPTION: If 2014 VRI dataset </a:t>
-              </a:r>
-              <a:r>
-                <a:rPr lang="en-CA" sz="1400" b="1" dirty="0" smtClean="0"/>
-                <a:t>was </a:t>
-              </a:r>
-              <a:r>
-                <a:rPr lang="en-CA" sz="1400" dirty="0" smtClean="0"/>
-                <a:t>updated after the disturbance, then it might represent bird conditions.</a:t>
-              </a:r>
-              <a:endParaRPr lang="en-US" sz="1400" dirty="0"/>
-            </a:p>
-          </p:txBody>
-        </p:sp>
-        <p:cxnSp>
-          <p:nvCxnSpPr>
-            <p:cNvPr id="14" name="Straight Arrow Connector 13"/>
-            <p:cNvCxnSpPr/>
-            <p:nvPr/>
-          </p:nvCxnSpPr>
-          <p:spPr>
-            <a:xfrm>
-              <a:off x="137159" y="5082920"/>
-              <a:ext cx="4364181" cy="0"/>
-            </a:xfrm>
-            <a:prstGeom prst="straightConnector1">
-              <a:avLst/>
-            </a:prstGeom>
-            <a:ln w="12700">
-              <a:tailEnd type="triangle"/>
-            </a:ln>
-          </p:spPr>
-          <p:style>
-            <a:lnRef idx="1">
-              <a:schemeClr val="accent1"/>
-            </a:lnRef>
-            <a:fillRef idx="0">
-              <a:schemeClr val="accent1"/>
-            </a:fillRef>
-            <a:effectRef idx="0">
-              <a:schemeClr val="accent1"/>
-            </a:effectRef>
-            <a:fontRef idx="minor">
-              <a:schemeClr val="tx1"/>
-            </a:fontRef>
-          </p:style>
-        </p:cxnSp>
-        <p:sp>
-          <p:nvSpPr>
-            <p:cNvPr id="15" name="Rectangle 14"/>
-            <p:cNvSpPr/>
-            <p:nvPr/>
-          </p:nvSpPr>
-          <p:spPr>
-            <a:xfrm>
-              <a:off x="228599" y="4434527"/>
-              <a:ext cx="1221971" cy="548640"/>
-            </a:xfrm>
-            <a:prstGeom prst="rect">
-              <a:avLst/>
-            </a:prstGeom>
-          </p:spPr>
-          <p:style>
-            <a:lnRef idx="2">
-              <a:schemeClr val="accent1">
-                <a:shade val="50000"/>
-              </a:schemeClr>
-            </a:lnRef>
-            <a:fillRef idx="1">
-              <a:schemeClr val="accent1"/>
-            </a:fillRef>
-            <a:effectRef idx="0">
-              <a:schemeClr val="accent1"/>
-            </a:effectRef>
-            <a:fontRef idx="minor">
-              <a:schemeClr val="lt1"/>
-            </a:fontRef>
-          </p:style>
-          <p:txBody>
-            <a:bodyPr rtlCol="0" anchor="ctr"/>
-            <a:lstStyle/>
-            <a:p>
-              <a:pPr algn="ctr"/>
-              <a:r>
-                <a:rPr lang="en-CA" sz="1600" dirty="0" smtClean="0"/>
-                <a:t>Reference Year</a:t>
-              </a:r>
-              <a:endParaRPr lang="en-US" sz="1600" dirty="0"/>
-            </a:p>
-          </p:txBody>
-        </p:sp>
-        <p:sp>
-          <p:nvSpPr>
-            <p:cNvPr id="16" name="Rectangle 15"/>
-            <p:cNvSpPr/>
-            <p:nvPr/>
-          </p:nvSpPr>
-          <p:spPr>
-            <a:xfrm>
-              <a:off x="2642060" y="4434527"/>
-              <a:ext cx="1294015" cy="548640"/>
-            </a:xfrm>
-            <a:prstGeom prst="rect">
-              <a:avLst/>
-            </a:prstGeom>
-          </p:spPr>
-          <p:style>
-            <a:lnRef idx="2">
-              <a:schemeClr val="accent3">
-                <a:shade val="50000"/>
-              </a:schemeClr>
-            </a:lnRef>
-            <a:fillRef idx="1">
-              <a:schemeClr val="accent3"/>
-            </a:fillRef>
-            <a:effectRef idx="0">
-              <a:schemeClr val="accent3"/>
-            </a:effectRef>
-            <a:fontRef idx="minor">
-              <a:schemeClr val="lt1"/>
-            </a:fontRef>
-          </p:style>
-          <p:txBody>
-            <a:bodyPr rtlCol="0" anchor="ctr"/>
-            <a:lstStyle/>
-            <a:p>
-              <a:pPr algn="ctr"/>
-              <a:r>
-                <a:rPr lang="en-CA" sz="1600" dirty="0" smtClean="0"/>
-                <a:t>Disturbance Year</a:t>
-              </a:r>
-              <a:endParaRPr lang="en-US" sz="1600" dirty="0"/>
-            </a:p>
-          </p:txBody>
-        </p:sp>
-        <p:sp>
-          <p:nvSpPr>
-            <p:cNvPr id="17" name="Rectangle 16"/>
-            <p:cNvSpPr/>
-            <p:nvPr/>
-          </p:nvSpPr>
-          <p:spPr>
-            <a:xfrm>
-              <a:off x="1624438" y="4434527"/>
-              <a:ext cx="875608" cy="548640"/>
-            </a:xfrm>
-            <a:prstGeom prst="rect">
-              <a:avLst/>
-            </a:prstGeom>
-          </p:spPr>
-          <p:style>
-            <a:lnRef idx="2">
-              <a:schemeClr val="accent4">
-                <a:shade val="50000"/>
-              </a:schemeClr>
-            </a:lnRef>
-            <a:fillRef idx="1">
-              <a:schemeClr val="accent4"/>
-            </a:fillRef>
-            <a:effectRef idx="0">
-              <a:schemeClr val="accent4"/>
-            </a:effectRef>
-            <a:fontRef idx="minor">
-              <a:schemeClr val="lt1"/>
-            </a:fontRef>
-          </p:style>
-          <p:txBody>
-            <a:bodyPr rtlCol="0" anchor="ctr"/>
-            <a:lstStyle/>
-            <a:p>
-              <a:pPr algn="ctr"/>
-              <a:r>
-                <a:rPr lang="en-CA" sz="1600" dirty="0" smtClean="0"/>
-                <a:t>Bird Survey</a:t>
-              </a:r>
-              <a:endParaRPr lang="en-US" sz="1600" dirty="0"/>
-            </a:p>
-          </p:txBody>
-        </p:sp>
-        <p:sp>
-          <p:nvSpPr>
-            <p:cNvPr id="18" name="TextBox 17"/>
-            <p:cNvSpPr txBox="1"/>
-            <p:nvPr/>
-          </p:nvSpPr>
-          <p:spPr>
-            <a:xfrm>
-              <a:off x="4538749" y="4498144"/>
-              <a:ext cx="5760720" cy="1384995"/>
-            </a:xfrm>
-            <a:prstGeom prst="rect">
-              <a:avLst/>
-            </a:prstGeom>
-            <a:noFill/>
-          </p:spPr>
-          <p:txBody>
-            <a:bodyPr wrap="square" rtlCol="0">
-              <a:spAutoFit/>
-            </a:bodyPr>
-            <a:lstStyle/>
-            <a:p>
-              <a:r>
-                <a:rPr lang="en-CA" sz="1400" dirty="0" smtClean="0"/>
-                <a:t>Disturbance occurred after both the inventory and the bird data.</a:t>
-              </a:r>
-            </a:p>
-            <a:p>
-              <a:r>
-                <a:rPr lang="en-CA" sz="1400" dirty="0" smtClean="0">
-                  <a:sym typeface="Wingdings" panose="05000000000000000000" pitchFamily="2" charset="2"/>
-                </a:rPr>
-                <a:t> PROBABLY GOOD: Bird data and inventory data collected under similar conditions. I</a:t>
-              </a:r>
-              <a:r>
-                <a:rPr lang="en-CA" sz="1400" dirty="0" smtClean="0"/>
-                <a:t>f VRI dataset seems to reflect reference year conditions, then it likely represents bird conditions </a:t>
-              </a:r>
-              <a:r>
-                <a:rPr lang="en-CA" sz="1400" dirty="0" smtClean="0">
-                  <a:sym typeface="Wingdings" panose="05000000000000000000" pitchFamily="2" charset="2"/>
-                </a:rPr>
-                <a:t>(depending on time lag)</a:t>
-              </a:r>
-              <a:r>
-                <a:rPr lang="en-CA" sz="1400" dirty="0" smtClean="0"/>
-                <a:t>. </a:t>
-              </a:r>
-              <a:endParaRPr lang="en-US" sz="1400" dirty="0" smtClean="0"/>
-            </a:p>
-            <a:p>
-              <a:r>
-                <a:rPr lang="en-CA" sz="1400" dirty="0" smtClean="0">
-                  <a:sym typeface="Wingdings" panose="05000000000000000000" pitchFamily="2" charset="2"/>
-                </a:rPr>
-                <a:t> </a:t>
-              </a:r>
-              <a:r>
-                <a:rPr lang="en-CA" sz="1400" dirty="0" smtClean="0"/>
-                <a:t>POSSIBLE MISMATCH: If the 2014 VRI dataset </a:t>
-              </a:r>
-              <a:r>
-                <a:rPr lang="en-CA" sz="1400" b="1" dirty="0" smtClean="0"/>
-                <a:t>was</a:t>
-              </a:r>
-              <a:r>
-                <a:rPr lang="en-CA" sz="1400" dirty="0" smtClean="0"/>
-                <a:t> updated to reflect the disturbance, then it won’t represent bird conditions. </a:t>
-              </a:r>
-              <a:endParaRPr lang="en-US" sz="1400" dirty="0"/>
-            </a:p>
-          </p:txBody>
-        </p:sp>
-        <p:cxnSp>
-          <p:nvCxnSpPr>
-            <p:cNvPr id="23" name="Straight Arrow Connector 22"/>
-            <p:cNvCxnSpPr/>
-            <p:nvPr/>
-          </p:nvCxnSpPr>
-          <p:spPr>
-            <a:xfrm>
-              <a:off x="137159" y="3812934"/>
-              <a:ext cx="4364181" cy="0"/>
-            </a:xfrm>
-            <a:prstGeom prst="straightConnector1">
-              <a:avLst/>
-            </a:prstGeom>
-            <a:ln w="12700">
-              <a:tailEnd type="triangle"/>
-            </a:ln>
-          </p:spPr>
-          <p:style>
-            <a:lnRef idx="1">
-              <a:schemeClr val="accent1"/>
-            </a:lnRef>
-            <a:fillRef idx="0">
-              <a:schemeClr val="accent1"/>
-            </a:fillRef>
-            <a:effectRef idx="0">
-              <a:schemeClr val="accent1"/>
-            </a:effectRef>
-            <a:fontRef idx="minor">
-              <a:schemeClr val="tx1"/>
-            </a:fontRef>
-          </p:style>
-        </p:cxnSp>
-        <p:sp>
-          <p:nvSpPr>
-            <p:cNvPr id="24" name="Rectangle 23"/>
-            <p:cNvSpPr/>
-            <p:nvPr/>
-          </p:nvSpPr>
-          <p:spPr>
-            <a:xfrm>
-              <a:off x="2714104" y="3174240"/>
-              <a:ext cx="1221971" cy="548640"/>
-            </a:xfrm>
-            <a:prstGeom prst="rect">
-              <a:avLst/>
-            </a:prstGeom>
-          </p:spPr>
-          <p:style>
-            <a:lnRef idx="2">
-              <a:schemeClr val="accent1">
-                <a:shade val="50000"/>
-              </a:schemeClr>
-            </a:lnRef>
-            <a:fillRef idx="1">
-              <a:schemeClr val="accent1"/>
-            </a:fillRef>
-            <a:effectRef idx="0">
-              <a:schemeClr val="accent1"/>
-            </a:effectRef>
-            <a:fontRef idx="minor">
-              <a:schemeClr val="lt1"/>
-            </a:fontRef>
-          </p:style>
-          <p:txBody>
-            <a:bodyPr rtlCol="0" anchor="ctr"/>
-            <a:lstStyle/>
-            <a:p>
-              <a:pPr algn="ctr"/>
-              <a:r>
-                <a:rPr lang="en-CA" sz="1600" dirty="0" smtClean="0"/>
-                <a:t>Reference Year</a:t>
-              </a:r>
-              <a:endParaRPr lang="en-US" sz="1600" dirty="0"/>
-            </a:p>
-          </p:txBody>
-        </p:sp>
-        <p:sp>
-          <p:nvSpPr>
-            <p:cNvPr id="25" name="Rectangle 24"/>
-            <p:cNvSpPr/>
-            <p:nvPr/>
-          </p:nvSpPr>
-          <p:spPr>
-            <a:xfrm>
-              <a:off x="1305787" y="3174240"/>
-              <a:ext cx="1294015" cy="548640"/>
-            </a:xfrm>
-            <a:prstGeom prst="rect">
-              <a:avLst/>
-            </a:prstGeom>
-          </p:spPr>
-          <p:style>
-            <a:lnRef idx="2">
-              <a:schemeClr val="accent3">
-                <a:shade val="50000"/>
-              </a:schemeClr>
-            </a:lnRef>
-            <a:fillRef idx="1">
-              <a:schemeClr val="accent3"/>
-            </a:fillRef>
-            <a:effectRef idx="0">
-              <a:schemeClr val="accent3"/>
-            </a:effectRef>
-            <a:fontRef idx="minor">
-              <a:schemeClr val="lt1"/>
-            </a:fontRef>
-          </p:style>
-          <p:txBody>
-            <a:bodyPr rtlCol="0" anchor="ctr"/>
-            <a:lstStyle/>
-            <a:p>
-              <a:pPr algn="ctr"/>
-              <a:r>
-                <a:rPr lang="en-CA" sz="1600" dirty="0" smtClean="0"/>
-                <a:t>Disturbance Year</a:t>
-              </a:r>
-              <a:endParaRPr lang="en-US" sz="1600" dirty="0"/>
-            </a:p>
-          </p:txBody>
-        </p:sp>
-        <p:sp>
-          <p:nvSpPr>
-            <p:cNvPr id="26" name="Rectangle 25"/>
-            <p:cNvSpPr/>
-            <p:nvPr/>
-          </p:nvSpPr>
-          <p:spPr>
-            <a:xfrm>
-              <a:off x="228599" y="3174240"/>
-              <a:ext cx="875608" cy="548640"/>
-            </a:xfrm>
-            <a:prstGeom prst="rect">
-              <a:avLst/>
-            </a:prstGeom>
-          </p:spPr>
-          <p:style>
-            <a:lnRef idx="2">
-              <a:schemeClr val="accent4">
-                <a:shade val="50000"/>
-              </a:schemeClr>
-            </a:lnRef>
-            <a:fillRef idx="1">
-              <a:schemeClr val="accent4"/>
-            </a:fillRef>
-            <a:effectRef idx="0">
-              <a:schemeClr val="accent4"/>
-            </a:effectRef>
-            <a:fontRef idx="minor">
-              <a:schemeClr val="lt1"/>
-            </a:fontRef>
-          </p:style>
-          <p:txBody>
-            <a:bodyPr rtlCol="0" anchor="ctr"/>
-            <a:lstStyle/>
-            <a:p>
-              <a:pPr algn="ctr"/>
-              <a:r>
-                <a:rPr lang="en-CA" sz="1600" dirty="0" smtClean="0"/>
-                <a:t>Bird Survey</a:t>
-              </a:r>
-              <a:endParaRPr lang="en-US" sz="1600" dirty="0"/>
-            </a:p>
-          </p:txBody>
-        </p:sp>
-        <p:sp>
-          <p:nvSpPr>
-            <p:cNvPr id="27" name="TextBox 26"/>
-            <p:cNvSpPr txBox="1"/>
-            <p:nvPr/>
-          </p:nvSpPr>
-          <p:spPr>
-            <a:xfrm>
-              <a:off x="4484023" y="3249788"/>
-              <a:ext cx="5760720" cy="738664"/>
-            </a:xfrm>
-            <a:prstGeom prst="rect">
-              <a:avLst/>
-            </a:prstGeom>
-            <a:noFill/>
-          </p:spPr>
-          <p:txBody>
-            <a:bodyPr wrap="square" rtlCol="0">
-              <a:spAutoFit/>
-            </a:bodyPr>
-            <a:lstStyle/>
-            <a:p>
-              <a:r>
-                <a:rPr lang="en-CA" sz="1400" dirty="0" smtClean="0"/>
-                <a:t>A disturbance occurred after the bird survey and before the inventory. </a:t>
-              </a:r>
-            </a:p>
-            <a:p>
-              <a:r>
-                <a:rPr lang="en-CA" sz="1400" dirty="0" smtClean="0">
-                  <a:sym typeface="Wingdings" panose="05000000000000000000" pitchFamily="2" charset="2"/>
-                </a:rPr>
-                <a:t> ALMOST CERTAIN MISMATCH: The inventory reflects the post-disturbance conditions, but bird survey represents pre-disturbance conditions.</a:t>
-              </a:r>
-              <a:endParaRPr lang="en-CA" sz="1400" dirty="0" smtClean="0"/>
-            </a:p>
-          </p:txBody>
-        </p:sp>
-        <p:cxnSp>
-          <p:nvCxnSpPr>
-            <p:cNvPr id="28" name="Straight Arrow Connector 27"/>
-            <p:cNvCxnSpPr/>
-            <p:nvPr/>
-          </p:nvCxnSpPr>
-          <p:spPr>
-            <a:xfrm>
-              <a:off x="137159" y="5924392"/>
-              <a:ext cx="4364181" cy="0"/>
-            </a:xfrm>
-            <a:prstGeom prst="straightConnector1">
-              <a:avLst/>
-            </a:prstGeom>
-            <a:ln w="12700">
-              <a:tailEnd type="triangle"/>
-            </a:ln>
-          </p:spPr>
-          <p:style>
-            <a:lnRef idx="1">
-              <a:schemeClr val="accent1"/>
-            </a:lnRef>
-            <a:fillRef idx="0">
-              <a:schemeClr val="accent1"/>
-            </a:fillRef>
-            <a:effectRef idx="0">
-              <a:schemeClr val="accent1"/>
-            </a:effectRef>
-            <a:fontRef idx="minor">
-              <a:schemeClr val="tx1"/>
-            </a:fontRef>
-          </p:style>
-        </p:cxnSp>
-        <p:sp>
-          <p:nvSpPr>
-            <p:cNvPr id="29" name="Rectangle 28"/>
-            <p:cNvSpPr/>
-            <p:nvPr/>
-          </p:nvSpPr>
-          <p:spPr>
-            <a:xfrm>
-              <a:off x="1278075" y="5285698"/>
-              <a:ext cx="1221971" cy="548640"/>
-            </a:xfrm>
-            <a:prstGeom prst="rect">
-              <a:avLst/>
-            </a:prstGeom>
-          </p:spPr>
-          <p:style>
-            <a:lnRef idx="2">
-              <a:schemeClr val="accent1">
-                <a:shade val="50000"/>
-              </a:schemeClr>
-            </a:lnRef>
-            <a:fillRef idx="1">
-              <a:schemeClr val="accent1"/>
-            </a:fillRef>
-            <a:effectRef idx="0">
-              <a:schemeClr val="accent1"/>
-            </a:effectRef>
-            <a:fontRef idx="minor">
-              <a:schemeClr val="lt1"/>
-            </a:fontRef>
-          </p:style>
-          <p:txBody>
-            <a:bodyPr rtlCol="0" anchor="ctr"/>
-            <a:lstStyle/>
-            <a:p>
-              <a:pPr algn="ctr"/>
-              <a:r>
-                <a:rPr lang="en-CA" sz="1600" dirty="0" smtClean="0"/>
-                <a:t>Reference Year</a:t>
-              </a:r>
-              <a:endParaRPr lang="en-US" sz="1600" dirty="0"/>
-            </a:p>
-          </p:txBody>
-        </p:sp>
-        <p:sp>
-          <p:nvSpPr>
-            <p:cNvPr id="30" name="Rectangle 29"/>
-            <p:cNvSpPr/>
-            <p:nvPr/>
-          </p:nvSpPr>
-          <p:spPr>
-            <a:xfrm>
-              <a:off x="2642060" y="5288468"/>
-              <a:ext cx="1294015" cy="548640"/>
-            </a:xfrm>
-            <a:prstGeom prst="rect">
-              <a:avLst/>
-            </a:prstGeom>
-          </p:spPr>
-          <p:style>
-            <a:lnRef idx="2">
-              <a:schemeClr val="accent3">
-                <a:shade val="50000"/>
-              </a:schemeClr>
-            </a:lnRef>
-            <a:fillRef idx="1">
-              <a:schemeClr val="accent3"/>
-            </a:fillRef>
-            <a:effectRef idx="0">
-              <a:schemeClr val="accent3"/>
-            </a:effectRef>
-            <a:fontRef idx="minor">
-              <a:schemeClr val="lt1"/>
-            </a:fontRef>
-          </p:style>
-          <p:txBody>
-            <a:bodyPr rtlCol="0" anchor="ctr"/>
-            <a:lstStyle/>
-            <a:p>
-              <a:pPr algn="ctr"/>
-              <a:r>
-                <a:rPr lang="en-CA" sz="1600" dirty="0" smtClean="0"/>
-                <a:t>Disturbance Year</a:t>
-              </a:r>
-              <a:endParaRPr lang="en-US" sz="1600" dirty="0"/>
-            </a:p>
-          </p:txBody>
-        </p:sp>
-        <p:sp>
-          <p:nvSpPr>
-            <p:cNvPr id="31" name="Rectangle 30"/>
-            <p:cNvSpPr/>
-            <p:nvPr/>
-          </p:nvSpPr>
-          <p:spPr>
-            <a:xfrm>
-              <a:off x="228599" y="5285698"/>
-              <a:ext cx="875608" cy="548640"/>
-            </a:xfrm>
-            <a:prstGeom prst="rect">
-              <a:avLst/>
-            </a:prstGeom>
-          </p:spPr>
-          <p:style>
-            <a:lnRef idx="2">
-              <a:schemeClr val="accent4">
-                <a:shade val="50000"/>
-              </a:schemeClr>
-            </a:lnRef>
-            <a:fillRef idx="1">
-              <a:schemeClr val="accent4"/>
-            </a:fillRef>
-            <a:effectRef idx="0">
-              <a:schemeClr val="accent4"/>
-            </a:effectRef>
-            <a:fontRef idx="minor">
-              <a:schemeClr val="lt1"/>
-            </a:fontRef>
-          </p:style>
-          <p:txBody>
-            <a:bodyPr rtlCol="0" anchor="ctr"/>
-            <a:lstStyle/>
-            <a:p>
-              <a:pPr algn="ctr"/>
-              <a:r>
-                <a:rPr lang="en-CA" sz="1600" dirty="0" smtClean="0"/>
-                <a:t>Bird Survey</a:t>
-              </a:r>
-              <a:endParaRPr lang="en-US" sz="1600" dirty="0"/>
-            </a:p>
-          </p:txBody>
-        </p:sp>
-        <p:cxnSp>
-          <p:nvCxnSpPr>
-            <p:cNvPr id="41" name="Straight Arrow Connector 40"/>
-            <p:cNvCxnSpPr/>
-            <p:nvPr/>
-          </p:nvCxnSpPr>
-          <p:spPr>
-            <a:xfrm>
-              <a:off x="137159" y="1767069"/>
-              <a:ext cx="4364181" cy="0"/>
-            </a:xfrm>
-            <a:prstGeom prst="straightConnector1">
-              <a:avLst/>
-            </a:prstGeom>
-            <a:ln w="12700">
-              <a:tailEnd type="triangle"/>
-            </a:ln>
-          </p:spPr>
-          <p:style>
-            <a:lnRef idx="1">
-              <a:schemeClr val="accent1"/>
-            </a:lnRef>
-            <a:fillRef idx="0">
-              <a:schemeClr val="accent1"/>
-            </a:fillRef>
-            <a:effectRef idx="0">
-              <a:schemeClr val="accent1"/>
-            </a:effectRef>
-            <a:fontRef idx="minor">
-              <a:schemeClr val="tx1"/>
-            </a:fontRef>
-          </p:style>
-        </p:cxnSp>
-        <p:sp>
-          <p:nvSpPr>
-            <p:cNvPr id="42" name="Rectangle 41"/>
-            <p:cNvSpPr/>
-            <p:nvPr/>
-          </p:nvSpPr>
-          <p:spPr>
-            <a:xfrm>
-              <a:off x="1668777" y="1128375"/>
-              <a:ext cx="1221971" cy="548640"/>
-            </a:xfrm>
-            <a:prstGeom prst="rect">
-              <a:avLst/>
-            </a:prstGeom>
-          </p:spPr>
-          <p:style>
-            <a:lnRef idx="2">
-              <a:schemeClr val="accent1">
-                <a:shade val="50000"/>
-              </a:schemeClr>
-            </a:lnRef>
-            <a:fillRef idx="1">
-              <a:schemeClr val="accent1"/>
-            </a:fillRef>
-            <a:effectRef idx="0">
-              <a:schemeClr val="accent1"/>
-            </a:effectRef>
-            <a:fontRef idx="minor">
-              <a:schemeClr val="lt1"/>
-            </a:fontRef>
-          </p:style>
-          <p:txBody>
-            <a:bodyPr rtlCol="0" anchor="ctr"/>
-            <a:lstStyle/>
-            <a:p>
-              <a:pPr algn="ctr"/>
-              <a:r>
-                <a:rPr lang="en-CA" sz="1600" dirty="0" smtClean="0"/>
-                <a:t>Reference Year</a:t>
-              </a:r>
-              <a:endParaRPr lang="en-US" sz="1600" dirty="0"/>
-            </a:p>
-          </p:txBody>
-        </p:sp>
-        <p:sp>
-          <p:nvSpPr>
-            <p:cNvPr id="43" name="Rectangle 42"/>
-            <p:cNvSpPr/>
-            <p:nvPr/>
-          </p:nvSpPr>
-          <p:spPr>
-            <a:xfrm>
-              <a:off x="228599" y="1128375"/>
-              <a:ext cx="1294015" cy="548640"/>
-            </a:xfrm>
-            <a:prstGeom prst="rect">
-              <a:avLst/>
-            </a:prstGeom>
-          </p:spPr>
-          <p:style>
-            <a:lnRef idx="2">
-              <a:schemeClr val="accent3">
-                <a:shade val="50000"/>
-              </a:schemeClr>
-            </a:lnRef>
-            <a:fillRef idx="1">
-              <a:schemeClr val="accent3"/>
-            </a:fillRef>
-            <a:effectRef idx="0">
-              <a:schemeClr val="accent3"/>
-            </a:effectRef>
-            <a:fontRef idx="minor">
-              <a:schemeClr val="lt1"/>
-            </a:fontRef>
-          </p:style>
-          <p:txBody>
-            <a:bodyPr rtlCol="0" anchor="ctr"/>
-            <a:lstStyle/>
-            <a:p>
-              <a:pPr algn="ctr"/>
-              <a:r>
-                <a:rPr lang="en-CA" sz="1600" dirty="0" smtClean="0"/>
-                <a:t>Disturbance Year</a:t>
-              </a:r>
-              <a:endParaRPr lang="en-US" sz="1600" dirty="0"/>
-            </a:p>
-          </p:txBody>
-        </p:sp>
-        <p:sp>
-          <p:nvSpPr>
-            <p:cNvPr id="44" name="Rectangle 43"/>
-            <p:cNvSpPr/>
-            <p:nvPr/>
-          </p:nvSpPr>
-          <p:spPr>
-            <a:xfrm>
-              <a:off x="3060467" y="1128375"/>
-              <a:ext cx="875608" cy="548640"/>
-            </a:xfrm>
-            <a:prstGeom prst="rect">
-              <a:avLst/>
-            </a:prstGeom>
-          </p:spPr>
-          <p:style>
-            <a:lnRef idx="2">
-              <a:schemeClr val="accent4">
-                <a:shade val="50000"/>
-              </a:schemeClr>
-            </a:lnRef>
-            <a:fillRef idx="1">
-              <a:schemeClr val="accent4"/>
-            </a:fillRef>
-            <a:effectRef idx="0">
-              <a:schemeClr val="accent4"/>
-            </a:effectRef>
-            <a:fontRef idx="minor">
-              <a:schemeClr val="lt1"/>
-            </a:fontRef>
-          </p:style>
-          <p:txBody>
-            <a:bodyPr rtlCol="0" anchor="ctr"/>
-            <a:lstStyle/>
-            <a:p>
-              <a:pPr algn="ctr"/>
-              <a:r>
-                <a:rPr lang="en-CA" sz="1600" dirty="0" smtClean="0"/>
-                <a:t>Bird Survey</a:t>
-              </a:r>
-              <a:endParaRPr lang="en-US" sz="1600" dirty="0"/>
-            </a:p>
-          </p:txBody>
-        </p:sp>
-        <p:cxnSp>
-          <p:nvCxnSpPr>
-            <p:cNvPr id="45" name="Straight Arrow Connector 44"/>
-            <p:cNvCxnSpPr/>
-            <p:nvPr/>
-          </p:nvCxnSpPr>
-          <p:spPr>
-            <a:xfrm>
-              <a:off x="137159" y="925064"/>
-              <a:ext cx="4364181" cy="0"/>
-            </a:xfrm>
-            <a:prstGeom prst="straightConnector1">
-              <a:avLst/>
-            </a:prstGeom>
-            <a:ln w="12700">
-              <a:tailEnd type="triangle"/>
-            </a:ln>
-          </p:spPr>
-          <p:style>
-            <a:lnRef idx="1">
-              <a:schemeClr val="accent1"/>
-            </a:lnRef>
-            <a:fillRef idx="0">
-              <a:schemeClr val="accent1"/>
-            </a:fillRef>
-            <a:effectRef idx="0">
-              <a:schemeClr val="accent1"/>
-            </a:effectRef>
-            <a:fontRef idx="minor">
-              <a:schemeClr val="tx1"/>
-            </a:fontRef>
-          </p:style>
-        </p:cxnSp>
-        <p:sp>
-          <p:nvSpPr>
-            <p:cNvPr id="46" name="Rectangle 45"/>
-            <p:cNvSpPr/>
-            <p:nvPr/>
-          </p:nvSpPr>
-          <p:spPr>
-            <a:xfrm>
-              <a:off x="2714104" y="275282"/>
-              <a:ext cx="1221971" cy="548640"/>
-            </a:xfrm>
-            <a:prstGeom prst="rect">
-              <a:avLst/>
-            </a:prstGeom>
-          </p:spPr>
-          <p:style>
-            <a:lnRef idx="2">
-              <a:schemeClr val="accent1">
-                <a:shade val="50000"/>
-              </a:schemeClr>
-            </a:lnRef>
-            <a:fillRef idx="1">
-              <a:schemeClr val="accent1"/>
-            </a:fillRef>
-            <a:effectRef idx="0">
-              <a:schemeClr val="accent1"/>
-            </a:effectRef>
-            <a:fontRef idx="minor">
-              <a:schemeClr val="lt1"/>
-            </a:fontRef>
-          </p:style>
-          <p:txBody>
-            <a:bodyPr rtlCol="0" anchor="ctr"/>
-            <a:lstStyle/>
-            <a:p>
-              <a:pPr algn="ctr"/>
-              <a:r>
-                <a:rPr lang="en-CA" sz="1600" dirty="0" smtClean="0"/>
-                <a:t>Reference Year</a:t>
-              </a:r>
-              <a:endParaRPr lang="en-US" sz="1600" dirty="0"/>
-            </a:p>
-          </p:txBody>
-        </p:sp>
-        <p:sp>
-          <p:nvSpPr>
-            <p:cNvPr id="47" name="Rectangle 46"/>
-            <p:cNvSpPr/>
-            <p:nvPr/>
-          </p:nvSpPr>
-          <p:spPr>
-            <a:xfrm>
-              <a:off x="228599" y="289140"/>
-              <a:ext cx="1294015" cy="548640"/>
-            </a:xfrm>
-            <a:prstGeom prst="rect">
-              <a:avLst/>
-            </a:prstGeom>
-          </p:spPr>
-          <p:style>
-            <a:lnRef idx="2">
-              <a:schemeClr val="accent3">
-                <a:shade val="50000"/>
-              </a:schemeClr>
-            </a:lnRef>
-            <a:fillRef idx="1">
-              <a:schemeClr val="accent3"/>
-            </a:fillRef>
-            <a:effectRef idx="0">
-              <a:schemeClr val="accent3"/>
-            </a:effectRef>
-            <a:fontRef idx="minor">
-              <a:schemeClr val="lt1"/>
-            </a:fontRef>
-          </p:style>
-          <p:txBody>
-            <a:bodyPr rtlCol="0" anchor="ctr"/>
-            <a:lstStyle/>
-            <a:p>
-              <a:pPr algn="ctr"/>
-              <a:r>
-                <a:rPr lang="en-CA" sz="1600" dirty="0" smtClean="0"/>
-                <a:t>Disturbance Year</a:t>
-              </a:r>
-              <a:endParaRPr lang="en-US" sz="1600" dirty="0"/>
-            </a:p>
-          </p:txBody>
-        </p:sp>
-        <p:sp>
-          <p:nvSpPr>
-            <p:cNvPr id="48" name="Rectangle 47"/>
-            <p:cNvSpPr/>
-            <p:nvPr/>
-          </p:nvSpPr>
-          <p:spPr>
-            <a:xfrm>
-              <a:off x="1724194" y="286370"/>
-              <a:ext cx="875608" cy="548640"/>
-            </a:xfrm>
-            <a:prstGeom prst="rect">
-              <a:avLst/>
-            </a:prstGeom>
-          </p:spPr>
-          <p:style>
-            <a:lnRef idx="2">
-              <a:schemeClr val="accent4">
-                <a:shade val="50000"/>
-              </a:schemeClr>
-            </a:lnRef>
-            <a:fillRef idx="1">
-              <a:schemeClr val="accent4"/>
-            </a:fillRef>
-            <a:effectRef idx="0">
-              <a:schemeClr val="accent4"/>
-            </a:effectRef>
-            <a:fontRef idx="minor">
-              <a:schemeClr val="lt1"/>
-            </a:fontRef>
-          </p:style>
-          <p:txBody>
-            <a:bodyPr rtlCol="0" anchor="ctr"/>
-            <a:lstStyle/>
-            <a:p>
-              <a:pPr algn="ctr"/>
-              <a:r>
-                <a:rPr lang="en-CA" sz="1600" dirty="0" smtClean="0"/>
-                <a:t>Bird Survey</a:t>
-              </a:r>
-              <a:endParaRPr lang="en-US" sz="1600" dirty="0"/>
-            </a:p>
-          </p:txBody>
-        </p:sp>
-        <p:sp>
-          <p:nvSpPr>
-            <p:cNvPr id="49" name="TextBox 48"/>
-            <p:cNvSpPr txBox="1"/>
-            <p:nvPr/>
-          </p:nvSpPr>
-          <p:spPr>
-            <a:xfrm>
-              <a:off x="4484022" y="286369"/>
-              <a:ext cx="5760720" cy="523220"/>
-            </a:xfrm>
-            <a:prstGeom prst="rect">
-              <a:avLst/>
-            </a:prstGeom>
-            <a:noFill/>
-          </p:spPr>
-          <p:txBody>
-            <a:bodyPr wrap="square" rtlCol="0">
-              <a:spAutoFit/>
-            </a:bodyPr>
-            <a:lstStyle/>
-            <a:p>
-              <a:r>
-                <a:rPr lang="en-CA" sz="1400" dirty="0" smtClean="0"/>
-                <a:t>Bird data were collected after a disturbance and before the inventory. </a:t>
-              </a:r>
-            </a:p>
-            <a:p>
-              <a:r>
-                <a:rPr lang="en-CA" sz="1400" dirty="0" smtClean="0">
-                  <a:sym typeface="Wingdings" panose="05000000000000000000" pitchFamily="2" charset="2"/>
-                </a:rPr>
-                <a:t> GOOD: Bird survey and inventory both likely represent post-disturbance conditions</a:t>
-              </a:r>
-              <a:endParaRPr lang="en-US" sz="1400" dirty="0"/>
-            </a:p>
-          </p:txBody>
-        </p:sp>
-        <p:sp>
-          <p:nvSpPr>
-            <p:cNvPr id="50" name="TextBox 49"/>
-            <p:cNvSpPr txBox="1"/>
-            <p:nvPr/>
-          </p:nvSpPr>
-          <p:spPr>
-            <a:xfrm>
-              <a:off x="4501340" y="1121164"/>
-              <a:ext cx="5760720" cy="738664"/>
-            </a:xfrm>
-            <a:prstGeom prst="rect">
-              <a:avLst/>
-            </a:prstGeom>
-            <a:noFill/>
-          </p:spPr>
-          <p:txBody>
-            <a:bodyPr wrap="square" rtlCol="0">
-              <a:spAutoFit/>
-            </a:bodyPr>
-            <a:lstStyle/>
-            <a:p>
-              <a:r>
-                <a:rPr lang="en-CA" sz="1400" dirty="0" smtClean="0"/>
-                <a:t>Bird data were collected after both the inventory and a disturbance. </a:t>
-              </a:r>
-            </a:p>
-            <a:p>
-              <a:r>
-                <a:rPr lang="en-CA" sz="1400" dirty="0" smtClean="0">
-                  <a:sym typeface="Wingdings" panose="05000000000000000000" pitchFamily="2" charset="2"/>
-                </a:rPr>
-                <a:t> GOOD: Bird survey and inventory both likely represent post-disturbance conditions</a:t>
-              </a:r>
-              <a:endParaRPr lang="en-US" sz="1400" dirty="0"/>
-            </a:p>
-          </p:txBody>
-        </p:sp>
-      </p:grpSp>
+      <p:cxnSp>
+        <p:nvCxnSpPr>
+          <p:cNvPr id="5" name="Straight Arrow Connector 4"/>
+          <p:cNvCxnSpPr/>
+          <p:nvPr/>
+        </p:nvCxnSpPr>
+        <p:spPr>
+          <a:xfrm>
+            <a:off x="885872" y="2983844"/>
+            <a:ext cx="4372494" cy="0"/>
+          </a:xfrm>
+          <a:prstGeom prst="straightConnector1">
+            <a:avLst/>
+          </a:prstGeom>
+          <a:ln w="12700">
+            <a:tailEnd type="triangle"/>
+          </a:ln>
+        </p:spPr>
+        <p:style>
+          <a:lnRef idx="1">
+            <a:schemeClr val="accent1"/>
+          </a:lnRef>
+          <a:fillRef idx="0">
+            <a:schemeClr val="accent1"/>
+          </a:fillRef>
+          <a:effectRef idx="0">
+            <a:schemeClr val="accent1"/>
+          </a:effectRef>
+          <a:fontRef idx="minor">
+            <a:schemeClr val="tx1"/>
+          </a:fontRef>
+        </p:style>
+      </p:cxnSp>
+      <p:sp>
+        <p:nvSpPr>
+          <p:cNvPr id="6" name="Rectangle 5"/>
+          <p:cNvSpPr/>
+          <p:nvPr/>
+        </p:nvSpPr>
+        <p:spPr>
+          <a:xfrm>
+            <a:off x="948216" y="2335451"/>
+            <a:ext cx="1221971" cy="548640"/>
+          </a:xfrm>
+          <a:prstGeom prst="rect">
+            <a:avLst/>
+          </a:prstGeom>
+        </p:spPr>
+        <p:style>
+          <a:lnRef idx="2">
+            <a:schemeClr val="accent1">
+              <a:shade val="50000"/>
+            </a:schemeClr>
+          </a:lnRef>
+          <a:fillRef idx="1">
+            <a:schemeClr val="accent1"/>
+          </a:fillRef>
+          <a:effectRef idx="0">
+            <a:schemeClr val="accent1"/>
+          </a:effectRef>
+          <a:fontRef idx="minor">
+            <a:schemeClr val="lt1"/>
+          </a:fontRef>
+        </p:style>
+        <p:txBody>
+          <a:bodyPr rtlCol="0" anchor="ctr"/>
+          <a:lstStyle/>
+          <a:p>
+            <a:pPr algn="ctr"/>
+            <a:r>
+              <a:rPr lang="en-CA" sz="1600" dirty="0" smtClean="0"/>
+              <a:t>Reference Year</a:t>
+            </a:r>
+            <a:endParaRPr lang="en-US" sz="1600" dirty="0"/>
+          </a:p>
+        </p:txBody>
+      </p:sp>
+      <p:sp>
+        <p:nvSpPr>
+          <p:cNvPr id="7" name="Rectangle 6"/>
+          <p:cNvSpPr/>
+          <p:nvPr/>
+        </p:nvSpPr>
+        <p:spPr>
+          <a:xfrm>
+            <a:off x="2316350" y="2335451"/>
+            <a:ext cx="1294015" cy="548640"/>
+          </a:xfrm>
+          <a:prstGeom prst="rect">
+            <a:avLst/>
+          </a:prstGeom>
+        </p:spPr>
+        <p:style>
+          <a:lnRef idx="2">
+            <a:schemeClr val="accent3">
+              <a:shade val="50000"/>
+            </a:schemeClr>
+          </a:lnRef>
+          <a:fillRef idx="1">
+            <a:schemeClr val="accent3"/>
+          </a:fillRef>
+          <a:effectRef idx="0">
+            <a:schemeClr val="accent3"/>
+          </a:effectRef>
+          <a:fontRef idx="minor">
+            <a:schemeClr val="lt1"/>
+          </a:fontRef>
+        </p:style>
+        <p:txBody>
+          <a:bodyPr rtlCol="0" anchor="ctr"/>
+          <a:lstStyle/>
+          <a:p>
+            <a:pPr algn="ctr"/>
+            <a:r>
+              <a:rPr lang="en-CA" sz="1600" dirty="0" smtClean="0"/>
+              <a:t>Disturbance Year</a:t>
+            </a:r>
+            <a:endParaRPr lang="en-US" sz="1600" dirty="0"/>
+          </a:p>
+        </p:txBody>
+      </p:sp>
+      <p:sp>
+        <p:nvSpPr>
+          <p:cNvPr id="8" name="Rectangle 7"/>
+          <p:cNvSpPr/>
+          <p:nvPr/>
+        </p:nvSpPr>
+        <p:spPr>
+          <a:xfrm>
+            <a:off x="3780084" y="2335451"/>
+            <a:ext cx="875608" cy="548640"/>
+          </a:xfrm>
+          <a:prstGeom prst="rect">
+            <a:avLst/>
+          </a:prstGeom>
+        </p:spPr>
+        <p:style>
+          <a:lnRef idx="2">
+            <a:schemeClr val="accent4">
+              <a:shade val="50000"/>
+            </a:schemeClr>
+          </a:lnRef>
+          <a:fillRef idx="1">
+            <a:schemeClr val="accent4"/>
+          </a:fillRef>
+          <a:effectRef idx="0">
+            <a:schemeClr val="accent4"/>
+          </a:effectRef>
+          <a:fontRef idx="minor">
+            <a:schemeClr val="lt1"/>
+          </a:fontRef>
+        </p:style>
+        <p:txBody>
+          <a:bodyPr rtlCol="0" anchor="ctr"/>
+          <a:lstStyle/>
+          <a:p>
+            <a:pPr algn="ctr"/>
+            <a:r>
+              <a:rPr lang="en-CA" sz="1600" dirty="0" smtClean="0"/>
+              <a:t>Bird Survey</a:t>
+            </a:r>
+            <a:endParaRPr lang="en-US" sz="1600" dirty="0"/>
+          </a:p>
+        </p:txBody>
+      </p:sp>
+      <p:sp>
+        <p:nvSpPr>
+          <p:cNvPr id="9" name="TextBox 8"/>
+          <p:cNvSpPr txBox="1"/>
+          <p:nvPr/>
+        </p:nvSpPr>
+        <p:spPr>
+          <a:xfrm>
+            <a:off x="5203640" y="1990398"/>
+            <a:ext cx="5760720" cy="1169551"/>
+          </a:xfrm>
+          <a:prstGeom prst="rect">
+            <a:avLst/>
+          </a:prstGeom>
+          <a:noFill/>
+        </p:spPr>
+        <p:txBody>
+          <a:bodyPr wrap="square" rtlCol="0">
+            <a:spAutoFit/>
+          </a:bodyPr>
+          <a:lstStyle/>
+          <a:p>
+            <a:r>
+              <a:rPr lang="en-CA" sz="1400" dirty="0" smtClean="0"/>
+              <a:t>A disturbance occurred after the inventory and before the bird survey. </a:t>
+            </a:r>
+          </a:p>
+          <a:p>
+            <a:r>
+              <a:rPr lang="en-CA" sz="1400" dirty="0" smtClean="0">
+                <a:sym typeface="Wingdings" panose="05000000000000000000" pitchFamily="2" charset="2"/>
+              </a:rPr>
+              <a:t> PROBABLE</a:t>
+            </a:r>
+            <a:r>
+              <a:rPr lang="en-CA" sz="1400" dirty="0" smtClean="0"/>
+              <a:t> MISMATCH: Inventory reflects pre-disturbance conditions, but bird survey represents post-disturbance conditions. </a:t>
+            </a:r>
+          </a:p>
+          <a:p>
+            <a:r>
+              <a:rPr lang="en-CA" sz="1400" dirty="0" smtClean="0">
+                <a:sym typeface="Wingdings" panose="05000000000000000000" pitchFamily="2" charset="2"/>
+              </a:rPr>
+              <a:t> </a:t>
+            </a:r>
+            <a:r>
+              <a:rPr lang="en-CA" sz="1400" dirty="0" smtClean="0"/>
+              <a:t>EXCEPTION: If 2014 VRI dataset </a:t>
+            </a:r>
+            <a:r>
+              <a:rPr lang="en-CA" sz="1400" b="1" dirty="0" smtClean="0"/>
+              <a:t>was </a:t>
+            </a:r>
+            <a:r>
+              <a:rPr lang="en-CA" sz="1400" dirty="0" smtClean="0"/>
+              <a:t>updated after the disturbance, then it might represent bird conditions.</a:t>
+            </a:r>
+            <a:endParaRPr lang="en-US" sz="1400" dirty="0"/>
+          </a:p>
+        </p:txBody>
+      </p:sp>
+      <p:cxnSp>
+        <p:nvCxnSpPr>
+          <p:cNvPr id="14" name="Straight Arrow Connector 13"/>
+          <p:cNvCxnSpPr/>
+          <p:nvPr/>
+        </p:nvCxnSpPr>
+        <p:spPr>
+          <a:xfrm flipV="1">
+            <a:off x="856776" y="5107654"/>
+            <a:ext cx="4346863" cy="18552"/>
+          </a:xfrm>
+          <a:prstGeom prst="straightConnector1">
+            <a:avLst/>
+          </a:prstGeom>
+          <a:ln w="12700">
+            <a:tailEnd type="triangle"/>
+          </a:ln>
+        </p:spPr>
+        <p:style>
+          <a:lnRef idx="1">
+            <a:schemeClr val="accent1"/>
+          </a:lnRef>
+          <a:fillRef idx="0">
+            <a:schemeClr val="accent1"/>
+          </a:fillRef>
+          <a:effectRef idx="0">
+            <a:schemeClr val="accent1"/>
+          </a:effectRef>
+          <a:fontRef idx="minor">
+            <a:schemeClr val="tx1"/>
+          </a:fontRef>
+        </p:style>
+      </p:cxnSp>
+      <p:sp>
+        <p:nvSpPr>
+          <p:cNvPr id="15" name="Rectangle 14"/>
+          <p:cNvSpPr/>
+          <p:nvPr/>
+        </p:nvSpPr>
+        <p:spPr>
+          <a:xfrm>
+            <a:off x="948216" y="4477813"/>
+            <a:ext cx="1221971" cy="548640"/>
+          </a:xfrm>
+          <a:prstGeom prst="rect">
+            <a:avLst/>
+          </a:prstGeom>
+        </p:spPr>
+        <p:style>
+          <a:lnRef idx="2">
+            <a:schemeClr val="accent1">
+              <a:shade val="50000"/>
+            </a:schemeClr>
+          </a:lnRef>
+          <a:fillRef idx="1">
+            <a:schemeClr val="accent1"/>
+          </a:fillRef>
+          <a:effectRef idx="0">
+            <a:schemeClr val="accent1"/>
+          </a:effectRef>
+          <a:fontRef idx="minor">
+            <a:schemeClr val="lt1"/>
+          </a:fontRef>
+        </p:style>
+        <p:txBody>
+          <a:bodyPr rtlCol="0" anchor="ctr"/>
+          <a:lstStyle/>
+          <a:p>
+            <a:pPr algn="ctr"/>
+            <a:r>
+              <a:rPr lang="en-CA" sz="1600" dirty="0" smtClean="0"/>
+              <a:t>Reference Year</a:t>
+            </a:r>
+            <a:endParaRPr lang="en-US" sz="1600" dirty="0"/>
+          </a:p>
+        </p:txBody>
+      </p:sp>
+      <p:sp>
+        <p:nvSpPr>
+          <p:cNvPr id="16" name="Rectangle 15"/>
+          <p:cNvSpPr/>
+          <p:nvPr/>
+        </p:nvSpPr>
+        <p:spPr>
+          <a:xfrm>
+            <a:off x="3361677" y="4477813"/>
+            <a:ext cx="1294015" cy="548640"/>
+          </a:xfrm>
+          <a:prstGeom prst="rect">
+            <a:avLst/>
+          </a:prstGeom>
+        </p:spPr>
+        <p:style>
+          <a:lnRef idx="2">
+            <a:schemeClr val="accent3">
+              <a:shade val="50000"/>
+            </a:schemeClr>
+          </a:lnRef>
+          <a:fillRef idx="1">
+            <a:schemeClr val="accent3"/>
+          </a:fillRef>
+          <a:effectRef idx="0">
+            <a:schemeClr val="accent3"/>
+          </a:effectRef>
+          <a:fontRef idx="minor">
+            <a:schemeClr val="lt1"/>
+          </a:fontRef>
+        </p:style>
+        <p:txBody>
+          <a:bodyPr rtlCol="0" anchor="ctr"/>
+          <a:lstStyle/>
+          <a:p>
+            <a:pPr algn="ctr"/>
+            <a:r>
+              <a:rPr lang="en-CA" sz="1600" dirty="0" smtClean="0"/>
+              <a:t>Disturbance Year</a:t>
+            </a:r>
+            <a:endParaRPr lang="en-US" sz="1600" dirty="0"/>
+          </a:p>
+        </p:txBody>
+      </p:sp>
+      <p:sp>
+        <p:nvSpPr>
+          <p:cNvPr id="17" name="Rectangle 16"/>
+          <p:cNvSpPr/>
+          <p:nvPr/>
+        </p:nvSpPr>
+        <p:spPr>
+          <a:xfrm>
+            <a:off x="2344055" y="4477813"/>
+            <a:ext cx="875608" cy="548640"/>
+          </a:xfrm>
+          <a:prstGeom prst="rect">
+            <a:avLst/>
+          </a:prstGeom>
+        </p:spPr>
+        <p:style>
+          <a:lnRef idx="2">
+            <a:schemeClr val="accent4">
+              <a:shade val="50000"/>
+            </a:schemeClr>
+          </a:lnRef>
+          <a:fillRef idx="1">
+            <a:schemeClr val="accent4"/>
+          </a:fillRef>
+          <a:effectRef idx="0">
+            <a:schemeClr val="accent4"/>
+          </a:effectRef>
+          <a:fontRef idx="minor">
+            <a:schemeClr val="lt1"/>
+          </a:fontRef>
+        </p:style>
+        <p:txBody>
+          <a:bodyPr rtlCol="0" anchor="ctr"/>
+          <a:lstStyle/>
+          <a:p>
+            <a:pPr algn="ctr"/>
+            <a:r>
+              <a:rPr lang="en-CA" sz="1600" dirty="0" smtClean="0"/>
+              <a:t>Bird Survey</a:t>
+            </a:r>
+            <a:endParaRPr lang="en-US" sz="1600" dirty="0"/>
+          </a:p>
+        </p:txBody>
+      </p:sp>
+      <p:sp>
+        <p:nvSpPr>
+          <p:cNvPr id="18" name="TextBox 17"/>
+          <p:cNvSpPr txBox="1"/>
+          <p:nvPr/>
+        </p:nvSpPr>
+        <p:spPr>
+          <a:xfrm>
+            <a:off x="5258366" y="4541430"/>
+            <a:ext cx="5760720" cy="1384995"/>
+          </a:xfrm>
+          <a:prstGeom prst="rect">
+            <a:avLst/>
+          </a:prstGeom>
+          <a:noFill/>
+        </p:spPr>
+        <p:txBody>
+          <a:bodyPr wrap="square" rtlCol="0">
+            <a:spAutoFit/>
+          </a:bodyPr>
+          <a:lstStyle/>
+          <a:p>
+            <a:r>
+              <a:rPr lang="en-CA" sz="1400" dirty="0" smtClean="0"/>
+              <a:t>Disturbance occurred after both the inventory and the bird data.</a:t>
+            </a:r>
+          </a:p>
+          <a:p>
+            <a:r>
+              <a:rPr lang="en-CA" sz="1400" dirty="0" smtClean="0">
+                <a:sym typeface="Wingdings" panose="05000000000000000000" pitchFamily="2" charset="2"/>
+              </a:rPr>
+              <a:t> PROBABLY GOOD: Bird data and inventory data collected under similar conditions. I</a:t>
+            </a:r>
+            <a:r>
+              <a:rPr lang="en-CA" sz="1400" dirty="0" smtClean="0"/>
+              <a:t>f VRI dataset seems to reflect reference year conditions, then it likely represents bird conditions </a:t>
+            </a:r>
+            <a:r>
+              <a:rPr lang="en-CA" sz="1400" dirty="0" smtClean="0">
+                <a:sym typeface="Wingdings" panose="05000000000000000000" pitchFamily="2" charset="2"/>
+              </a:rPr>
+              <a:t>(depending on time lag)</a:t>
+            </a:r>
+            <a:r>
+              <a:rPr lang="en-CA" sz="1400" dirty="0" smtClean="0"/>
+              <a:t>. </a:t>
+            </a:r>
+            <a:endParaRPr lang="en-US" sz="1400" dirty="0" smtClean="0"/>
+          </a:p>
+          <a:p>
+            <a:r>
+              <a:rPr lang="en-CA" sz="1400" dirty="0" smtClean="0">
+                <a:sym typeface="Wingdings" panose="05000000000000000000" pitchFamily="2" charset="2"/>
+              </a:rPr>
+              <a:t> </a:t>
+            </a:r>
+            <a:r>
+              <a:rPr lang="en-CA" sz="1400" dirty="0" smtClean="0"/>
+              <a:t>POSSIBLE MISMATCH: If the 2014 VRI dataset </a:t>
+            </a:r>
+            <a:r>
+              <a:rPr lang="en-CA" sz="1400" b="1" dirty="0" smtClean="0"/>
+              <a:t>was</a:t>
+            </a:r>
+            <a:r>
+              <a:rPr lang="en-CA" sz="1400" dirty="0" smtClean="0"/>
+              <a:t> updated to reflect the disturbance, then it won’t represent bird conditions. </a:t>
+            </a:r>
+            <a:endParaRPr lang="en-US" sz="1400" dirty="0"/>
+          </a:p>
+        </p:txBody>
+      </p:sp>
+      <p:cxnSp>
+        <p:nvCxnSpPr>
+          <p:cNvPr id="23" name="Straight Arrow Connector 22"/>
+          <p:cNvCxnSpPr/>
+          <p:nvPr/>
+        </p:nvCxnSpPr>
+        <p:spPr>
+          <a:xfrm>
+            <a:off x="856776" y="3856220"/>
+            <a:ext cx="4364181" cy="0"/>
+          </a:xfrm>
+          <a:prstGeom prst="straightConnector1">
+            <a:avLst/>
+          </a:prstGeom>
+          <a:ln w="12700">
+            <a:tailEnd type="triangle"/>
+          </a:ln>
+        </p:spPr>
+        <p:style>
+          <a:lnRef idx="1">
+            <a:schemeClr val="accent1"/>
+          </a:lnRef>
+          <a:fillRef idx="0">
+            <a:schemeClr val="accent1"/>
+          </a:fillRef>
+          <a:effectRef idx="0">
+            <a:schemeClr val="accent1"/>
+          </a:effectRef>
+          <a:fontRef idx="minor">
+            <a:schemeClr val="tx1"/>
+          </a:fontRef>
+        </p:style>
+      </p:cxnSp>
+      <p:sp>
+        <p:nvSpPr>
+          <p:cNvPr id="24" name="Rectangle 23"/>
+          <p:cNvSpPr/>
+          <p:nvPr/>
+        </p:nvSpPr>
+        <p:spPr>
+          <a:xfrm>
+            <a:off x="3433721" y="3217526"/>
+            <a:ext cx="1221971" cy="548640"/>
+          </a:xfrm>
+          <a:prstGeom prst="rect">
+            <a:avLst/>
+          </a:prstGeom>
+        </p:spPr>
+        <p:style>
+          <a:lnRef idx="2">
+            <a:schemeClr val="accent1">
+              <a:shade val="50000"/>
+            </a:schemeClr>
+          </a:lnRef>
+          <a:fillRef idx="1">
+            <a:schemeClr val="accent1"/>
+          </a:fillRef>
+          <a:effectRef idx="0">
+            <a:schemeClr val="accent1"/>
+          </a:effectRef>
+          <a:fontRef idx="minor">
+            <a:schemeClr val="lt1"/>
+          </a:fontRef>
+        </p:style>
+        <p:txBody>
+          <a:bodyPr rtlCol="0" anchor="ctr"/>
+          <a:lstStyle/>
+          <a:p>
+            <a:pPr algn="ctr"/>
+            <a:r>
+              <a:rPr lang="en-CA" sz="1600" dirty="0" smtClean="0"/>
+              <a:t>Reference Year</a:t>
+            </a:r>
+            <a:endParaRPr lang="en-US" sz="1600" dirty="0"/>
+          </a:p>
+        </p:txBody>
+      </p:sp>
+      <p:sp>
+        <p:nvSpPr>
+          <p:cNvPr id="25" name="Rectangle 24"/>
+          <p:cNvSpPr/>
+          <p:nvPr/>
+        </p:nvSpPr>
+        <p:spPr>
+          <a:xfrm>
+            <a:off x="2025404" y="3217526"/>
+            <a:ext cx="1294015" cy="548640"/>
+          </a:xfrm>
+          <a:prstGeom prst="rect">
+            <a:avLst/>
+          </a:prstGeom>
+        </p:spPr>
+        <p:style>
+          <a:lnRef idx="2">
+            <a:schemeClr val="accent3">
+              <a:shade val="50000"/>
+            </a:schemeClr>
+          </a:lnRef>
+          <a:fillRef idx="1">
+            <a:schemeClr val="accent3"/>
+          </a:fillRef>
+          <a:effectRef idx="0">
+            <a:schemeClr val="accent3"/>
+          </a:effectRef>
+          <a:fontRef idx="minor">
+            <a:schemeClr val="lt1"/>
+          </a:fontRef>
+        </p:style>
+        <p:txBody>
+          <a:bodyPr rtlCol="0" anchor="ctr"/>
+          <a:lstStyle/>
+          <a:p>
+            <a:pPr algn="ctr"/>
+            <a:r>
+              <a:rPr lang="en-CA" sz="1600" dirty="0" smtClean="0"/>
+              <a:t>Disturbance Year</a:t>
+            </a:r>
+            <a:endParaRPr lang="en-US" sz="1600" dirty="0"/>
+          </a:p>
+        </p:txBody>
+      </p:sp>
+      <p:sp>
+        <p:nvSpPr>
+          <p:cNvPr id="26" name="Rectangle 25"/>
+          <p:cNvSpPr/>
+          <p:nvPr/>
+        </p:nvSpPr>
+        <p:spPr>
+          <a:xfrm>
+            <a:off x="948216" y="3217526"/>
+            <a:ext cx="875608" cy="548640"/>
+          </a:xfrm>
+          <a:prstGeom prst="rect">
+            <a:avLst/>
+          </a:prstGeom>
+        </p:spPr>
+        <p:style>
+          <a:lnRef idx="2">
+            <a:schemeClr val="accent4">
+              <a:shade val="50000"/>
+            </a:schemeClr>
+          </a:lnRef>
+          <a:fillRef idx="1">
+            <a:schemeClr val="accent4"/>
+          </a:fillRef>
+          <a:effectRef idx="0">
+            <a:schemeClr val="accent4"/>
+          </a:effectRef>
+          <a:fontRef idx="minor">
+            <a:schemeClr val="lt1"/>
+          </a:fontRef>
+        </p:style>
+        <p:txBody>
+          <a:bodyPr rtlCol="0" anchor="ctr"/>
+          <a:lstStyle/>
+          <a:p>
+            <a:pPr algn="ctr"/>
+            <a:r>
+              <a:rPr lang="en-CA" sz="1600" dirty="0" smtClean="0"/>
+              <a:t>Bird Survey</a:t>
+            </a:r>
+            <a:endParaRPr lang="en-US" sz="1600" dirty="0"/>
+          </a:p>
+        </p:txBody>
+      </p:sp>
+      <p:sp>
+        <p:nvSpPr>
+          <p:cNvPr id="27" name="TextBox 26"/>
+          <p:cNvSpPr txBox="1"/>
+          <p:nvPr/>
+        </p:nvSpPr>
+        <p:spPr>
+          <a:xfrm>
+            <a:off x="5203640" y="3293074"/>
+            <a:ext cx="5760720" cy="738664"/>
+          </a:xfrm>
+          <a:prstGeom prst="rect">
+            <a:avLst/>
+          </a:prstGeom>
+          <a:noFill/>
+        </p:spPr>
+        <p:txBody>
+          <a:bodyPr wrap="square" rtlCol="0">
+            <a:spAutoFit/>
+          </a:bodyPr>
+          <a:lstStyle/>
+          <a:p>
+            <a:r>
+              <a:rPr lang="en-CA" sz="1400" dirty="0" smtClean="0"/>
+              <a:t>A disturbance occurred after the bird survey and before the inventory. </a:t>
+            </a:r>
+          </a:p>
+          <a:p>
+            <a:r>
+              <a:rPr lang="en-CA" sz="1400" dirty="0" smtClean="0">
+                <a:sym typeface="Wingdings" panose="05000000000000000000" pitchFamily="2" charset="2"/>
+              </a:rPr>
+              <a:t> ALMOST CERTAIN MISMATCH: The inventory reflects the post-disturbance conditions, but bird survey represents pre-disturbance conditions.</a:t>
+            </a:r>
+            <a:endParaRPr lang="en-CA" sz="1400" dirty="0" smtClean="0"/>
+          </a:p>
+        </p:txBody>
+      </p:sp>
+      <p:cxnSp>
+        <p:nvCxnSpPr>
+          <p:cNvPr id="28" name="Straight Arrow Connector 27"/>
+          <p:cNvCxnSpPr/>
+          <p:nvPr/>
+        </p:nvCxnSpPr>
+        <p:spPr>
+          <a:xfrm>
+            <a:off x="856776" y="5967678"/>
+            <a:ext cx="4364181" cy="0"/>
+          </a:xfrm>
+          <a:prstGeom prst="straightConnector1">
+            <a:avLst/>
+          </a:prstGeom>
+          <a:ln w="12700">
+            <a:tailEnd type="triangle"/>
+          </a:ln>
+        </p:spPr>
+        <p:style>
+          <a:lnRef idx="1">
+            <a:schemeClr val="accent1"/>
+          </a:lnRef>
+          <a:fillRef idx="0">
+            <a:schemeClr val="accent1"/>
+          </a:fillRef>
+          <a:effectRef idx="0">
+            <a:schemeClr val="accent1"/>
+          </a:effectRef>
+          <a:fontRef idx="minor">
+            <a:schemeClr val="tx1"/>
+          </a:fontRef>
+        </p:style>
+      </p:cxnSp>
+      <p:sp>
+        <p:nvSpPr>
+          <p:cNvPr id="29" name="Rectangle 28"/>
+          <p:cNvSpPr/>
+          <p:nvPr/>
+        </p:nvSpPr>
+        <p:spPr>
+          <a:xfrm>
+            <a:off x="1997692" y="5328984"/>
+            <a:ext cx="1221971" cy="548640"/>
+          </a:xfrm>
+          <a:prstGeom prst="rect">
+            <a:avLst/>
+          </a:prstGeom>
+        </p:spPr>
+        <p:style>
+          <a:lnRef idx="2">
+            <a:schemeClr val="accent1">
+              <a:shade val="50000"/>
+            </a:schemeClr>
+          </a:lnRef>
+          <a:fillRef idx="1">
+            <a:schemeClr val="accent1"/>
+          </a:fillRef>
+          <a:effectRef idx="0">
+            <a:schemeClr val="accent1"/>
+          </a:effectRef>
+          <a:fontRef idx="minor">
+            <a:schemeClr val="lt1"/>
+          </a:fontRef>
+        </p:style>
+        <p:txBody>
+          <a:bodyPr rtlCol="0" anchor="ctr"/>
+          <a:lstStyle/>
+          <a:p>
+            <a:pPr algn="ctr"/>
+            <a:r>
+              <a:rPr lang="en-CA" sz="1600" dirty="0" smtClean="0"/>
+              <a:t>Reference Year</a:t>
+            </a:r>
+            <a:endParaRPr lang="en-US" sz="1600" dirty="0"/>
+          </a:p>
+        </p:txBody>
+      </p:sp>
+      <p:sp>
+        <p:nvSpPr>
+          <p:cNvPr id="30" name="Rectangle 29"/>
+          <p:cNvSpPr/>
+          <p:nvPr/>
+        </p:nvSpPr>
+        <p:spPr>
+          <a:xfrm>
+            <a:off x="3361677" y="5331754"/>
+            <a:ext cx="1294015" cy="548640"/>
+          </a:xfrm>
+          <a:prstGeom prst="rect">
+            <a:avLst/>
+          </a:prstGeom>
+        </p:spPr>
+        <p:style>
+          <a:lnRef idx="2">
+            <a:schemeClr val="accent3">
+              <a:shade val="50000"/>
+            </a:schemeClr>
+          </a:lnRef>
+          <a:fillRef idx="1">
+            <a:schemeClr val="accent3"/>
+          </a:fillRef>
+          <a:effectRef idx="0">
+            <a:schemeClr val="accent3"/>
+          </a:effectRef>
+          <a:fontRef idx="minor">
+            <a:schemeClr val="lt1"/>
+          </a:fontRef>
+        </p:style>
+        <p:txBody>
+          <a:bodyPr rtlCol="0" anchor="ctr"/>
+          <a:lstStyle/>
+          <a:p>
+            <a:pPr algn="ctr"/>
+            <a:r>
+              <a:rPr lang="en-CA" sz="1600" dirty="0" smtClean="0"/>
+              <a:t>Disturbance Year</a:t>
+            </a:r>
+            <a:endParaRPr lang="en-US" sz="1600" dirty="0"/>
+          </a:p>
+        </p:txBody>
+      </p:sp>
+      <p:sp>
+        <p:nvSpPr>
+          <p:cNvPr id="31" name="Rectangle 30"/>
+          <p:cNvSpPr/>
+          <p:nvPr/>
+        </p:nvSpPr>
+        <p:spPr>
+          <a:xfrm>
+            <a:off x="948216" y="5328984"/>
+            <a:ext cx="875608" cy="548640"/>
+          </a:xfrm>
+          <a:prstGeom prst="rect">
+            <a:avLst/>
+          </a:prstGeom>
+        </p:spPr>
+        <p:style>
+          <a:lnRef idx="2">
+            <a:schemeClr val="accent4">
+              <a:shade val="50000"/>
+            </a:schemeClr>
+          </a:lnRef>
+          <a:fillRef idx="1">
+            <a:schemeClr val="accent4"/>
+          </a:fillRef>
+          <a:effectRef idx="0">
+            <a:schemeClr val="accent4"/>
+          </a:effectRef>
+          <a:fontRef idx="minor">
+            <a:schemeClr val="lt1"/>
+          </a:fontRef>
+        </p:style>
+        <p:txBody>
+          <a:bodyPr rtlCol="0" anchor="ctr"/>
+          <a:lstStyle/>
+          <a:p>
+            <a:pPr algn="ctr"/>
+            <a:r>
+              <a:rPr lang="en-CA" sz="1600" dirty="0" smtClean="0"/>
+              <a:t>Bird Survey</a:t>
+            </a:r>
+            <a:endParaRPr lang="en-US" sz="1600" dirty="0"/>
+          </a:p>
+        </p:txBody>
+      </p:sp>
+      <p:cxnSp>
+        <p:nvCxnSpPr>
+          <p:cNvPr id="41" name="Straight Arrow Connector 40"/>
+          <p:cNvCxnSpPr/>
+          <p:nvPr/>
+        </p:nvCxnSpPr>
+        <p:spPr>
+          <a:xfrm>
+            <a:off x="856776" y="1810355"/>
+            <a:ext cx="4364181" cy="0"/>
+          </a:xfrm>
+          <a:prstGeom prst="straightConnector1">
+            <a:avLst/>
+          </a:prstGeom>
+          <a:ln w="12700">
+            <a:tailEnd type="triangle"/>
+          </a:ln>
+        </p:spPr>
+        <p:style>
+          <a:lnRef idx="1">
+            <a:schemeClr val="accent1"/>
+          </a:lnRef>
+          <a:fillRef idx="0">
+            <a:schemeClr val="accent1"/>
+          </a:fillRef>
+          <a:effectRef idx="0">
+            <a:schemeClr val="accent1"/>
+          </a:effectRef>
+          <a:fontRef idx="minor">
+            <a:schemeClr val="tx1"/>
+          </a:fontRef>
+        </p:style>
+      </p:cxnSp>
+      <p:sp>
+        <p:nvSpPr>
+          <p:cNvPr id="42" name="Rectangle 41"/>
+          <p:cNvSpPr/>
+          <p:nvPr/>
+        </p:nvSpPr>
+        <p:spPr>
+          <a:xfrm>
+            <a:off x="2388394" y="1171661"/>
+            <a:ext cx="1221971" cy="548640"/>
+          </a:xfrm>
+          <a:prstGeom prst="rect">
+            <a:avLst/>
+          </a:prstGeom>
+        </p:spPr>
+        <p:style>
+          <a:lnRef idx="2">
+            <a:schemeClr val="accent1">
+              <a:shade val="50000"/>
+            </a:schemeClr>
+          </a:lnRef>
+          <a:fillRef idx="1">
+            <a:schemeClr val="accent1"/>
+          </a:fillRef>
+          <a:effectRef idx="0">
+            <a:schemeClr val="accent1"/>
+          </a:effectRef>
+          <a:fontRef idx="minor">
+            <a:schemeClr val="lt1"/>
+          </a:fontRef>
+        </p:style>
+        <p:txBody>
+          <a:bodyPr rtlCol="0" anchor="ctr"/>
+          <a:lstStyle/>
+          <a:p>
+            <a:pPr algn="ctr"/>
+            <a:r>
+              <a:rPr lang="en-CA" sz="1600" dirty="0" smtClean="0"/>
+              <a:t>Reference Year</a:t>
+            </a:r>
+            <a:endParaRPr lang="en-US" sz="1600" dirty="0"/>
+          </a:p>
+        </p:txBody>
+      </p:sp>
+      <p:sp>
+        <p:nvSpPr>
+          <p:cNvPr id="43" name="Rectangle 42"/>
+          <p:cNvSpPr/>
+          <p:nvPr/>
+        </p:nvSpPr>
+        <p:spPr>
+          <a:xfrm>
+            <a:off x="948216" y="1171661"/>
+            <a:ext cx="1294015" cy="548640"/>
+          </a:xfrm>
+          <a:prstGeom prst="rect">
+            <a:avLst/>
+          </a:prstGeom>
+        </p:spPr>
+        <p:style>
+          <a:lnRef idx="2">
+            <a:schemeClr val="accent3">
+              <a:shade val="50000"/>
+            </a:schemeClr>
+          </a:lnRef>
+          <a:fillRef idx="1">
+            <a:schemeClr val="accent3"/>
+          </a:fillRef>
+          <a:effectRef idx="0">
+            <a:schemeClr val="accent3"/>
+          </a:effectRef>
+          <a:fontRef idx="minor">
+            <a:schemeClr val="lt1"/>
+          </a:fontRef>
+        </p:style>
+        <p:txBody>
+          <a:bodyPr rtlCol="0" anchor="ctr"/>
+          <a:lstStyle/>
+          <a:p>
+            <a:pPr algn="ctr"/>
+            <a:r>
+              <a:rPr lang="en-CA" sz="1600" dirty="0" smtClean="0"/>
+              <a:t>Disturbance Year</a:t>
+            </a:r>
+            <a:endParaRPr lang="en-US" sz="1600" dirty="0"/>
+          </a:p>
+        </p:txBody>
+      </p:sp>
+      <p:sp>
+        <p:nvSpPr>
+          <p:cNvPr id="44" name="Rectangle 43"/>
+          <p:cNvSpPr/>
+          <p:nvPr/>
+        </p:nvSpPr>
+        <p:spPr>
+          <a:xfrm>
+            <a:off x="3780084" y="1171661"/>
+            <a:ext cx="875608" cy="548640"/>
+          </a:xfrm>
+          <a:prstGeom prst="rect">
+            <a:avLst/>
+          </a:prstGeom>
+        </p:spPr>
+        <p:style>
+          <a:lnRef idx="2">
+            <a:schemeClr val="accent4">
+              <a:shade val="50000"/>
+            </a:schemeClr>
+          </a:lnRef>
+          <a:fillRef idx="1">
+            <a:schemeClr val="accent4"/>
+          </a:fillRef>
+          <a:effectRef idx="0">
+            <a:schemeClr val="accent4"/>
+          </a:effectRef>
+          <a:fontRef idx="minor">
+            <a:schemeClr val="lt1"/>
+          </a:fontRef>
+        </p:style>
+        <p:txBody>
+          <a:bodyPr rtlCol="0" anchor="ctr"/>
+          <a:lstStyle/>
+          <a:p>
+            <a:pPr algn="ctr"/>
+            <a:r>
+              <a:rPr lang="en-CA" sz="1600" dirty="0" smtClean="0"/>
+              <a:t>Bird Survey</a:t>
+            </a:r>
+            <a:endParaRPr lang="en-US" sz="1600" dirty="0"/>
+          </a:p>
+        </p:txBody>
+      </p:sp>
+      <p:cxnSp>
+        <p:nvCxnSpPr>
+          <p:cNvPr id="45" name="Straight Arrow Connector 44"/>
+          <p:cNvCxnSpPr/>
+          <p:nvPr/>
+        </p:nvCxnSpPr>
+        <p:spPr>
+          <a:xfrm>
+            <a:off x="856776" y="968350"/>
+            <a:ext cx="4364181" cy="0"/>
+          </a:xfrm>
+          <a:prstGeom prst="straightConnector1">
+            <a:avLst/>
+          </a:prstGeom>
+          <a:ln w="12700">
+            <a:tailEnd type="triangle"/>
+          </a:ln>
+        </p:spPr>
+        <p:style>
+          <a:lnRef idx="1">
+            <a:schemeClr val="accent1"/>
+          </a:lnRef>
+          <a:fillRef idx="0">
+            <a:schemeClr val="accent1"/>
+          </a:fillRef>
+          <a:effectRef idx="0">
+            <a:schemeClr val="accent1"/>
+          </a:effectRef>
+          <a:fontRef idx="minor">
+            <a:schemeClr val="tx1"/>
+          </a:fontRef>
+        </p:style>
+      </p:cxnSp>
+      <p:sp>
+        <p:nvSpPr>
+          <p:cNvPr id="46" name="Rectangle 45"/>
+          <p:cNvSpPr/>
+          <p:nvPr/>
+        </p:nvSpPr>
+        <p:spPr>
+          <a:xfrm>
+            <a:off x="3433721" y="318568"/>
+            <a:ext cx="1221971" cy="548640"/>
+          </a:xfrm>
+          <a:prstGeom prst="rect">
+            <a:avLst/>
+          </a:prstGeom>
+        </p:spPr>
+        <p:style>
+          <a:lnRef idx="2">
+            <a:schemeClr val="accent1">
+              <a:shade val="50000"/>
+            </a:schemeClr>
+          </a:lnRef>
+          <a:fillRef idx="1">
+            <a:schemeClr val="accent1"/>
+          </a:fillRef>
+          <a:effectRef idx="0">
+            <a:schemeClr val="accent1"/>
+          </a:effectRef>
+          <a:fontRef idx="minor">
+            <a:schemeClr val="lt1"/>
+          </a:fontRef>
+        </p:style>
+        <p:txBody>
+          <a:bodyPr rtlCol="0" anchor="ctr"/>
+          <a:lstStyle/>
+          <a:p>
+            <a:pPr algn="ctr"/>
+            <a:r>
+              <a:rPr lang="en-CA" sz="1600" dirty="0" smtClean="0"/>
+              <a:t>Reference Year</a:t>
+            </a:r>
+            <a:endParaRPr lang="en-US" sz="1600" dirty="0"/>
+          </a:p>
+        </p:txBody>
+      </p:sp>
+      <p:sp>
+        <p:nvSpPr>
+          <p:cNvPr id="47" name="Rectangle 46"/>
+          <p:cNvSpPr/>
+          <p:nvPr/>
+        </p:nvSpPr>
+        <p:spPr>
+          <a:xfrm>
+            <a:off x="948216" y="332426"/>
+            <a:ext cx="1294015" cy="548640"/>
+          </a:xfrm>
+          <a:prstGeom prst="rect">
+            <a:avLst/>
+          </a:prstGeom>
+        </p:spPr>
+        <p:style>
+          <a:lnRef idx="2">
+            <a:schemeClr val="accent3">
+              <a:shade val="50000"/>
+            </a:schemeClr>
+          </a:lnRef>
+          <a:fillRef idx="1">
+            <a:schemeClr val="accent3"/>
+          </a:fillRef>
+          <a:effectRef idx="0">
+            <a:schemeClr val="accent3"/>
+          </a:effectRef>
+          <a:fontRef idx="minor">
+            <a:schemeClr val="lt1"/>
+          </a:fontRef>
+        </p:style>
+        <p:txBody>
+          <a:bodyPr rtlCol="0" anchor="ctr"/>
+          <a:lstStyle/>
+          <a:p>
+            <a:pPr algn="ctr"/>
+            <a:r>
+              <a:rPr lang="en-CA" sz="1600" dirty="0" smtClean="0"/>
+              <a:t>Disturbance Year</a:t>
+            </a:r>
+            <a:endParaRPr lang="en-US" sz="1600" dirty="0"/>
+          </a:p>
+        </p:txBody>
+      </p:sp>
+      <p:sp>
+        <p:nvSpPr>
+          <p:cNvPr id="48" name="Rectangle 47"/>
+          <p:cNvSpPr/>
+          <p:nvPr/>
+        </p:nvSpPr>
+        <p:spPr>
+          <a:xfrm>
+            <a:off x="2443811" y="329656"/>
+            <a:ext cx="875608" cy="548640"/>
+          </a:xfrm>
+          <a:prstGeom prst="rect">
+            <a:avLst/>
+          </a:prstGeom>
+        </p:spPr>
+        <p:style>
+          <a:lnRef idx="2">
+            <a:schemeClr val="accent4">
+              <a:shade val="50000"/>
+            </a:schemeClr>
+          </a:lnRef>
+          <a:fillRef idx="1">
+            <a:schemeClr val="accent4"/>
+          </a:fillRef>
+          <a:effectRef idx="0">
+            <a:schemeClr val="accent4"/>
+          </a:effectRef>
+          <a:fontRef idx="minor">
+            <a:schemeClr val="lt1"/>
+          </a:fontRef>
+        </p:style>
+        <p:txBody>
+          <a:bodyPr rtlCol="0" anchor="ctr"/>
+          <a:lstStyle/>
+          <a:p>
+            <a:pPr algn="ctr"/>
+            <a:r>
+              <a:rPr lang="en-CA" sz="1600" dirty="0" smtClean="0"/>
+              <a:t>Bird Survey</a:t>
+            </a:r>
+            <a:endParaRPr lang="en-US" sz="1600" dirty="0"/>
+          </a:p>
+        </p:txBody>
+      </p:sp>
+      <p:sp>
+        <p:nvSpPr>
+          <p:cNvPr id="49" name="TextBox 48"/>
+          <p:cNvSpPr txBox="1"/>
+          <p:nvPr/>
+        </p:nvSpPr>
+        <p:spPr>
+          <a:xfrm>
+            <a:off x="5203639" y="329655"/>
+            <a:ext cx="5760720" cy="738664"/>
+          </a:xfrm>
+          <a:prstGeom prst="rect">
+            <a:avLst/>
+          </a:prstGeom>
+          <a:noFill/>
+        </p:spPr>
+        <p:txBody>
+          <a:bodyPr wrap="square" rtlCol="0">
+            <a:spAutoFit/>
+          </a:bodyPr>
+          <a:lstStyle/>
+          <a:p>
+            <a:r>
+              <a:rPr lang="en-CA" sz="1400" dirty="0" smtClean="0"/>
+              <a:t>Bird data were collected after a disturbance and before the inventory. </a:t>
+            </a:r>
+          </a:p>
+          <a:p>
+            <a:r>
+              <a:rPr lang="en-CA" sz="1400" dirty="0" smtClean="0">
+                <a:sym typeface="Wingdings" panose="05000000000000000000" pitchFamily="2" charset="2"/>
+              </a:rPr>
+              <a:t> GOOD: Bird survey and inventory both likely represent post-disturbance </a:t>
+            </a:r>
+            <a:r>
+              <a:rPr lang="en-CA" sz="1400" dirty="0" smtClean="0">
+                <a:sym typeface="Wingdings" panose="05000000000000000000" pitchFamily="2" charset="2"/>
+              </a:rPr>
+              <a:t>conditions </a:t>
+            </a:r>
+            <a:endParaRPr lang="en-US" sz="1400" dirty="0"/>
+          </a:p>
+        </p:txBody>
+      </p:sp>
+      <p:sp>
+        <p:nvSpPr>
+          <p:cNvPr id="50" name="TextBox 49"/>
+          <p:cNvSpPr txBox="1"/>
+          <p:nvPr/>
+        </p:nvSpPr>
+        <p:spPr>
+          <a:xfrm>
+            <a:off x="5203639" y="1161713"/>
+            <a:ext cx="5760720" cy="738664"/>
+          </a:xfrm>
+          <a:prstGeom prst="rect">
+            <a:avLst/>
+          </a:prstGeom>
+          <a:noFill/>
+        </p:spPr>
+        <p:txBody>
+          <a:bodyPr wrap="square" rtlCol="0">
+            <a:spAutoFit/>
+          </a:bodyPr>
+          <a:lstStyle/>
+          <a:p>
+            <a:r>
+              <a:rPr lang="en-CA" sz="1400" dirty="0" smtClean="0"/>
+              <a:t>Bird data were collected after both the inventory and a disturbance. </a:t>
+            </a:r>
+          </a:p>
+          <a:p>
+            <a:r>
+              <a:rPr lang="en-CA" sz="1400" dirty="0" smtClean="0">
+                <a:sym typeface="Wingdings" panose="05000000000000000000" pitchFamily="2" charset="2"/>
+              </a:rPr>
+              <a:t> GOOD: Bird survey and inventory both likely represent post-disturbance conditions</a:t>
+            </a:r>
+            <a:endParaRPr lang="en-US" sz="1400" dirty="0"/>
+          </a:p>
+        </p:txBody>
+      </p:sp>
+      <p:sp>
+        <p:nvSpPr>
+          <p:cNvPr id="2" name="TextBox 1"/>
+          <p:cNvSpPr txBox="1"/>
+          <p:nvPr/>
+        </p:nvSpPr>
+        <p:spPr>
+          <a:xfrm>
+            <a:off x="437486" y="267110"/>
+            <a:ext cx="393056" cy="584775"/>
+          </a:xfrm>
+          <a:prstGeom prst="rect">
+            <a:avLst/>
+          </a:prstGeom>
+          <a:noFill/>
+        </p:spPr>
+        <p:txBody>
+          <a:bodyPr wrap="none" rtlCol="0">
+            <a:spAutoFit/>
+          </a:bodyPr>
+          <a:lstStyle/>
+          <a:p>
+            <a:r>
+              <a:rPr lang="en-CA" sz="3200" dirty="0" smtClean="0"/>
+              <a:t>1</a:t>
+            </a:r>
+            <a:endParaRPr lang="en-US" sz="3200" dirty="0"/>
+          </a:p>
+        </p:txBody>
+      </p:sp>
+      <p:sp>
+        <p:nvSpPr>
+          <p:cNvPr id="33" name="TextBox 32"/>
+          <p:cNvSpPr txBox="1"/>
+          <p:nvPr/>
+        </p:nvSpPr>
+        <p:spPr>
+          <a:xfrm>
+            <a:off x="437486" y="2307825"/>
+            <a:ext cx="393056" cy="584775"/>
+          </a:xfrm>
+          <a:prstGeom prst="rect">
+            <a:avLst/>
+          </a:prstGeom>
+          <a:noFill/>
+        </p:spPr>
+        <p:txBody>
+          <a:bodyPr wrap="none" rtlCol="0">
+            <a:spAutoFit/>
+          </a:bodyPr>
+          <a:lstStyle/>
+          <a:p>
+            <a:r>
+              <a:rPr lang="en-CA" sz="3200" dirty="0"/>
+              <a:t>2</a:t>
+            </a:r>
+            <a:endParaRPr lang="en-US" sz="3200" dirty="0"/>
+          </a:p>
+        </p:txBody>
+      </p:sp>
+      <p:sp>
+        <p:nvSpPr>
+          <p:cNvPr id="34" name="TextBox 33"/>
+          <p:cNvSpPr txBox="1"/>
+          <p:nvPr/>
+        </p:nvSpPr>
+        <p:spPr>
+          <a:xfrm>
+            <a:off x="446221" y="4445036"/>
+            <a:ext cx="393056" cy="584775"/>
+          </a:xfrm>
+          <a:prstGeom prst="rect">
+            <a:avLst/>
+          </a:prstGeom>
+          <a:noFill/>
+        </p:spPr>
+        <p:txBody>
+          <a:bodyPr wrap="square" rtlCol="0">
+            <a:spAutoFit/>
+          </a:bodyPr>
+          <a:lstStyle/>
+          <a:p>
+            <a:r>
+              <a:rPr lang="en-CA" sz="3200" dirty="0"/>
+              <a:t>3</a:t>
+            </a:r>
+            <a:endParaRPr lang="en-US" sz="3200" dirty="0"/>
+          </a:p>
+        </p:txBody>
+      </p:sp>
+      <p:sp>
+        <p:nvSpPr>
+          <p:cNvPr id="35" name="TextBox 34"/>
+          <p:cNvSpPr txBox="1"/>
+          <p:nvPr/>
+        </p:nvSpPr>
+        <p:spPr>
+          <a:xfrm>
+            <a:off x="692203" y="387313"/>
+            <a:ext cx="308098" cy="400110"/>
+          </a:xfrm>
+          <a:prstGeom prst="rect">
+            <a:avLst/>
+          </a:prstGeom>
+          <a:noFill/>
+        </p:spPr>
+        <p:txBody>
+          <a:bodyPr wrap="none" rtlCol="0">
+            <a:spAutoFit/>
+          </a:bodyPr>
+          <a:lstStyle/>
+          <a:p>
+            <a:r>
+              <a:rPr lang="en-CA" sz="2000" dirty="0" smtClean="0"/>
+              <a:t>a</a:t>
+            </a:r>
+            <a:endParaRPr lang="en-US" sz="3200" dirty="0"/>
+          </a:p>
+        </p:txBody>
+      </p:sp>
+      <p:sp>
+        <p:nvSpPr>
+          <p:cNvPr id="36" name="TextBox 35"/>
+          <p:cNvSpPr txBox="1"/>
+          <p:nvPr/>
+        </p:nvSpPr>
+        <p:spPr>
+          <a:xfrm>
+            <a:off x="692203" y="1236977"/>
+            <a:ext cx="319318" cy="400110"/>
+          </a:xfrm>
+          <a:prstGeom prst="rect">
+            <a:avLst/>
+          </a:prstGeom>
+          <a:noFill/>
+        </p:spPr>
+        <p:txBody>
+          <a:bodyPr wrap="none" rtlCol="0">
+            <a:spAutoFit/>
+          </a:bodyPr>
+          <a:lstStyle/>
+          <a:p>
+            <a:r>
+              <a:rPr lang="en-CA" sz="2000" dirty="0"/>
+              <a:t>b</a:t>
+            </a:r>
+            <a:endParaRPr lang="en-US" sz="3200" dirty="0"/>
+          </a:p>
+        </p:txBody>
+      </p:sp>
+      <p:sp>
+        <p:nvSpPr>
+          <p:cNvPr id="37" name="TextBox 36"/>
+          <p:cNvSpPr txBox="1"/>
+          <p:nvPr/>
+        </p:nvSpPr>
+        <p:spPr>
+          <a:xfrm>
+            <a:off x="692203" y="2406988"/>
+            <a:ext cx="308098" cy="400110"/>
+          </a:xfrm>
+          <a:prstGeom prst="rect">
+            <a:avLst/>
+          </a:prstGeom>
+          <a:noFill/>
+        </p:spPr>
+        <p:txBody>
+          <a:bodyPr wrap="none" rtlCol="0">
+            <a:spAutoFit/>
+          </a:bodyPr>
+          <a:lstStyle/>
+          <a:p>
+            <a:r>
+              <a:rPr lang="en-CA" sz="2000" dirty="0" smtClean="0"/>
+              <a:t>a</a:t>
+            </a:r>
+            <a:endParaRPr lang="en-US" sz="3200" dirty="0"/>
+          </a:p>
+        </p:txBody>
+      </p:sp>
+      <p:sp>
+        <p:nvSpPr>
+          <p:cNvPr id="38" name="TextBox 37"/>
+          <p:cNvSpPr txBox="1"/>
+          <p:nvPr/>
+        </p:nvSpPr>
+        <p:spPr>
+          <a:xfrm>
+            <a:off x="692203" y="3256652"/>
+            <a:ext cx="319318" cy="400110"/>
+          </a:xfrm>
+          <a:prstGeom prst="rect">
+            <a:avLst/>
+          </a:prstGeom>
+          <a:noFill/>
+        </p:spPr>
+        <p:txBody>
+          <a:bodyPr wrap="none" rtlCol="0">
+            <a:spAutoFit/>
+          </a:bodyPr>
+          <a:lstStyle/>
+          <a:p>
+            <a:r>
+              <a:rPr lang="en-CA" sz="2000" dirty="0"/>
+              <a:t>b</a:t>
+            </a:r>
+            <a:endParaRPr lang="en-US" sz="3200" dirty="0"/>
+          </a:p>
+        </p:txBody>
+      </p:sp>
+      <p:sp>
+        <p:nvSpPr>
+          <p:cNvPr id="39" name="TextBox 38"/>
+          <p:cNvSpPr txBox="1"/>
+          <p:nvPr/>
+        </p:nvSpPr>
+        <p:spPr>
+          <a:xfrm>
+            <a:off x="692203" y="4553448"/>
+            <a:ext cx="308098" cy="400110"/>
+          </a:xfrm>
+          <a:prstGeom prst="rect">
+            <a:avLst/>
+          </a:prstGeom>
+          <a:noFill/>
+        </p:spPr>
+        <p:txBody>
+          <a:bodyPr wrap="square" rtlCol="0">
+            <a:spAutoFit/>
+          </a:bodyPr>
+          <a:lstStyle/>
+          <a:p>
+            <a:r>
+              <a:rPr lang="en-CA" sz="2000" dirty="0" smtClean="0"/>
+              <a:t>a</a:t>
+            </a:r>
+            <a:endParaRPr lang="en-US" sz="3200" dirty="0"/>
+          </a:p>
+        </p:txBody>
+      </p:sp>
+      <p:sp>
+        <p:nvSpPr>
+          <p:cNvPr id="40" name="TextBox 39"/>
+          <p:cNvSpPr txBox="1"/>
+          <p:nvPr/>
+        </p:nvSpPr>
+        <p:spPr>
+          <a:xfrm>
+            <a:off x="692203" y="5403112"/>
+            <a:ext cx="319318" cy="400110"/>
+          </a:xfrm>
+          <a:prstGeom prst="rect">
+            <a:avLst/>
+          </a:prstGeom>
+          <a:noFill/>
+        </p:spPr>
+        <p:txBody>
+          <a:bodyPr wrap="square" rtlCol="0">
+            <a:spAutoFit/>
+          </a:bodyPr>
+          <a:lstStyle/>
+          <a:p>
+            <a:r>
+              <a:rPr lang="en-CA" sz="2000" dirty="0"/>
+              <a:t>b</a:t>
+            </a:r>
+            <a:endParaRPr lang="en-US" sz="3200" dirty="0"/>
+          </a:p>
+        </p:txBody>
+      </p:sp>
     </p:spTree>
     <p:extLst>
       <p:ext uri="{BB962C8B-B14F-4D97-AF65-F5344CB8AC3E}">
@@ -4254,16 +4516,49 @@
           <a:chExt cx="0" cy="0"/>
         </a:xfrm>
       </p:grpSpPr>
-      <p:sp>
-        <p:nvSpPr>
-          <p:cNvPr id="2" name="Rectangle 1"/>
+      <p:cxnSp>
+        <p:nvCxnSpPr>
+          <p:cNvPr id="5" name="Straight Arrow Connector 4"/>
+          <p:cNvCxnSpPr/>
+          <p:nvPr/>
+        </p:nvCxnSpPr>
+        <p:spPr>
+          <a:xfrm>
+            <a:off x="6244577" y="2707116"/>
+            <a:ext cx="4372494" cy="0"/>
+          </a:xfrm>
+          <a:prstGeom prst="straightConnector1">
+            <a:avLst/>
+          </a:prstGeom>
+          <a:ln w="12700">
+            <a:tailEnd type="triangle"/>
+          </a:ln>
+        </p:spPr>
+        <p:style>
+          <a:lnRef idx="1">
+            <a:schemeClr val="accent1"/>
+          </a:lnRef>
+          <a:fillRef idx="0">
+            <a:schemeClr val="accent1"/>
+          </a:fillRef>
+          <a:effectRef idx="0">
+            <a:schemeClr val="accent1"/>
+          </a:effectRef>
+          <a:fontRef idx="minor">
+            <a:schemeClr val="tx1"/>
+          </a:fontRef>
+        </p:style>
+      </p:cxnSp>
+      <p:sp>
+        <p:nvSpPr>
+          <p:cNvPr id="6" name="Rectangle 5"/>
           <p:cNvSpPr/>
           <p:nvPr/>
         </p:nvSpPr>
         <p:spPr>
           <a:xfrm>
-            <a:off x="872835" y="332509"/>
-            <a:ext cx="2069869" cy="889462"/>
+            <a:off x="6306921" y="2058723"/>
+            <a:ext cx="1221971" cy="548640"/>
           </a:xfrm>
           <a:prstGeom prst="rect">
             <a:avLst/>
@@ -4291,6 +4586,1575 @@
           <a:p>
             <a:pPr algn="ctr"/>
             <a:r>
+              <a:rPr lang="en-CA" sz="1600" dirty="0" smtClean="0"/>
+              <a:t>Reference Year</a:t>
+            </a:r>
+            <a:endParaRPr lang="en-US" sz="1600" dirty="0"/>
+          </a:p>
+        </p:txBody>
+      </p:sp>
+      <p:sp>
+        <p:nvSpPr>
+          <p:cNvPr id="7" name="Rectangle 6"/>
+          <p:cNvSpPr/>
+          <p:nvPr/>
+        </p:nvSpPr>
+        <p:spPr>
+          <a:xfrm>
+            <a:off x="7675055" y="2058723"/>
+            <a:ext cx="1294015" cy="548640"/>
+          </a:xfrm>
+          <a:prstGeom prst="rect">
+            <a:avLst/>
+          </a:prstGeom>
+        </p:spPr>
+        <p:style>
+          <a:lnRef idx="2">
+            <a:schemeClr val="accent3">
+              <a:shade val="50000"/>
+            </a:schemeClr>
+          </a:lnRef>
+          <a:fillRef idx="1">
+            <a:schemeClr val="accent3"/>
+          </a:fillRef>
+          <a:effectRef idx="0">
+            <a:schemeClr val="accent3"/>
+          </a:effectRef>
+          <a:fontRef idx="minor">
+            <a:schemeClr val="lt1"/>
+          </a:fontRef>
+        </p:style>
+        <p:txBody>
+          <a:bodyPr rtlCol="0" anchor="ctr"/>
+          <a:lstStyle/>
+          <a:p>
+            <a:pPr algn="ctr"/>
+            <a:r>
+              <a:rPr lang="en-CA" sz="1600" dirty="0" smtClean="0"/>
+              <a:t>Disturbance Year</a:t>
+            </a:r>
+            <a:endParaRPr lang="en-US" sz="1600" dirty="0"/>
+          </a:p>
+        </p:txBody>
+      </p:sp>
+      <p:sp>
+        <p:nvSpPr>
+          <p:cNvPr id="8" name="Rectangle 7"/>
+          <p:cNvSpPr/>
+          <p:nvPr/>
+        </p:nvSpPr>
+        <p:spPr>
+          <a:xfrm>
+            <a:off x="9138789" y="2058723"/>
+            <a:ext cx="875608" cy="548640"/>
+          </a:xfrm>
+          <a:prstGeom prst="rect">
+            <a:avLst/>
+          </a:prstGeom>
+        </p:spPr>
+        <p:style>
+          <a:lnRef idx="2">
+            <a:schemeClr val="accent4">
+              <a:shade val="50000"/>
+            </a:schemeClr>
+          </a:lnRef>
+          <a:fillRef idx="1">
+            <a:schemeClr val="accent4"/>
+          </a:fillRef>
+          <a:effectRef idx="0">
+            <a:schemeClr val="accent4"/>
+          </a:effectRef>
+          <a:fontRef idx="minor">
+            <a:schemeClr val="lt1"/>
+          </a:fontRef>
+        </p:style>
+        <p:txBody>
+          <a:bodyPr rtlCol="0" anchor="ctr"/>
+          <a:lstStyle/>
+          <a:p>
+            <a:pPr algn="ctr"/>
+            <a:r>
+              <a:rPr lang="en-CA" sz="1600" dirty="0" smtClean="0"/>
+              <a:t>Bird Survey</a:t>
+            </a:r>
+            <a:endParaRPr lang="en-US" sz="1600" dirty="0"/>
+          </a:p>
+        </p:txBody>
+      </p:sp>
+      <p:cxnSp>
+        <p:nvCxnSpPr>
+          <p:cNvPr id="14" name="Straight Arrow Connector 13"/>
+          <p:cNvCxnSpPr/>
+          <p:nvPr/>
+        </p:nvCxnSpPr>
+        <p:spPr>
+          <a:xfrm flipV="1">
+            <a:off x="856776" y="5107654"/>
+            <a:ext cx="4346863" cy="18552"/>
+          </a:xfrm>
+          <a:prstGeom prst="straightConnector1">
+            <a:avLst/>
+          </a:prstGeom>
+          <a:ln w="12700">
+            <a:tailEnd type="triangle"/>
+          </a:ln>
+        </p:spPr>
+        <p:style>
+          <a:lnRef idx="1">
+            <a:schemeClr val="accent1"/>
+          </a:lnRef>
+          <a:fillRef idx="0">
+            <a:schemeClr val="accent1"/>
+          </a:fillRef>
+          <a:effectRef idx="0">
+            <a:schemeClr val="accent1"/>
+          </a:effectRef>
+          <a:fontRef idx="minor">
+            <a:schemeClr val="tx1"/>
+          </a:fontRef>
+        </p:style>
+      </p:cxnSp>
+      <p:sp>
+        <p:nvSpPr>
+          <p:cNvPr id="15" name="Rectangle 14"/>
+          <p:cNvSpPr/>
+          <p:nvPr/>
+        </p:nvSpPr>
+        <p:spPr>
+          <a:xfrm>
+            <a:off x="948216" y="4477813"/>
+            <a:ext cx="1221971" cy="548640"/>
+          </a:xfrm>
+          <a:prstGeom prst="rect">
+            <a:avLst/>
+          </a:prstGeom>
+        </p:spPr>
+        <p:style>
+          <a:lnRef idx="2">
+            <a:schemeClr val="accent1">
+              <a:shade val="50000"/>
+            </a:schemeClr>
+          </a:lnRef>
+          <a:fillRef idx="1">
+            <a:schemeClr val="accent1"/>
+          </a:fillRef>
+          <a:effectRef idx="0">
+            <a:schemeClr val="accent1"/>
+          </a:effectRef>
+          <a:fontRef idx="minor">
+            <a:schemeClr val="lt1"/>
+          </a:fontRef>
+        </p:style>
+        <p:txBody>
+          <a:bodyPr rtlCol="0" anchor="ctr"/>
+          <a:lstStyle/>
+          <a:p>
+            <a:pPr algn="ctr"/>
+            <a:r>
+              <a:rPr lang="en-CA" sz="1600" dirty="0" smtClean="0"/>
+              <a:t>Reference Year</a:t>
+            </a:r>
+            <a:endParaRPr lang="en-US" sz="1600" dirty="0"/>
+          </a:p>
+        </p:txBody>
+      </p:sp>
+      <p:sp>
+        <p:nvSpPr>
+          <p:cNvPr id="16" name="Rectangle 15"/>
+          <p:cNvSpPr/>
+          <p:nvPr/>
+        </p:nvSpPr>
+        <p:spPr>
+          <a:xfrm>
+            <a:off x="3361677" y="4477813"/>
+            <a:ext cx="1294015" cy="548640"/>
+          </a:xfrm>
+          <a:prstGeom prst="rect">
+            <a:avLst/>
+          </a:prstGeom>
+        </p:spPr>
+        <p:style>
+          <a:lnRef idx="2">
+            <a:schemeClr val="accent3">
+              <a:shade val="50000"/>
+            </a:schemeClr>
+          </a:lnRef>
+          <a:fillRef idx="1">
+            <a:schemeClr val="accent3"/>
+          </a:fillRef>
+          <a:effectRef idx="0">
+            <a:schemeClr val="accent3"/>
+          </a:effectRef>
+          <a:fontRef idx="minor">
+            <a:schemeClr val="lt1"/>
+          </a:fontRef>
+        </p:style>
+        <p:txBody>
+          <a:bodyPr rtlCol="0" anchor="ctr"/>
+          <a:lstStyle/>
+          <a:p>
+            <a:pPr algn="ctr"/>
+            <a:r>
+              <a:rPr lang="en-CA" sz="1600" dirty="0" smtClean="0"/>
+              <a:t>Disturbance Year</a:t>
+            </a:r>
+            <a:endParaRPr lang="en-US" sz="1600" dirty="0"/>
+          </a:p>
+        </p:txBody>
+      </p:sp>
+      <p:sp>
+        <p:nvSpPr>
+          <p:cNvPr id="17" name="Rectangle 16"/>
+          <p:cNvSpPr/>
+          <p:nvPr/>
+        </p:nvSpPr>
+        <p:spPr>
+          <a:xfrm>
+            <a:off x="2344055" y="4477813"/>
+            <a:ext cx="875608" cy="548640"/>
+          </a:xfrm>
+          <a:prstGeom prst="rect">
+            <a:avLst/>
+          </a:prstGeom>
+        </p:spPr>
+        <p:style>
+          <a:lnRef idx="2">
+            <a:schemeClr val="accent4">
+              <a:shade val="50000"/>
+            </a:schemeClr>
+          </a:lnRef>
+          <a:fillRef idx="1">
+            <a:schemeClr val="accent4"/>
+          </a:fillRef>
+          <a:effectRef idx="0">
+            <a:schemeClr val="accent4"/>
+          </a:effectRef>
+          <a:fontRef idx="minor">
+            <a:schemeClr val="lt1"/>
+          </a:fontRef>
+        </p:style>
+        <p:txBody>
+          <a:bodyPr rtlCol="0" anchor="ctr"/>
+          <a:lstStyle/>
+          <a:p>
+            <a:pPr algn="ctr"/>
+            <a:r>
+              <a:rPr lang="en-CA" sz="1600" dirty="0" smtClean="0"/>
+              <a:t>Bird Survey</a:t>
+            </a:r>
+            <a:endParaRPr lang="en-US" sz="1600" dirty="0"/>
+          </a:p>
+        </p:txBody>
+      </p:sp>
+      <p:cxnSp>
+        <p:nvCxnSpPr>
+          <p:cNvPr id="23" name="Straight Arrow Connector 22"/>
+          <p:cNvCxnSpPr/>
+          <p:nvPr/>
+        </p:nvCxnSpPr>
+        <p:spPr>
+          <a:xfrm>
+            <a:off x="6215481" y="3579492"/>
+            <a:ext cx="4364181" cy="0"/>
+          </a:xfrm>
+          <a:prstGeom prst="straightConnector1">
+            <a:avLst/>
+          </a:prstGeom>
+          <a:ln w="12700">
+            <a:tailEnd type="triangle"/>
+          </a:ln>
+        </p:spPr>
+        <p:style>
+          <a:lnRef idx="1">
+            <a:schemeClr val="accent1"/>
+          </a:lnRef>
+          <a:fillRef idx="0">
+            <a:schemeClr val="accent1"/>
+          </a:fillRef>
+          <a:effectRef idx="0">
+            <a:schemeClr val="accent1"/>
+          </a:effectRef>
+          <a:fontRef idx="minor">
+            <a:schemeClr val="tx1"/>
+          </a:fontRef>
+        </p:style>
+      </p:cxnSp>
+      <p:sp>
+        <p:nvSpPr>
+          <p:cNvPr id="24" name="Rectangle 23"/>
+          <p:cNvSpPr/>
+          <p:nvPr/>
+        </p:nvSpPr>
+        <p:spPr>
+          <a:xfrm>
+            <a:off x="8792426" y="2940798"/>
+            <a:ext cx="1221971" cy="548640"/>
+          </a:xfrm>
+          <a:prstGeom prst="rect">
+            <a:avLst/>
+          </a:prstGeom>
+        </p:spPr>
+        <p:style>
+          <a:lnRef idx="2">
+            <a:schemeClr val="accent1">
+              <a:shade val="50000"/>
+            </a:schemeClr>
+          </a:lnRef>
+          <a:fillRef idx="1">
+            <a:schemeClr val="accent1"/>
+          </a:fillRef>
+          <a:effectRef idx="0">
+            <a:schemeClr val="accent1"/>
+          </a:effectRef>
+          <a:fontRef idx="minor">
+            <a:schemeClr val="lt1"/>
+          </a:fontRef>
+        </p:style>
+        <p:txBody>
+          <a:bodyPr rtlCol="0" anchor="ctr"/>
+          <a:lstStyle/>
+          <a:p>
+            <a:pPr algn="ctr"/>
+            <a:r>
+              <a:rPr lang="en-CA" sz="1600" dirty="0" smtClean="0"/>
+              <a:t>Reference Year</a:t>
+            </a:r>
+            <a:endParaRPr lang="en-US" sz="1600" dirty="0"/>
+          </a:p>
+        </p:txBody>
+      </p:sp>
+      <p:sp>
+        <p:nvSpPr>
+          <p:cNvPr id="25" name="Rectangle 24"/>
+          <p:cNvSpPr/>
+          <p:nvPr/>
+        </p:nvSpPr>
+        <p:spPr>
+          <a:xfrm>
+            <a:off x="7384109" y="2940798"/>
+            <a:ext cx="1294015" cy="548640"/>
+          </a:xfrm>
+          <a:prstGeom prst="rect">
+            <a:avLst/>
+          </a:prstGeom>
+        </p:spPr>
+        <p:style>
+          <a:lnRef idx="2">
+            <a:schemeClr val="accent3">
+              <a:shade val="50000"/>
+            </a:schemeClr>
+          </a:lnRef>
+          <a:fillRef idx="1">
+            <a:schemeClr val="accent3"/>
+          </a:fillRef>
+          <a:effectRef idx="0">
+            <a:schemeClr val="accent3"/>
+          </a:effectRef>
+          <a:fontRef idx="minor">
+            <a:schemeClr val="lt1"/>
+          </a:fontRef>
+        </p:style>
+        <p:txBody>
+          <a:bodyPr rtlCol="0" anchor="ctr"/>
+          <a:lstStyle/>
+          <a:p>
+            <a:pPr algn="ctr"/>
+            <a:r>
+              <a:rPr lang="en-CA" sz="1600" dirty="0" smtClean="0"/>
+              <a:t>Disturbance Year</a:t>
+            </a:r>
+            <a:endParaRPr lang="en-US" sz="1600" dirty="0"/>
+          </a:p>
+        </p:txBody>
+      </p:sp>
+      <p:sp>
+        <p:nvSpPr>
+          <p:cNvPr id="26" name="Rectangle 25"/>
+          <p:cNvSpPr/>
+          <p:nvPr/>
+        </p:nvSpPr>
+        <p:spPr>
+          <a:xfrm>
+            <a:off x="6306921" y="2940798"/>
+            <a:ext cx="875608" cy="548640"/>
+          </a:xfrm>
+          <a:prstGeom prst="rect">
+            <a:avLst/>
+          </a:prstGeom>
+        </p:spPr>
+        <p:style>
+          <a:lnRef idx="2">
+            <a:schemeClr val="accent4">
+              <a:shade val="50000"/>
+            </a:schemeClr>
+          </a:lnRef>
+          <a:fillRef idx="1">
+            <a:schemeClr val="accent4"/>
+          </a:fillRef>
+          <a:effectRef idx="0">
+            <a:schemeClr val="accent4"/>
+          </a:effectRef>
+          <a:fontRef idx="minor">
+            <a:schemeClr val="lt1"/>
+          </a:fontRef>
+        </p:style>
+        <p:txBody>
+          <a:bodyPr rtlCol="0" anchor="ctr"/>
+          <a:lstStyle/>
+          <a:p>
+            <a:pPr algn="ctr"/>
+            <a:r>
+              <a:rPr lang="en-CA" sz="1600" dirty="0" smtClean="0"/>
+              <a:t>Bird Survey</a:t>
+            </a:r>
+            <a:endParaRPr lang="en-US" sz="1600" dirty="0"/>
+          </a:p>
+        </p:txBody>
+      </p:sp>
+      <p:cxnSp>
+        <p:nvCxnSpPr>
+          <p:cNvPr id="28" name="Straight Arrow Connector 27"/>
+          <p:cNvCxnSpPr/>
+          <p:nvPr/>
+        </p:nvCxnSpPr>
+        <p:spPr>
+          <a:xfrm>
+            <a:off x="856776" y="5967678"/>
+            <a:ext cx="4364181" cy="0"/>
+          </a:xfrm>
+          <a:prstGeom prst="straightConnector1">
+            <a:avLst/>
+          </a:prstGeom>
+          <a:ln w="12700">
+            <a:tailEnd type="triangle"/>
+          </a:ln>
+        </p:spPr>
+        <p:style>
+          <a:lnRef idx="1">
+            <a:schemeClr val="accent1"/>
+          </a:lnRef>
+          <a:fillRef idx="0">
+            <a:schemeClr val="accent1"/>
+          </a:fillRef>
+          <a:effectRef idx="0">
+            <a:schemeClr val="accent1"/>
+          </a:effectRef>
+          <a:fontRef idx="minor">
+            <a:schemeClr val="tx1"/>
+          </a:fontRef>
+        </p:style>
+      </p:cxnSp>
+      <p:sp>
+        <p:nvSpPr>
+          <p:cNvPr id="29" name="Rectangle 28"/>
+          <p:cNvSpPr/>
+          <p:nvPr/>
+        </p:nvSpPr>
+        <p:spPr>
+          <a:xfrm>
+            <a:off x="1997692" y="5328984"/>
+            <a:ext cx="1221971" cy="548640"/>
+          </a:xfrm>
+          <a:prstGeom prst="rect">
+            <a:avLst/>
+          </a:prstGeom>
+        </p:spPr>
+        <p:style>
+          <a:lnRef idx="2">
+            <a:schemeClr val="accent1">
+              <a:shade val="50000"/>
+            </a:schemeClr>
+          </a:lnRef>
+          <a:fillRef idx="1">
+            <a:schemeClr val="accent1"/>
+          </a:fillRef>
+          <a:effectRef idx="0">
+            <a:schemeClr val="accent1"/>
+          </a:effectRef>
+          <a:fontRef idx="minor">
+            <a:schemeClr val="lt1"/>
+          </a:fontRef>
+        </p:style>
+        <p:txBody>
+          <a:bodyPr rtlCol="0" anchor="ctr"/>
+          <a:lstStyle/>
+          <a:p>
+            <a:pPr algn="ctr"/>
+            <a:r>
+              <a:rPr lang="en-CA" sz="1600" dirty="0" smtClean="0"/>
+              <a:t>Reference Year</a:t>
+            </a:r>
+            <a:endParaRPr lang="en-US" sz="1600" dirty="0"/>
+          </a:p>
+        </p:txBody>
+      </p:sp>
+      <p:sp>
+        <p:nvSpPr>
+          <p:cNvPr id="30" name="Rectangle 29"/>
+          <p:cNvSpPr/>
+          <p:nvPr/>
+        </p:nvSpPr>
+        <p:spPr>
+          <a:xfrm>
+            <a:off x="3361677" y="5331754"/>
+            <a:ext cx="1294015" cy="548640"/>
+          </a:xfrm>
+          <a:prstGeom prst="rect">
+            <a:avLst/>
+          </a:prstGeom>
+        </p:spPr>
+        <p:style>
+          <a:lnRef idx="2">
+            <a:schemeClr val="accent3">
+              <a:shade val="50000"/>
+            </a:schemeClr>
+          </a:lnRef>
+          <a:fillRef idx="1">
+            <a:schemeClr val="accent3"/>
+          </a:fillRef>
+          <a:effectRef idx="0">
+            <a:schemeClr val="accent3"/>
+          </a:effectRef>
+          <a:fontRef idx="minor">
+            <a:schemeClr val="lt1"/>
+          </a:fontRef>
+        </p:style>
+        <p:txBody>
+          <a:bodyPr rtlCol="0" anchor="ctr"/>
+          <a:lstStyle/>
+          <a:p>
+            <a:pPr algn="ctr"/>
+            <a:r>
+              <a:rPr lang="en-CA" sz="1600" dirty="0" smtClean="0"/>
+              <a:t>Disturbance Year</a:t>
+            </a:r>
+            <a:endParaRPr lang="en-US" sz="1600" dirty="0"/>
+          </a:p>
+        </p:txBody>
+      </p:sp>
+      <p:sp>
+        <p:nvSpPr>
+          <p:cNvPr id="31" name="Rectangle 30"/>
+          <p:cNvSpPr/>
+          <p:nvPr/>
+        </p:nvSpPr>
+        <p:spPr>
+          <a:xfrm>
+            <a:off x="948216" y="5328984"/>
+            <a:ext cx="875608" cy="548640"/>
+          </a:xfrm>
+          <a:prstGeom prst="rect">
+            <a:avLst/>
+          </a:prstGeom>
+        </p:spPr>
+        <p:style>
+          <a:lnRef idx="2">
+            <a:schemeClr val="accent4">
+              <a:shade val="50000"/>
+            </a:schemeClr>
+          </a:lnRef>
+          <a:fillRef idx="1">
+            <a:schemeClr val="accent4"/>
+          </a:fillRef>
+          <a:effectRef idx="0">
+            <a:schemeClr val="accent4"/>
+          </a:effectRef>
+          <a:fontRef idx="minor">
+            <a:schemeClr val="lt1"/>
+          </a:fontRef>
+        </p:style>
+        <p:txBody>
+          <a:bodyPr rtlCol="0" anchor="ctr"/>
+          <a:lstStyle/>
+          <a:p>
+            <a:pPr algn="ctr"/>
+            <a:r>
+              <a:rPr lang="en-CA" sz="1600" dirty="0" smtClean="0"/>
+              <a:t>Bird Survey</a:t>
+            </a:r>
+            <a:endParaRPr lang="en-US" sz="1600" dirty="0"/>
+          </a:p>
+        </p:txBody>
+      </p:sp>
+      <p:cxnSp>
+        <p:nvCxnSpPr>
+          <p:cNvPr id="41" name="Straight Arrow Connector 40"/>
+          <p:cNvCxnSpPr/>
+          <p:nvPr/>
+        </p:nvCxnSpPr>
+        <p:spPr>
+          <a:xfrm>
+            <a:off x="856776" y="1810355"/>
+            <a:ext cx="4364181" cy="0"/>
+          </a:xfrm>
+          <a:prstGeom prst="straightConnector1">
+            <a:avLst/>
+          </a:prstGeom>
+          <a:ln w="12700">
+            <a:tailEnd type="triangle"/>
+          </a:ln>
+        </p:spPr>
+        <p:style>
+          <a:lnRef idx="1">
+            <a:schemeClr val="accent1"/>
+          </a:lnRef>
+          <a:fillRef idx="0">
+            <a:schemeClr val="accent1"/>
+          </a:fillRef>
+          <a:effectRef idx="0">
+            <a:schemeClr val="accent1"/>
+          </a:effectRef>
+          <a:fontRef idx="minor">
+            <a:schemeClr val="tx1"/>
+          </a:fontRef>
+        </p:style>
+      </p:cxnSp>
+      <p:sp>
+        <p:nvSpPr>
+          <p:cNvPr id="42" name="Rectangle 41"/>
+          <p:cNvSpPr/>
+          <p:nvPr/>
+        </p:nvSpPr>
+        <p:spPr>
+          <a:xfrm>
+            <a:off x="2388394" y="1171661"/>
+            <a:ext cx="1221971" cy="548640"/>
+          </a:xfrm>
+          <a:prstGeom prst="rect">
+            <a:avLst/>
+          </a:prstGeom>
+        </p:spPr>
+        <p:style>
+          <a:lnRef idx="2">
+            <a:schemeClr val="accent1">
+              <a:shade val="50000"/>
+            </a:schemeClr>
+          </a:lnRef>
+          <a:fillRef idx="1">
+            <a:schemeClr val="accent1"/>
+          </a:fillRef>
+          <a:effectRef idx="0">
+            <a:schemeClr val="accent1"/>
+          </a:effectRef>
+          <a:fontRef idx="minor">
+            <a:schemeClr val="lt1"/>
+          </a:fontRef>
+        </p:style>
+        <p:txBody>
+          <a:bodyPr rtlCol="0" anchor="ctr"/>
+          <a:lstStyle/>
+          <a:p>
+            <a:pPr algn="ctr"/>
+            <a:r>
+              <a:rPr lang="en-CA" sz="1600" dirty="0" smtClean="0"/>
+              <a:t>Reference Year</a:t>
+            </a:r>
+            <a:endParaRPr lang="en-US" sz="1600" dirty="0"/>
+          </a:p>
+        </p:txBody>
+      </p:sp>
+      <p:sp>
+        <p:nvSpPr>
+          <p:cNvPr id="43" name="Rectangle 42"/>
+          <p:cNvSpPr/>
+          <p:nvPr/>
+        </p:nvSpPr>
+        <p:spPr>
+          <a:xfrm>
+            <a:off x="948216" y="1171661"/>
+            <a:ext cx="1294015" cy="548640"/>
+          </a:xfrm>
+          <a:prstGeom prst="rect">
+            <a:avLst/>
+          </a:prstGeom>
+        </p:spPr>
+        <p:style>
+          <a:lnRef idx="2">
+            <a:schemeClr val="accent3">
+              <a:shade val="50000"/>
+            </a:schemeClr>
+          </a:lnRef>
+          <a:fillRef idx="1">
+            <a:schemeClr val="accent3"/>
+          </a:fillRef>
+          <a:effectRef idx="0">
+            <a:schemeClr val="accent3"/>
+          </a:effectRef>
+          <a:fontRef idx="minor">
+            <a:schemeClr val="lt1"/>
+          </a:fontRef>
+        </p:style>
+        <p:txBody>
+          <a:bodyPr rtlCol="0" anchor="ctr"/>
+          <a:lstStyle/>
+          <a:p>
+            <a:pPr algn="ctr"/>
+            <a:r>
+              <a:rPr lang="en-CA" sz="1600" dirty="0" smtClean="0"/>
+              <a:t>Disturbance Year</a:t>
+            </a:r>
+            <a:endParaRPr lang="en-US" sz="1600" dirty="0"/>
+          </a:p>
+        </p:txBody>
+      </p:sp>
+      <p:sp>
+        <p:nvSpPr>
+          <p:cNvPr id="44" name="Rectangle 43"/>
+          <p:cNvSpPr/>
+          <p:nvPr/>
+        </p:nvSpPr>
+        <p:spPr>
+          <a:xfrm>
+            <a:off x="3780084" y="1171661"/>
+            <a:ext cx="875608" cy="548640"/>
+          </a:xfrm>
+          <a:prstGeom prst="rect">
+            <a:avLst/>
+          </a:prstGeom>
+        </p:spPr>
+        <p:style>
+          <a:lnRef idx="2">
+            <a:schemeClr val="accent4">
+              <a:shade val="50000"/>
+            </a:schemeClr>
+          </a:lnRef>
+          <a:fillRef idx="1">
+            <a:schemeClr val="accent4"/>
+          </a:fillRef>
+          <a:effectRef idx="0">
+            <a:schemeClr val="accent4"/>
+          </a:effectRef>
+          <a:fontRef idx="minor">
+            <a:schemeClr val="lt1"/>
+          </a:fontRef>
+        </p:style>
+        <p:txBody>
+          <a:bodyPr rtlCol="0" anchor="ctr"/>
+          <a:lstStyle/>
+          <a:p>
+            <a:pPr algn="ctr"/>
+            <a:r>
+              <a:rPr lang="en-CA" sz="1600" dirty="0" smtClean="0"/>
+              <a:t>Bird Survey</a:t>
+            </a:r>
+            <a:endParaRPr lang="en-US" sz="1600" dirty="0"/>
+          </a:p>
+        </p:txBody>
+      </p:sp>
+      <p:cxnSp>
+        <p:nvCxnSpPr>
+          <p:cNvPr id="45" name="Straight Arrow Connector 44"/>
+          <p:cNvCxnSpPr/>
+          <p:nvPr/>
+        </p:nvCxnSpPr>
+        <p:spPr>
+          <a:xfrm>
+            <a:off x="856776" y="968350"/>
+            <a:ext cx="4364181" cy="0"/>
+          </a:xfrm>
+          <a:prstGeom prst="straightConnector1">
+            <a:avLst/>
+          </a:prstGeom>
+          <a:ln w="12700">
+            <a:tailEnd type="triangle"/>
+          </a:ln>
+        </p:spPr>
+        <p:style>
+          <a:lnRef idx="1">
+            <a:schemeClr val="accent1"/>
+          </a:lnRef>
+          <a:fillRef idx="0">
+            <a:schemeClr val="accent1"/>
+          </a:fillRef>
+          <a:effectRef idx="0">
+            <a:schemeClr val="accent1"/>
+          </a:effectRef>
+          <a:fontRef idx="minor">
+            <a:schemeClr val="tx1"/>
+          </a:fontRef>
+        </p:style>
+      </p:cxnSp>
+      <p:sp>
+        <p:nvSpPr>
+          <p:cNvPr id="46" name="Rectangle 45"/>
+          <p:cNvSpPr/>
+          <p:nvPr/>
+        </p:nvSpPr>
+        <p:spPr>
+          <a:xfrm>
+            <a:off x="3433721" y="318568"/>
+            <a:ext cx="1221971" cy="548640"/>
+          </a:xfrm>
+          <a:prstGeom prst="rect">
+            <a:avLst/>
+          </a:prstGeom>
+        </p:spPr>
+        <p:style>
+          <a:lnRef idx="2">
+            <a:schemeClr val="accent1">
+              <a:shade val="50000"/>
+            </a:schemeClr>
+          </a:lnRef>
+          <a:fillRef idx="1">
+            <a:schemeClr val="accent1"/>
+          </a:fillRef>
+          <a:effectRef idx="0">
+            <a:schemeClr val="accent1"/>
+          </a:effectRef>
+          <a:fontRef idx="minor">
+            <a:schemeClr val="lt1"/>
+          </a:fontRef>
+        </p:style>
+        <p:txBody>
+          <a:bodyPr rtlCol="0" anchor="ctr"/>
+          <a:lstStyle/>
+          <a:p>
+            <a:pPr algn="ctr"/>
+            <a:r>
+              <a:rPr lang="en-CA" sz="1600" dirty="0" smtClean="0"/>
+              <a:t>Reference Year</a:t>
+            </a:r>
+            <a:endParaRPr lang="en-US" sz="1600" dirty="0"/>
+          </a:p>
+        </p:txBody>
+      </p:sp>
+      <p:sp>
+        <p:nvSpPr>
+          <p:cNvPr id="47" name="Rectangle 46"/>
+          <p:cNvSpPr/>
+          <p:nvPr/>
+        </p:nvSpPr>
+        <p:spPr>
+          <a:xfrm>
+            <a:off x="948216" y="332426"/>
+            <a:ext cx="1294015" cy="548640"/>
+          </a:xfrm>
+          <a:prstGeom prst="rect">
+            <a:avLst/>
+          </a:prstGeom>
+        </p:spPr>
+        <p:style>
+          <a:lnRef idx="2">
+            <a:schemeClr val="accent3">
+              <a:shade val="50000"/>
+            </a:schemeClr>
+          </a:lnRef>
+          <a:fillRef idx="1">
+            <a:schemeClr val="accent3"/>
+          </a:fillRef>
+          <a:effectRef idx="0">
+            <a:schemeClr val="accent3"/>
+          </a:effectRef>
+          <a:fontRef idx="minor">
+            <a:schemeClr val="lt1"/>
+          </a:fontRef>
+        </p:style>
+        <p:txBody>
+          <a:bodyPr rtlCol="0" anchor="ctr"/>
+          <a:lstStyle/>
+          <a:p>
+            <a:pPr algn="ctr"/>
+            <a:r>
+              <a:rPr lang="en-CA" sz="1600" dirty="0" smtClean="0"/>
+              <a:t>Disturbance Year</a:t>
+            </a:r>
+            <a:endParaRPr lang="en-US" sz="1600" dirty="0"/>
+          </a:p>
+        </p:txBody>
+      </p:sp>
+      <p:sp>
+        <p:nvSpPr>
+          <p:cNvPr id="48" name="Rectangle 47"/>
+          <p:cNvSpPr/>
+          <p:nvPr/>
+        </p:nvSpPr>
+        <p:spPr>
+          <a:xfrm>
+            <a:off x="2443811" y="329656"/>
+            <a:ext cx="875608" cy="548640"/>
+          </a:xfrm>
+          <a:prstGeom prst="rect">
+            <a:avLst/>
+          </a:prstGeom>
+        </p:spPr>
+        <p:style>
+          <a:lnRef idx="2">
+            <a:schemeClr val="accent4">
+              <a:shade val="50000"/>
+            </a:schemeClr>
+          </a:lnRef>
+          <a:fillRef idx="1">
+            <a:schemeClr val="accent4"/>
+          </a:fillRef>
+          <a:effectRef idx="0">
+            <a:schemeClr val="accent4"/>
+          </a:effectRef>
+          <a:fontRef idx="minor">
+            <a:schemeClr val="lt1"/>
+          </a:fontRef>
+        </p:style>
+        <p:txBody>
+          <a:bodyPr rtlCol="0" anchor="ctr"/>
+          <a:lstStyle/>
+          <a:p>
+            <a:pPr algn="ctr"/>
+            <a:r>
+              <a:rPr lang="en-CA" sz="1600" dirty="0" smtClean="0"/>
+              <a:t>Bird Survey</a:t>
+            </a:r>
+            <a:endParaRPr lang="en-US" sz="1600" dirty="0"/>
+          </a:p>
+        </p:txBody>
+      </p:sp>
+      <p:sp>
+        <p:nvSpPr>
+          <p:cNvPr id="2" name="TextBox 1"/>
+          <p:cNvSpPr txBox="1"/>
+          <p:nvPr/>
+        </p:nvSpPr>
+        <p:spPr>
+          <a:xfrm>
+            <a:off x="437486" y="267110"/>
+            <a:ext cx="393056" cy="584775"/>
+          </a:xfrm>
+          <a:prstGeom prst="rect">
+            <a:avLst/>
+          </a:prstGeom>
+          <a:noFill/>
+        </p:spPr>
+        <p:txBody>
+          <a:bodyPr wrap="none" rtlCol="0">
+            <a:spAutoFit/>
+          </a:bodyPr>
+          <a:lstStyle/>
+          <a:p>
+            <a:r>
+              <a:rPr lang="en-CA" sz="3200" dirty="0" smtClean="0"/>
+              <a:t>1</a:t>
+            </a:r>
+            <a:endParaRPr lang="en-US" sz="3200" dirty="0"/>
+          </a:p>
+        </p:txBody>
+      </p:sp>
+      <p:sp>
+        <p:nvSpPr>
+          <p:cNvPr id="33" name="TextBox 32"/>
+          <p:cNvSpPr txBox="1"/>
+          <p:nvPr/>
+        </p:nvSpPr>
+        <p:spPr>
+          <a:xfrm>
+            <a:off x="5796191" y="2031097"/>
+            <a:ext cx="393056" cy="584775"/>
+          </a:xfrm>
+          <a:prstGeom prst="rect">
+            <a:avLst/>
+          </a:prstGeom>
+          <a:noFill/>
+        </p:spPr>
+        <p:txBody>
+          <a:bodyPr wrap="none" rtlCol="0">
+            <a:spAutoFit/>
+          </a:bodyPr>
+          <a:lstStyle/>
+          <a:p>
+            <a:r>
+              <a:rPr lang="en-CA" sz="3200" dirty="0"/>
+              <a:t>2</a:t>
+            </a:r>
+            <a:endParaRPr lang="en-US" sz="3200" dirty="0"/>
+          </a:p>
+        </p:txBody>
+      </p:sp>
+      <p:sp>
+        <p:nvSpPr>
+          <p:cNvPr id="34" name="TextBox 33"/>
+          <p:cNvSpPr txBox="1"/>
+          <p:nvPr/>
+        </p:nvSpPr>
+        <p:spPr>
+          <a:xfrm>
+            <a:off x="446221" y="4445036"/>
+            <a:ext cx="393056" cy="584775"/>
+          </a:xfrm>
+          <a:prstGeom prst="rect">
+            <a:avLst/>
+          </a:prstGeom>
+          <a:noFill/>
+        </p:spPr>
+        <p:txBody>
+          <a:bodyPr wrap="square" rtlCol="0">
+            <a:spAutoFit/>
+          </a:bodyPr>
+          <a:lstStyle/>
+          <a:p>
+            <a:r>
+              <a:rPr lang="en-CA" sz="3200" dirty="0"/>
+              <a:t>3</a:t>
+            </a:r>
+            <a:endParaRPr lang="en-US" sz="3200" dirty="0"/>
+          </a:p>
+        </p:txBody>
+      </p:sp>
+      <p:sp>
+        <p:nvSpPr>
+          <p:cNvPr id="35" name="TextBox 34"/>
+          <p:cNvSpPr txBox="1"/>
+          <p:nvPr/>
+        </p:nvSpPr>
+        <p:spPr>
+          <a:xfrm>
+            <a:off x="692203" y="387313"/>
+            <a:ext cx="308098" cy="400110"/>
+          </a:xfrm>
+          <a:prstGeom prst="rect">
+            <a:avLst/>
+          </a:prstGeom>
+          <a:noFill/>
+        </p:spPr>
+        <p:txBody>
+          <a:bodyPr wrap="none" rtlCol="0">
+            <a:spAutoFit/>
+          </a:bodyPr>
+          <a:lstStyle/>
+          <a:p>
+            <a:r>
+              <a:rPr lang="en-CA" sz="2000" dirty="0" smtClean="0"/>
+              <a:t>a</a:t>
+            </a:r>
+            <a:endParaRPr lang="en-US" sz="3200" dirty="0"/>
+          </a:p>
+        </p:txBody>
+      </p:sp>
+      <p:sp>
+        <p:nvSpPr>
+          <p:cNvPr id="36" name="TextBox 35"/>
+          <p:cNvSpPr txBox="1"/>
+          <p:nvPr/>
+        </p:nvSpPr>
+        <p:spPr>
+          <a:xfrm>
+            <a:off x="692203" y="1236977"/>
+            <a:ext cx="319318" cy="400110"/>
+          </a:xfrm>
+          <a:prstGeom prst="rect">
+            <a:avLst/>
+          </a:prstGeom>
+          <a:noFill/>
+        </p:spPr>
+        <p:txBody>
+          <a:bodyPr wrap="none" rtlCol="0">
+            <a:spAutoFit/>
+          </a:bodyPr>
+          <a:lstStyle/>
+          <a:p>
+            <a:r>
+              <a:rPr lang="en-CA" sz="2000" dirty="0"/>
+              <a:t>b</a:t>
+            </a:r>
+            <a:endParaRPr lang="en-US" sz="3200" dirty="0"/>
+          </a:p>
+        </p:txBody>
+      </p:sp>
+      <p:sp>
+        <p:nvSpPr>
+          <p:cNvPr id="37" name="TextBox 36"/>
+          <p:cNvSpPr txBox="1"/>
+          <p:nvPr/>
+        </p:nvSpPr>
+        <p:spPr>
+          <a:xfrm>
+            <a:off x="6050908" y="2130260"/>
+            <a:ext cx="308098" cy="400110"/>
+          </a:xfrm>
+          <a:prstGeom prst="rect">
+            <a:avLst/>
+          </a:prstGeom>
+          <a:noFill/>
+        </p:spPr>
+        <p:txBody>
+          <a:bodyPr wrap="none" rtlCol="0">
+            <a:spAutoFit/>
+          </a:bodyPr>
+          <a:lstStyle/>
+          <a:p>
+            <a:r>
+              <a:rPr lang="en-CA" sz="2000" dirty="0" smtClean="0"/>
+              <a:t>a</a:t>
+            </a:r>
+            <a:endParaRPr lang="en-US" sz="3200" dirty="0"/>
+          </a:p>
+        </p:txBody>
+      </p:sp>
+      <p:sp>
+        <p:nvSpPr>
+          <p:cNvPr id="38" name="TextBox 37"/>
+          <p:cNvSpPr txBox="1"/>
+          <p:nvPr/>
+        </p:nvSpPr>
+        <p:spPr>
+          <a:xfrm>
+            <a:off x="6050908" y="2979924"/>
+            <a:ext cx="319318" cy="400110"/>
+          </a:xfrm>
+          <a:prstGeom prst="rect">
+            <a:avLst/>
+          </a:prstGeom>
+          <a:noFill/>
+        </p:spPr>
+        <p:txBody>
+          <a:bodyPr wrap="none" rtlCol="0">
+            <a:spAutoFit/>
+          </a:bodyPr>
+          <a:lstStyle/>
+          <a:p>
+            <a:r>
+              <a:rPr lang="en-CA" sz="2000" dirty="0"/>
+              <a:t>b</a:t>
+            </a:r>
+            <a:endParaRPr lang="en-US" sz="3200" dirty="0"/>
+          </a:p>
+        </p:txBody>
+      </p:sp>
+      <p:sp>
+        <p:nvSpPr>
+          <p:cNvPr id="39" name="TextBox 38"/>
+          <p:cNvSpPr txBox="1"/>
+          <p:nvPr/>
+        </p:nvSpPr>
+        <p:spPr>
+          <a:xfrm>
+            <a:off x="692203" y="4553448"/>
+            <a:ext cx="308098" cy="400110"/>
+          </a:xfrm>
+          <a:prstGeom prst="rect">
+            <a:avLst/>
+          </a:prstGeom>
+          <a:noFill/>
+        </p:spPr>
+        <p:txBody>
+          <a:bodyPr wrap="square" rtlCol="0">
+            <a:spAutoFit/>
+          </a:bodyPr>
+          <a:lstStyle/>
+          <a:p>
+            <a:r>
+              <a:rPr lang="en-CA" sz="2000" dirty="0" smtClean="0"/>
+              <a:t>a</a:t>
+            </a:r>
+            <a:endParaRPr lang="en-US" sz="3200" dirty="0"/>
+          </a:p>
+        </p:txBody>
+      </p:sp>
+      <p:sp>
+        <p:nvSpPr>
+          <p:cNvPr id="40" name="TextBox 39"/>
+          <p:cNvSpPr txBox="1"/>
+          <p:nvPr/>
+        </p:nvSpPr>
+        <p:spPr>
+          <a:xfrm>
+            <a:off x="692203" y="5403112"/>
+            <a:ext cx="319318" cy="400110"/>
+          </a:xfrm>
+          <a:prstGeom prst="rect">
+            <a:avLst/>
+          </a:prstGeom>
+          <a:noFill/>
+        </p:spPr>
+        <p:txBody>
+          <a:bodyPr wrap="square" rtlCol="0">
+            <a:spAutoFit/>
+          </a:bodyPr>
+          <a:lstStyle/>
+          <a:p>
+            <a:r>
+              <a:rPr lang="en-CA" sz="2000" dirty="0"/>
+              <a:t>b</a:t>
+            </a:r>
+            <a:endParaRPr lang="en-US" sz="3200" dirty="0"/>
+          </a:p>
+        </p:txBody>
+      </p:sp>
+      <p:sp>
+        <p:nvSpPr>
+          <p:cNvPr id="51" name="TextBox 50"/>
+          <p:cNvSpPr txBox="1"/>
+          <p:nvPr/>
+        </p:nvSpPr>
+        <p:spPr>
+          <a:xfrm>
+            <a:off x="8906289" y="185798"/>
+            <a:ext cx="3197337" cy="1384995"/>
+          </a:xfrm>
+          <a:prstGeom prst="rect">
+            <a:avLst/>
+          </a:prstGeom>
+          <a:noFill/>
+        </p:spPr>
+        <p:txBody>
+          <a:bodyPr wrap="square" rtlCol="0">
+            <a:spAutoFit/>
+          </a:bodyPr>
+          <a:lstStyle/>
+          <a:p>
+            <a:r>
+              <a:rPr lang="en-CA" sz="1400" dirty="0" smtClean="0"/>
+              <a:t>Diff1 </a:t>
+            </a:r>
+            <a:r>
+              <a:rPr lang="en-CA" sz="1400" dirty="0" smtClean="0">
+                <a:sym typeface="Wingdings" panose="05000000000000000000" pitchFamily="2" charset="2"/>
+              </a:rPr>
+              <a:t></a:t>
+            </a:r>
+            <a:r>
+              <a:rPr lang="en-CA" sz="1400" dirty="0" smtClean="0"/>
+              <a:t> </a:t>
+            </a:r>
+            <a:r>
+              <a:rPr lang="en-CA" sz="1400" dirty="0" err="1" smtClean="0"/>
+              <a:t>DisturbanceYear</a:t>
+            </a:r>
+            <a:r>
+              <a:rPr lang="en-CA" sz="1400" dirty="0" smtClean="0"/>
+              <a:t> &gt; </a:t>
+            </a:r>
+            <a:r>
+              <a:rPr lang="en-CA" sz="1400" dirty="0" err="1" smtClean="0"/>
+              <a:t>BirdSurvey</a:t>
+            </a:r>
+            <a:endParaRPr lang="en-CA" sz="1400" dirty="0" smtClean="0"/>
+          </a:p>
+          <a:p>
+            <a:r>
+              <a:rPr lang="en-CA" sz="1400" dirty="0" smtClean="0"/>
+              <a:t>Diff2 </a:t>
+            </a:r>
+            <a:r>
+              <a:rPr lang="en-CA" sz="1400" dirty="0" smtClean="0">
+                <a:sym typeface="Wingdings" panose="05000000000000000000" pitchFamily="2" charset="2"/>
+              </a:rPr>
+              <a:t> </a:t>
+            </a:r>
+            <a:r>
+              <a:rPr lang="en-CA" sz="1400" dirty="0" err="1" smtClean="0">
+                <a:sym typeface="Wingdings" panose="05000000000000000000" pitchFamily="2" charset="2"/>
+              </a:rPr>
+              <a:t>DisturbanceYear</a:t>
+            </a:r>
+            <a:r>
+              <a:rPr lang="en-CA" sz="1400" dirty="0" smtClean="0">
+                <a:sym typeface="Wingdings" panose="05000000000000000000" pitchFamily="2" charset="2"/>
+              </a:rPr>
+              <a:t> </a:t>
+            </a:r>
+            <a:r>
+              <a:rPr lang="en-CA" sz="1400" dirty="0"/>
+              <a:t>&gt;</a:t>
+            </a:r>
+            <a:r>
+              <a:rPr lang="en-CA" sz="1400" dirty="0" smtClean="0">
+                <a:sym typeface="Wingdings" panose="05000000000000000000" pitchFamily="2" charset="2"/>
+              </a:rPr>
+              <a:t> </a:t>
+            </a:r>
+            <a:r>
+              <a:rPr lang="en-CA" sz="1400" dirty="0" err="1" smtClean="0">
+                <a:sym typeface="Wingdings" panose="05000000000000000000" pitchFamily="2" charset="2"/>
+              </a:rPr>
+              <a:t>ReferenceYear</a:t>
+            </a:r>
+            <a:endParaRPr lang="en-CA" sz="1400" dirty="0" smtClean="0">
+              <a:sym typeface="Wingdings" panose="05000000000000000000" pitchFamily="2" charset="2"/>
+            </a:endParaRPr>
+          </a:p>
+          <a:p>
+            <a:r>
+              <a:rPr lang="en-CA" sz="1400" dirty="0" smtClean="0">
+                <a:sym typeface="Wingdings" panose="05000000000000000000" pitchFamily="2" charset="2"/>
+              </a:rPr>
+              <a:t>Diff3  </a:t>
+            </a:r>
+            <a:r>
+              <a:rPr lang="en-CA" sz="1400" dirty="0" err="1" smtClean="0">
+                <a:sym typeface="Wingdings" panose="05000000000000000000" pitchFamily="2" charset="2"/>
+              </a:rPr>
+              <a:t>BirdSurvey</a:t>
+            </a:r>
+            <a:r>
+              <a:rPr lang="en-CA" sz="1400" dirty="0" smtClean="0">
+                <a:sym typeface="Wingdings" panose="05000000000000000000" pitchFamily="2" charset="2"/>
+              </a:rPr>
+              <a:t> </a:t>
+            </a:r>
+            <a:r>
+              <a:rPr lang="en-CA" sz="1400" dirty="0"/>
+              <a:t>&gt;</a:t>
+            </a:r>
+            <a:r>
+              <a:rPr lang="en-CA" sz="1400" dirty="0" smtClean="0">
+                <a:sym typeface="Wingdings" panose="05000000000000000000" pitchFamily="2" charset="2"/>
+              </a:rPr>
+              <a:t> </a:t>
+            </a:r>
+            <a:r>
+              <a:rPr lang="en-CA" sz="1400" dirty="0" err="1" smtClean="0">
+                <a:sym typeface="Wingdings" panose="05000000000000000000" pitchFamily="2" charset="2"/>
+              </a:rPr>
+              <a:t>ReferenceYear</a:t>
+            </a:r>
+            <a:endParaRPr lang="en-CA" sz="1400" dirty="0" smtClean="0">
+              <a:sym typeface="Wingdings" panose="05000000000000000000" pitchFamily="2" charset="2"/>
+            </a:endParaRPr>
+          </a:p>
+          <a:p>
+            <a:r>
+              <a:rPr lang="en-CA" sz="1400" dirty="0" smtClean="0">
+                <a:sym typeface="Wingdings" panose="05000000000000000000" pitchFamily="2" charset="2"/>
+              </a:rPr>
+              <a:t>Diff4  </a:t>
+            </a:r>
+            <a:r>
+              <a:rPr lang="en-CA" sz="1400" dirty="0" err="1" smtClean="0">
+                <a:sym typeface="Wingdings" panose="05000000000000000000" pitchFamily="2" charset="2"/>
+              </a:rPr>
+              <a:t>BirdSurvey</a:t>
+            </a:r>
+            <a:r>
+              <a:rPr lang="en-CA" sz="1400" dirty="0" smtClean="0">
+                <a:sym typeface="Wingdings" panose="05000000000000000000" pitchFamily="2" charset="2"/>
+              </a:rPr>
+              <a:t> </a:t>
+            </a:r>
+            <a:r>
+              <a:rPr lang="en-CA" sz="1400" dirty="0"/>
+              <a:t>&gt;</a:t>
+            </a:r>
+            <a:r>
+              <a:rPr lang="en-CA" sz="1400" dirty="0" smtClean="0">
+                <a:sym typeface="Wingdings" panose="05000000000000000000" pitchFamily="2" charset="2"/>
+              </a:rPr>
+              <a:t> </a:t>
+            </a:r>
+            <a:r>
+              <a:rPr lang="en-CA" sz="1400" dirty="0" err="1" smtClean="0">
+                <a:sym typeface="Wingdings" panose="05000000000000000000" pitchFamily="2" charset="2"/>
+              </a:rPr>
+              <a:t>DisturbanceYear</a:t>
+            </a:r>
+            <a:endParaRPr lang="en-CA" sz="1400" dirty="0" smtClean="0">
+              <a:sym typeface="Wingdings" panose="05000000000000000000" pitchFamily="2" charset="2"/>
+            </a:endParaRPr>
+          </a:p>
+          <a:p>
+            <a:r>
+              <a:rPr lang="en-CA" sz="1400" dirty="0" smtClean="0">
+                <a:sym typeface="Wingdings" panose="05000000000000000000" pitchFamily="2" charset="2"/>
+              </a:rPr>
+              <a:t>Diff5  </a:t>
+            </a:r>
+            <a:r>
+              <a:rPr lang="en-CA" sz="1400" dirty="0" err="1" smtClean="0">
+                <a:sym typeface="Wingdings" panose="05000000000000000000" pitchFamily="2" charset="2"/>
+              </a:rPr>
+              <a:t>ReferenceYear</a:t>
+            </a:r>
+            <a:r>
+              <a:rPr lang="en-CA" sz="1400" dirty="0" smtClean="0">
+                <a:sym typeface="Wingdings" panose="05000000000000000000" pitchFamily="2" charset="2"/>
+              </a:rPr>
+              <a:t> </a:t>
+            </a:r>
+            <a:r>
+              <a:rPr lang="en-CA" sz="1400" dirty="0"/>
+              <a:t>&gt;</a:t>
+            </a:r>
+            <a:r>
+              <a:rPr lang="en-CA" sz="1400" dirty="0" smtClean="0">
+                <a:sym typeface="Wingdings" panose="05000000000000000000" pitchFamily="2" charset="2"/>
+              </a:rPr>
+              <a:t> </a:t>
+            </a:r>
+            <a:r>
+              <a:rPr lang="en-CA" sz="1400" dirty="0" err="1" smtClean="0">
+                <a:sym typeface="Wingdings" panose="05000000000000000000" pitchFamily="2" charset="2"/>
+              </a:rPr>
+              <a:t>DisturbanceYear</a:t>
+            </a:r>
+            <a:endParaRPr lang="en-CA" sz="1400" dirty="0" smtClean="0">
+              <a:sym typeface="Wingdings" panose="05000000000000000000" pitchFamily="2" charset="2"/>
+            </a:endParaRPr>
+          </a:p>
+          <a:p>
+            <a:r>
+              <a:rPr lang="en-CA" sz="1400" dirty="0" smtClean="0">
+                <a:sym typeface="Wingdings" panose="05000000000000000000" pitchFamily="2" charset="2"/>
+              </a:rPr>
+              <a:t>Diff6  </a:t>
+            </a:r>
+            <a:r>
+              <a:rPr lang="en-CA" sz="1400" dirty="0" err="1" smtClean="0">
+                <a:sym typeface="Wingdings" panose="05000000000000000000" pitchFamily="2" charset="2"/>
+              </a:rPr>
+              <a:t>ReferenceYear</a:t>
+            </a:r>
+            <a:r>
+              <a:rPr lang="en-CA" sz="1400" dirty="0" smtClean="0">
+                <a:sym typeface="Wingdings" panose="05000000000000000000" pitchFamily="2" charset="2"/>
+              </a:rPr>
+              <a:t> </a:t>
+            </a:r>
+            <a:r>
+              <a:rPr lang="en-CA" sz="1400" dirty="0"/>
+              <a:t>&gt;</a:t>
+            </a:r>
+            <a:r>
+              <a:rPr lang="en-CA" sz="1400" dirty="0" smtClean="0">
+                <a:sym typeface="Wingdings" panose="05000000000000000000" pitchFamily="2" charset="2"/>
+              </a:rPr>
+              <a:t> </a:t>
+            </a:r>
+            <a:r>
+              <a:rPr lang="en-CA" sz="1400" dirty="0" err="1" smtClean="0">
+                <a:sym typeface="Wingdings" panose="05000000000000000000" pitchFamily="2" charset="2"/>
+              </a:rPr>
+              <a:t>BirdSurvey</a:t>
+            </a:r>
+            <a:r>
+              <a:rPr lang="en-CA" sz="1400" dirty="0" smtClean="0">
+                <a:sym typeface="Wingdings" panose="05000000000000000000" pitchFamily="2" charset="2"/>
+              </a:rPr>
+              <a:t> </a:t>
+            </a:r>
+            <a:endParaRPr lang="en-US" sz="1400" dirty="0"/>
+          </a:p>
+        </p:txBody>
+      </p:sp>
+      <p:sp>
+        <p:nvSpPr>
+          <p:cNvPr id="53" name="TextBox 52"/>
+          <p:cNvSpPr txBox="1"/>
+          <p:nvPr/>
+        </p:nvSpPr>
+        <p:spPr>
+          <a:xfrm>
+            <a:off x="348046" y="1809823"/>
+            <a:ext cx="5448145" cy="523220"/>
+          </a:xfrm>
+          <a:prstGeom prst="rect">
+            <a:avLst/>
+          </a:prstGeom>
+          <a:noFill/>
+        </p:spPr>
+        <p:txBody>
+          <a:bodyPr wrap="square" rtlCol="0">
+            <a:spAutoFit/>
+          </a:bodyPr>
+          <a:lstStyle/>
+          <a:p>
+            <a:r>
+              <a:rPr lang="en-CA" sz="1400" dirty="0" err="1" smtClean="0"/>
+              <a:t>DisturbanceYear</a:t>
+            </a:r>
+            <a:r>
+              <a:rPr lang="en-CA" sz="1400" dirty="0" smtClean="0"/>
+              <a:t> &lt; </a:t>
+            </a:r>
+            <a:r>
+              <a:rPr lang="en-CA" sz="1400" dirty="0" err="1" smtClean="0"/>
+              <a:t>BirdSurvey</a:t>
+            </a:r>
+            <a:r>
+              <a:rPr lang="en-CA" sz="1400" dirty="0" smtClean="0"/>
+              <a:t> &amp; </a:t>
+            </a:r>
+            <a:r>
+              <a:rPr lang="en-CA" sz="1400" dirty="0" err="1" smtClean="0"/>
+              <a:t>DisturbanceYear</a:t>
+            </a:r>
+            <a:r>
+              <a:rPr lang="en-CA" sz="1400" dirty="0" smtClean="0"/>
+              <a:t> &lt; </a:t>
+            </a:r>
+            <a:r>
+              <a:rPr lang="en-CA" sz="1400" dirty="0" err="1" smtClean="0"/>
+              <a:t>ReferenceYear</a:t>
+            </a:r>
+            <a:endParaRPr lang="en-CA" sz="1400" dirty="0" smtClean="0"/>
+          </a:p>
+          <a:p>
+            <a:endParaRPr lang="en-US" sz="1400" dirty="0"/>
+          </a:p>
+        </p:txBody>
+      </p:sp>
+    </p:spTree>
+    <p:extLst>
+      <p:ext uri="{BB962C8B-B14F-4D97-AF65-F5344CB8AC3E}">
+        <p14:creationId xmlns:p14="http://schemas.microsoft.com/office/powerpoint/2010/main" val="3588655513"/>
+      </p:ext>
+    </p:extLst>
+  </p:cSld>
+  <p:clrMapOvr>
+    <a:masterClrMapping/>
+  </p:clrMapOvr>
+</p:sld>
+</file>
+
+<file path=ppt/slides/slide3.xml><?xml version="1.0" encoding="utf-8"?>
+<p:sld xmlns:a="http://schemas.openxmlformats.org/drawingml/2006/main" xmlns:r="http://schemas.openxmlformats.org/officeDocument/2006/relationships" xmlns:p="http://schemas.openxmlformats.org/presentationml/2006/main">
+  <p:cSld>
+    <p:spTree>
+      <p:nvGrpSpPr>
+        <p:cNvPr id="1" name=""/>
+        <p:cNvGrpSpPr/>
+        <p:nvPr/>
+      </p:nvGrpSpPr>
+      <p:grpSpPr>
+        <a:xfrm>
+          <a:off x="0" y="0"/>
+          <a:ext cx="0" cy="0"/>
+          <a:chOff x="0" y="0"/>
+          <a:chExt cx="0" cy="0"/>
+        </a:xfrm>
+      </p:grpSpPr>
+      <p:sp>
+        <p:nvSpPr>
+          <p:cNvPr id="2" name="Rectangle 1"/>
+          <p:cNvSpPr/>
+          <p:nvPr/>
+        </p:nvSpPr>
+        <p:spPr>
+          <a:xfrm>
+            <a:off x="61229" y="73137"/>
+            <a:ext cx="2069869" cy="889462"/>
+          </a:xfrm>
+          <a:prstGeom prst="rect">
+            <a:avLst/>
+          </a:prstGeom>
+        </p:spPr>
+        <p:style>
+          <a:lnRef idx="2">
+            <a:schemeClr val="accent1">
+              <a:shade val="50000"/>
+            </a:schemeClr>
+          </a:lnRef>
+          <a:fillRef idx="1">
+            <a:schemeClr val="accent1"/>
+          </a:fillRef>
+          <a:effectRef idx="0">
+            <a:schemeClr val="accent1"/>
+          </a:effectRef>
+          <a:fontRef idx="minor">
+            <a:schemeClr val="lt1"/>
+          </a:fontRef>
+        </p:style>
+        <p:txBody>
+          <a:bodyPr rtlCol="0" anchor="ctr"/>
+          <a:lstStyle/>
+          <a:p>
+            <a:pPr algn="ctr"/>
+            <a:r>
               <a:rPr lang="en-US" dirty="0" smtClean="0"/>
               <a:t>Quality-check </a:t>
             </a:r>
@@ -4313,7 +6177,7 @@
         </p:nvSpPr>
         <p:spPr>
           <a:xfrm>
-            <a:off x="3568931" y="191191"/>
+            <a:off x="2210070" y="76205"/>
             <a:ext cx="3423046" cy="889462"/>
           </a:xfrm>
           <a:prstGeom prst="rect">
@@ -4345,10 +6209,6 @@
               <a:rPr lang="en-US" dirty="0" smtClean="0"/>
               <a:t>Pre-Process </a:t>
             </a:r>
-            <a:r>
-              <a:rPr lang="en-US" dirty="0" smtClean="0"/>
-              <a:t/>
-            </a:r>
             <a:br>
               <a:rPr lang="en-US" dirty="0" smtClean="0"/>
             </a:br>
@@ -4368,7 +6228,7 @@
         </p:nvCxnSpPr>
         <p:spPr>
           <a:xfrm rot="16200000" flipH="1">
-            <a:off x="712816" y="1460962"/>
+            <a:off x="-98790" y="1201590"/>
             <a:ext cx="581894" cy="103912"/>
           </a:xfrm>
           <a:prstGeom prst="bentConnector3">
@@ -4403,7 +6263,7 @@
         </p:nvSpPr>
         <p:spPr>
           <a:xfrm>
-            <a:off x="1076501" y="1487980"/>
+            <a:off x="264895" y="1228608"/>
             <a:ext cx="1866204" cy="1384995"/>
           </a:xfrm>
           <a:prstGeom prst="rect">
@@ -4430,7 +6290,6 @@
               <a:rPr lang="en-US" sz="1400" dirty="0" smtClean="0"/>
               <a:t>Look for &amp; eliminate duplicates</a:t>
             </a:r>
-            <a:endParaRPr lang="en-US" sz="1400" dirty="0" smtClean="0"/>
           </a:p>
           <a:p>
             <a:pPr marL="285750" indent="-285750">
@@ -4439,13 +6298,8 @@
             </a:pPr>
             <a:r>
               <a:rPr lang="en-US" sz="1400" dirty="0" smtClean="0"/>
-              <a:t>Find and correct for e</a:t>
-            </a:r>
-            <a:r>
-              <a:rPr lang="en-US" sz="1400" dirty="0" smtClean="0"/>
-              <a:t>rrors</a:t>
-            </a:r>
-            <a:endParaRPr lang="en-US" sz="1400" dirty="0" smtClean="0"/>
+              <a:t>Find and correct for errors</a:t>
+            </a:r>
           </a:p>
           <a:p>
             <a:pPr marL="285750" indent="-285750">
@@ -4468,7 +6322,7 @@
         </p:nvSpPr>
         <p:spPr>
           <a:xfrm>
-            <a:off x="5666927" y="1454350"/>
+            <a:off x="4308066" y="1339364"/>
             <a:ext cx="1325050" cy="954107"/>
           </a:xfrm>
           <a:prstGeom prst="rect">
@@ -4521,7 +6375,7 @@
         </p:nvCxnSpPr>
         <p:spPr>
           <a:xfrm rot="16200000" flipH="1">
-            <a:off x="2834172" y="2144845"/>
+            <a:off x="1475311" y="2029859"/>
             <a:ext cx="1684256" cy="139938"/>
           </a:xfrm>
           <a:prstGeom prst="bentConnector3">
@@ -4559,7 +6413,7 @@
         </p:nvCxnSpPr>
         <p:spPr>
           <a:xfrm rot="16200000" flipH="1">
-            <a:off x="3626168" y="3827297"/>
+            <a:off x="2267307" y="3712311"/>
             <a:ext cx="658632" cy="149640"/>
           </a:xfrm>
           <a:prstGeom prst="bentConnector3">
@@ -4597,7 +6451,7 @@
         </p:nvSpPr>
         <p:spPr>
           <a:xfrm>
-            <a:off x="3791991" y="2834137"/>
+            <a:off x="2433130" y="2719151"/>
             <a:ext cx="1578443" cy="738664"/>
           </a:xfrm>
           <a:prstGeom prst="rect">
@@ -4635,7 +6489,7 @@
         </p:nvSpPr>
         <p:spPr>
           <a:xfrm>
-            <a:off x="7936032" y="169322"/>
+            <a:off x="5798187" y="97868"/>
             <a:ext cx="1886989" cy="889462"/>
           </a:xfrm>
           <a:prstGeom prst="rect">
@@ -4665,7 +6519,7 @@
             <a:pPr algn="ctr"/>
             <a:r>
               <a:rPr lang="en-US" dirty="0" smtClean="0"/>
-              <a:t>Extract Intersected VRI Dataset</a:t>
+              <a:t>Pre-process intersected VRI Data</a:t>
             </a:r>
             <a:endParaRPr lang="en-US" dirty="0"/>
           </a:p>
@@ -4679,7 +6533,7 @@
         </p:nvCxnSpPr>
         <p:spPr>
           <a:xfrm rot="16200000" flipH="1">
-            <a:off x="7900703" y="1297776"/>
+            <a:off x="5762858" y="1226322"/>
             <a:ext cx="581894" cy="103912"/>
           </a:xfrm>
           <a:prstGeom prst="bentConnector3">
@@ -4717,8 +6571,8 @@
         </p:nvSpPr>
         <p:spPr>
           <a:xfrm>
-            <a:off x="8243606" y="1485930"/>
-            <a:ext cx="2062939" cy="3108543"/>
+            <a:off x="6105761" y="1730561"/>
+            <a:ext cx="2062939" cy="2893100"/>
           </a:xfrm>
           <a:prstGeom prst="rect">
             <a:avLst/>
@@ -4783,29 +6637,22 @@
               <a:t>Extract attributes from full VRI file for each bird point</a:t>
             </a:r>
           </a:p>
-          <a:p>
-            <a:pPr marL="285750" indent="-285750">
-              <a:buFont typeface="Arial" panose="020B0604020202020204" pitchFamily="34" charset="0"/>
-              <a:buChar char="•"/>
-            </a:pPr>
-            <a:endParaRPr lang="en-US" sz="1400" dirty="0"/>
-          </a:p>
         </p:txBody>
       </p:sp>
       <p:cxnSp>
         <p:nvCxnSpPr>
-          <p:cNvPr id="20" name="Elbow Connector 19"/>
+          <p:cNvPr id="22" name="Elbow Connector 21"/>
           <p:cNvCxnSpPr/>
           <p:nvPr/>
         </p:nvCxnSpPr>
         <p:spPr>
           <a:xfrm rot="16200000" flipH="1">
-            <a:off x="7367535" y="2412838"/>
-            <a:ext cx="1684256" cy="139938"/>
+            <a:off x="5967827" y="4811743"/>
+            <a:ext cx="457200" cy="91440"/>
           </a:xfrm>
           <a:prstGeom prst="bentConnector3">
             <a:avLst>
-              <a:gd name="adj1" fmla="val 99849"/>
+              <a:gd name="adj1" fmla="val 103437"/>
             </a:avLst>
           </a:prstGeom>
           <a:ln>
@@ -4830,25 +6677,133 @@
           </a:fontRef>
         </p:style>
       </p:cxnSp>
-      <p:cxnSp>
-        <p:nvCxnSpPr>
-          <p:cNvPr id="22" name="Elbow Connector 21"/>
-          <p:cNvCxnSpPr/>
-          <p:nvPr/>
-        </p:nvCxnSpPr>
-        <p:spPr>
-          <a:xfrm rot="16200000" flipH="1">
-            <a:off x="7367535" y="4028278"/>
-            <a:ext cx="1684256" cy="139938"/>
-          </a:xfrm>
-          <a:prstGeom prst="bentConnector3">
-            <a:avLst>
-              <a:gd name="adj1" fmla="val 99849"/>
-            </a:avLst>
-          </a:prstGeom>
+      <p:sp>
+        <p:nvSpPr>
+          <p:cNvPr id="23" name="TextBox 22"/>
+          <p:cNvSpPr txBox="1"/>
+          <p:nvPr/>
+        </p:nvSpPr>
+        <p:spPr>
+          <a:xfrm>
+            <a:off x="6105761" y="1422784"/>
+            <a:ext cx="2062939" cy="307777"/>
+          </a:xfrm>
+          <a:prstGeom prst="rect">
+            <a:avLst/>
+          </a:prstGeom>
+          <a:solidFill>
+            <a:schemeClr val="accent6">
+              <a:lumMod val="40000"/>
+              <a:lumOff val="60000"/>
+            </a:schemeClr>
+          </a:solidFill>
           <a:ln>
             <a:solidFill>
               <a:srgbClr val="935C2F"/>
+            </a:solidFill>
+          </a:ln>
+        </p:spPr>
+        <p:txBody>
+          <a:bodyPr wrap="square" rtlCol="0">
+            <a:spAutoFit/>
+          </a:bodyPr>
+          <a:lstStyle/>
+          <a:p>
+            <a:r>
+              <a:rPr lang="en-US" sz="1400" dirty="0" smtClean="0"/>
+              <a:t>Extract intersected VRI</a:t>
+            </a:r>
+            <a:endParaRPr lang="en-US" sz="1400" dirty="0"/>
+          </a:p>
+        </p:txBody>
+      </p:sp>
+      <p:sp>
+        <p:nvSpPr>
+          <p:cNvPr id="7" name="TextBox 6"/>
+          <p:cNvSpPr txBox="1"/>
+          <p:nvPr/>
+        </p:nvSpPr>
+        <p:spPr>
+          <a:xfrm>
+            <a:off x="2445115" y="1114043"/>
+            <a:ext cx="1351652" cy="276999"/>
+          </a:xfrm>
+          <a:prstGeom prst="rect">
+            <a:avLst/>
+          </a:prstGeom>
+          <a:noFill/>
+        </p:spPr>
+        <p:txBody>
+          <a:bodyPr wrap="none" rtlCol="0">
+            <a:spAutoFit/>
+          </a:bodyPr>
+          <a:lstStyle/>
+          <a:p>
+            <a:r>
+              <a:rPr lang="en-CA" sz="1200" dirty="0" smtClean="0"/>
+              <a:t>01.01 – </a:t>
+            </a:r>
+            <a:r>
+              <a:rPr lang="en-CA" sz="1200" dirty="0" err="1" smtClean="0"/>
+              <a:t>Forsite</a:t>
+            </a:r>
+            <a:r>
+              <a:rPr lang="en-CA" sz="1200" dirty="0" smtClean="0"/>
+              <a:t> VRI</a:t>
+            </a:r>
+            <a:endParaRPr lang="en-US" sz="1200" dirty="0"/>
+          </a:p>
+        </p:txBody>
+      </p:sp>
+      <p:sp>
+        <p:nvSpPr>
+          <p:cNvPr id="30" name="TextBox 29"/>
+          <p:cNvSpPr txBox="1"/>
+          <p:nvPr/>
+        </p:nvSpPr>
+        <p:spPr>
+          <a:xfrm>
+            <a:off x="295457" y="987330"/>
+            <a:ext cx="537327" cy="276999"/>
+          </a:xfrm>
+          <a:prstGeom prst="rect">
+            <a:avLst/>
+          </a:prstGeom>
+          <a:noFill/>
+        </p:spPr>
+        <p:txBody>
+          <a:bodyPr wrap="none" rtlCol="0">
+            <a:spAutoFit/>
+          </a:bodyPr>
+          <a:lstStyle/>
+          <a:p>
+            <a:r>
+              <a:rPr lang="en-CA" sz="1200" dirty="0" smtClean="0"/>
+              <a:t>00.01</a:t>
+            </a:r>
+            <a:endParaRPr lang="en-US" sz="1200" dirty="0"/>
+          </a:p>
+        </p:txBody>
+      </p:sp>
+      <p:cxnSp>
+        <p:nvCxnSpPr>
+          <p:cNvPr id="44" name="Elbow Connector 43"/>
+          <p:cNvCxnSpPr>
+            <a:endCxn id="11" idx="1"/>
+          </p:cNvCxnSpPr>
+          <p:nvPr/>
+        </p:nvCxnSpPr>
+        <p:spPr>
+          <a:xfrm rot="16200000" flipH="1">
+            <a:off x="3782931" y="1291283"/>
+            <a:ext cx="865998" cy="184272"/>
+          </a:xfrm>
+          <a:prstGeom prst="bentConnector2">
+            <a:avLst/>
+          </a:prstGeom>
+          <a:ln>
+            <a:solidFill>
+              <a:schemeClr val="accent2"/>
             </a:solidFill>
             <a:tailEnd type="triangle"/>
           </a:ln>
@@ -4870,14 +6825,14 @@
       </p:cxnSp>
       <p:sp>
         <p:nvSpPr>
-          <p:cNvPr id="23" name="TextBox 22"/>
+          <p:cNvPr id="47" name="TextBox 46"/>
           <p:cNvSpPr txBox="1"/>
           <p:nvPr/>
         </p:nvSpPr>
         <p:spPr>
           <a:xfrm>
-            <a:off x="8264387" y="4752519"/>
-            <a:ext cx="2062939" cy="307777"/>
+            <a:off x="2433130" y="1339364"/>
+            <a:ext cx="1578443" cy="954107"/>
           </a:xfrm>
           <a:prstGeom prst="rect">
             <a:avLst/>
@@ -4885,7 +6840,7 @@
           <a:noFill/>
           <a:ln>
             <a:solidFill>
-              <a:srgbClr val="935C2F"/>
+              <a:schemeClr val="accent2"/>
             </a:solidFill>
           </a:ln>
         </p:spPr>
@@ -4899,145 +6854,39 @@
               <a:buFont typeface="Arial" panose="020B0604020202020204" pitchFamily="34" charset="0"/>
               <a:buChar char="•"/>
             </a:pPr>
+            <a:r>
+              <a:rPr lang="en-US" sz="1400" dirty="0"/>
+              <a:t>Look for &amp; eliminate duplicates</a:t>
+            </a:r>
+          </a:p>
+          <a:p>
+            <a:pPr marL="285750" indent="-285750">
+              <a:buFont typeface="Arial" panose="020B0604020202020204" pitchFamily="34" charset="0"/>
+              <a:buChar char="•"/>
+            </a:pPr>
+            <a:r>
+              <a:rPr lang="en-US" sz="1400" dirty="0" smtClean="0"/>
+              <a:t>Save </a:t>
+            </a:r>
+            <a:r>
+              <a:rPr lang="en-US" sz="1400" dirty="0" err="1" smtClean="0"/>
+              <a:t>RData</a:t>
+            </a:r>
             <a:endParaRPr lang="en-US" sz="1400" dirty="0"/>
-          </a:p>
-        </p:txBody>
-      </p:sp>
-      <p:sp>
-        <p:nvSpPr>
-          <p:cNvPr id="25" name="Rectangle 24"/>
-          <p:cNvSpPr/>
-          <p:nvPr/>
-        </p:nvSpPr>
-        <p:spPr>
-          <a:xfrm>
-            <a:off x="8274089" y="4513593"/>
-            <a:ext cx="2053237" cy="238926"/>
-          </a:xfrm>
-          <a:prstGeom prst="rect">
-            <a:avLst/>
-          </a:prstGeom>
-          <a:solidFill>
-            <a:srgbClr val="EF8C1F">
-              <a:alpha val="69804"/>
-            </a:srgbClr>
-          </a:solidFill>
-          <a:ln>
-            <a:solidFill>
-              <a:srgbClr val="935C2F">
-                <a:alpha val="89804"/>
-              </a:srgbClr>
-            </a:solidFill>
-          </a:ln>
-        </p:spPr>
-        <p:style>
-          <a:lnRef idx="2">
-            <a:schemeClr val="accent2">
-              <a:shade val="50000"/>
-            </a:schemeClr>
-          </a:lnRef>
-          <a:fillRef idx="1">
-            <a:schemeClr val="accent2"/>
-          </a:fillRef>
-          <a:effectRef idx="0">
-            <a:schemeClr val="accent2"/>
-          </a:effectRef>
-          <a:fontRef idx="minor">
-            <a:schemeClr val="lt1"/>
-          </a:fontRef>
-        </p:style>
-        <p:txBody>
-          <a:bodyPr rtlCol="0" anchor="ctr"/>
-          <a:lstStyle/>
-          <a:p>
-            <a:pPr algn="ctr"/>
-            <a:r>
-              <a:rPr lang="en-US" sz="1400" dirty="0" smtClean="0"/>
-              <a:t>In Matrix Validation file:</a:t>
-            </a:r>
-            <a:endParaRPr lang="en-US" sz="1400" dirty="0"/>
-          </a:p>
-        </p:txBody>
-      </p:sp>
-      <p:sp>
-        <p:nvSpPr>
-          <p:cNvPr id="7" name="TextBox 6"/>
-          <p:cNvSpPr txBox="1"/>
-          <p:nvPr/>
-        </p:nvSpPr>
-        <p:spPr>
-          <a:xfrm>
-            <a:off x="3803976" y="1229029"/>
-            <a:ext cx="1351652" cy="276999"/>
-          </a:xfrm>
-          <a:prstGeom prst="rect">
-            <a:avLst/>
-          </a:prstGeom>
-          <a:noFill/>
-        </p:spPr>
-        <p:txBody>
-          <a:bodyPr wrap="none" rtlCol="0">
-            <a:spAutoFit/>
-          </a:bodyPr>
-          <a:lstStyle/>
-          <a:p>
-            <a:r>
-              <a:rPr lang="en-CA" sz="1200" dirty="0" smtClean="0"/>
-              <a:t>01.01 – </a:t>
-            </a:r>
-            <a:r>
-              <a:rPr lang="en-CA" sz="1200" dirty="0" err="1" smtClean="0"/>
-              <a:t>Forsite</a:t>
-            </a:r>
-            <a:r>
-              <a:rPr lang="en-CA" sz="1200" dirty="0" smtClean="0"/>
-              <a:t> VRI</a:t>
-            </a:r>
-            <a:endParaRPr lang="en-US" sz="1200" dirty="0"/>
-          </a:p>
-        </p:txBody>
-      </p:sp>
-      <p:sp>
-        <p:nvSpPr>
-          <p:cNvPr id="30" name="TextBox 29"/>
-          <p:cNvSpPr txBox="1"/>
-          <p:nvPr/>
-        </p:nvSpPr>
-        <p:spPr>
-          <a:xfrm>
-            <a:off x="1107063" y="1246702"/>
-            <a:ext cx="537327" cy="276999"/>
-          </a:xfrm>
-          <a:prstGeom prst="rect">
-            <a:avLst/>
-          </a:prstGeom>
-          <a:noFill/>
-        </p:spPr>
-        <p:txBody>
-          <a:bodyPr wrap="none" rtlCol="0">
-            <a:spAutoFit/>
-          </a:bodyPr>
-          <a:lstStyle/>
-          <a:p>
-            <a:r>
-              <a:rPr lang="en-CA" sz="1200" dirty="0" smtClean="0"/>
-              <a:t>00.01</a:t>
-            </a:r>
-            <a:endParaRPr lang="en-US" sz="1200" dirty="0"/>
           </a:p>
         </p:txBody>
       </p:sp>
       <p:cxnSp>
         <p:nvCxnSpPr>
-          <p:cNvPr id="44" name="Elbow Connector 43"/>
+          <p:cNvPr id="48" name="Elbow Connector 47"/>
           <p:cNvCxnSpPr>
-            <a:endCxn id="11" idx="1"/>
+            <a:endCxn id="47" idx="1"/>
           </p:cNvCxnSpPr>
           <p:nvPr/>
         </p:nvCxnSpPr>
         <p:spPr>
           <a:xfrm rot="16200000" flipH="1">
-            <a:off x="5141792" y="1406269"/>
+            <a:off x="1907995" y="1291283"/>
             <a:ext cx="865998" cy="184272"/>
           </a:xfrm>
           <a:prstGeom prst="bentConnector2">
@@ -5067,14 +6916,44 @@
       </p:cxnSp>
       <p:sp>
         <p:nvSpPr>
-          <p:cNvPr id="47" name="TextBox 46"/>
+          <p:cNvPr id="51" name="TextBox 50"/>
           <p:cNvSpPr txBox="1"/>
           <p:nvPr/>
         </p:nvSpPr>
         <p:spPr>
           <a:xfrm>
-            <a:off x="3791991" y="1454350"/>
-            <a:ext cx="1578443" cy="954107"/>
+            <a:off x="4252904" y="1103426"/>
+            <a:ext cx="1342740" cy="276999"/>
+          </a:xfrm>
+          <a:prstGeom prst="rect">
+            <a:avLst/>
+          </a:prstGeom>
+          <a:noFill/>
+        </p:spPr>
+        <p:txBody>
+          <a:bodyPr wrap="none" rtlCol="0">
+            <a:spAutoFit/>
+          </a:bodyPr>
+          <a:lstStyle/>
+          <a:p>
+            <a:r>
+              <a:rPr lang="en-CA" sz="1200" dirty="0" smtClean="0"/>
+              <a:t>01.02 – Canfor TFL</a:t>
+            </a:r>
+            <a:endParaRPr lang="en-US" sz="1200" dirty="0"/>
+          </a:p>
+        </p:txBody>
+      </p:sp>
+      <p:sp>
+        <p:nvSpPr>
+          <p:cNvPr id="52" name="TextBox 51"/>
+          <p:cNvSpPr txBox="1"/>
+          <p:nvPr/>
+        </p:nvSpPr>
+        <p:spPr>
+          <a:xfrm>
+            <a:off x="2704895" y="3842946"/>
+            <a:ext cx="1581011" cy="738664"/>
           </a:xfrm>
           <a:prstGeom prst="rect">
             <a:avLst/>
@@ -5097,42 +6976,74 @@
               <a:buChar char="•"/>
             </a:pPr>
             <a:r>
-              <a:rPr lang="en-US" sz="1400" dirty="0"/>
-              <a:t>Look for &amp; eliminate duplicates</a:t>
-            </a:r>
-          </a:p>
+              <a:rPr lang="en-CA" sz="1400" dirty="0" smtClean="0"/>
+              <a:t>Quality-check and correct stand areas</a:t>
+            </a:r>
+          </a:p>
+        </p:txBody>
+      </p:sp>
+      <p:sp>
+        <p:nvSpPr>
+          <p:cNvPr id="53" name="TextBox 52"/>
+          <p:cNvSpPr txBox="1"/>
+          <p:nvPr/>
+        </p:nvSpPr>
+        <p:spPr>
+          <a:xfrm>
+            <a:off x="2704895" y="4783235"/>
+            <a:ext cx="1581011" cy="738664"/>
+          </a:xfrm>
+          <a:prstGeom prst="rect">
+            <a:avLst/>
+          </a:prstGeom>
+          <a:noFill/>
+          <a:ln>
+            <a:solidFill>
+              <a:schemeClr val="accent2"/>
+            </a:solidFill>
+          </a:ln>
+        </p:spPr>
+        <p:txBody>
+          <a:bodyPr wrap="square" rtlCol="0">
+            <a:spAutoFit/>
+          </a:bodyPr>
+          <a:lstStyle/>
           <a:p>
             <a:pPr marL="285750" indent="-285750">
               <a:buFont typeface="Arial" panose="020B0604020202020204" pitchFamily="34" charset="0"/>
               <a:buChar char="•"/>
             </a:pPr>
             <a:r>
-              <a:rPr lang="en-US" sz="1400" dirty="0" smtClean="0"/>
-              <a:t>Save </a:t>
-            </a:r>
-            <a:r>
-              <a:rPr lang="en-US" sz="1400" dirty="0" err="1" smtClean="0"/>
-              <a:t>RData</a:t>
-            </a:r>
-            <a:endParaRPr lang="en-US" sz="1400" dirty="0"/>
+              <a:rPr lang="en-CA" sz="1400" dirty="0" smtClean="0"/>
+              <a:t>Quality-check </a:t>
+            </a:r>
+            <a:r>
+              <a:rPr lang="en-CA" sz="1400" dirty="0"/>
+              <a:t>and correct stand </a:t>
+            </a:r>
+            <a:r>
+              <a:rPr lang="en-CA" sz="1400" dirty="0" smtClean="0"/>
+              <a:t>ranks</a:t>
+            </a:r>
+            <a:endParaRPr lang="en-CA" sz="1400" dirty="0"/>
           </a:p>
         </p:txBody>
       </p:sp>
       <p:cxnSp>
         <p:nvCxnSpPr>
-          <p:cNvPr id="48" name="Elbow Connector 47"/>
-          <p:cNvCxnSpPr>
-            <a:endCxn id="47" idx="1"/>
-          </p:cNvCxnSpPr>
+          <p:cNvPr id="54" name="Elbow Connector 53"/>
+          <p:cNvCxnSpPr/>
           <p:nvPr/>
         </p:nvCxnSpPr>
         <p:spPr>
           <a:xfrm rot="16200000" flipH="1">
-            <a:off x="3266856" y="1406269"/>
-            <a:ext cx="865998" cy="184272"/>
-          </a:xfrm>
-          <a:prstGeom prst="bentConnector2">
-            <a:avLst/>
+            <a:off x="1749644" y="4240470"/>
+            <a:ext cx="1684256" cy="139938"/>
+          </a:xfrm>
+          <a:prstGeom prst="bentConnector3">
+            <a:avLst>
+              <a:gd name="adj1" fmla="val 99849"/>
+            </a:avLst>
           </a:prstGeom>
           <a:ln>
             <a:solidFill>
@@ -5158,14 +7069,14 @@
       </p:cxnSp>
       <p:sp>
         <p:nvSpPr>
-          <p:cNvPr id="51" name="TextBox 50"/>
+          <p:cNvPr id="55" name="TextBox 54"/>
           <p:cNvSpPr txBox="1"/>
           <p:nvPr/>
         </p:nvSpPr>
         <p:spPr>
           <a:xfrm>
-            <a:off x="5611765" y="1218412"/>
-            <a:ext cx="1342740" cy="276999"/>
+            <a:off x="2430562" y="2498617"/>
+            <a:ext cx="1560299" cy="461665"/>
           </a:xfrm>
           <a:prstGeom prst="rect">
             <a:avLst/>
@@ -5180,145 +7091,32 @@
           <a:p>
             <a:r>
               <a:rPr lang="en-CA" sz="1200" dirty="0" smtClean="0"/>
-              <a:t>01.02 – Canfor TFL</a:t>
-            </a:r>
+              <a:t>01.01a - tree </a:t>
+            </a:r>
+            <a:r>
+              <a:rPr lang="en-CA" sz="1200" dirty="0" err="1" smtClean="0"/>
+              <a:t>sp</a:t>
+            </a:r>
+            <a:r>
+              <a:rPr lang="en-CA" sz="1200" dirty="0" smtClean="0"/>
+              <a:t> group</a:t>
+            </a:r>
+          </a:p>
+          <a:p>
             <a:endParaRPr lang="en-US" sz="1200" dirty="0"/>
           </a:p>
         </p:txBody>
       </p:sp>
       <p:sp>
         <p:nvSpPr>
-          <p:cNvPr id="52" name="TextBox 51"/>
+          <p:cNvPr id="56" name="TextBox 55"/>
           <p:cNvSpPr txBox="1"/>
           <p:nvPr/>
         </p:nvSpPr>
         <p:spPr>
           <a:xfrm>
-            <a:off x="4063756" y="3957932"/>
-            <a:ext cx="1581011" cy="738664"/>
-          </a:xfrm>
-          <a:prstGeom prst="rect">
-            <a:avLst/>
-          </a:prstGeom>
-          <a:noFill/>
-          <a:ln>
-            <a:solidFill>
-              <a:schemeClr val="accent2"/>
-            </a:solidFill>
-          </a:ln>
-        </p:spPr>
-        <p:txBody>
-          <a:bodyPr wrap="square" rtlCol="0">
-            <a:spAutoFit/>
-          </a:bodyPr>
-          <a:lstStyle/>
-          <a:p>
-            <a:pPr marL="285750" indent="-285750">
-              <a:buFont typeface="Arial" panose="020B0604020202020204" pitchFamily="34" charset="0"/>
-              <a:buChar char="•"/>
-            </a:pPr>
-            <a:r>
-              <a:rPr lang="en-CA" sz="1400" dirty="0" smtClean="0"/>
-              <a:t>Quality-check and correct stand areas</a:t>
-            </a:r>
-          </a:p>
-        </p:txBody>
-      </p:sp>
-      <p:sp>
-        <p:nvSpPr>
-          <p:cNvPr id="53" name="TextBox 52"/>
-          <p:cNvSpPr txBox="1"/>
-          <p:nvPr/>
-        </p:nvSpPr>
-        <p:spPr>
-          <a:xfrm>
-            <a:off x="4063756" y="4898221"/>
-            <a:ext cx="1581011" cy="738664"/>
-          </a:xfrm>
-          <a:prstGeom prst="rect">
-            <a:avLst/>
-          </a:prstGeom>
-          <a:noFill/>
-          <a:ln>
-            <a:solidFill>
-              <a:schemeClr val="accent2"/>
-            </a:solidFill>
-          </a:ln>
-        </p:spPr>
-        <p:txBody>
-          <a:bodyPr wrap="square" rtlCol="0">
-            <a:spAutoFit/>
-          </a:bodyPr>
-          <a:lstStyle/>
-          <a:p>
-            <a:pPr marL="285750" indent="-285750">
-              <a:buFont typeface="Arial" panose="020B0604020202020204" pitchFamily="34" charset="0"/>
-              <a:buChar char="•"/>
-            </a:pPr>
-            <a:r>
-              <a:rPr lang="en-CA" sz="1400" dirty="0" smtClean="0"/>
-              <a:t>Quality-check </a:t>
-            </a:r>
-            <a:r>
-              <a:rPr lang="en-CA" sz="1400" dirty="0"/>
-              <a:t>and correct stand </a:t>
-            </a:r>
-            <a:r>
-              <a:rPr lang="en-CA" sz="1400" dirty="0" smtClean="0"/>
-              <a:t>ranks</a:t>
-            </a:r>
-            <a:endParaRPr lang="en-CA" sz="1400" dirty="0"/>
-          </a:p>
-        </p:txBody>
-      </p:sp>
-      <p:cxnSp>
-        <p:nvCxnSpPr>
-          <p:cNvPr id="54" name="Elbow Connector 53"/>
-          <p:cNvCxnSpPr/>
-          <p:nvPr/>
-        </p:nvCxnSpPr>
-        <p:spPr>
-          <a:xfrm rot="16200000" flipH="1">
-            <a:off x="3108505" y="4355456"/>
-            <a:ext cx="1684256" cy="139938"/>
-          </a:xfrm>
-          <a:prstGeom prst="bentConnector3">
-            <a:avLst>
-              <a:gd name="adj1" fmla="val 99849"/>
-            </a:avLst>
-          </a:prstGeom>
-          <a:ln>
-            <a:solidFill>
-              <a:schemeClr val="accent2"/>
-            </a:solidFill>
-            <a:tailEnd type="triangle"/>
-          </a:ln>
-        </p:spPr>
-        <p:style>
-          <a:lnRef idx="1">
-            <a:schemeClr val="accent1"/>
-          </a:lnRef>
-          <a:fillRef idx="0">
-            <a:schemeClr val="accent1"/>
-          </a:fillRef>
-          <a:effectRef idx="0">
-            <a:schemeClr val="accent1"/>
-          </a:effectRef>
-          <a:fontRef idx="minor">
-            <a:schemeClr val="tx1"/>
-          </a:fontRef>
-        </p:style>
-      </p:cxnSp>
-      <p:sp>
-        <p:nvSpPr>
-          <p:cNvPr id="55" name="TextBox 54"/>
-          <p:cNvSpPr txBox="1"/>
-          <p:nvPr/>
-        </p:nvSpPr>
-        <p:spPr>
-          <a:xfrm>
-            <a:off x="3789423" y="2613603"/>
-            <a:ext cx="1560299" cy="461665"/>
+            <a:off x="2704895" y="3624363"/>
+            <a:ext cx="1418145" cy="276999"/>
           </a:xfrm>
           <a:prstGeom prst="rect">
             <a:avLst/>
@@ -5333,46 +7131,6 @@
           <a:p>
             <a:r>
               <a:rPr lang="en-CA" sz="1200" dirty="0" smtClean="0"/>
-              <a:t>01.01a - tree </a:t>
-            </a:r>
-            <a:r>
-              <a:rPr lang="en-CA" sz="1200" dirty="0" err="1" smtClean="0"/>
-              <a:t>sp</a:t>
-            </a:r>
-            <a:r>
-              <a:rPr lang="en-CA" sz="1200" dirty="0" smtClean="0"/>
-              <a:t> group</a:t>
-            </a:r>
-          </a:p>
-          <a:p>
-            <a:endParaRPr lang="en-US" sz="1200" dirty="0"/>
-          </a:p>
-        </p:txBody>
-      </p:sp>
-      <p:sp>
-        <p:nvSpPr>
-          <p:cNvPr id="56" name="TextBox 55"/>
-          <p:cNvSpPr txBox="1"/>
-          <p:nvPr/>
-        </p:nvSpPr>
-        <p:spPr>
-          <a:xfrm>
-            <a:off x="4063756" y="3739349"/>
-            <a:ext cx="1418145" cy="276999"/>
-          </a:xfrm>
-          <a:prstGeom prst="rect">
-            <a:avLst/>
-          </a:prstGeom>
-          <a:noFill/>
-        </p:spPr>
-        <p:txBody>
-          <a:bodyPr wrap="none" rtlCol="0">
-            <a:spAutoFit/>
-          </a:bodyPr>
-          <a:lstStyle/>
-          <a:p>
-            <a:r>
-              <a:rPr lang="en-CA" sz="1200" dirty="0" smtClean="0"/>
               <a:t>01.01b – stand area</a:t>
             </a:r>
             <a:endParaRPr lang="en-US" sz="1200" dirty="0"/>
@@ -5387,7 +7145,7 @@
         </p:nvSpPr>
         <p:spPr>
           <a:xfrm>
-            <a:off x="4063756" y="4681588"/>
+            <a:off x="2704895" y="4566602"/>
             <a:ext cx="1402628" cy="276999"/>
           </a:xfrm>
           <a:prstGeom prst="rect">
@@ -5417,7 +7175,7 @@
         </p:nvCxnSpPr>
         <p:spPr>
           <a:xfrm rot="16200000" flipH="1">
-            <a:off x="4251896" y="5903142"/>
+            <a:off x="2893035" y="5788156"/>
             <a:ext cx="658632" cy="149640"/>
           </a:xfrm>
           <a:prstGeom prst="bentConnector3">
@@ -5455,7 +7213,7 @@
         </p:nvCxnSpPr>
         <p:spPr>
           <a:xfrm rot="5400000">
-            <a:off x="4796309" y="4209351"/>
+            <a:off x="3437448" y="4094365"/>
             <a:ext cx="3957791" cy="358602"/>
           </a:xfrm>
           <a:prstGeom prst="bentConnector3">
@@ -5493,7 +7251,7 @@
         </p:nvSpPr>
         <p:spPr>
           <a:xfrm>
-            <a:off x="4675878" y="5834900"/>
+            <a:off x="3317017" y="5719914"/>
             <a:ext cx="1882554" cy="954107"/>
           </a:xfrm>
           <a:prstGeom prst="rect">
@@ -5562,7 +7320,7 @@
         </p:nvSpPr>
         <p:spPr>
           <a:xfrm>
-            <a:off x="4803386" y="5623827"/>
+            <a:off x="3444525" y="5508841"/>
             <a:ext cx="1373902" cy="276999"/>
           </a:xfrm>
           <a:prstGeom prst="rect">
@@ -5592,7 +7350,7 @@
         </p:nvSpPr>
         <p:spPr>
           <a:xfrm>
-            <a:off x="8221653" y="1266036"/>
+            <a:off x="6083808" y="1194582"/>
             <a:ext cx="684803" cy="276999"/>
           </a:xfrm>
           <a:prstGeom prst="rect">
@@ -5609,6 +7367,142 @@
             <a:r>
               <a:rPr lang="en-CA" sz="1200" dirty="0" smtClean="0"/>
               <a:t>02.01 – </a:t>
+            </a:r>
+            <a:endParaRPr lang="en-US" sz="1200" dirty="0"/>
+          </a:p>
+        </p:txBody>
+      </p:sp>
+      <p:sp>
+        <p:nvSpPr>
+          <p:cNvPr id="38" name="TextBox 37"/>
+          <p:cNvSpPr txBox="1"/>
+          <p:nvPr/>
+        </p:nvSpPr>
+        <p:spPr>
+          <a:xfrm>
+            <a:off x="6242147" y="4891301"/>
+            <a:ext cx="1926553" cy="523220"/>
+          </a:xfrm>
+          <a:prstGeom prst="rect">
+            <a:avLst/>
+          </a:prstGeom>
+          <a:noFill/>
+          <a:ln>
+            <a:solidFill>
+              <a:srgbClr val="935C2F"/>
+            </a:solidFill>
+          </a:ln>
+        </p:spPr>
+        <p:txBody>
+          <a:bodyPr wrap="square" rtlCol="0">
+            <a:spAutoFit/>
+          </a:bodyPr>
+          <a:lstStyle/>
+          <a:p>
+            <a:pPr marL="285750" indent="-285750">
+              <a:buFont typeface="Arial" panose="020B0604020202020204" pitchFamily="34" charset="0"/>
+              <a:buChar char="•"/>
+            </a:pPr>
+            <a:r>
+              <a:rPr lang="en-CA" sz="1400" dirty="0" smtClean="0"/>
+              <a:t>Filter for temporal misalignment</a:t>
+            </a:r>
+          </a:p>
+        </p:txBody>
+      </p:sp>
+      <p:sp>
+        <p:nvSpPr>
+          <p:cNvPr id="49" name="TextBox 48"/>
+          <p:cNvSpPr txBox="1"/>
+          <p:nvPr/>
+        </p:nvSpPr>
+        <p:spPr>
+          <a:xfrm>
+            <a:off x="6249526" y="4654439"/>
+            <a:ext cx="684803" cy="276999"/>
+          </a:xfrm>
+          <a:prstGeom prst="rect">
+            <a:avLst/>
+          </a:prstGeom>
+          <a:noFill/>
+        </p:spPr>
+        <p:txBody>
+          <a:bodyPr wrap="none" rtlCol="0">
+            <a:spAutoFit/>
+          </a:bodyPr>
+          <a:lstStyle/>
+          <a:p>
+            <a:r>
+              <a:rPr lang="en-CA" sz="1200" dirty="0" smtClean="0"/>
+              <a:t>02.02 – </a:t>
+            </a:r>
+            <a:endParaRPr lang="en-US" sz="1200" dirty="0"/>
+          </a:p>
+        </p:txBody>
+      </p:sp>
+      <p:sp>
+        <p:nvSpPr>
+          <p:cNvPr id="50" name="TextBox 49"/>
+          <p:cNvSpPr txBox="1"/>
+          <p:nvPr/>
+        </p:nvSpPr>
+        <p:spPr>
+          <a:xfrm>
+            <a:off x="6329090" y="5642930"/>
+            <a:ext cx="1926553" cy="523220"/>
+          </a:xfrm>
+          <a:prstGeom prst="rect">
+            <a:avLst/>
+          </a:prstGeom>
+          <a:noFill/>
+          <a:ln>
+            <a:solidFill>
+              <a:srgbClr val="935C2F"/>
+            </a:solidFill>
+          </a:ln>
+        </p:spPr>
+        <p:txBody>
+          <a:bodyPr wrap="square" rtlCol="0">
+            <a:spAutoFit/>
+          </a:bodyPr>
+          <a:lstStyle/>
+          <a:p>
+            <a:pPr marL="285750" indent="-285750">
+              <a:buFont typeface="Arial" panose="020B0604020202020204" pitchFamily="34" charset="0"/>
+              <a:buChar char="•"/>
+            </a:pPr>
+            <a:r>
+              <a:rPr lang="en-CA" sz="1400" dirty="0" smtClean="0"/>
+              <a:t>Filter any too close to stand edges</a:t>
+            </a:r>
+          </a:p>
+        </p:txBody>
+      </p:sp>
+      <p:sp>
+        <p:nvSpPr>
+          <p:cNvPr id="58" name="TextBox 57"/>
+          <p:cNvSpPr txBox="1"/>
+          <p:nvPr/>
+        </p:nvSpPr>
+        <p:spPr>
+          <a:xfrm>
+            <a:off x="6329090" y="5405710"/>
+            <a:ext cx="684803" cy="276999"/>
+          </a:xfrm>
+          <a:prstGeom prst="rect">
+            <a:avLst/>
+          </a:prstGeom>
+          <a:noFill/>
+        </p:spPr>
+        <p:txBody>
+          <a:bodyPr wrap="none" rtlCol="0">
+            <a:spAutoFit/>
+          </a:bodyPr>
+          <a:lstStyle/>
+          <a:p>
+            <a:r>
+              <a:rPr lang="en-CA" sz="1200" dirty="0" smtClean="0"/>
+              <a:t>02.03 – </a:t>
             </a:r>
             <a:endParaRPr lang="en-US" sz="1200" dirty="0"/>
           </a:p>

--- a/VRI_bird_data_scenarios.pptx
+++ b/VRI_bird_data_scenarios.pptx
@@ -245,7 +245,7 @@
           <a:p>
             <a:fld id="{2D5072A0-6F4A-496D-BC20-1C16D5D961A8}" type="datetimeFigureOut">
               <a:rPr lang="en-US" smtClean="0"/>
-              <a:t>12/22/2017</a:t>
+              <a:t>12/29/2017</a:t>
             </a:fld>
             <a:endParaRPr lang="en-US"/>
           </a:p>
@@ -415,7 +415,7 @@
           <a:p>
             <a:fld id="{2D5072A0-6F4A-496D-BC20-1C16D5D961A8}" type="datetimeFigureOut">
               <a:rPr lang="en-US" smtClean="0"/>
-              <a:t>12/22/2017</a:t>
+              <a:t>12/29/2017</a:t>
             </a:fld>
             <a:endParaRPr lang="en-US"/>
           </a:p>
@@ -595,7 +595,7 @@
           <a:p>
             <a:fld id="{2D5072A0-6F4A-496D-BC20-1C16D5D961A8}" type="datetimeFigureOut">
               <a:rPr lang="en-US" smtClean="0"/>
-              <a:t>12/22/2017</a:t>
+              <a:t>12/29/2017</a:t>
             </a:fld>
             <a:endParaRPr lang="en-US"/>
           </a:p>
@@ -765,7 +765,7 @@
           <a:p>
             <a:fld id="{2D5072A0-6F4A-496D-BC20-1C16D5D961A8}" type="datetimeFigureOut">
               <a:rPr lang="en-US" smtClean="0"/>
-              <a:t>12/22/2017</a:t>
+              <a:t>12/29/2017</a:t>
             </a:fld>
             <a:endParaRPr lang="en-US"/>
           </a:p>
@@ -1011,7 +1011,7 @@
           <a:p>
             <a:fld id="{2D5072A0-6F4A-496D-BC20-1C16D5D961A8}" type="datetimeFigureOut">
               <a:rPr lang="en-US" smtClean="0"/>
-              <a:t>12/22/2017</a:t>
+              <a:t>12/29/2017</a:t>
             </a:fld>
             <a:endParaRPr lang="en-US"/>
           </a:p>
@@ -1243,7 +1243,7 @@
           <a:p>
             <a:fld id="{2D5072A0-6F4A-496D-BC20-1C16D5D961A8}" type="datetimeFigureOut">
               <a:rPr lang="en-US" smtClean="0"/>
-              <a:t>12/22/2017</a:t>
+              <a:t>12/29/2017</a:t>
             </a:fld>
             <a:endParaRPr lang="en-US"/>
           </a:p>
@@ -1610,7 +1610,7 @@
           <a:p>
             <a:fld id="{2D5072A0-6F4A-496D-BC20-1C16D5D961A8}" type="datetimeFigureOut">
               <a:rPr lang="en-US" smtClean="0"/>
-              <a:t>12/22/2017</a:t>
+              <a:t>12/29/2017</a:t>
             </a:fld>
             <a:endParaRPr lang="en-US"/>
           </a:p>
@@ -1728,7 +1728,7 @@
           <a:p>
             <a:fld id="{2D5072A0-6F4A-496D-BC20-1C16D5D961A8}" type="datetimeFigureOut">
               <a:rPr lang="en-US" smtClean="0"/>
-              <a:t>12/22/2017</a:t>
+              <a:t>12/29/2017</a:t>
             </a:fld>
             <a:endParaRPr lang="en-US"/>
           </a:p>
@@ -1823,7 +1823,7 @@
           <a:p>
             <a:fld id="{2D5072A0-6F4A-496D-BC20-1C16D5D961A8}" type="datetimeFigureOut">
               <a:rPr lang="en-US" smtClean="0"/>
-              <a:t>12/22/2017</a:t>
+              <a:t>12/29/2017</a:t>
             </a:fld>
             <a:endParaRPr lang="en-US"/>
           </a:p>
@@ -2100,7 +2100,7 @@
           <a:p>
             <a:fld id="{2D5072A0-6F4A-496D-BC20-1C16D5D961A8}" type="datetimeFigureOut">
               <a:rPr lang="en-US" smtClean="0"/>
-              <a:t>12/22/2017</a:t>
+              <a:t>12/29/2017</a:t>
             </a:fld>
             <a:endParaRPr lang="en-US"/>
           </a:p>
@@ -2353,7 +2353,7 @@
           <a:p>
             <a:fld id="{2D5072A0-6F4A-496D-BC20-1C16D5D961A8}" type="datetimeFigureOut">
               <a:rPr lang="en-US" smtClean="0"/>
-              <a:t>12/22/2017</a:t>
+              <a:t>12/29/2017</a:t>
             </a:fld>
             <a:endParaRPr lang="en-US"/>
           </a:p>
@@ -2566,7 +2566,7 @@
           <a:p>
             <a:fld id="{2D5072A0-6F4A-496D-BC20-1C16D5D961A8}" type="datetimeFigureOut">
               <a:rPr lang="en-US" smtClean="0"/>
-              <a:t>12/22/2017</a:t>
+              <a:t>12/29/2017</a:t>
             </a:fld>
             <a:endParaRPr lang="en-US"/>
           </a:p>
@@ -4166,13 +4166,7 @@
               <a:rPr lang="en-CA" sz="1400" dirty="0" smtClean="0">
                 <a:sym typeface="Wingdings" panose="05000000000000000000" pitchFamily="2" charset="2"/>
               </a:rPr>
-              <a:t> GOOD: Bird survey and inventory both likely represent post-disturbance </a:t>
-            </a:r>
-            <a:r>
-              <a:rPr lang="en-CA" sz="1400" dirty="0" smtClean="0">
-                <a:sym typeface="Wingdings" panose="05000000000000000000" pitchFamily="2" charset="2"/>
-              </a:rPr>
-              <a:t>conditions </a:t>
+              <a:t> GOOD: Bird survey and inventory both likely represent post-disturbance conditions </a:t>
             </a:r>
             <a:endParaRPr lang="en-US" sz="1400" dirty="0"/>
           </a:p>

--- a/VRI_bird_data_scenarios.pptx
+++ b/VRI_bird_data_scenarios.pptx
@@ -6,8 +6,9 @@
   </p:sldMasterIdLst>
   <p:sldIdLst>
     <p:sldId id="256" r:id="rId2"/>
-    <p:sldId id="258" r:id="rId3"/>
-    <p:sldId id="257" r:id="rId4"/>
+    <p:sldId id="259" r:id="rId3"/>
+    <p:sldId id="260" r:id="rId4"/>
+    <p:sldId id="257" r:id="rId5"/>
   </p:sldIdLst>
   <p:sldSz cx="12192000" cy="6858000"/>
   <p:notesSz cx="6858000" cy="9144000"/>
@@ -245,7 +246,7 @@
           <a:p>
             <a:fld id="{2D5072A0-6F4A-496D-BC20-1C16D5D961A8}" type="datetimeFigureOut">
               <a:rPr lang="en-US" smtClean="0"/>
-              <a:t>12/29/2017</a:t>
+              <a:t>1/1/2018</a:t>
             </a:fld>
             <a:endParaRPr lang="en-US"/>
           </a:p>
@@ -415,7 +416,7 @@
           <a:p>
             <a:fld id="{2D5072A0-6F4A-496D-BC20-1C16D5D961A8}" type="datetimeFigureOut">
               <a:rPr lang="en-US" smtClean="0"/>
-              <a:t>12/29/2017</a:t>
+              <a:t>1/1/2018</a:t>
             </a:fld>
             <a:endParaRPr lang="en-US"/>
           </a:p>
@@ -595,7 +596,7 @@
           <a:p>
             <a:fld id="{2D5072A0-6F4A-496D-BC20-1C16D5D961A8}" type="datetimeFigureOut">
               <a:rPr lang="en-US" smtClean="0"/>
-              <a:t>12/29/2017</a:t>
+              <a:t>1/1/2018</a:t>
             </a:fld>
             <a:endParaRPr lang="en-US"/>
           </a:p>
@@ -765,7 +766,7 @@
           <a:p>
             <a:fld id="{2D5072A0-6F4A-496D-BC20-1C16D5D961A8}" type="datetimeFigureOut">
               <a:rPr lang="en-US" smtClean="0"/>
-              <a:t>12/29/2017</a:t>
+              <a:t>1/1/2018</a:t>
             </a:fld>
             <a:endParaRPr lang="en-US"/>
           </a:p>
@@ -1011,7 +1012,7 @@
           <a:p>
             <a:fld id="{2D5072A0-6F4A-496D-BC20-1C16D5D961A8}" type="datetimeFigureOut">
               <a:rPr lang="en-US" smtClean="0"/>
-              <a:t>12/29/2017</a:t>
+              <a:t>1/1/2018</a:t>
             </a:fld>
             <a:endParaRPr lang="en-US"/>
           </a:p>
@@ -1243,7 +1244,7 @@
           <a:p>
             <a:fld id="{2D5072A0-6F4A-496D-BC20-1C16D5D961A8}" type="datetimeFigureOut">
               <a:rPr lang="en-US" smtClean="0"/>
-              <a:t>12/29/2017</a:t>
+              <a:t>1/1/2018</a:t>
             </a:fld>
             <a:endParaRPr lang="en-US"/>
           </a:p>
@@ -1610,7 +1611,7 @@
           <a:p>
             <a:fld id="{2D5072A0-6F4A-496D-BC20-1C16D5D961A8}" type="datetimeFigureOut">
               <a:rPr lang="en-US" smtClean="0"/>
-              <a:t>12/29/2017</a:t>
+              <a:t>1/1/2018</a:t>
             </a:fld>
             <a:endParaRPr lang="en-US"/>
           </a:p>
@@ -1728,7 +1729,7 @@
           <a:p>
             <a:fld id="{2D5072A0-6F4A-496D-BC20-1C16D5D961A8}" type="datetimeFigureOut">
               <a:rPr lang="en-US" smtClean="0"/>
-              <a:t>12/29/2017</a:t>
+              <a:t>1/1/2018</a:t>
             </a:fld>
             <a:endParaRPr lang="en-US"/>
           </a:p>
@@ -1823,7 +1824,7 @@
           <a:p>
             <a:fld id="{2D5072A0-6F4A-496D-BC20-1C16D5D961A8}" type="datetimeFigureOut">
               <a:rPr lang="en-US" smtClean="0"/>
-              <a:t>12/29/2017</a:t>
+              <a:t>1/1/2018</a:t>
             </a:fld>
             <a:endParaRPr lang="en-US"/>
           </a:p>
@@ -2100,7 +2101,7 @@
           <a:p>
             <a:fld id="{2D5072A0-6F4A-496D-BC20-1C16D5D961A8}" type="datetimeFigureOut">
               <a:rPr lang="en-US" smtClean="0"/>
-              <a:t>12/29/2017</a:t>
+              <a:t>1/1/2018</a:t>
             </a:fld>
             <a:endParaRPr lang="en-US"/>
           </a:p>
@@ -2353,7 +2354,7 @@
           <a:p>
             <a:fld id="{2D5072A0-6F4A-496D-BC20-1C16D5D961A8}" type="datetimeFigureOut">
               <a:rPr lang="en-US" smtClean="0"/>
-              <a:t>12/29/2017</a:t>
+              <a:t>1/1/2018</a:t>
             </a:fld>
             <a:endParaRPr lang="en-US"/>
           </a:p>
@@ -2566,7 +2567,7 @@
           <a:p>
             <a:fld id="{2D5072A0-6F4A-496D-BC20-1C16D5D961A8}" type="datetimeFigureOut">
               <a:rPr lang="en-US" smtClean="0"/>
-              <a:t>12/29/2017</a:t>
+              <a:t>1/1/2018</a:t>
             </a:fld>
             <a:endParaRPr lang="en-US"/>
           </a:p>
@@ -2971,1515 +2972,833 @@
           <a:chExt cx="0" cy="0"/>
         </a:xfrm>
       </p:grpSpPr>
-      <p:cxnSp>
-        <p:nvCxnSpPr>
-          <p:cNvPr id="5" name="Straight Arrow Connector 4"/>
-          <p:cNvCxnSpPr/>
+      <p:grpSp>
+        <p:nvGrpSpPr>
+          <p:cNvPr id="13" name="Group 12"/>
+          <p:cNvGrpSpPr/>
           <p:nvPr/>
-        </p:nvCxnSpPr>
-        <p:spPr>
+        </p:nvGrpSpPr>
+        <p:grpSpPr>
           <a:xfrm>
-            <a:off x="885872" y="2983844"/>
-            <a:ext cx="4372494" cy="0"/>
+            <a:off x="437486" y="211269"/>
+            <a:ext cx="10544191" cy="2992202"/>
+            <a:chOff x="437486" y="211269"/>
+            <a:chExt cx="10544191" cy="2992202"/>
           </a:xfrm>
-          <a:prstGeom prst="straightConnector1">
-            <a:avLst/>
-          </a:prstGeom>
-          <a:ln w="12700">
-            <a:tailEnd type="triangle"/>
-          </a:ln>
-        </p:spPr>
-        <p:style>
-          <a:lnRef idx="1">
-            <a:schemeClr val="accent1"/>
-          </a:lnRef>
-          <a:fillRef idx="0">
-            <a:schemeClr val="accent1"/>
-          </a:fillRef>
-          <a:effectRef idx="0">
-            <a:schemeClr val="accent1"/>
-          </a:effectRef>
-          <a:fontRef idx="minor">
-            <a:schemeClr val="tx1"/>
-          </a:fontRef>
-        </p:style>
-      </p:cxnSp>
-      <p:sp>
-        <p:nvSpPr>
-          <p:cNvPr id="6" name="Rectangle 5"/>
-          <p:cNvSpPr/>
-          <p:nvPr/>
-        </p:nvSpPr>
-        <p:spPr>
-          <a:xfrm>
-            <a:off x="948216" y="2335451"/>
-            <a:ext cx="1221971" cy="548640"/>
-          </a:xfrm>
-          <a:prstGeom prst="rect">
-            <a:avLst/>
-          </a:prstGeom>
-        </p:spPr>
-        <p:style>
-          <a:lnRef idx="2">
-            <a:schemeClr val="accent1">
-              <a:shade val="50000"/>
-            </a:schemeClr>
-          </a:lnRef>
-          <a:fillRef idx="1">
-            <a:schemeClr val="accent1"/>
-          </a:fillRef>
-          <a:effectRef idx="0">
-            <a:schemeClr val="accent1"/>
-          </a:effectRef>
-          <a:fontRef idx="minor">
-            <a:schemeClr val="lt1"/>
-          </a:fontRef>
-        </p:style>
-        <p:txBody>
-          <a:bodyPr rtlCol="0" anchor="ctr"/>
-          <a:lstStyle/>
-          <a:p>
-            <a:pPr algn="ctr"/>
-            <a:r>
-              <a:rPr lang="en-CA" sz="1600" dirty="0" smtClean="0"/>
-              <a:t>Reference Year</a:t>
-            </a:r>
-            <a:endParaRPr lang="en-US" sz="1600" dirty="0"/>
-          </a:p>
-        </p:txBody>
-      </p:sp>
-      <p:sp>
-        <p:nvSpPr>
-          <p:cNvPr id="7" name="Rectangle 6"/>
-          <p:cNvSpPr/>
-          <p:nvPr/>
-        </p:nvSpPr>
-        <p:spPr>
-          <a:xfrm>
-            <a:off x="2316350" y="2335451"/>
-            <a:ext cx="1294015" cy="548640"/>
-          </a:xfrm>
-          <a:prstGeom prst="rect">
-            <a:avLst/>
-          </a:prstGeom>
-        </p:spPr>
-        <p:style>
-          <a:lnRef idx="2">
-            <a:schemeClr val="accent3">
-              <a:shade val="50000"/>
-            </a:schemeClr>
-          </a:lnRef>
-          <a:fillRef idx="1">
-            <a:schemeClr val="accent3"/>
-          </a:fillRef>
-          <a:effectRef idx="0">
-            <a:schemeClr val="accent3"/>
-          </a:effectRef>
-          <a:fontRef idx="minor">
-            <a:schemeClr val="lt1"/>
-          </a:fontRef>
-        </p:style>
-        <p:txBody>
-          <a:bodyPr rtlCol="0" anchor="ctr"/>
-          <a:lstStyle/>
-          <a:p>
-            <a:pPr algn="ctr"/>
-            <a:r>
-              <a:rPr lang="en-CA" sz="1600" dirty="0" smtClean="0"/>
-              <a:t>Disturbance Year</a:t>
-            </a:r>
-            <a:endParaRPr lang="en-US" sz="1600" dirty="0"/>
-          </a:p>
-        </p:txBody>
-      </p:sp>
-      <p:sp>
-        <p:nvSpPr>
-          <p:cNvPr id="8" name="Rectangle 7"/>
-          <p:cNvSpPr/>
-          <p:nvPr/>
-        </p:nvSpPr>
-        <p:spPr>
-          <a:xfrm>
-            <a:off x="3780084" y="2335451"/>
-            <a:ext cx="875608" cy="548640"/>
-          </a:xfrm>
-          <a:prstGeom prst="rect">
-            <a:avLst/>
-          </a:prstGeom>
-        </p:spPr>
-        <p:style>
-          <a:lnRef idx="2">
-            <a:schemeClr val="accent4">
-              <a:shade val="50000"/>
-            </a:schemeClr>
-          </a:lnRef>
-          <a:fillRef idx="1">
-            <a:schemeClr val="accent4"/>
-          </a:fillRef>
-          <a:effectRef idx="0">
-            <a:schemeClr val="accent4"/>
-          </a:effectRef>
-          <a:fontRef idx="minor">
-            <a:schemeClr val="lt1"/>
-          </a:fontRef>
-        </p:style>
-        <p:txBody>
-          <a:bodyPr rtlCol="0" anchor="ctr"/>
-          <a:lstStyle/>
-          <a:p>
-            <a:pPr algn="ctr"/>
-            <a:r>
-              <a:rPr lang="en-CA" sz="1600" dirty="0" smtClean="0"/>
-              <a:t>Bird Survey</a:t>
-            </a:r>
-            <a:endParaRPr lang="en-US" sz="1600" dirty="0"/>
-          </a:p>
-        </p:txBody>
-      </p:sp>
-      <p:sp>
-        <p:nvSpPr>
-          <p:cNvPr id="9" name="TextBox 8"/>
-          <p:cNvSpPr txBox="1"/>
-          <p:nvPr/>
-        </p:nvSpPr>
-        <p:spPr>
-          <a:xfrm>
-            <a:off x="5203640" y="1990398"/>
-            <a:ext cx="5760720" cy="1169551"/>
-          </a:xfrm>
-          <a:prstGeom prst="rect">
-            <a:avLst/>
-          </a:prstGeom>
-          <a:noFill/>
-        </p:spPr>
-        <p:txBody>
-          <a:bodyPr wrap="square" rtlCol="0">
-            <a:spAutoFit/>
-          </a:bodyPr>
-          <a:lstStyle/>
-          <a:p>
-            <a:r>
-              <a:rPr lang="en-CA" sz="1400" dirty="0" smtClean="0"/>
-              <a:t>A disturbance occurred after the inventory and before the bird survey. </a:t>
-            </a:r>
-          </a:p>
-          <a:p>
-            <a:r>
-              <a:rPr lang="en-CA" sz="1400" dirty="0" smtClean="0">
-                <a:sym typeface="Wingdings" panose="05000000000000000000" pitchFamily="2" charset="2"/>
-              </a:rPr>
-              <a:t> PROBABLE</a:t>
-            </a:r>
-            <a:r>
-              <a:rPr lang="en-CA" sz="1400" dirty="0" smtClean="0"/>
-              <a:t> MISMATCH: Inventory reflects pre-disturbance conditions, but bird survey represents post-disturbance conditions. </a:t>
-            </a:r>
-          </a:p>
-          <a:p>
-            <a:r>
-              <a:rPr lang="en-CA" sz="1400" dirty="0" smtClean="0">
-                <a:sym typeface="Wingdings" panose="05000000000000000000" pitchFamily="2" charset="2"/>
-              </a:rPr>
-              <a:t> </a:t>
-            </a:r>
-            <a:r>
-              <a:rPr lang="en-CA" sz="1400" dirty="0" smtClean="0"/>
-              <a:t>EXCEPTION: If 2014 VRI dataset </a:t>
-            </a:r>
-            <a:r>
-              <a:rPr lang="en-CA" sz="1400" b="1" dirty="0" smtClean="0"/>
-              <a:t>was </a:t>
-            </a:r>
-            <a:r>
-              <a:rPr lang="en-CA" sz="1400" dirty="0" smtClean="0"/>
-              <a:t>updated after the disturbance, then it might represent bird conditions.</a:t>
-            </a:r>
-            <a:endParaRPr lang="en-US" sz="1400" dirty="0"/>
-          </a:p>
-        </p:txBody>
-      </p:sp>
-      <p:cxnSp>
-        <p:nvCxnSpPr>
-          <p:cNvPr id="14" name="Straight Arrow Connector 13"/>
-          <p:cNvCxnSpPr/>
-          <p:nvPr/>
-        </p:nvCxnSpPr>
-        <p:spPr>
-          <a:xfrm flipV="1">
-            <a:off x="856776" y="5107654"/>
-            <a:ext cx="4346863" cy="18552"/>
-          </a:xfrm>
-          <a:prstGeom prst="straightConnector1">
-            <a:avLst/>
-          </a:prstGeom>
-          <a:ln w="12700">
-            <a:tailEnd type="triangle"/>
-          </a:ln>
-        </p:spPr>
-        <p:style>
-          <a:lnRef idx="1">
-            <a:schemeClr val="accent1"/>
-          </a:lnRef>
-          <a:fillRef idx="0">
-            <a:schemeClr val="accent1"/>
-          </a:fillRef>
-          <a:effectRef idx="0">
-            <a:schemeClr val="accent1"/>
-          </a:effectRef>
-          <a:fontRef idx="minor">
-            <a:schemeClr val="tx1"/>
-          </a:fontRef>
-        </p:style>
-      </p:cxnSp>
-      <p:sp>
-        <p:nvSpPr>
-          <p:cNvPr id="15" name="Rectangle 14"/>
-          <p:cNvSpPr/>
-          <p:nvPr/>
-        </p:nvSpPr>
-        <p:spPr>
-          <a:xfrm>
-            <a:off x="948216" y="4477813"/>
-            <a:ext cx="1221971" cy="548640"/>
-          </a:xfrm>
-          <a:prstGeom prst="rect">
-            <a:avLst/>
-          </a:prstGeom>
-        </p:spPr>
-        <p:style>
-          <a:lnRef idx="2">
-            <a:schemeClr val="accent1">
-              <a:shade val="50000"/>
-            </a:schemeClr>
-          </a:lnRef>
-          <a:fillRef idx="1">
-            <a:schemeClr val="accent1"/>
-          </a:fillRef>
-          <a:effectRef idx="0">
-            <a:schemeClr val="accent1"/>
-          </a:effectRef>
-          <a:fontRef idx="minor">
-            <a:schemeClr val="lt1"/>
-          </a:fontRef>
-        </p:style>
-        <p:txBody>
-          <a:bodyPr rtlCol="0" anchor="ctr"/>
-          <a:lstStyle/>
-          <a:p>
-            <a:pPr algn="ctr"/>
-            <a:r>
-              <a:rPr lang="en-CA" sz="1600" dirty="0" smtClean="0"/>
-              <a:t>Reference Year</a:t>
-            </a:r>
-            <a:endParaRPr lang="en-US" sz="1600" dirty="0"/>
-          </a:p>
-        </p:txBody>
-      </p:sp>
-      <p:sp>
-        <p:nvSpPr>
-          <p:cNvPr id="16" name="Rectangle 15"/>
-          <p:cNvSpPr/>
-          <p:nvPr/>
-        </p:nvSpPr>
-        <p:spPr>
-          <a:xfrm>
-            <a:off x="3361677" y="4477813"/>
-            <a:ext cx="1294015" cy="548640"/>
-          </a:xfrm>
-          <a:prstGeom prst="rect">
-            <a:avLst/>
-          </a:prstGeom>
-        </p:spPr>
-        <p:style>
-          <a:lnRef idx="2">
-            <a:schemeClr val="accent3">
-              <a:shade val="50000"/>
-            </a:schemeClr>
-          </a:lnRef>
-          <a:fillRef idx="1">
-            <a:schemeClr val="accent3"/>
-          </a:fillRef>
-          <a:effectRef idx="0">
-            <a:schemeClr val="accent3"/>
-          </a:effectRef>
-          <a:fontRef idx="minor">
-            <a:schemeClr val="lt1"/>
-          </a:fontRef>
-        </p:style>
-        <p:txBody>
-          <a:bodyPr rtlCol="0" anchor="ctr"/>
-          <a:lstStyle/>
-          <a:p>
-            <a:pPr algn="ctr"/>
-            <a:r>
-              <a:rPr lang="en-CA" sz="1600" dirty="0" smtClean="0"/>
-              <a:t>Disturbance Year</a:t>
-            </a:r>
-            <a:endParaRPr lang="en-US" sz="1600" dirty="0"/>
-          </a:p>
-        </p:txBody>
-      </p:sp>
-      <p:sp>
-        <p:nvSpPr>
-          <p:cNvPr id="17" name="Rectangle 16"/>
-          <p:cNvSpPr/>
-          <p:nvPr/>
-        </p:nvSpPr>
-        <p:spPr>
-          <a:xfrm>
-            <a:off x="2344055" y="4477813"/>
-            <a:ext cx="875608" cy="548640"/>
-          </a:xfrm>
-          <a:prstGeom prst="rect">
-            <a:avLst/>
-          </a:prstGeom>
-        </p:spPr>
-        <p:style>
-          <a:lnRef idx="2">
-            <a:schemeClr val="accent4">
-              <a:shade val="50000"/>
-            </a:schemeClr>
-          </a:lnRef>
-          <a:fillRef idx="1">
-            <a:schemeClr val="accent4"/>
-          </a:fillRef>
-          <a:effectRef idx="0">
-            <a:schemeClr val="accent4"/>
-          </a:effectRef>
-          <a:fontRef idx="minor">
-            <a:schemeClr val="lt1"/>
-          </a:fontRef>
-        </p:style>
-        <p:txBody>
-          <a:bodyPr rtlCol="0" anchor="ctr"/>
-          <a:lstStyle/>
-          <a:p>
-            <a:pPr algn="ctr"/>
-            <a:r>
-              <a:rPr lang="en-CA" sz="1600" dirty="0" smtClean="0"/>
-              <a:t>Bird Survey</a:t>
-            </a:r>
-            <a:endParaRPr lang="en-US" sz="1600" dirty="0"/>
-          </a:p>
-        </p:txBody>
-      </p:sp>
-      <p:sp>
-        <p:nvSpPr>
-          <p:cNvPr id="18" name="TextBox 17"/>
-          <p:cNvSpPr txBox="1"/>
-          <p:nvPr/>
-        </p:nvSpPr>
-        <p:spPr>
-          <a:xfrm>
-            <a:off x="5258366" y="4541430"/>
-            <a:ext cx="5760720" cy="1384995"/>
-          </a:xfrm>
-          <a:prstGeom prst="rect">
-            <a:avLst/>
-          </a:prstGeom>
-          <a:noFill/>
-        </p:spPr>
-        <p:txBody>
-          <a:bodyPr wrap="square" rtlCol="0">
-            <a:spAutoFit/>
-          </a:bodyPr>
-          <a:lstStyle/>
-          <a:p>
-            <a:r>
-              <a:rPr lang="en-CA" sz="1400" dirty="0" smtClean="0"/>
-              <a:t>Disturbance occurred after both the inventory and the bird data.</a:t>
-            </a:r>
-          </a:p>
-          <a:p>
-            <a:r>
-              <a:rPr lang="en-CA" sz="1400" dirty="0" smtClean="0">
-                <a:sym typeface="Wingdings" panose="05000000000000000000" pitchFamily="2" charset="2"/>
-              </a:rPr>
-              <a:t> PROBABLY GOOD: Bird data and inventory data collected under similar conditions. I</a:t>
-            </a:r>
-            <a:r>
-              <a:rPr lang="en-CA" sz="1400" dirty="0" smtClean="0"/>
-              <a:t>f VRI dataset seems to reflect reference year conditions, then it likely represents bird conditions </a:t>
-            </a:r>
-            <a:r>
-              <a:rPr lang="en-CA" sz="1400" dirty="0" smtClean="0">
-                <a:sym typeface="Wingdings" panose="05000000000000000000" pitchFamily="2" charset="2"/>
-              </a:rPr>
-              <a:t>(depending on time lag)</a:t>
-            </a:r>
-            <a:r>
-              <a:rPr lang="en-CA" sz="1400" dirty="0" smtClean="0"/>
-              <a:t>. </a:t>
-            </a:r>
-            <a:endParaRPr lang="en-US" sz="1400" dirty="0" smtClean="0"/>
-          </a:p>
-          <a:p>
-            <a:r>
-              <a:rPr lang="en-CA" sz="1400" dirty="0" smtClean="0">
-                <a:sym typeface="Wingdings" panose="05000000000000000000" pitchFamily="2" charset="2"/>
-              </a:rPr>
-              <a:t> </a:t>
-            </a:r>
-            <a:r>
-              <a:rPr lang="en-CA" sz="1400" dirty="0" smtClean="0"/>
-              <a:t>POSSIBLE MISMATCH: If the 2014 VRI dataset </a:t>
-            </a:r>
-            <a:r>
-              <a:rPr lang="en-CA" sz="1400" b="1" dirty="0" smtClean="0"/>
-              <a:t>was</a:t>
-            </a:r>
-            <a:r>
-              <a:rPr lang="en-CA" sz="1400" dirty="0" smtClean="0"/>
-              <a:t> updated to reflect the disturbance, then it won’t represent bird conditions. </a:t>
-            </a:r>
-            <a:endParaRPr lang="en-US" sz="1400" dirty="0"/>
-          </a:p>
-        </p:txBody>
-      </p:sp>
-      <p:cxnSp>
-        <p:nvCxnSpPr>
-          <p:cNvPr id="23" name="Straight Arrow Connector 22"/>
-          <p:cNvCxnSpPr/>
-          <p:nvPr/>
-        </p:nvCxnSpPr>
-        <p:spPr>
-          <a:xfrm>
-            <a:off x="856776" y="3856220"/>
-            <a:ext cx="4364181" cy="0"/>
-          </a:xfrm>
-          <a:prstGeom prst="straightConnector1">
-            <a:avLst/>
-          </a:prstGeom>
-          <a:ln w="12700">
-            <a:tailEnd type="triangle"/>
-          </a:ln>
-        </p:spPr>
-        <p:style>
-          <a:lnRef idx="1">
-            <a:schemeClr val="accent1"/>
-          </a:lnRef>
-          <a:fillRef idx="0">
-            <a:schemeClr val="accent1"/>
-          </a:fillRef>
-          <a:effectRef idx="0">
-            <a:schemeClr val="accent1"/>
-          </a:effectRef>
-          <a:fontRef idx="minor">
-            <a:schemeClr val="tx1"/>
-          </a:fontRef>
-        </p:style>
-      </p:cxnSp>
-      <p:sp>
-        <p:nvSpPr>
-          <p:cNvPr id="24" name="Rectangle 23"/>
-          <p:cNvSpPr/>
-          <p:nvPr/>
-        </p:nvSpPr>
-        <p:spPr>
-          <a:xfrm>
-            <a:off x="3433721" y="3217526"/>
-            <a:ext cx="1221971" cy="548640"/>
-          </a:xfrm>
-          <a:prstGeom prst="rect">
-            <a:avLst/>
-          </a:prstGeom>
-        </p:spPr>
-        <p:style>
-          <a:lnRef idx="2">
-            <a:schemeClr val="accent1">
-              <a:shade val="50000"/>
-            </a:schemeClr>
-          </a:lnRef>
-          <a:fillRef idx="1">
-            <a:schemeClr val="accent1"/>
-          </a:fillRef>
-          <a:effectRef idx="0">
-            <a:schemeClr val="accent1"/>
-          </a:effectRef>
-          <a:fontRef idx="minor">
-            <a:schemeClr val="lt1"/>
-          </a:fontRef>
-        </p:style>
-        <p:txBody>
-          <a:bodyPr rtlCol="0" anchor="ctr"/>
-          <a:lstStyle/>
-          <a:p>
-            <a:pPr algn="ctr"/>
-            <a:r>
-              <a:rPr lang="en-CA" sz="1600" dirty="0" smtClean="0"/>
-              <a:t>Reference Year</a:t>
-            </a:r>
-            <a:endParaRPr lang="en-US" sz="1600" dirty="0"/>
-          </a:p>
-        </p:txBody>
-      </p:sp>
-      <p:sp>
-        <p:nvSpPr>
-          <p:cNvPr id="25" name="Rectangle 24"/>
-          <p:cNvSpPr/>
-          <p:nvPr/>
-        </p:nvSpPr>
-        <p:spPr>
-          <a:xfrm>
-            <a:off x="2025404" y="3217526"/>
-            <a:ext cx="1294015" cy="548640"/>
-          </a:xfrm>
-          <a:prstGeom prst="rect">
-            <a:avLst/>
-          </a:prstGeom>
-        </p:spPr>
-        <p:style>
-          <a:lnRef idx="2">
-            <a:schemeClr val="accent3">
-              <a:shade val="50000"/>
-            </a:schemeClr>
-          </a:lnRef>
-          <a:fillRef idx="1">
-            <a:schemeClr val="accent3"/>
-          </a:fillRef>
-          <a:effectRef idx="0">
-            <a:schemeClr val="accent3"/>
-          </a:effectRef>
-          <a:fontRef idx="minor">
-            <a:schemeClr val="lt1"/>
-          </a:fontRef>
-        </p:style>
-        <p:txBody>
-          <a:bodyPr rtlCol="0" anchor="ctr"/>
-          <a:lstStyle/>
-          <a:p>
-            <a:pPr algn="ctr"/>
-            <a:r>
-              <a:rPr lang="en-CA" sz="1600" dirty="0" smtClean="0"/>
-              <a:t>Disturbance Year</a:t>
-            </a:r>
-            <a:endParaRPr lang="en-US" sz="1600" dirty="0"/>
-          </a:p>
-        </p:txBody>
-      </p:sp>
-      <p:sp>
-        <p:nvSpPr>
-          <p:cNvPr id="26" name="Rectangle 25"/>
-          <p:cNvSpPr/>
-          <p:nvPr/>
-        </p:nvSpPr>
-        <p:spPr>
-          <a:xfrm>
-            <a:off x="948216" y="3217526"/>
-            <a:ext cx="875608" cy="548640"/>
-          </a:xfrm>
-          <a:prstGeom prst="rect">
-            <a:avLst/>
-          </a:prstGeom>
-        </p:spPr>
-        <p:style>
-          <a:lnRef idx="2">
-            <a:schemeClr val="accent4">
-              <a:shade val="50000"/>
-            </a:schemeClr>
-          </a:lnRef>
-          <a:fillRef idx="1">
-            <a:schemeClr val="accent4"/>
-          </a:fillRef>
-          <a:effectRef idx="0">
-            <a:schemeClr val="accent4"/>
-          </a:effectRef>
-          <a:fontRef idx="minor">
-            <a:schemeClr val="lt1"/>
-          </a:fontRef>
-        </p:style>
-        <p:txBody>
-          <a:bodyPr rtlCol="0" anchor="ctr"/>
-          <a:lstStyle/>
-          <a:p>
-            <a:pPr algn="ctr"/>
-            <a:r>
-              <a:rPr lang="en-CA" sz="1600" dirty="0" smtClean="0"/>
-              <a:t>Bird Survey</a:t>
-            </a:r>
-            <a:endParaRPr lang="en-US" sz="1600" dirty="0"/>
-          </a:p>
-        </p:txBody>
-      </p:sp>
-      <p:sp>
-        <p:nvSpPr>
-          <p:cNvPr id="27" name="TextBox 26"/>
-          <p:cNvSpPr txBox="1"/>
-          <p:nvPr/>
-        </p:nvSpPr>
-        <p:spPr>
-          <a:xfrm>
-            <a:off x="5203640" y="3293074"/>
-            <a:ext cx="5760720" cy="738664"/>
-          </a:xfrm>
-          <a:prstGeom prst="rect">
-            <a:avLst/>
-          </a:prstGeom>
-          <a:noFill/>
-        </p:spPr>
-        <p:txBody>
-          <a:bodyPr wrap="square" rtlCol="0">
-            <a:spAutoFit/>
-          </a:bodyPr>
-          <a:lstStyle/>
-          <a:p>
-            <a:r>
-              <a:rPr lang="en-CA" sz="1400" dirty="0" smtClean="0"/>
-              <a:t>A disturbance occurred after the bird survey and before the inventory. </a:t>
-            </a:r>
-          </a:p>
-          <a:p>
-            <a:r>
-              <a:rPr lang="en-CA" sz="1400" dirty="0" smtClean="0">
-                <a:sym typeface="Wingdings" panose="05000000000000000000" pitchFamily="2" charset="2"/>
-              </a:rPr>
-              <a:t> ALMOST CERTAIN MISMATCH: The inventory reflects the post-disturbance conditions, but bird survey represents pre-disturbance conditions.</a:t>
-            </a:r>
-            <a:endParaRPr lang="en-CA" sz="1400" dirty="0" smtClean="0"/>
-          </a:p>
-        </p:txBody>
-      </p:sp>
-      <p:cxnSp>
-        <p:nvCxnSpPr>
-          <p:cNvPr id="28" name="Straight Arrow Connector 27"/>
-          <p:cNvCxnSpPr/>
-          <p:nvPr/>
-        </p:nvCxnSpPr>
-        <p:spPr>
-          <a:xfrm>
-            <a:off x="856776" y="5967678"/>
-            <a:ext cx="4364181" cy="0"/>
-          </a:xfrm>
-          <a:prstGeom prst="straightConnector1">
-            <a:avLst/>
-          </a:prstGeom>
-          <a:ln w="12700">
-            <a:tailEnd type="triangle"/>
-          </a:ln>
-        </p:spPr>
-        <p:style>
-          <a:lnRef idx="1">
-            <a:schemeClr val="accent1"/>
-          </a:lnRef>
-          <a:fillRef idx="0">
-            <a:schemeClr val="accent1"/>
-          </a:fillRef>
-          <a:effectRef idx="0">
-            <a:schemeClr val="accent1"/>
-          </a:effectRef>
-          <a:fontRef idx="minor">
-            <a:schemeClr val="tx1"/>
-          </a:fontRef>
-        </p:style>
-      </p:cxnSp>
-      <p:sp>
-        <p:nvSpPr>
-          <p:cNvPr id="29" name="Rectangle 28"/>
-          <p:cNvSpPr/>
-          <p:nvPr/>
-        </p:nvSpPr>
-        <p:spPr>
-          <a:xfrm>
-            <a:off x="1997692" y="5328984"/>
-            <a:ext cx="1221971" cy="548640"/>
-          </a:xfrm>
-          <a:prstGeom prst="rect">
-            <a:avLst/>
-          </a:prstGeom>
-        </p:spPr>
-        <p:style>
-          <a:lnRef idx="2">
-            <a:schemeClr val="accent1">
-              <a:shade val="50000"/>
-            </a:schemeClr>
-          </a:lnRef>
-          <a:fillRef idx="1">
-            <a:schemeClr val="accent1"/>
-          </a:fillRef>
-          <a:effectRef idx="0">
-            <a:schemeClr val="accent1"/>
-          </a:effectRef>
-          <a:fontRef idx="minor">
-            <a:schemeClr val="lt1"/>
-          </a:fontRef>
-        </p:style>
-        <p:txBody>
-          <a:bodyPr rtlCol="0" anchor="ctr"/>
-          <a:lstStyle/>
-          <a:p>
-            <a:pPr algn="ctr"/>
-            <a:r>
-              <a:rPr lang="en-CA" sz="1600" dirty="0" smtClean="0"/>
-              <a:t>Reference Year</a:t>
-            </a:r>
-            <a:endParaRPr lang="en-US" sz="1600" dirty="0"/>
-          </a:p>
-        </p:txBody>
-      </p:sp>
-      <p:sp>
-        <p:nvSpPr>
-          <p:cNvPr id="30" name="Rectangle 29"/>
-          <p:cNvSpPr/>
-          <p:nvPr/>
-        </p:nvSpPr>
-        <p:spPr>
-          <a:xfrm>
-            <a:off x="3361677" y="5331754"/>
-            <a:ext cx="1294015" cy="548640"/>
-          </a:xfrm>
-          <a:prstGeom prst="rect">
-            <a:avLst/>
-          </a:prstGeom>
-        </p:spPr>
-        <p:style>
-          <a:lnRef idx="2">
-            <a:schemeClr val="accent3">
-              <a:shade val="50000"/>
-            </a:schemeClr>
-          </a:lnRef>
-          <a:fillRef idx="1">
-            <a:schemeClr val="accent3"/>
-          </a:fillRef>
-          <a:effectRef idx="0">
-            <a:schemeClr val="accent3"/>
-          </a:effectRef>
-          <a:fontRef idx="minor">
-            <a:schemeClr val="lt1"/>
-          </a:fontRef>
-        </p:style>
-        <p:txBody>
-          <a:bodyPr rtlCol="0" anchor="ctr"/>
-          <a:lstStyle/>
-          <a:p>
-            <a:pPr algn="ctr"/>
-            <a:r>
-              <a:rPr lang="en-CA" sz="1600" dirty="0" smtClean="0"/>
-              <a:t>Disturbance Year</a:t>
-            </a:r>
-            <a:endParaRPr lang="en-US" sz="1600" dirty="0"/>
-          </a:p>
-        </p:txBody>
-      </p:sp>
-      <p:sp>
-        <p:nvSpPr>
-          <p:cNvPr id="31" name="Rectangle 30"/>
-          <p:cNvSpPr/>
-          <p:nvPr/>
-        </p:nvSpPr>
-        <p:spPr>
-          <a:xfrm>
-            <a:off x="948216" y="5328984"/>
-            <a:ext cx="875608" cy="548640"/>
-          </a:xfrm>
-          <a:prstGeom prst="rect">
-            <a:avLst/>
-          </a:prstGeom>
-        </p:spPr>
-        <p:style>
-          <a:lnRef idx="2">
-            <a:schemeClr val="accent4">
-              <a:shade val="50000"/>
-            </a:schemeClr>
-          </a:lnRef>
-          <a:fillRef idx="1">
-            <a:schemeClr val="accent4"/>
-          </a:fillRef>
-          <a:effectRef idx="0">
-            <a:schemeClr val="accent4"/>
-          </a:effectRef>
-          <a:fontRef idx="minor">
-            <a:schemeClr val="lt1"/>
-          </a:fontRef>
-        </p:style>
-        <p:txBody>
-          <a:bodyPr rtlCol="0" anchor="ctr"/>
-          <a:lstStyle/>
-          <a:p>
-            <a:pPr algn="ctr"/>
-            <a:r>
-              <a:rPr lang="en-CA" sz="1600" dirty="0" smtClean="0"/>
-              <a:t>Bird Survey</a:t>
-            </a:r>
-            <a:endParaRPr lang="en-US" sz="1600" dirty="0"/>
-          </a:p>
-        </p:txBody>
-      </p:sp>
-      <p:cxnSp>
-        <p:nvCxnSpPr>
-          <p:cNvPr id="41" name="Straight Arrow Connector 40"/>
-          <p:cNvCxnSpPr/>
-          <p:nvPr/>
-        </p:nvCxnSpPr>
-        <p:spPr>
-          <a:xfrm>
-            <a:off x="856776" y="1810355"/>
-            <a:ext cx="4364181" cy="0"/>
-          </a:xfrm>
-          <a:prstGeom prst="straightConnector1">
-            <a:avLst/>
-          </a:prstGeom>
-          <a:ln w="12700">
-            <a:tailEnd type="triangle"/>
-          </a:ln>
-        </p:spPr>
-        <p:style>
-          <a:lnRef idx="1">
-            <a:schemeClr val="accent1"/>
-          </a:lnRef>
-          <a:fillRef idx="0">
-            <a:schemeClr val="accent1"/>
-          </a:fillRef>
-          <a:effectRef idx="0">
-            <a:schemeClr val="accent1"/>
-          </a:effectRef>
-          <a:fontRef idx="minor">
-            <a:schemeClr val="tx1"/>
-          </a:fontRef>
-        </p:style>
-      </p:cxnSp>
-      <p:sp>
-        <p:nvSpPr>
-          <p:cNvPr id="42" name="Rectangle 41"/>
-          <p:cNvSpPr/>
-          <p:nvPr/>
-        </p:nvSpPr>
-        <p:spPr>
-          <a:xfrm>
-            <a:off x="2388394" y="1171661"/>
-            <a:ext cx="1221971" cy="548640"/>
-          </a:xfrm>
-          <a:prstGeom prst="rect">
-            <a:avLst/>
-          </a:prstGeom>
-        </p:spPr>
-        <p:style>
-          <a:lnRef idx="2">
-            <a:schemeClr val="accent1">
-              <a:shade val="50000"/>
-            </a:schemeClr>
-          </a:lnRef>
-          <a:fillRef idx="1">
-            <a:schemeClr val="accent1"/>
-          </a:fillRef>
-          <a:effectRef idx="0">
-            <a:schemeClr val="accent1"/>
-          </a:effectRef>
-          <a:fontRef idx="minor">
-            <a:schemeClr val="lt1"/>
-          </a:fontRef>
-        </p:style>
-        <p:txBody>
-          <a:bodyPr rtlCol="0" anchor="ctr"/>
-          <a:lstStyle/>
-          <a:p>
-            <a:pPr algn="ctr"/>
-            <a:r>
-              <a:rPr lang="en-CA" sz="1600" dirty="0" smtClean="0"/>
-              <a:t>Reference Year</a:t>
-            </a:r>
-            <a:endParaRPr lang="en-US" sz="1600" dirty="0"/>
-          </a:p>
-        </p:txBody>
-      </p:sp>
-      <p:sp>
-        <p:nvSpPr>
-          <p:cNvPr id="43" name="Rectangle 42"/>
-          <p:cNvSpPr/>
-          <p:nvPr/>
-        </p:nvSpPr>
-        <p:spPr>
-          <a:xfrm>
-            <a:off x="948216" y="1171661"/>
-            <a:ext cx="1294015" cy="548640"/>
-          </a:xfrm>
-          <a:prstGeom prst="rect">
-            <a:avLst/>
-          </a:prstGeom>
-        </p:spPr>
-        <p:style>
-          <a:lnRef idx="2">
-            <a:schemeClr val="accent3">
-              <a:shade val="50000"/>
-            </a:schemeClr>
-          </a:lnRef>
-          <a:fillRef idx="1">
-            <a:schemeClr val="accent3"/>
-          </a:fillRef>
-          <a:effectRef idx="0">
-            <a:schemeClr val="accent3"/>
-          </a:effectRef>
-          <a:fontRef idx="minor">
-            <a:schemeClr val="lt1"/>
-          </a:fontRef>
-        </p:style>
-        <p:txBody>
-          <a:bodyPr rtlCol="0" anchor="ctr"/>
-          <a:lstStyle/>
-          <a:p>
-            <a:pPr algn="ctr"/>
-            <a:r>
-              <a:rPr lang="en-CA" sz="1600" dirty="0" smtClean="0"/>
-              <a:t>Disturbance Year</a:t>
-            </a:r>
-            <a:endParaRPr lang="en-US" sz="1600" dirty="0"/>
-          </a:p>
-        </p:txBody>
-      </p:sp>
-      <p:sp>
-        <p:nvSpPr>
-          <p:cNvPr id="44" name="Rectangle 43"/>
-          <p:cNvSpPr/>
-          <p:nvPr/>
-        </p:nvSpPr>
-        <p:spPr>
-          <a:xfrm>
-            <a:off x="3780084" y="1171661"/>
-            <a:ext cx="875608" cy="548640"/>
-          </a:xfrm>
-          <a:prstGeom prst="rect">
-            <a:avLst/>
-          </a:prstGeom>
-        </p:spPr>
-        <p:style>
-          <a:lnRef idx="2">
-            <a:schemeClr val="accent4">
-              <a:shade val="50000"/>
-            </a:schemeClr>
-          </a:lnRef>
-          <a:fillRef idx="1">
-            <a:schemeClr val="accent4"/>
-          </a:fillRef>
-          <a:effectRef idx="0">
-            <a:schemeClr val="accent4"/>
-          </a:effectRef>
-          <a:fontRef idx="minor">
-            <a:schemeClr val="lt1"/>
-          </a:fontRef>
-        </p:style>
-        <p:txBody>
-          <a:bodyPr rtlCol="0" anchor="ctr"/>
-          <a:lstStyle/>
-          <a:p>
-            <a:pPr algn="ctr"/>
-            <a:r>
-              <a:rPr lang="en-CA" sz="1600" dirty="0" smtClean="0"/>
-              <a:t>Bird Survey</a:t>
-            </a:r>
-            <a:endParaRPr lang="en-US" sz="1600" dirty="0"/>
-          </a:p>
-        </p:txBody>
-      </p:sp>
-      <p:cxnSp>
-        <p:nvCxnSpPr>
-          <p:cNvPr id="45" name="Straight Arrow Connector 44"/>
-          <p:cNvCxnSpPr/>
-          <p:nvPr/>
-        </p:nvCxnSpPr>
-        <p:spPr>
-          <a:xfrm>
-            <a:off x="856776" y="968350"/>
-            <a:ext cx="4364181" cy="0"/>
-          </a:xfrm>
-          <a:prstGeom prst="straightConnector1">
-            <a:avLst/>
-          </a:prstGeom>
-          <a:ln w="12700">
-            <a:tailEnd type="triangle"/>
-          </a:ln>
-        </p:spPr>
-        <p:style>
-          <a:lnRef idx="1">
-            <a:schemeClr val="accent1"/>
-          </a:lnRef>
-          <a:fillRef idx="0">
-            <a:schemeClr val="accent1"/>
-          </a:fillRef>
-          <a:effectRef idx="0">
-            <a:schemeClr val="accent1"/>
-          </a:effectRef>
-          <a:fontRef idx="minor">
-            <a:schemeClr val="tx1"/>
-          </a:fontRef>
-        </p:style>
-      </p:cxnSp>
-      <p:sp>
-        <p:nvSpPr>
-          <p:cNvPr id="46" name="Rectangle 45"/>
-          <p:cNvSpPr/>
-          <p:nvPr/>
-        </p:nvSpPr>
-        <p:spPr>
-          <a:xfrm>
-            <a:off x="3433721" y="318568"/>
-            <a:ext cx="1221971" cy="548640"/>
-          </a:xfrm>
-          <a:prstGeom prst="rect">
-            <a:avLst/>
-          </a:prstGeom>
-        </p:spPr>
-        <p:style>
-          <a:lnRef idx="2">
-            <a:schemeClr val="accent1">
-              <a:shade val="50000"/>
-            </a:schemeClr>
-          </a:lnRef>
-          <a:fillRef idx="1">
-            <a:schemeClr val="accent1"/>
-          </a:fillRef>
-          <a:effectRef idx="0">
-            <a:schemeClr val="accent1"/>
-          </a:effectRef>
-          <a:fontRef idx="minor">
-            <a:schemeClr val="lt1"/>
-          </a:fontRef>
-        </p:style>
-        <p:txBody>
-          <a:bodyPr rtlCol="0" anchor="ctr"/>
-          <a:lstStyle/>
-          <a:p>
-            <a:pPr algn="ctr"/>
-            <a:r>
-              <a:rPr lang="en-CA" sz="1600" dirty="0" smtClean="0"/>
-              <a:t>Reference Year</a:t>
-            </a:r>
-            <a:endParaRPr lang="en-US" sz="1600" dirty="0"/>
-          </a:p>
-        </p:txBody>
-      </p:sp>
-      <p:sp>
-        <p:nvSpPr>
-          <p:cNvPr id="47" name="Rectangle 46"/>
-          <p:cNvSpPr/>
-          <p:nvPr/>
-        </p:nvSpPr>
-        <p:spPr>
-          <a:xfrm>
-            <a:off x="948216" y="332426"/>
-            <a:ext cx="1294015" cy="548640"/>
-          </a:xfrm>
-          <a:prstGeom prst="rect">
-            <a:avLst/>
-          </a:prstGeom>
-        </p:spPr>
-        <p:style>
-          <a:lnRef idx="2">
-            <a:schemeClr val="accent3">
-              <a:shade val="50000"/>
-            </a:schemeClr>
-          </a:lnRef>
-          <a:fillRef idx="1">
-            <a:schemeClr val="accent3"/>
-          </a:fillRef>
-          <a:effectRef idx="0">
-            <a:schemeClr val="accent3"/>
-          </a:effectRef>
-          <a:fontRef idx="minor">
-            <a:schemeClr val="lt1"/>
-          </a:fontRef>
-        </p:style>
-        <p:txBody>
-          <a:bodyPr rtlCol="0" anchor="ctr"/>
-          <a:lstStyle/>
-          <a:p>
-            <a:pPr algn="ctr"/>
-            <a:r>
-              <a:rPr lang="en-CA" sz="1600" dirty="0" smtClean="0"/>
-              <a:t>Disturbance Year</a:t>
-            </a:r>
-            <a:endParaRPr lang="en-US" sz="1600" dirty="0"/>
-          </a:p>
-        </p:txBody>
-      </p:sp>
-      <p:sp>
-        <p:nvSpPr>
-          <p:cNvPr id="48" name="Rectangle 47"/>
-          <p:cNvSpPr/>
-          <p:nvPr/>
-        </p:nvSpPr>
-        <p:spPr>
-          <a:xfrm>
-            <a:off x="2443811" y="329656"/>
-            <a:ext cx="875608" cy="548640"/>
-          </a:xfrm>
-          <a:prstGeom prst="rect">
-            <a:avLst/>
-          </a:prstGeom>
-        </p:spPr>
-        <p:style>
-          <a:lnRef idx="2">
-            <a:schemeClr val="accent4">
-              <a:shade val="50000"/>
-            </a:schemeClr>
-          </a:lnRef>
-          <a:fillRef idx="1">
-            <a:schemeClr val="accent4"/>
-          </a:fillRef>
-          <a:effectRef idx="0">
-            <a:schemeClr val="accent4"/>
-          </a:effectRef>
-          <a:fontRef idx="minor">
-            <a:schemeClr val="lt1"/>
-          </a:fontRef>
-        </p:style>
-        <p:txBody>
-          <a:bodyPr rtlCol="0" anchor="ctr"/>
-          <a:lstStyle/>
-          <a:p>
-            <a:pPr algn="ctr"/>
-            <a:r>
-              <a:rPr lang="en-CA" sz="1600" dirty="0" smtClean="0"/>
-              <a:t>Bird Survey</a:t>
-            </a:r>
-            <a:endParaRPr lang="en-US" sz="1600" dirty="0"/>
-          </a:p>
-        </p:txBody>
-      </p:sp>
-      <p:sp>
-        <p:nvSpPr>
-          <p:cNvPr id="49" name="TextBox 48"/>
-          <p:cNvSpPr txBox="1"/>
-          <p:nvPr/>
-        </p:nvSpPr>
-        <p:spPr>
-          <a:xfrm>
-            <a:off x="5203639" y="329655"/>
-            <a:ext cx="5760720" cy="738664"/>
-          </a:xfrm>
-          <a:prstGeom prst="rect">
-            <a:avLst/>
-          </a:prstGeom>
-          <a:noFill/>
-        </p:spPr>
-        <p:txBody>
-          <a:bodyPr wrap="square" rtlCol="0">
-            <a:spAutoFit/>
-          </a:bodyPr>
-          <a:lstStyle/>
-          <a:p>
-            <a:r>
-              <a:rPr lang="en-CA" sz="1400" dirty="0" smtClean="0"/>
-              <a:t>Bird data were collected after a disturbance and before the inventory. </a:t>
-            </a:r>
-          </a:p>
-          <a:p>
-            <a:r>
-              <a:rPr lang="en-CA" sz="1400" dirty="0" smtClean="0">
-                <a:sym typeface="Wingdings" panose="05000000000000000000" pitchFamily="2" charset="2"/>
-              </a:rPr>
-              <a:t> GOOD: Bird survey and inventory both likely represent post-disturbance conditions </a:t>
-            </a:r>
-            <a:endParaRPr lang="en-US" sz="1400" dirty="0"/>
-          </a:p>
-        </p:txBody>
-      </p:sp>
-      <p:sp>
-        <p:nvSpPr>
-          <p:cNvPr id="50" name="TextBox 49"/>
-          <p:cNvSpPr txBox="1"/>
-          <p:nvPr/>
-        </p:nvSpPr>
-        <p:spPr>
-          <a:xfrm>
-            <a:off x="5203639" y="1161713"/>
-            <a:ext cx="5760720" cy="738664"/>
-          </a:xfrm>
-          <a:prstGeom prst="rect">
-            <a:avLst/>
-          </a:prstGeom>
-          <a:noFill/>
-        </p:spPr>
-        <p:txBody>
-          <a:bodyPr wrap="square" rtlCol="0">
-            <a:spAutoFit/>
-          </a:bodyPr>
-          <a:lstStyle/>
-          <a:p>
-            <a:r>
-              <a:rPr lang="en-CA" sz="1400" dirty="0" smtClean="0"/>
-              <a:t>Bird data were collected after both the inventory and a disturbance. </a:t>
-            </a:r>
-          </a:p>
-          <a:p>
-            <a:r>
-              <a:rPr lang="en-CA" sz="1400" dirty="0" smtClean="0">
-                <a:sym typeface="Wingdings" panose="05000000000000000000" pitchFamily="2" charset="2"/>
-              </a:rPr>
-              <a:t> GOOD: Bird survey and inventory both likely represent post-disturbance conditions</a:t>
-            </a:r>
-            <a:endParaRPr lang="en-US" sz="1400" dirty="0"/>
-          </a:p>
-        </p:txBody>
-      </p:sp>
-      <p:sp>
-        <p:nvSpPr>
-          <p:cNvPr id="2" name="TextBox 1"/>
-          <p:cNvSpPr txBox="1"/>
-          <p:nvPr/>
-        </p:nvSpPr>
-        <p:spPr>
-          <a:xfrm>
-            <a:off x="437486" y="267110"/>
-            <a:ext cx="393056" cy="584775"/>
-          </a:xfrm>
-          <a:prstGeom prst="rect">
-            <a:avLst/>
-          </a:prstGeom>
-          <a:noFill/>
-        </p:spPr>
-        <p:txBody>
-          <a:bodyPr wrap="none" rtlCol="0">
-            <a:spAutoFit/>
-          </a:bodyPr>
-          <a:lstStyle/>
-          <a:p>
-            <a:r>
-              <a:rPr lang="en-CA" sz="3200" dirty="0" smtClean="0"/>
-              <a:t>1</a:t>
-            </a:r>
-            <a:endParaRPr lang="en-US" sz="3200" dirty="0"/>
-          </a:p>
-        </p:txBody>
-      </p:sp>
-      <p:sp>
-        <p:nvSpPr>
-          <p:cNvPr id="33" name="TextBox 32"/>
-          <p:cNvSpPr txBox="1"/>
-          <p:nvPr/>
-        </p:nvSpPr>
-        <p:spPr>
-          <a:xfrm>
-            <a:off x="437486" y="2307825"/>
-            <a:ext cx="393056" cy="584775"/>
-          </a:xfrm>
-          <a:prstGeom prst="rect">
-            <a:avLst/>
-          </a:prstGeom>
-          <a:noFill/>
-        </p:spPr>
-        <p:txBody>
-          <a:bodyPr wrap="none" rtlCol="0">
-            <a:spAutoFit/>
-          </a:bodyPr>
-          <a:lstStyle/>
-          <a:p>
-            <a:r>
-              <a:rPr lang="en-CA" sz="3200" dirty="0"/>
-              <a:t>2</a:t>
-            </a:r>
-            <a:endParaRPr lang="en-US" sz="3200" dirty="0"/>
-          </a:p>
-        </p:txBody>
-      </p:sp>
-      <p:sp>
-        <p:nvSpPr>
-          <p:cNvPr id="34" name="TextBox 33"/>
-          <p:cNvSpPr txBox="1"/>
-          <p:nvPr/>
-        </p:nvSpPr>
-        <p:spPr>
-          <a:xfrm>
-            <a:off x="446221" y="4445036"/>
-            <a:ext cx="393056" cy="584775"/>
-          </a:xfrm>
-          <a:prstGeom prst="rect">
-            <a:avLst/>
-          </a:prstGeom>
-          <a:noFill/>
-        </p:spPr>
-        <p:txBody>
-          <a:bodyPr wrap="square" rtlCol="0">
-            <a:spAutoFit/>
-          </a:bodyPr>
-          <a:lstStyle/>
-          <a:p>
-            <a:r>
-              <a:rPr lang="en-CA" sz="3200" dirty="0"/>
-              <a:t>3</a:t>
-            </a:r>
-            <a:endParaRPr lang="en-US" sz="3200" dirty="0"/>
-          </a:p>
-        </p:txBody>
-      </p:sp>
-      <p:sp>
-        <p:nvSpPr>
-          <p:cNvPr id="35" name="TextBox 34"/>
-          <p:cNvSpPr txBox="1"/>
-          <p:nvPr/>
-        </p:nvSpPr>
-        <p:spPr>
-          <a:xfrm>
-            <a:off x="692203" y="387313"/>
-            <a:ext cx="308098" cy="400110"/>
-          </a:xfrm>
-          <a:prstGeom prst="rect">
-            <a:avLst/>
-          </a:prstGeom>
-          <a:noFill/>
-        </p:spPr>
-        <p:txBody>
-          <a:bodyPr wrap="none" rtlCol="0">
-            <a:spAutoFit/>
-          </a:bodyPr>
-          <a:lstStyle/>
-          <a:p>
-            <a:r>
-              <a:rPr lang="en-CA" sz="2000" dirty="0" smtClean="0"/>
-              <a:t>a</a:t>
-            </a:r>
-            <a:endParaRPr lang="en-US" sz="3200" dirty="0"/>
-          </a:p>
-        </p:txBody>
-      </p:sp>
-      <p:sp>
-        <p:nvSpPr>
-          <p:cNvPr id="36" name="TextBox 35"/>
-          <p:cNvSpPr txBox="1"/>
-          <p:nvPr/>
-        </p:nvSpPr>
-        <p:spPr>
-          <a:xfrm>
-            <a:off x="692203" y="1236977"/>
-            <a:ext cx="319318" cy="400110"/>
-          </a:xfrm>
-          <a:prstGeom prst="rect">
-            <a:avLst/>
-          </a:prstGeom>
-          <a:noFill/>
-        </p:spPr>
-        <p:txBody>
-          <a:bodyPr wrap="none" rtlCol="0">
-            <a:spAutoFit/>
-          </a:bodyPr>
-          <a:lstStyle/>
-          <a:p>
-            <a:r>
-              <a:rPr lang="en-CA" sz="2000" dirty="0"/>
-              <a:t>b</a:t>
-            </a:r>
-            <a:endParaRPr lang="en-US" sz="3200" dirty="0"/>
-          </a:p>
-        </p:txBody>
-      </p:sp>
-      <p:sp>
-        <p:nvSpPr>
-          <p:cNvPr id="37" name="TextBox 36"/>
-          <p:cNvSpPr txBox="1"/>
-          <p:nvPr/>
-        </p:nvSpPr>
-        <p:spPr>
-          <a:xfrm>
-            <a:off x="692203" y="2406988"/>
-            <a:ext cx="308098" cy="400110"/>
-          </a:xfrm>
-          <a:prstGeom prst="rect">
-            <a:avLst/>
-          </a:prstGeom>
-          <a:noFill/>
-        </p:spPr>
-        <p:txBody>
-          <a:bodyPr wrap="none" rtlCol="0">
-            <a:spAutoFit/>
-          </a:bodyPr>
-          <a:lstStyle/>
-          <a:p>
-            <a:r>
-              <a:rPr lang="en-CA" sz="2000" dirty="0" smtClean="0"/>
-              <a:t>a</a:t>
-            </a:r>
-            <a:endParaRPr lang="en-US" sz="3200" dirty="0"/>
-          </a:p>
-        </p:txBody>
-      </p:sp>
-      <p:sp>
-        <p:nvSpPr>
-          <p:cNvPr id="38" name="TextBox 37"/>
-          <p:cNvSpPr txBox="1"/>
-          <p:nvPr/>
-        </p:nvSpPr>
-        <p:spPr>
-          <a:xfrm>
-            <a:off x="692203" y="3256652"/>
-            <a:ext cx="319318" cy="400110"/>
-          </a:xfrm>
-          <a:prstGeom prst="rect">
-            <a:avLst/>
-          </a:prstGeom>
-          <a:noFill/>
-        </p:spPr>
-        <p:txBody>
-          <a:bodyPr wrap="none" rtlCol="0">
-            <a:spAutoFit/>
-          </a:bodyPr>
-          <a:lstStyle/>
-          <a:p>
-            <a:r>
-              <a:rPr lang="en-CA" sz="2000" dirty="0"/>
-              <a:t>b</a:t>
-            </a:r>
-            <a:endParaRPr lang="en-US" sz="3200" dirty="0"/>
-          </a:p>
-        </p:txBody>
-      </p:sp>
-      <p:sp>
-        <p:nvSpPr>
-          <p:cNvPr id="39" name="TextBox 38"/>
-          <p:cNvSpPr txBox="1"/>
-          <p:nvPr/>
-        </p:nvSpPr>
-        <p:spPr>
-          <a:xfrm>
-            <a:off x="692203" y="4553448"/>
-            <a:ext cx="308098" cy="400110"/>
-          </a:xfrm>
-          <a:prstGeom prst="rect">
-            <a:avLst/>
-          </a:prstGeom>
-          <a:noFill/>
-        </p:spPr>
-        <p:txBody>
-          <a:bodyPr wrap="square" rtlCol="0">
-            <a:spAutoFit/>
-          </a:bodyPr>
-          <a:lstStyle/>
-          <a:p>
-            <a:r>
-              <a:rPr lang="en-CA" sz="2000" dirty="0" smtClean="0"/>
-              <a:t>a</a:t>
-            </a:r>
-            <a:endParaRPr lang="en-US" sz="3200" dirty="0"/>
-          </a:p>
-        </p:txBody>
-      </p:sp>
-      <p:sp>
-        <p:nvSpPr>
-          <p:cNvPr id="40" name="TextBox 39"/>
-          <p:cNvSpPr txBox="1"/>
-          <p:nvPr/>
-        </p:nvSpPr>
-        <p:spPr>
-          <a:xfrm>
-            <a:off x="692203" y="5403112"/>
-            <a:ext cx="319318" cy="400110"/>
-          </a:xfrm>
-          <a:prstGeom prst="rect">
-            <a:avLst/>
-          </a:prstGeom>
-          <a:noFill/>
-        </p:spPr>
-        <p:txBody>
-          <a:bodyPr wrap="square" rtlCol="0">
-            <a:spAutoFit/>
-          </a:bodyPr>
-          <a:lstStyle/>
-          <a:p>
-            <a:r>
-              <a:rPr lang="en-CA" sz="2000" dirty="0"/>
-              <a:t>b</a:t>
-            </a:r>
-            <a:endParaRPr lang="en-US" sz="3200" dirty="0"/>
-          </a:p>
-        </p:txBody>
-      </p:sp>
+        </p:grpSpPr>
+        <p:cxnSp>
+          <p:nvCxnSpPr>
+            <p:cNvPr id="41" name="Straight Arrow Connector 40"/>
+            <p:cNvCxnSpPr/>
+            <p:nvPr/>
+          </p:nvCxnSpPr>
+          <p:spPr>
+            <a:xfrm>
+              <a:off x="856776" y="1752165"/>
+              <a:ext cx="4364181" cy="0"/>
+            </a:xfrm>
+            <a:prstGeom prst="straightConnector1">
+              <a:avLst/>
+            </a:prstGeom>
+            <a:ln w="12700">
+              <a:tailEnd type="triangle"/>
+            </a:ln>
+          </p:spPr>
+          <p:style>
+            <a:lnRef idx="1">
+              <a:schemeClr val="accent1"/>
+            </a:lnRef>
+            <a:fillRef idx="0">
+              <a:schemeClr val="accent1"/>
+            </a:fillRef>
+            <a:effectRef idx="0">
+              <a:schemeClr val="accent1"/>
+            </a:effectRef>
+            <a:fontRef idx="minor">
+              <a:schemeClr val="tx1"/>
+            </a:fontRef>
+          </p:style>
+        </p:cxnSp>
+        <p:sp>
+          <p:nvSpPr>
+            <p:cNvPr id="42" name="Rectangle 41"/>
+            <p:cNvSpPr/>
+            <p:nvPr/>
+          </p:nvSpPr>
+          <p:spPr>
+            <a:xfrm>
+              <a:off x="2388394" y="1171661"/>
+              <a:ext cx="1221971" cy="548640"/>
+            </a:xfrm>
+            <a:prstGeom prst="rect">
+              <a:avLst/>
+            </a:prstGeom>
+          </p:spPr>
+          <p:style>
+            <a:lnRef idx="2">
+              <a:schemeClr val="accent1">
+                <a:shade val="50000"/>
+              </a:schemeClr>
+            </a:lnRef>
+            <a:fillRef idx="1">
+              <a:schemeClr val="accent1"/>
+            </a:fillRef>
+            <a:effectRef idx="0">
+              <a:schemeClr val="accent1"/>
+            </a:effectRef>
+            <a:fontRef idx="minor">
+              <a:schemeClr val="lt1"/>
+            </a:fontRef>
+          </p:style>
+          <p:txBody>
+            <a:bodyPr rtlCol="0" anchor="ctr"/>
+            <a:lstStyle/>
+            <a:p>
+              <a:pPr algn="ctr"/>
+              <a:r>
+                <a:rPr lang="en-CA" sz="1600" dirty="0" smtClean="0"/>
+                <a:t>Reference Year</a:t>
+              </a:r>
+              <a:endParaRPr lang="en-US" sz="1600" dirty="0"/>
+            </a:p>
+          </p:txBody>
+        </p:sp>
+        <p:sp>
+          <p:nvSpPr>
+            <p:cNvPr id="43" name="Rectangle 42"/>
+            <p:cNvSpPr/>
+            <p:nvPr/>
+          </p:nvSpPr>
+          <p:spPr>
+            <a:xfrm>
+              <a:off x="948216" y="1171661"/>
+              <a:ext cx="1294015" cy="548640"/>
+            </a:xfrm>
+            <a:prstGeom prst="rect">
+              <a:avLst/>
+            </a:prstGeom>
+          </p:spPr>
+          <p:style>
+            <a:lnRef idx="2">
+              <a:schemeClr val="accent3">
+                <a:shade val="50000"/>
+              </a:schemeClr>
+            </a:lnRef>
+            <a:fillRef idx="1">
+              <a:schemeClr val="accent3"/>
+            </a:fillRef>
+            <a:effectRef idx="0">
+              <a:schemeClr val="accent3"/>
+            </a:effectRef>
+            <a:fontRef idx="minor">
+              <a:schemeClr val="lt1"/>
+            </a:fontRef>
+          </p:style>
+          <p:txBody>
+            <a:bodyPr rtlCol="0" anchor="ctr"/>
+            <a:lstStyle/>
+            <a:p>
+              <a:pPr algn="ctr"/>
+              <a:r>
+                <a:rPr lang="en-CA" sz="1600" dirty="0" smtClean="0"/>
+                <a:t>Disturbance Year</a:t>
+              </a:r>
+              <a:endParaRPr lang="en-US" sz="1600" dirty="0"/>
+            </a:p>
+          </p:txBody>
+        </p:sp>
+        <p:sp>
+          <p:nvSpPr>
+            <p:cNvPr id="44" name="Rectangle 43"/>
+            <p:cNvSpPr/>
+            <p:nvPr/>
+          </p:nvSpPr>
+          <p:spPr>
+            <a:xfrm>
+              <a:off x="3780084" y="1171661"/>
+              <a:ext cx="875608" cy="548640"/>
+            </a:xfrm>
+            <a:prstGeom prst="rect">
+              <a:avLst/>
+            </a:prstGeom>
+          </p:spPr>
+          <p:style>
+            <a:lnRef idx="2">
+              <a:schemeClr val="accent4">
+                <a:shade val="50000"/>
+              </a:schemeClr>
+            </a:lnRef>
+            <a:fillRef idx="1">
+              <a:schemeClr val="accent4"/>
+            </a:fillRef>
+            <a:effectRef idx="0">
+              <a:schemeClr val="accent4"/>
+            </a:effectRef>
+            <a:fontRef idx="minor">
+              <a:schemeClr val="lt1"/>
+            </a:fontRef>
+          </p:style>
+          <p:txBody>
+            <a:bodyPr rtlCol="0" anchor="ctr"/>
+            <a:lstStyle/>
+            <a:p>
+              <a:pPr algn="ctr"/>
+              <a:r>
+                <a:rPr lang="en-CA" sz="1600" dirty="0" smtClean="0"/>
+                <a:t>Bird Survey</a:t>
+              </a:r>
+              <a:endParaRPr lang="en-US" sz="1600" dirty="0"/>
+            </a:p>
+          </p:txBody>
+        </p:sp>
+        <p:cxnSp>
+          <p:nvCxnSpPr>
+            <p:cNvPr id="45" name="Straight Arrow Connector 44"/>
+            <p:cNvCxnSpPr/>
+            <p:nvPr/>
+          </p:nvCxnSpPr>
+          <p:spPr>
+            <a:xfrm>
+              <a:off x="856776" y="918472"/>
+              <a:ext cx="4364181" cy="0"/>
+            </a:xfrm>
+            <a:prstGeom prst="straightConnector1">
+              <a:avLst/>
+            </a:prstGeom>
+            <a:ln w="12700">
+              <a:tailEnd type="triangle"/>
+            </a:ln>
+          </p:spPr>
+          <p:style>
+            <a:lnRef idx="1">
+              <a:schemeClr val="accent1"/>
+            </a:lnRef>
+            <a:fillRef idx="0">
+              <a:schemeClr val="accent1"/>
+            </a:fillRef>
+            <a:effectRef idx="0">
+              <a:schemeClr val="accent1"/>
+            </a:effectRef>
+            <a:fontRef idx="minor">
+              <a:schemeClr val="tx1"/>
+            </a:fontRef>
+          </p:style>
+        </p:cxnSp>
+        <p:sp>
+          <p:nvSpPr>
+            <p:cNvPr id="46" name="Rectangle 45"/>
+            <p:cNvSpPr/>
+            <p:nvPr/>
+          </p:nvSpPr>
+          <p:spPr>
+            <a:xfrm>
+              <a:off x="3433721" y="318568"/>
+              <a:ext cx="1221971" cy="548640"/>
+            </a:xfrm>
+            <a:prstGeom prst="rect">
+              <a:avLst/>
+            </a:prstGeom>
+          </p:spPr>
+          <p:style>
+            <a:lnRef idx="2">
+              <a:schemeClr val="accent1">
+                <a:shade val="50000"/>
+              </a:schemeClr>
+            </a:lnRef>
+            <a:fillRef idx="1">
+              <a:schemeClr val="accent1"/>
+            </a:fillRef>
+            <a:effectRef idx="0">
+              <a:schemeClr val="accent1"/>
+            </a:effectRef>
+            <a:fontRef idx="minor">
+              <a:schemeClr val="lt1"/>
+            </a:fontRef>
+          </p:style>
+          <p:txBody>
+            <a:bodyPr rtlCol="0" anchor="ctr"/>
+            <a:lstStyle/>
+            <a:p>
+              <a:pPr algn="ctr"/>
+              <a:r>
+                <a:rPr lang="en-CA" sz="1600" dirty="0" smtClean="0"/>
+                <a:t>Reference Year</a:t>
+              </a:r>
+              <a:endParaRPr lang="en-US" sz="1600" dirty="0"/>
+            </a:p>
+          </p:txBody>
+        </p:sp>
+        <p:sp>
+          <p:nvSpPr>
+            <p:cNvPr id="47" name="Rectangle 46"/>
+            <p:cNvSpPr/>
+            <p:nvPr/>
+          </p:nvSpPr>
+          <p:spPr>
+            <a:xfrm>
+              <a:off x="948216" y="332426"/>
+              <a:ext cx="1294015" cy="548640"/>
+            </a:xfrm>
+            <a:prstGeom prst="rect">
+              <a:avLst/>
+            </a:prstGeom>
+          </p:spPr>
+          <p:style>
+            <a:lnRef idx="2">
+              <a:schemeClr val="accent3">
+                <a:shade val="50000"/>
+              </a:schemeClr>
+            </a:lnRef>
+            <a:fillRef idx="1">
+              <a:schemeClr val="accent3"/>
+            </a:fillRef>
+            <a:effectRef idx="0">
+              <a:schemeClr val="accent3"/>
+            </a:effectRef>
+            <a:fontRef idx="minor">
+              <a:schemeClr val="lt1"/>
+            </a:fontRef>
+          </p:style>
+          <p:txBody>
+            <a:bodyPr rtlCol="0" anchor="ctr"/>
+            <a:lstStyle/>
+            <a:p>
+              <a:pPr algn="ctr"/>
+              <a:r>
+                <a:rPr lang="en-CA" sz="1600" dirty="0" smtClean="0"/>
+                <a:t>Disturbance Year</a:t>
+              </a:r>
+              <a:endParaRPr lang="en-US" sz="1600" dirty="0"/>
+            </a:p>
+          </p:txBody>
+        </p:sp>
+        <p:sp>
+          <p:nvSpPr>
+            <p:cNvPr id="48" name="Rectangle 47"/>
+            <p:cNvSpPr/>
+            <p:nvPr/>
+          </p:nvSpPr>
+          <p:spPr>
+            <a:xfrm>
+              <a:off x="2443811" y="329656"/>
+              <a:ext cx="875608" cy="548640"/>
+            </a:xfrm>
+            <a:prstGeom prst="rect">
+              <a:avLst/>
+            </a:prstGeom>
+          </p:spPr>
+          <p:style>
+            <a:lnRef idx="2">
+              <a:schemeClr val="accent4">
+                <a:shade val="50000"/>
+              </a:schemeClr>
+            </a:lnRef>
+            <a:fillRef idx="1">
+              <a:schemeClr val="accent4"/>
+            </a:fillRef>
+            <a:effectRef idx="0">
+              <a:schemeClr val="accent4"/>
+            </a:effectRef>
+            <a:fontRef idx="minor">
+              <a:schemeClr val="lt1"/>
+            </a:fontRef>
+          </p:style>
+          <p:txBody>
+            <a:bodyPr rtlCol="0" anchor="ctr"/>
+            <a:lstStyle/>
+            <a:p>
+              <a:pPr algn="ctr"/>
+              <a:r>
+                <a:rPr lang="en-CA" sz="1600" dirty="0" smtClean="0"/>
+                <a:t>Bird Survey</a:t>
+              </a:r>
+              <a:endParaRPr lang="en-US" sz="1600" dirty="0"/>
+            </a:p>
+          </p:txBody>
+        </p:sp>
+        <p:sp>
+          <p:nvSpPr>
+            <p:cNvPr id="49" name="TextBox 48"/>
+            <p:cNvSpPr txBox="1"/>
+            <p:nvPr/>
+          </p:nvSpPr>
+          <p:spPr>
+            <a:xfrm>
+              <a:off x="5203639" y="217554"/>
+              <a:ext cx="5760720" cy="307777"/>
+            </a:xfrm>
+            <a:prstGeom prst="rect">
+              <a:avLst/>
+            </a:prstGeom>
+            <a:noFill/>
+          </p:spPr>
+          <p:txBody>
+            <a:bodyPr wrap="square" rtlCol="0">
+              <a:spAutoFit/>
+            </a:bodyPr>
+            <a:lstStyle/>
+            <a:p>
+              <a:endParaRPr lang="en-US" sz="1400" dirty="0"/>
+            </a:p>
+          </p:txBody>
+        </p:sp>
+        <p:sp>
+          <p:nvSpPr>
+            <p:cNvPr id="2" name="TextBox 1"/>
+            <p:cNvSpPr txBox="1"/>
+            <p:nvPr/>
+          </p:nvSpPr>
+          <p:spPr>
+            <a:xfrm>
+              <a:off x="437486" y="267110"/>
+              <a:ext cx="393056" cy="584775"/>
+            </a:xfrm>
+            <a:prstGeom prst="rect">
+              <a:avLst/>
+            </a:prstGeom>
+            <a:noFill/>
+          </p:spPr>
+          <p:txBody>
+            <a:bodyPr wrap="none" rtlCol="0">
+              <a:spAutoFit/>
+            </a:bodyPr>
+            <a:lstStyle/>
+            <a:p>
+              <a:r>
+                <a:rPr lang="en-CA" sz="3200" dirty="0" smtClean="0"/>
+                <a:t>1</a:t>
+              </a:r>
+              <a:endParaRPr lang="en-US" sz="3200" dirty="0"/>
+            </a:p>
+          </p:txBody>
+        </p:sp>
+        <p:sp>
+          <p:nvSpPr>
+            <p:cNvPr id="35" name="TextBox 34"/>
+            <p:cNvSpPr txBox="1"/>
+            <p:nvPr/>
+          </p:nvSpPr>
+          <p:spPr>
+            <a:xfrm>
+              <a:off x="692203" y="387313"/>
+              <a:ext cx="308098" cy="400110"/>
+            </a:xfrm>
+            <a:prstGeom prst="rect">
+              <a:avLst/>
+            </a:prstGeom>
+            <a:noFill/>
+          </p:spPr>
+          <p:txBody>
+            <a:bodyPr wrap="none" rtlCol="0">
+              <a:spAutoFit/>
+            </a:bodyPr>
+            <a:lstStyle/>
+            <a:p>
+              <a:r>
+                <a:rPr lang="en-CA" sz="2000" dirty="0" smtClean="0"/>
+                <a:t>a</a:t>
+              </a:r>
+              <a:endParaRPr lang="en-US" sz="3200" dirty="0"/>
+            </a:p>
+          </p:txBody>
+        </p:sp>
+        <p:sp>
+          <p:nvSpPr>
+            <p:cNvPr id="36" name="TextBox 35"/>
+            <p:cNvSpPr txBox="1"/>
+            <p:nvPr/>
+          </p:nvSpPr>
+          <p:spPr>
+            <a:xfrm>
+              <a:off x="692203" y="1236977"/>
+              <a:ext cx="319318" cy="400110"/>
+            </a:xfrm>
+            <a:prstGeom prst="rect">
+              <a:avLst/>
+            </a:prstGeom>
+            <a:noFill/>
+          </p:spPr>
+          <p:txBody>
+            <a:bodyPr wrap="none" rtlCol="0">
+              <a:spAutoFit/>
+            </a:bodyPr>
+            <a:lstStyle/>
+            <a:p>
+              <a:r>
+                <a:rPr lang="en-CA" sz="2000" dirty="0"/>
+                <a:t>b</a:t>
+              </a:r>
+              <a:endParaRPr lang="en-US" sz="3200" dirty="0"/>
+            </a:p>
+          </p:txBody>
+        </p:sp>
+        <p:sp>
+          <p:nvSpPr>
+            <p:cNvPr id="52" name="TextBox 51"/>
+            <p:cNvSpPr txBox="1"/>
+            <p:nvPr/>
+          </p:nvSpPr>
+          <p:spPr>
+            <a:xfrm>
+              <a:off x="5220957" y="2183819"/>
+              <a:ext cx="5760720" cy="954107"/>
+            </a:xfrm>
+            <a:prstGeom prst="rect">
+              <a:avLst/>
+            </a:prstGeom>
+            <a:noFill/>
+          </p:spPr>
+          <p:txBody>
+            <a:bodyPr wrap="square" rtlCol="0">
+              <a:spAutoFit/>
+            </a:bodyPr>
+            <a:lstStyle/>
+            <a:p>
+              <a:r>
+                <a:rPr lang="en-CA" sz="1400" dirty="0" smtClean="0"/>
+                <a:t>Inventory is from the same year disturbance occurred. Bird survey took place afterwards. We assume inventory reflects disturbed state.</a:t>
+              </a:r>
+            </a:p>
+            <a:p>
+              <a:r>
+                <a:rPr lang="en-CA" sz="1400" dirty="0" err="1"/>
+                <a:t>ReferenceYear</a:t>
+              </a:r>
+              <a:r>
+                <a:rPr lang="en-CA" sz="1400" dirty="0"/>
+                <a:t> </a:t>
+              </a:r>
+              <a:r>
+                <a:rPr lang="en-CA" sz="1400" dirty="0" smtClean="0"/>
+                <a:t>= </a:t>
+              </a:r>
+              <a:r>
+                <a:rPr lang="en-CA" sz="1400" dirty="0" err="1" smtClean="0"/>
+                <a:t>DisturbanceYear</a:t>
+              </a:r>
+              <a:r>
+                <a:rPr lang="en-CA" sz="1400" dirty="0" smtClean="0"/>
+                <a:t> &amp; </a:t>
+              </a:r>
+              <a:r>
+                <a:rPr lang="en-CA" sz="1400" dirty="0" err="1"/>
+                <a:t>BirdSurvey</a:t>
+              </a:r>
+              <a:r>
+                <a:rPr lang="en-CA" sz="1400" dirty="0"/>
+                <a:t> &gt; </a:t>
+              </a:r>
+              <a:r>
+                <a:rPr lang="en-CA" sz="1400" dirty="0" err="1" smtClean="0"/>
+                <a:t>DisturbanceYear</a:t>
+              </a:r>
+              <a:endParaRPr lang="en-CA" sz="1400" dirty="0"/>
+            </a:p>
+            <a:p>
+              <a:r>
+                <a:rPr lang="en-CA" sz="1400" dirty="0" smtClean="0">
+                  <a:sym typeface="Wingdings" panose="05000000000000000000" pitchFamily="2" charset="2"/>
+                </a:rPr>
+                <a:t> </a:t>
+              </a:r>
+              <a:r>
+                <a:rPr lang="en-CA" sz="1400" dirty="0" smtClean="0">
+                  <a:sym typeface="Wingdings" panose="05000000000000000000" pitchFamily="2" charset="2"/>
+                </a:rPr>
+                <a:t>GOOD: Bird survey </a:t>
+              </a:r>
+              <a:r>
+                <a:rPr lang="en-CA" sz="1400" dirty="0" smtClean="0">
+                  <a:sym typeface="Wingdings" panose="05000000000000000000" pitchFamily="2" charset="2"/>
+                </a:rPr>
+                <a:t>represents </a:t>
+              </a:r>
+              <a:r>
+                <a:rPr lang="en-CA" sz="1400" dirty="0" smtClean="0">
+                  <a:sym typeface="Wingdings" panose="05000000000000000000" pitchFamily="2" charset="2"/>
+                </a:rPr>
+                <a:t>post-disturbance conditions </a:t>
+              </a:r>
+              <a:endParaRPr lang="en-US" sz="1400" dirty="0"/>
+            </a:p>
+          </p:txBody>
+        </p:sp>
+        <p:sp>
+          <p:nvSpPr>
+            <p:cNvPr id="53" name="TextBox 52"/>
+            <p:cNvSpPr txBox="1"/>
+            <p:nvPr/>
+          </p:nvSpPr>
+          <p:spPr>
+            <a:xfrm>
+              <a:off x="5233155" y="211269"/>
+              <a:ext cx="5448145" cy="1169551"/>
+            </a:xfrm>
+            <a:prstGeom prst="rect">
+              <a:avLst/>
+            </a:prstGeom>
+            <a:noFill/>
+          </p:spPr>
+          <p:txBody>
+            <a:bodyPr wrap="square" rtlCol="0">
+              <a:spAutoFit/>
+            </a:bodyPr>
+            <a:lstStyle/>
+            <a:p>
+              <a:r>
+                <a:rPr lang="en-CA" sz="1400" dirty="0" smtClean="0"/>
+                <a:t>Disturbance </a:t>
+              </a:r>
+              <a:r>
+                <a:rPr lang="en-CA" sz="1400" dirty="0"/>
+                <a:t>occurred before both bird data were collected and the inventory was executed. </a:t>
+              </a:r>
+              <a:endParaRPr lang="en-CA" sz="1400" dirty="0" smtClean="0"/>
+            </a:p>
+            <a:p>
+              <a:r>
+                <a:rPr lang="en-CA" sz="1400" dirty="0" err="1"/>
+                <a:t>DisturbanceYear</a:t>
+              </a:r>
+              <a:r>
+                <a:rPr lang="en-CA" sz="1400" dirty="0"/>
+                <a:t> &lt; </a:t>
+              </a:r>
+              <a:r>
+                <a:rPr lang="en-CA" sz="1400" dirty="0" err="1"/>
+                <a:t>BirdSurvey</a:t>
+              </a:r>
+              <a:r>
+                <a:rPr lang="en-CA" sz="1400" dirty="0"/>
+                <a:t> &amp; </a:t>
+              </a:r>
+              <a:r>
+                <a:rPr lang="en-CA" sz="1400" dirty="0" err="1"/>
+                <a:t>DisturbanceYear</a:t>
+              </a:r>
+              <a:r>
+                <a:rPr lang="en-CA" sz="1400" dirty="0"/>
+                <a:t> &lt; </a:t>
+              </a:r>
+              <a:r>
+                <a:rPr lang="en-CA" sz="1400" dirty="0" err="1"/>
+                <a:t>ReferenceYear</a:t>
+              </a:r>
+              <a:endParaRPr lang="en-CA" sz="1400" dirty="0"/>
+            </a:p>
+            <a:p>
+              <a:r>
+                <a:rPr lang="en-CA" sz="1400" dirty="0" smtClean="0">
+                  <a:sym typeface="Wingdings" panose="05000000000000000000" pitchFamily="2" charset="2"/>
+                </a:rPr>
+                <a:t> </a:t>
+              </a:r>
+              <a:r>
+                <a:rPr lang="en-CA" sz="1400" dirty="0">
+                  <a:sym typeface="Wingdings" panose="05000000000000000000" pitchFamily="2" charset="2"/>
+                </a:rPr>
+                <a:t>GOOD: Bird survey and inventory both likely represent post-disturbance conditions </a:t>
+              </a:r>
+              <a:endParaRPr lang="en-CA" sz="1400" dirty="0" smtClean="0"/>
+            </a:p>
+          </p:txBody>
+        </p:sp>
+        <p:cxnSp>
+          <p:nvCxnSpPr>
+            <p:cNvPr id="54" name="Straight Arrow Connector 53"/>
+            <p:cNvCxnSpPr/>
+            <p:nvPr/>
+          </p:nvCxnSpPr>
+          <p:spPr>
+            <a:xfrm>
+              <a:off x="856776" y="2610995"/>
+              <a:ext cx="4364181" cy="0"/>
+            </a:xfrm>
+            <a:prstGeom prst="straightConnector1">
+              <a:avLst/>
+            </a:prstGeom>
+            <a:ln w="12700">
+              <a:tailEnd type="triangle"/>
+            </a:ln>
+          </p:spPr>
+          <p:style>
+            <a:lnRef idx="1">
+              <a:schemeClr val="accent1"/>
+            </a:lnRef>
+            <a:fillRef idx="0">
+              <a:schemeClr val="accent1"/>
+            </a:fillRef>
+            <a:effectRef idx="0">
+              <a:schemeClr val="accent1"/>
+            </a:effectRef>
+            <a:fontRef idx="minor">
+              <a:schemeClr val="tx1"/>
+            </a:fontRef>
+          </p:style>
+        </p:cxnSp>
+        <p:sp>
+          <p:nvSpPr>
+            <p:cNvPr id="55" name="Rectangle 54"/>
+            <p:cNvSpPr/>
+            <p:nvPr/>
+          </p:nvSpPr>
+          <p:spPr>
+            <a:xfrm>
+              <a:off x="1020260" y="2654831"/>
+              <a:ext cx="1221971" cy="548640"/>
+            </a:xfrm>
+            <a:prstGeom prst="rect">
+              <a:avLst/>
+            </a:prstGeom>
+          </p:spPr>
+          <p:style>
+            <a:lnRef idx="2">
+              <a:schemeClr val="accent1">
+                <a:shade val="50000"/>
+              </a:schemeClr>
+            </a:lnRef>
+            <a:fillRef idx="1">
+              <a:schemeClr val="accent1"/>
+            </a:fillRef>
+            <a:effectRef idx="0">
+              <a:schemeClr val="accent1"/>
+            </a:effectRef>
+            <a:fontRef idx="minor">
+              <a:schemeClr val="lt1"/>
+            </a:fontRef>
+          </p:style>
+          <p:txBody>
+            <a:bodyPr rtlCol="0" anchor="ctr"/>
+            <a:lstStyle/>
+            <a:p>
+              <a:pPr algn="ctr"/>
+              <a:r>
+                <a:rPr lang="en-CA" sz="1600" dirty="0" smtClean="0"/>
+                <a:t>Reference Year</a:t>
+              </a:r>
+              <a:endParaRPr lang="en-US" sz="1600" dirty="0"/>
+            </a:p>
+          </p:txBody>
+        </p:sp>
+        <p:sp>
+          <p:nvSpPr>
+            <p:cNvPr id="56" name="Rectangle 55"/>
+            <p:cNvSpPr/>
+            <p:nvPr/>
+          </p:nvSpPr>
+          <p:spPr>
+            <a:xfrm>
+              <a:off x="948216" y="2022179"/>
+              <a:ext cx="1294015" cy="548640"/>
+            </a:xfrm>
+            <a:prstGeom prst="rect">
+              <a:avLst/>
+            </a:prstGeom>
+          </p:spPr>
+          <p:style>
+            <a:lnRef idx="2">
+              <a:schemeClr val="accent3">
+                <a:shade val="50000"/>
+              </a:schemeClr>
+            </a:lnRef>
+            <a:fillRef idx="1">
+              <a:schemeClr val="accent3"/>
+            </a:fillRef>
+            <a:effectRef idx="0">
+              <a:schemeClr val="accent3"/>
+            </a:effectRef>
+            <a:fontRef idx="minor">
+              <a:schemeClr val="lt1"/>
+            </a:fontRef>
+          </p:style>
+          <p:txBody>
+            <a:bodyPr rtlCol="0" anchor="ctr"/>
+            <a:lstStyle/>
+            <a:p>
+              <a:pPr algn="ctr"/>
+              <a:r>
+                <a:rPr lang="en-CA" sz="1600" dirty="0" smtClean="0"/>
+                <a:t>Disturbance Year</a:t>
+              </a:r>
+              <a:endParaRPr lang="en-US" sz="1600" dirty="0"/>
+            </a:p>
+          </p:txBody>
+        </p:sp>
+        <p:sp>
+          <p:nvSpPr>
+            <p:cNvPr id="57" name="Rectangle 56"/>
+            <p:cNvSpPr/>
+            <p:nvPr/>
+          </p:nvSpPr>
+          <p:spPr>
+            <a:xfrm>
+              <a:off x="2388394" y="2022179"/>
+              <a:ext cx="875608" cy="548640"/>
+            </a:xfrm>
+            <a:prstGeom prst="rect">
+              <a:avLst/>
+            </a:prstGeom>
+          </p:spPr>
+          <p:style>
+            <a:lnRef idx="2">
+              <a:schemeClr val="accent4">
+                <a:shade val="50000"/>
+              </a:schemeClr>
+            </a:lnRef>
+            <a:fillRef idx="1">
+              <a:schemeClr val="accent4"/>
+            </a:fillRef>
+            <a:effectRef idx="0">
+              <a:schemeClr val="accent4"/>
+            </a:effectRef>
+            <a:fontRef idx="minor">
+              <a:schemeClr val="lt1"/>
+            </a:fontRef>
+          </p:style>
+          <p:txBody>
+            <a:bodyPr rtlCol="0" anchor="ctr"/>
+            <a:lstStyle/>
+            <a:p>
+              <a:pPr algn="ctr"/>
+              <a:r>
+                <a:rPr lang="en-CA" sz="1600" dirty="0" smtClean="0"/>
+                <a:t>Bird Survey</a:t>
+              </a:r>
+              <a:endParaRPr lang="en-US" sz="1600" dirty="0"/>
+            </a:p>
+          </p:txBody>
+        </p:sp>
+        <p:sp>
+          <p:nvSpPr>
+            <p:cNvPr id="58" name="TextBox 57"/>
+            <p:cNvSpPr txBox="1"/>
+            <p:nvPr/>
+          </p:nvSpPr>
+          <p:spPr>
+            <a:xfrm>
+              <a:off x="692203" y="2087495"/>
+              <a:ext cx="293670" cy="400110"/>
+            </a:xfrm>
+            <a:prstGeom prst="rect">
+              <a:avLst/>
+            </a:prstGeom>
+            <a:noFill/>
+          </p:spPr>
+          <p:txBody>
+            <a:bodyPr wrap="none" rtlCol="0">
+              <a:spAutoFit/>
+            </a:bodyPr>
+            <a:lstStyle/>
+            <a:p>
+              <a:r>
+                <a:rPr lang="en-CA" sz="2000" dirty="0" smtClean="0"/>
+                <a:t>c</a:t>
+              </a:r>
+              <a:endParaRPr lang="en-US" sz="3200" dirty="0"/>
+            </a:p>
+          </p:txBody>
+        </p:sp>
+      </p:grpSp>
     </p:spTree>
     <p:extLst>
       <p:ext uri="{BB962C8B-B14F-4D97-AF65-F5344CB8AC3E}">
@@ -4510,171 +3829,1399 @@
           <a:chExt cx="0" cy="0"/>
         </a:xfrm>
       </p:grpSpPr>
-      <p:cxnSp>
-        <p:nvCxnSpPr>
-          <p:cNvPr id="5" name="Straight Arrow Connector 4"/>
-          <p:cNvCxnSpPr/>
+      <p:grpSp>
+        <p:nvGrpSpPr>
+          <p:cNvPr id="13" name="Group 12"/>
+          <p:cNvGrpSpPr/>
           <p:nvPr/>
-        </p:nvCxnSpPr>
-        <p:spPr>
+        </p:nvGrpSpPr>
+        <p:grpSpPr>
           <a:xfrm>
-            <a:off x="6244577" y="2707116"/>
-            <a:ext cx="4372494" cy="0"/>
+            <a:off x="287857" y="277976"/>
+            <a:ext cx="10581600" cy="6332381"/>
+            <a:chOff x="287857" y="277976"/>
+            <a:chExt cx="10581600" cy="6332381"/>
           </a:xfrm>
-          <a:prstGeom prst="straightConnector1">
-            <a:avLst/>
-          </a:prstGeom>
-          <a:ln w="12700">
-            <a:tailEnd type="triangle"/>
-          </a:ln>
-        </p:spPr>
-        <p:style>
-          <a:lnRef idx="1">
-            <a:schemeClr val="accent1"/>
-          </a:lnRef>
-          <a:fillRef idx="0">
-            <a:schemeClr val="accent1"/>
-          </a:fillRef>
-          <a:effectRef idx="0">
-            <a:schemeClr val="accent1"/>
-          </a:effectRef>
-          <a:fontRef idx="minor">
-            <a:schemeClr val="tx1"/>
-          </a:fontRef>
-        </p:style>
-      </p:cxnSp>
-      <p:sp>
-        <p:nvSpPr>
-          <p:cNvPr id="6" name="Rectangle 5"/>
-          <p:cNvSpPr/>
-          <p:nvPr/>
-        </p:nvSpPr>
-        <p:spPr>
-          <a:xfrm>
-            <a:off x="6306921" y="2058723"/>
-            <a:ext cx="1221971" cy="548640"/>
-          </a:xfrm>
-          <a:prstGeom prst="rect">
-            <a:avLst/>
-          </a:prstGeom>
-        </p:spPr>
-        <p:style>
-          <a:lnRef idx="2">
-            <a:schemeClr val="accent1">
-              <a:shade val="50000"/>
-            </a:schemeClr>
-          </a:lnRef>
-          <a:fillRef idx="1">
-            <a:schemeClr val="accent1"/>
-          </a:fillRef>
-          <a:effectRef idx="0">
-            <a:schemeClr val="accent1"/>
-          </a:effectRef>
-          <a:fontRef idx="minor">
-            <a:schemeClr val="lt1"/>
-          </a:fontRef>
-        </p:style>
-        <p:txBody>
-          <a:bodyPr rtlCol="0" anchor="ctr"/>
-          <a:lstStyle/>
-          <a:p>
-            <a:pPr algn="ctr"/>
-            <a:r>
-              <a:rPr lang="en-CA" sz="1600" dirty="0" smtClean="0"/>
-              <a:t>Reference Year</a:t>
-            </a:r>
-            <a:endParaRPr lang="en-US" sz="1600" dirty="0"/>
-          </a:p>
-        </p:txBody>
-      </p:sp>
-      <p:sp>
-        <p:nvSpPr>
-          <p:cNvPr id="7" name="Rectangle 6"/>
-          <p:cNvSpPr/>
-          <p:nvPr/>
-        </p:nvSpPr>
-        <p:spPr>
-          <a:xfrm>
-            <a:off x="7675055" y="2058723"/>
-            <a:ext cx="1294015" cy="548640"/>
-          </a:xfrm>
-          <a:prstGeom prst="rect">
-            <a:avLst/>
-          </a:prstGeom>
-        </p:spPr>
-        <p:style>
-          <a:lnRef idx="2">
-            <a:schemeClr val="accent3">
-              <a:shade val="50000"/>
-            </a:schemeClr>
-          </a:lnRef>
-          <a:fillRef idx="1">
-            <a:schemeClr val="accent3"/>
-          </a:fillRef>
-          <a:effectRef idx="0">
-            <a:schemeClr val="accent3"/>
-          </a:effectRef>
-          <a:fontRef idx="minor">
-            <a:schemeClr val="lt1"/>
-          </a:fontRef>
-        </p:style>
-        <p:txBody>
-          <a:bodyPr rtlCol="0" anchor="ctr"/>
-          <a:lstStyle/>
-          <a:p>
-            <a:pPr algn="ctr"/>
-            <a:r>
-              <a:rPr lang="en-CA" sz="1600" dirty="0" smtClean="0"/>
-              <a:t>Disturbance Year</a:t>
-            </a:r>
-            <a:endParaRPr lang="en-US" sz="1600" dirty="0"/>
-          </a:p>
-        </p:txBody>
-      </p:sp>
-      <p:sp>
-        <p:nvSpPr>
-          <p:cNvPr id="8" name="Rectangle 7"/>
-          <p:cNvSpPr/>
-          <p:nvPr/>
-        </p:nvSpPr>
-        <p:spPr>
-          <a:xfrm>
-            <a:off x="9138789" y="2058723"/>
-            <a:ext cx="875608" cy="548640"/>
-          </a:xfrm>
-          <a:prstGeom prst="rect">
-            <a:avLst/>
-          </a:prstGeom>
-        </p:spPr>
-        <p:style>
-          <a:lnRef idx="2">
-            <a:schemeClr val="accent4">
-              <a:shade val="50000"/>
-            </a:schemeClr>
-          </a:lnRef>
-          <a:fillRef idx="1">
-            <a:schemeClr val="accent4"/>
-          </a:fillRef>
-          <a:effectRef idx="0">
-            <a:schemeClr val="accent4"/>
-          </a:effectRef>
-          <a:fontRef idx="minor">
-            <a:schemeClr val="lt1"/>
-          </a:fontRef>
-        </p:style>
-        <p:txBody>
-          <a:bodyPr rtlCol="0" anchor="ctr"/>
-          <a:lstStyle/>
-          <a:p>
-            <a:pPr algn="ctr"/>
-            <a:r>
-              <a:rPr lang="en-CA" sz="1600" dirty="0" smtClean="0"/>
-              <a:t>Bird Survey</a:t>
-            </a:r>
-            <a:endParaRPr lang="en-US" sz="1600" dirty="0"/>
-          </a:p>
-        </p:txBody>
-      </p:sp>
+        </p:grpSpPr>
+        <p:cxnSp>
+          <p:nvCxnSpPr>
+            <p:cNvPr id="5" name="Straight Arrow Connector 4"/>
+            <p:cNvCxnSpPr/>
+            <p:nvPr/>
+          </p:nvCxnSpPr>
+          <p:spPr>
+            <a:xfrm>
+              <a:off x="736243" y="1213231"/>
+              <a:ext cx="4372494" cy="0"/>
+            </a:xfrm>
+            <a:prstGeom prst="straightConnector1">
+              <a:avLst/>
+            </a:prstGeom>
+            <a:ln w="12700">
+              <a:tailEnd type="triangle"/>
+            </a:ln>
+          </p:spPr>
+          <p:style>
+            <a:lnRef idx="1">
+              <a:schemeClr val="accent1"/>
+            </a:lnRef>
+            <a:fillRef idx="0">
+              <a:schemeClr val="accent1"/>
+            </a:fillRef>
+            <a:effectRef idx="0">
+              <a:schemeClr val="accent1"/>
+            </a:effectRef>
+            <a:fontRef idx="minor">
+              <a:schemeClr val="tx1"/>
+            </a:fontRef>
+          </p:style>
+        </p:cxnSp>
+        <p:sp>
+          <p:nvSpPr>
+            <p:cNvPr id="6" name="Rectangle 5"/>
+            <p:cNvSpPr/>
+            <p:nvPr/>
+          </p:nvSpPr>
+          <p:spPr>
+            <a:xfrm>
+              <a:off x="798587" y="623029"/>
+              <a:ext cx="1221971" cy="548640"/>
+            </a:xfrm>
+            <a:prstGeom prst="rect">
+              <a:avLst/>
+            </a:prstGeom>
+          </p:spPr>
+          <p:style>
+            <a:lnRef idx="2">
+              <a:schemeClr val="accent1">
+                <a:shade val="50000"/>
+              </a:schemeClr>
+            </a:lnRef>
+            <a:fillRef idx="1">
+              <a:schemeClr val="accent1"/>
+            </a:fillRef>
+            <a:effectRef idx="0">
+              <a:schemeClr val="accent1"/>
+            </a:effectRef>
+            <a:fontRef idx="minor">
+              <a:schemeClr val="lt1"/>
+            </a:fontRef>
+          </p:style>
+          <p:txBody>
+            <a:bodyPr rtlCol="0" anchor="ctr"/>
+            <a:lstStyle/>
+            <a:p>
+              <a:pPr algn="ctr"/>
+              <a:r>
+                <a:rPr lang="en-CA" sz="1600" dirty="0" smtClean="0"/>
+                <a:t>Reference Year</a:t>
+              </a:r>
+              <a:endParaRPr lang="en-US" sz="1600" dirty="0"/>
+            </a:p>
+          </p:txBody>
+        </p:sp>
+        <p:sp>
+          <p:nvSpPr>
+            <p:cNvPr id="7" name="Rectangle 6"/>
+            <p:cNvSpPr/>
+            <p:nvPr/>
+          </p:nvSpPr>
+          <p:spPr>
+            <a:xfrm>
+              <a:off x="2166721" y="623029"/>
+              <a:ext cx="1294015" cy="548640"/>
+            </a:xfrm>
+            <a:prstGeom prst="rect">
+              <a:avLst/>
+            </a:prstGeom>
+          </p:spPr>
+          <p:style>
+            <a:lnRef idx="2">
+              <a:schemeClr val="accent3">
+                <a:shade val="50000"/>
+              </a:schemeClr>
+            </a:lnRef>
+            <a:fillRef idx="1">
+              <a:schemeClr val="accent3"/>
+            </a:fillRef>
+            <a:effectRef idx="0">
+              <a:schemeClr val="accent3"/>
+            </a:effectRef>
+            <a:fontRef idx="minor">
+              <a:schemeClr val="lt1"/>
+            </a:fontRef>
+          </p:style>
+          <p:txBody>
+            <a:bodyPr rtlCol="0" anchor="ctr"/>
+            <a:lstStyle/>
+            <a:p>
+              <a:pPr algn="ctr"/>
+              <a:r>
+                <a:rPr lang="en-CA" sz="1600" dirty="0" smtClean="0"/>
+                <a:t>Disturbance Year</a:t>
+              </a:r>
+              <a:endParaRPr lang="en-US" sz="1600" dirty="0"/>
+            </a:p>
+          </p:txBody>
+        </p:sp>
+        <p:sp>
+          <p:nvSpPr>
+            <p:cNvPr id="8" name="Rectangle 7"/>
+            <p:cNvSpPr/>
+            <p:nvPr/>
+          </p:nvSpPr>
+          <p:spPr>
+            <a:xfrm>
+              <a:off x="3630455" y="623029"/>
+              <a:ext cx="875608" cy="548640"/>
+            </a:xfrm>
+            <a:prstGeom prst="rect">
+              <a:avLst/>
+            </a:prstGeom>
+          </p:spPr>
+          <p:style>
+            <a:lnRef idx="2">
+              <a:schemeClr val="accent4">
+                <a:shade val="50000"/>
+              </a:schemeClr>
+            </a:lnRef>
+            <a:fillRef idx="1">
+              <a:schemeClr val="accent4"/>
+            </a:fillRef>
+            <a:effectRef idx="0">
+              <a:schemeClr val="accent4"/>
+            </a:effectRef>
+            <a:fontRef idx="minor">
+              <a:schemeClr val="lt1"/>
+            </a:fontRef>
+          </p:style>
+          <p:txBody>
+            <a:bodyPr rtlCol="0" anchor="ctr"/>
+            <a:lstStyle/>
+            <a:p>
+              <a:pPr algn="ctr"/>
+              <a:r>
+                <a:rPr lang="en-CA" sz="1600" dirty="0" smtClean="0"/>
+                <a:t>Bird Survey</a:t>
+              </a:r>
+              <a:endParaRPr lang="en-US" sz="1600" dirty="0"/>
+            </a:p>
+          </p:txBody>
+        </p:sp>
+        <p:sp>
+          <p:nvSpPr>
+            <p:cNvPr id="9" name="TextBox 8"/>
+            <p:cNvSpPr txBox="1"/>
+            <p:nvPr/>
+          </p:nvSpPr>
+          <p:spPr>
+            <a:xfrm>
+              <a:off x="5054011" y="277976"/>
+              <a:ext cx="5760720" cy="1384995"/>
+            </a:xfrm>
+            <a:prstGeom prst="rect">
+              <a:avLst/>
+            </a:prstGeom>
+            <a:noFill/>
+          </p:spPr>
+          <p:txBody>
+            <a:bodyPr wrap="square" rtlCol="0">
+              <a:spAutoFit/>
+            </a:bodyPr>
+            <a:lstStyle/>
+            <a:p>
+              <a:r>
+                <a:rPr lang="en-CA" sz="1400" dirty="0" smtClean="0"/>
+                <a:t>A disturbance occurred after the inventory and before the bird survey. </a:t>
+              </a:r>
+              <a:endParaRPr lang="en-CA" sz="1400" dirty="0" smtClean="0"/>
+            </a:p>
+            <a:p>
+              <a:r>
+                <a:rPr lang="en-CA" sz="1400" dirty="0" err="1"/>
+                <a:t>DisturbanceYear</a:t>
+              </a:r>
+              <a:r>
+                <a:rPr lang="en-CA" sz="1400" dirty="0"/>
+                <a:t> &gt; </a:t>
+              </a:r>
+              <a:r>
+                <a:rPr lang="en-CA" sz="1400" dirty="0" err="1"/>
+                <a:t>ReferenceYear</a:t>
+              </a:r>
+              <a:r>
+                <a:rPr lang="en-CA" sz="1400" dirty="0"/>
+                <a:t> &amp; </a:t>
+              </a:r>
+              <a:r>
+                <a:rPr lang="en-CA" sz="1400" dirty="0" err="1"/>
+                <a:t>DisturbanceYear</a:t>
+              </a:r>
+              <a:r>
+                <a:rPr lang="en-CA" sz="1400" dirty="0"/>
+                <a:t> &lt; </a:t>
+              </a:r>
+              <a:r>
+                <a:rPr lang="en-CA" sz="1400" dirty="0" err="1"/>
+                <a:t>BirdSurvey</a:t>
+              </a:r>
+              <a:r>
+                <a:rPr lang="en-CA" sz="1400" dirty="0"/>
+                <a:t> </a:t>
+              </a:r>
+            </a:p>
+            <a:p>
+              <a:r>
+                <a:rPr lang="en-CA" sz="1400" dirty="0" smtClean="0">
+                  <a:sym typeface="Wingdings" panose="05000000000000000000" pitchFamily="2" charset="2"/>
+                </a:rPr>
+                <a:t> </a:t>
+              </a:r>
+              <a:r>
+                <a:rPr lang="en-CA" sz="1400" dirty="0" smtClean="0">
+                  <a:sym typeface="Wingdings" panose="05000000000000000000" pitchFamily="2" charset="2"/>
+                </a:rPr>
+                <a:t>PROBABLE</a:t>
+              </a:r>
+              <a:r>
+                <a:rPr lang="en-CA" sz="1400" dirty="0" smtClean="0"/>
+                <a:t> MISMATCH: Inventory reflects pre-disturbance conditions, but bird survey represents post-disturbance conditions. </a:t>
+              </a:r>
+            </a:p>
+            <a:p>
+              <a:r>
+                <a:rPr lang="en-CA" sz="1400" dirty="0" smtClean="0">
+                  <a:sym typeface="Wingdings" panose="05000000000000000000" pitchFamily="2" charset="2"/>
+                </a:rPr>
+                <a:t> </a:t>
+              </a:r>
+              <a:r>
+                <a:rPr lang="en-CA" sz="1400" dirty="0" smtClean="0"/>
+                <a:t>EXCEPTION: If 2014 VRI dataset </a:t>
+              </a:r>
+              <a:r>
+                <a:rPr lang="en-CA" sz="1400" b="1" dirty="0" smtClean="0"/>
+                <a:t>was </a:t>
+              </a:r>
+              <a:r>
+                <a:rPr lang="en-CA" sz="1400" dirty="0" smtClean="0"/>
+                <a:t>updated after the disturbance, then it might represent bird conditions.</a:t>
+              </a:r>
+              <a:endParaRPr lang="en-US" sz="1400" dirty="0"/>
+            </a:p>
+          </p:txBody>
+        </p:sp>
+        <p:cxnSp>
+          <p:nvCxnSpPr>
+            <p:cNvPr id="23" name="Straight Arrow Connector 22"/>
+            <p:cNvCxnSpPr/>
+            <p:nvPr/>
+          </p:nvCxnSpPr>
+          <p:spPr>
+            <a:xfrm>
+              <a:off x="707147" y="2334158"/>
+              <a:ext cx="4364181" cy="0"/>
+            </a:xfrm>
+            <a:prstGeom prst="straightConnector1">
+              <a:avLst/>
+            </a:prstGeom>
+            <a:ln w="12700">
+              <a:tailEnd type="triangle"/>
+            </a:ln>
+          </p:spPr>
+          <p:style>
+            <a:lnRef idx="1">
+              <a:schemeClr val="accent1"/>
+            </a:lnRef>
+            <a:fillRef idx="0">
+              <a:schemeClr val="accent1"/>
+            </a:fillRef>
+            <a:effectRef idx="0">
+              <a:schemeClr val="accent1"/>
+            </a:effectRef>
+            <a:fontRef idx="minor">
+              <a:schemeClr val="tx1"/>
+            </a:fontRef>
+          </p:style>
+        </p:cxnSp>
+        <p:sp>
+          <p:nvSpPr>
+            <p:cNvPr id="24" name="Rectangle 23"/>
+            <p:cNvSpPr/>
+            <p:nvPr/>
+          </p:nvSpPr>
+          <p:spPr>
+            <a:xfrm>
+              <a:off x="3284092" y="1753654"/>
+              <a:ext cx="1221971" cy="548640"/>
+            </a:xfrm>
+            <a:prstGeom prst="rect">
+              <a:avLst/>
+            </a:prstGeom>
+          </p:spPr>
+          <p:style>
+            <a:lnRef idx="2">
+              <a:schemeClr val="accent1">
+                <a:shade val="50000"/>
+              </a:schemeClr>
+            </a:lnRef>
+            <a:fillRef idx="1">
+              <a:schemeClr val="accent1"/>
+            </a:fillRef>
+            <a:effectRef idx="0">
+              <a:schemeClr val="accent1"/>
+            </a:effectRef>
+            <a:fontRef idx="minor">
+              <a:schemeClr val="lt1"/>
+            </a:fontRef>
+          </p:style>
+          <p:txBody>
+            <a:bodyPr rtlCol="0" anchor="ctr"/>
+            <a:lstStyle/>
+            <a:p>
+              <a:pPr algn="ctr"/>
+              <a:r>
+                <a:rPr lang="en-CA" sz="1600" dirty="0" smtClean="0"/>
+                <a:t>Reference Year</a:t>
+              </a:r>
+              <a:endParaRPr lang="en-US" sz="1600" dirty="0"/>
+            </a:p>
+          </p:txBody>
+        </p:sp>
+        <p:sp>
+          <p:nvSpPr>
+            <p:cNvPr id="25" name="Rectangle 24"/>
+            <p:cNvSpPr/>
+            <p:nvPr/>
+          </p:nvSpPr>
+          <p:spPr>
+            <a:xfrm>
+              <a:off x="1875775" y="1753654"/>
+              <a:ext cx="1294015" cy="548640"/>
+            </a:xfrm>
+            <a:prstGeom prst="rect">
+              <a:avLst/>
+            </a:prstGeom>
+          </p:spPr>
+          <p:style>
+            <a:lnRef idx="2">
+              <a:schemeClr val="accent3">
+                <a:shade val="50000"/>
+              </a:schemeClr>
+            </a:lnRef>
+            <a:fillRef idx="1">
+              <a:schemeClr val="accent3"/>
+            </a:fillRef>
+            <a:effectRef idx="0">
+              <a:schemeClr val="accent3"/>
+            </a:effectRef>
+            <a:fontRef idx="minor">
+              <a:schemeClr val="lt1"/>
+            </a:fontRef>
+          </p:style>
+          <p:txBody>
+            <a:bodyPr rtlCol="0" anchor="ctr"/>
+            <a:lstStyle/>
+            <a:p>
+              <a:pPr algn="ctr"/>
+              <a:r>
+                <a:rPr lang="en-CA" sz="1600" dirty="0" smtClean="0"/>
+                <a:t>Disturbance Year</a:t>
+              </a:r>
+              <a:endParaRPr lang="en-US" sz="1600" dirty="0"/>
+            </a:p>
+          </p:txBody>
+        </p:sp>
+        <p:sp>
+          <p:nvSpPr>
+            <p:cNvPr id="26" name="Rectangle 25"/>
+            <p:cNvSpPr/>
+            <p:nvPr/>
+          </p:nvSpPr>
+          <p:spPr>
+            <a:xfrm>
+              <a:off x="798587" y="1753654"/>
+              <a:ext cx="875608" cy="548640"/>
+            </a:xfrm>
+            <a:prstGeom prst="rect">
+              <a:avLst/>
+            </a:prstGeom>
+          </p:spPr>
+          <p:style>
+            <a:lnRef idx="2">
+              <a:schemeClr val="accent4">
+                <a:shade val="50000"/>
+              </a:schemeClr>
+            </a:lnRef>
+            <a:fillRef idx="1">
+              <a:schemeClr val="accent4"/>
+            </a:fillRef>
+            <a:effectRef idx="0">
+              <a:schemeClr val="accent4"/>
+            </a:effectRef>
+            <a:fontRef idx="minor">
+              <a:schemeClr val="lt1"/>
+            </a:fontRef>
+          </p:style>
+          <p:txBody>
+            <a:bodyPr rtlCol="0" anchor="ctr"/>
+            <a:lstStyle/>
+            <a:p>
+              <a:pPr algn="ctr"/>
+              <a:r>
+                <a:rPr lang="en-CA" sz="1600" dirty="0" smtClean="0"/>
+                <a:t>Bird Survey</a:t>
+              </a:r>
+              <a:endParaRPr lang="en-US" sz="1600" dirty="0"/>
+            </a:p>
+          </p:txBody>
+        </p:sp>
+        <p:sp>
+          <p:nvSpPr>
+            <p:cNvPr id="27" name="TextBox 26"/>
+            <p:cNvSpPr txBox="1"/>
+            <p:nvPr/>
+          </p:nvSpPr>
+          <p:spPr>
+            <a:xfrm>
+              <a:off x="5054011" y="1662971"/>
+              <a:ext cx="5760720" cy="1384995"/>
+            </a:xfrm>
+            <a:prstGeom prst="rect">
+              <a:avLst/>
+            </a:prstGeom>
+            <a:noFill/>
+          </p:spPr>
+          <p:txBody>
+            <a:bodyPr wrap="square" rtlCol="0">
+              <a:spAutoFit/>
+            </a:bodyPr>
+            <a:lstStyle/>
+            <a:p>
+              <a:r>
+                <a:rPr lang="en-CA" sz="1400" dirty="0" smtClean="0"/>
+                <a:t>A disturbance occurred after the bird survey and before the inventory. </a:t>
+              </a:r>
+              <a:r>
+                <a:rPr lang="en-CA" sz="1400" dirty="0"/>
+                <a:t>OR Disturbance occurred same year as inventory, both after the bird </a:t>
+              </a:r>
+              <a:r>
+                <a:rPr lang="en-CA" sz="1400" dirty="0" smtClean="0"/>
+                <a:t>survey</a:t>
+              </a:r>
+            </a:p>
+            <a:p>
+              <a:r>
+                <a:rPr lang="en-CA" sz="1400" dirty="0" err="1"/>
+                <a:t>DisturbanceYear</a:t>
+              </a:r>
+              <a:r>
+                <a:rPr lang="en-CA" sz="1400" dirty="0"/>
+                <a:t> &gt; </a:t>
+              </a:r>
+              <a:r>
+                <a:rPr lang="en-CA" sz="1400" dirty="0" err="1"/>
+                <a:t>BirdSurvey</a:t>
+              </a:r>
+              <a:r>
+                <a:rPr lang="en-CA" sz="1400" dirty="0"/>
+                <a:t> &amp; </a:t>
+              </a:r>
+              <a:r>
+                <a:rPr lang="en-CA" sz="1400" dirty="0" err="1"/>
+                <a:t>ReferenceYear</a:t>
+              </a:r>
+              <a:r>
+                <a:rPr lang="en-CA" sz="1400" dirty="0"/>
+                <a:t> &gt; </a:t>
+              </a:r>
+              <a:r>
+                <a:rPr lang="en-CA" sz="1400" dirty="0" err="1" smtClean="0"/>
+                <a:t>DisturbanceYear</a:t>
+              </a:r>
+              <a:r>
+                <a:rPr lang="en-CA" sz="1400" dirty="0" smtClean="0"/>
+                <a:t> OR </a:t>
+              </a:r>
+              <a:r>
+                <a:rPr lang="en-CA" sz="1400" dirty="0" err="1"/>
+                <a:t>DisturbanceYear</a:t>
+              </a:r>
+              <a:r>
+                <a:rPr lang="en-CA" sz="1400" dirty="0"/>
+                <a:t> = </a:t>
+              </a:r>
+              <a:r>
+                <a:rPr lang="en-CA" sz="1400" dirty="0" err="1"/>
+                <a:t>ReferenceYear</a:t>
+              </a:r>
+              <a:r>
+                <a:rPr lang="en-CA" sz="1400" dirty="0"/>
+                <a:t> &amp; </a:t>
+              </a:r>
+              <a:r>
+                <a:rPr lang="en-CA" sz="1400" dirty="0" err="1"/>
+                <a:t>BirdSurvey</a:t>
+              </a:r>
+              <a:r>
+                <a:rPr lang="en-CA" sz="1400" dirty="0"/>
+                <a:t> &lt; </a:t>
+              </a:r>
+              <a:r>
+                <a:rPr lang="en-CA" sz="1400" dirty="0" err="1"/>
+                <a:t>ReferenceYear</a:t>
+              </a:r>
+              <a:endParaRPr lang="en-US" sz="1400" dirty="0"/>
+            </a:p>
+            <a:p>
+              <a:r>
+                <a:rPr lang="en-CA" sz="1400" dirty="0" smtClean="0">
+                  <a:sym typeface="Wingdings" panose="05000000000000000000" pitchFamily="2" charset="2"/>
+                </a:rPr>
+                <a:t> ALMOST </a:t>
+              </a:r>
+              <a:r>
+                <a:rPr lang="en-CA" sz="1400" dirty="0" smtClean="0">
+                  <a:sym typeface="Wingdings" panose="05000000000000000000" pitchFamily="2" charset="2"/>
+                </a:rPr>
+                <a:t>CERTAIN MISMATCH: The inventory reflects the post-disturbance conditions, but bird survey represents pre-disturbance conditions</a:t>
+              </a:r>
+              <a:r>
+                <a:rPr lang="en-CA" sz="1400" dirty="0" smtClean="0">
+                  <a:sym typeface="Wingdings" panose="05000000000000000000" pitchFamily="2" charset="2"/>
+                </a:rPr>
+                <a:t>.</a:t>
+              </a:r>
+            </a:p>
+          </p:txBody>
+        </p:sp>
+        <p:sp>
+          <p:nvSpPr>
+            <p:cNvPr id="33" name="TextBox 32"/>
+            <p:cNvSpPr txBox="1"/>
+            <p:nvPr/>
+          </p:nvSpPr>
+          <p:spPr>
+            <a:xfrm>
+              <a:off x="287857" y="595403"/>
+              <a:ext cx="393056" cy="584775"/>
+            </a:xfrm>
+            <a:prstGeom prst="rect">
+              <a:avLst/>
+            </a:prstGeom>
+            <a:noFill/>
+          </p:spPr>
+          <p:txBody>
+            <a:bodyPr wrap="none" rtlCol="0">
+              <a:spAutoFit/>
+            </a:bodyPr>
+            <a:lstStyle/>
+            <a:p>
+              <a:r>
+                <a:rPr lang="en-CA" sz="3200" dirty="0"/>
+                <a:t>2</a:t>
+              </a:r>
+              <a:endParaRPr lang="en-US" sz="3200" dirty="0"/>
+            </a:p>
+          </p:txBody>
+        </p:sp>
+        <p:sp>
+          <p:nvSpPr>
+            <p:cNvPr id="37" name="TextBox 36"/>
+            <p:cNvSpPr txBox="1"/>
+            <p:nvPr/>
+          </p:nvSpPr>
+          <p:spPr>
+            <a:xfrm>
+              <a:off x="542574" y="694566"/>
+              <a:ext cx="308098" cy="400110"/>
+            </a:xfrm>
+            <a:prstGeom prst="rect">
+              <a:avLst/>
+            </a:prstGeom>
+            <a:noFill/>
+          </p:spPr>
+          <p:txBody>
+            <a:bodyPr wrap="none" rtlCol="0">
+              <a:spAutoFit/>
+            </a:bodyPr>
+            <a:lstStyle/>
+            <a:p>
+              <a:r>
+                <a:rPr lang="en-CA" sz="2000" dirty="0" smtClean="0"/>
+                <a:t>a</a:t>
+              </a:r>
+              <a:endParaRPr lang="en-US" sz="3200" dirty="0"/>
+            </a:p>
+          </p:txBody>
+        </p:sp>
+        <p:sp>
+          <p:nvSpPr>
+            <p:cNvPr id="38" name="TextBox 37"/>
+            <p:cNvSpPr txBox="1"/>
+            <p:nvPr/>
+          </p:nvSpPr>
+          <p:spPr>
+            <a:xfrm>
+              <a:off x="542574" y="1792780"/>
+              <a:ext cx="319318" cy="400110"/>
+            </a:xfrm>
+            <a:prstGeom prst="rect">
+              <a:avLst/>
+            </a:prstGeom>
+            <a:noFill/>
+          </p:spPr>
+          <p:txBody>
+            <a:bodyPr wrap="none" rtlCol="0">
+              <a:spAutoFit/>
+            </a:bodyPr>
+            <a:lstStyle/>
+            <a:p>
+              <a:r>
+                <a:rPr lang="en-CA" sz="2000" dirty="0"/>
+                <a:t>b</a:t>
+              </a:r>
+              <a:endParaRPr lang="en-US" sz="3200" dirty="0"/>
+            </a:p>
+          </p:txBody>
+        </p:sp>
+        <p:sp>
+          <p:nvSpPr>
+            <p:cNvPr id="51" name="TextBox 50"/>
+            <p:cNvSpPr txBox="1"/>
+            <p:nvPr/>
+          </p:nvSpPr>
+          <p:spPr>
+            <a:xfrm>
+              <a:off x="5054011" y="4173013"/>
+              <a:ext cx="5760720" cy="738664"/>
+            </a:xfrm>
+            <a:prstGeom prst="rect">
+              <a:avLst/>
+            </a:prstGeom>
+            <a:noFill/>
+          </p:spPr>
+          <p:txBody>
+            <a:bodyPr wrap="square" rtlCol="0">
+              <a:spAutoFit/>
+            </a:bodyPr>
+            <a:lstStyle/>
+            <a:p>
+              <a:r>
+                <a:rPr lang="en-US" sz="1400" dirty="0" smtClean="0"/>
+                <a:t>Disturbance, inventory, and bird survey are all from the same year. </a:t>
+              </a:r>
+            </a:p>
+            <a:p>
+              <a:r>
+                <a:rPr lang="en-US" sz="1400" dirty="0" smtClean="0">
+                  <a:sym typeface="Wingdings" panose="05000000000000000000" pitchFamily="2" charset="2"/>
+                </a:rPr>
+                <a:t> POSSIBLE MISMATCH: we don’t know if the bird survey was a pre-cut survey or post-cut. </a:t>
+              </a:r>
+              <a:endParaRPr lang="en-CA" sz="1400" dirty="0" smtClean="0">
+                <a:sym typeface="Wingdings" panose="05000000000000000000" pitchFamily="2" charset="2"/>
+              </a:endParaRPr>
+            </a:p>
+          </p:txBody>
+        </p:sp>
+        <p:cxnSp>
+          <p:nvCxnSpPr>
+            <p:cNvPr id="53" name="Straight Arrow Connector 52"/>
+            <p:cNvCxnSpPr/>
+            <p:nvPr/>
+          </p:nvCxnSpPr>
+          <p:spPr>
+            <a:xfrm>
+              <a:off x="707147" y="3098881"/>
+              <a:ext cx="4364181" cy="0"/>
+            </a:xfrm>
+            <a:prstGeom prst="straightConnector1">
+              <a:avLst/>
+            </a:prstGeom>
+            <a:ln w="12700">
+              <a:tailEnd type="triangle"/>
+            </a:ln>
+          </p:spPr>
+          <p:style>
+            <a:lnRef idx="1">
+              <a:schemeClr val="accent1"/>
+            </a:lnRef>
+            <a:fillRef idx="0">
+              <a:schemeClr val="accent1"/>
+            </a:fillRef>
+            <a:effectRef idx="0">
+              <a:schemeClr val="accent1"/>
+            </a:effectRef>
+            <a:fontRef idx="minor">
+              <a:schemeClr val="tx1"/>
+            </a:fontRef>
+          </p:style>
+        </p:cxnSp>
+        <p:sp>
+          <p:nvSpPr>
+            <p:cNvPr id="54" name="Rectangle 53"/>
+            <p:cNvSpPr/>
+            <p:nvPr/>
+          </p:nvSpPr>
+          <p:spPr>
+            <a:xfrm>
+              <a:off x="1948637" y="3147670"/>
+              <a:ext cx="1221971" cy="548640"/>
+            </a:xfrm>
+            <a:prstGeom prst="rect">
+              <a:avLst/>
+            </a:prstGeom>
+          </p:spPr>
+          <p:style>
+            <a:lnRef idx="2">
+              <a:schemeClr val="accent1">
+                <a:shade val="50000"/>
+              </a:schemeClr>
+            </a:lnRef>
+            <a:fillRef idx="1">
+              <a:schemeClr val="accent1"/>
+            </a:fillRef>
+            <a:effectRef idx="0">
+              <a:schemeClr val="accent1"/>
+            </a:effectRef>
+            <a:fontRef idx="minor">
+              <a:schemeClr val="lt1"/>
+            </a:fontRef>
+          </p:style>
+          <p:txBody>
+            <a:bodyPr rtlCol="0" anchor="ctr"/>
+            <a:lstStyle/>
+            <a:p>
+              <a:pPr algn="ctr"/>
+              <a:r>
+                <a:rPr lang="en-CA" sz="1600" dirty="0" smtClean="0"/>
+                <a:t>Reference Year</a:t>
+              </a:r>
+              <a:endParaRPr lang="en-US" sz="1600" dirty="0"/>
+            </a:p>
+          </p:txBody>
+        </p:sp>
+        <p:sp>
+          <p:nvSpPr>
+            <p:cNvPr id="55" name="Rectangle 54"/>
+            <p:cNvSpPr/>
+            <p:nvPr/>
+          </p:nvSpPr>
+          <p:spPr>
+            <a:xfrm>
+              <a:off x="1875775" y="2501752"/>
+              <a:ext cx="1294015" cy="548640"/>
+            </a:xfrm>
+            <a:prstGeom prst="rect">
+              <a:avLst/>
+            </a:prstGeom>
+          </p:spPr>
+          <p:style>
+            <a:lnRef idx="2">
+              <a:schemeClr val="accent3">
+                <a:shade val="50000"/>
+              </a:schemeClr>
+            </a:lnRef>
+            <a:fillRef idx="1">
+              <a:schemeClr val="accent3"/>
+            </a:fillRef>
+            <a:effectRef idx="0">
+              <a:schemeClr val="accent3"/>
+            </a:effectRef>
+            <a:fontRef idx="minor">
+              <a:schemeClr val="lt1"/>
+            </a:fontRef>
+          </p:style>
+          <p:txBody>
+            <a:bodyPr rtlCol="0" anchor="ctr"/>
+            <a:lstStyle/>
+            <a:p>
+              <a:pPr algn="ctr"/>
+              <a:r>
+                <a:rPr lang="en-CA" sz="1600" dirty="0" smtClean="0"/>
+                <a:t>Disturbance Year</a:t>
+              </a:r>
+              <a:endParaRPr lang="en-US" sz="1600" dirty="0"/>
+            </a:p>
+          </p:txBody>
+        </p:sp>
+        <p:sp>
+          <p:nvSpPr>
+            <p:cNvPr id="56" name="Rectangle 55"/>
+            <p:cNvSpPr/>
+            <p:nvPr/>
+          </p:nvSpPr>
+          <p:spPr>
+            <a:xfrm>
+              <a:off x="798587" y="2501752"/>
+              <a:ext cx="875608" cy="548640"/>
+            </a:xfrm>
+            <a:prstGeom prst="rect">
+              <a:avLst/>
+            </a:prstGeom>
+          </p:spPr>
+          <p:style>
+            <a:lnRef idx="2">
+              <a:schemeClr val="accent4">
+                <a:shade val="50000"/>
+              </a:schemeClr>
+            </a:lnRef>
+            <a:fillRef idx="1">
+              <a:schemeClr val="accent4"/>
+            </a:fillRef>
+            <a:effectRef idx="0">
+              <a:schemeClr val="accent4"/>
+            </a:effectRef>
+            <a:fontRef idx="minor">
+              <a:schemeClr val="lt1"/>
+            </a:fontRef>
+          </p:style>
+          <p:txBody>
+            <a:bodyPr rtlCol="0" anchor="ctr"/>
+            <a:lstStyle/>
+            <a:p>
+              <a:pPr algn="ctr"/>
+              <a:r>
+                <a:rPr lang="en-CA" sz="1600" dirty="0" smtClean="0"/>
+                <a:t>Bird Survey</a:t>
+              </a:r>
+              <a:endParaRPr lang="en-US" sz="1600" dirty="0"/>
+            </a:p>
+          </p:txBody>
+        </p:sp>
+        <p:sp>
+          <p:nvSpPr>
+            <p:cNvPr id="57" name="TextBox 56"/>
+            <p:cNvSpPr txBox="1"/>
+            <p:nvPr/>
+          </p:nvSpPr>
+          <p:spPr>
+            <a:xfrm>
+              <a:off x="542574" y="2540878"/>
+              <a:ext cx="293670" cy="400110"/>
+            </a:xfrm>
+            <a:prstGeom prst="rect">
+              <a:avLst/>
+            </a:prstGeom>
+            <a:noFill/>
+          </p:spPr>
+          <p:txBody>
+            <a:bodyPr wrap="none" rtlCol="0">
+              <a:spAutoFit/>
+            </a:bodyPr>
+            <a:lstStyle/>
+            <a:p>
+              <a:r>
+                <a:rPr lang="en-CA" sz="2000" dirty="0" smtClean="0"/>
+                <a:t>c</a:t>
+              </a:r>
+              <a:endParaRPr lang="en-US" sz="3200" dirty="0"/>
+            </a:p>
+          </p:txBody>
+        </p:sp>
+        <p:cxnSp>
+          <p:nvCxnSpPr>
+            <p:cNvPr id="59" name="Straight Arrow Connector 58"/>
+            <p:cNvCxnSpPr/>
+            <p:nvPr/>
+          </p:nvCxnSpPr>
+          <p:spPr>
+            <a:xfrm>
+              <a:off x="706329" y="4735412"/>
+              <a:ext cx="4364181" cy="0"/>
+            </a:xfrm>
+            <a:prstGeom prst="straightConnector1">
+              <a:avLst/>
+            </a:prstGeom>
+            <a:ln w="12700">
+              <a:tailEnd type="triangle"/>
+            </a:ln>
+          </p:spPr>
+          <p:style>
+            <a:lnRef idx="1">
+              <a:schemeClr val="accent1"/>
+            </a:lnRef>
+            <a:fillRef idx="0">
+              <a:schemeClr val="accent1"/>
+            </a:fillRef>
+            <a:effectRef idx="0">
+              <a:schemeClr val="accent1"/>
+            </a:effectRef>
+            <a:fontRef idx="minor">
+              <a:schemeClr val="tx1"/>
+            </a:fontRef>
+          </p:style>
+        </p:cxnSp>
+        <p:sp>
+          <p:nvSpPr>
+            <p:cNvPr id="60" name="Rectangle 59"/>
+            <p:cNvSpPr/>
+            <p:nvPr/>
+          </p:nvSpPr>
+          <p:spPr>
+            <a:xfrm>
+              <a:off x="1874957" y="4784201"/>
+              <a:ext cx="1294833" cy="548640"/>
+            </a:xfrm>
+            <a:prstGeom prst="rect">
+              <a:avLst/>
+            </a:prstGeom>
+          </p:spPr>
+          <p:style>
+            <a:lnRef idx="2">
+              <a:schemeClr val="accent1">
+                <a:shade val="50000"/>
+              </a:schemeClr>
+            </a:lnRef>
+            <a:fillRef idx="1">
+              <a:schemeClr val="accent1"/>
+            </a:fillRef>
+            <a:effectRef idx="0">
+              <a:schemeClr val="accent1"/>
+            </a:effectRef>
+            <a:fontRef idx="minor">
+              <a:schemeClr val="lt1"/>
+            </a:fontRef>
+          </p:style>
+          <p:txBody>
+            <a:bodyPr rtlCol="0" anchor="ctr"/>
+            <a:lstStyle/>
+            <a:p>
+              <a:pPr algn="ctr"/>
+              <a:r>
+                <a:rPr lang="en-CA" sz="1600" dirty="0" smtClean="0"/>
+                <a:t>Reference Year</a:t>
+              </a:r>
+              <a:endParaRPr lang="en-US" sz="1600" dirty="0"/>
+            </a:p>
+          </p:txBody>
+        </p:sp>
+        <p:sp>
+          <p:nvSpPr>
+            <p:cNvPr id="61" name="Rectangle 60"/>
+            <p:cNvSpPr/>
+            <p:nvPr/>
+          </p:nvSpPr>
+          <p:spPr>
+            <a:xfrm>
+              <a:off x="1874957" y="4138283"/>
+              <a:ext cx="1294015" cy="548640"/>
+            </a:xfrm>
+            <a:prstGeom prst="rect">
+              <a:avLst/>
+            </a:prstGeom>
+          </p:spPr>
+          <p:style>
+            <a:lnRef idx="2">
+              <a:schemeClr val="accent3">
+                <a:shade val="50000"/>
+              </a:schemeClr>
+            </a:lnRef>
+            <a:fillRef idx="1">
+              <a:schemeClr val="accent3"/>
+            </a:fillRef>
+            <a:effectRef idx="0">
+              <a:schemeClr val="accent3"/>
+            </a:effectRef>
+            <a:fontRef idx="minor">
+              <a:schemeClr val="lt1"/>
+            </a:fontRef>
+          </p:style>
+          <p:txBody>
+            <a:bodyPr rtlCol="0" anchor="ctr"/>
+            <a:lstStyle/>
+            <a:p>
+              <a:pPr algn="ctr"/>
+              <a:r>
+                <a:rPr lang="en-CA" sz="1600" dirty="0" smtClean="0"/>
+                <a:t>Disturbance Year</a:t>
+              </a:r>
+              <a:endParaRPr lang="en-US" sz="1600" dirty="0"/>
+            </a:p>
+          </p:txBody>
+        </p:sp>
+        <p:sp>
+          <p:nvSpPr>
+            <p:cNvPr id="62" name="Rectangle 61"/>
+            <p:cNvSpPr/>
+            <p:nvPr/>
+          </p:nvSpPr>
+          <p:spPr>
+            <a:xfrm>
+              <a:off x="1874957" y="4444510"/>
+              <a:ext cx="1294015" cy="371769"/>
+            </a:xfrm>
+            <a:prstGeom prst="rect">
+              <a:avLst/>
+            </a:prstGeom>
+          </p:spPr>
+          <p:style>
+            <a:lnRef idx="2">
+              <a:schemeClr val="accent4">
+                <a:shade val="50000"/>
+              </a:schemeClr>
+            </a:lnRef>
+            <a:fillRef idx="1">
+              <a:schemeClr val="accent4"/>
+            </a:fillRef>
+            <a:effectRef idx="0">
+              <a:schemeClr val="accent4"/>
+            </a:effectRef>
+            <a:fontRef idx="minor">
+              <a:schemeClr val="lt1"/>
+            </a:fontRef>
+          </p:style>
+          <p:txBody>
+            <a:bodyPr rtlCol="0" anchor="ctr"/>
+            <a:lstStyle/>
+            <a:p>
+              <a:pPr algn="ctr"/>
+              <a:r>
+                <a:rPr lang="en-CA" sz="1600" dirty="0" smtClean="0"/>
+                <a:t>Bird Survey</a:t>
+              </a:r>
+              <a:endParaRPr lang="en-US" sz="1600" dirty="0"/>
+            </a:p>
+          </p:txBody>
+        </p:sp>
+        <p:sp>
+          <p:nvSpPr>
+            <p:cNvPr id="63" name="TextBox 62"/>
+            <p:cNvSpPr txBox="1"/>
+            <p:nvPr/>
+          </p:nvSpPr>
+          <p:spPr>
+            <a:xfrm>
+              <a:off x="541756" y="4177409"/>
+              <a:ext cx="319318" cy="400110"/>
+            </a:xfrm>
+            <a:prstGeom prst="rect">
+              <a:avLst/>
+            </a:prstGeom>
+            <a:noFill/>
+          </p:spPr>
+          <p:txBody>
+            <a:bodyPr wrap="none" rtlCol="0">
+              <a:spAutoFit/>
+            </a:bodyPr>
+            <a:lstStyle/>
+            <a:p>
+              <a:r>
+                <a:rPr lang="en-CA" sz="2000" dirty="0" smtClean="0"/>
+                <a:t>d</a:t>
+              </a:r>
+              <a:endParaRPr lang="en-US" sz="3200" dirty="0"/>
+            </a:p>
+          </p:txBody>
+        </p:sp>
+        <p:sp>
+          <p:nvSpPr>
+            <p:cNvPr id="64" name="TextBox 63"/>
+            <p:cNvSpPr txBox="1"/>
+            <p:nvPr/>
+          </p:nvSpPr>
+          <p:spPr>
+            <a:xfrm>
+              <a:off x="5108737" y="5332841"/>
+              <a:ext cx="5760720" cy="1169551"/>
+            </a:xfrm>
+            <a:prstGeom prst="rect">
+              <a:avLst/>
+            </a:prstGeom>
+            <a:noFill/>
+          </p:spPr>
+          <p:txBody>
+            <a:bodyPr wrap="square" rtlCol="0">
+              <a:spAutoFit/>
+            </a:bodyPr>
+            <a:lstStyle/>
+            <a:p>
+              <a:r>
+                <a:rPr lang="en-CA" sz="1400" dirty="0" smtClean="0"/>
+                <a:t>Disturbance occurred after </a:t>
+              </a:r>
+              <a:r>
+                <a:rPr lang="en-CA" sz="1400" dirty="0" smtClean="0"/>
+                <a:t>the inventory, but in the same year as the bird survey. </a:t>
+              </a:r>
+            </a:p>
+            <a:p>
+              <a:r>
+                <a:rPr lang="en-CA" sz="1400" dirty="0" err="1" smtClean="0"/>
+                <a:t>DisturbanceYear</a:t>
+              </a:r>
+              <a:r>
+                <a:rPr lang="en-CA" sz="1400" dirty="0" smtClean="0"/>
+                <a:t> </a:t>
+              </a:r>
+              <a:r>
+                <a:rPr lang="en-CA" sz="1400" dirty="0"/>
+                <a:t>&gt; </a:t>
+              </a:r>
+              <a:r>
+                <a:rPr lang="en-CA" sz="1400" dirty="0" err="1"/>
+                <a:t>ReferenceYear</a:t>
+              </a:r>
+              <a:r>
+                <a:rPr lang="en-CA" sz="1400" dirty="0"/>
+                <a:t> &amp; </a:t>
+              </a:r>
+              <a:r>
+                <a:rPr lang="en-CA" sz="1400" dirty="0" err="1"/>
+                <a:t>DisturbanceYear</a:t>
+              </a:r>
+              <a:r>
+                <a:rPr lang="en-CA" sz="1400" dirty="0"/>
+                <a:t> = Bird Survey</a:t>
+              </a:r>
+            </a:p>
+            <a:p>
+              <a:r>
+                <a:rPr lang="en-CA" sz="1400" dirty="0" smtClean="0">
+                  <a:sym typeface="Wingdings" panose="05000000000000000000" pitchFamily="2" charset="2"/>
+                </a:rPr>
+                <a:t> </a:t>
+              </a:r>
+              <a:r>
+                <a:rPr lang="en-CA" sz="1400" dirty="0" smtClean="0"/>
+                <a:t>POSSIBLE MISMATCH: </a:t>
+              </a:r>
+              <a:r>
+                <a:rPr lang="en-CA" sz="1400" dirty="0" smtClean="0"/>
+                <a:t>We don’t know if the bird survey was pre or post-disturbance, so best to exclude these. </a:t>
+              </a:r>
+              <a:endParaRPr lang="en-US" sz="1400" dirty="0"/>
+            </a:p>
+          </p:txBody>
+        </p:sp>
+        <p:cxnSp>
+          <p:nvCxnSpPr>
+            <p:cNvPr id="65" name="Straight Arrow Connector 64"/>
+            <p:cNvCxnSpPr/>
+            <p:nvPr/>
+          </p:nvCxnSpPr>
+          <p:spPr>
+            <a:xfrm>
+              <a:off x="706329" y="6097324"/>
+              <a:ext cx="4364181" cy="0"/>
+            </a:xfrm>
+            <a:prstGeom prst="straightConnector1">
+              <a:avLst/>
+            </a:prstGeom>
+            <a:ln w="12700">
+              <a:tailEnd type="triangle"/>
+            </a:ln>
+          </p:spPr>
+          <p:style>
+            <a:lnRef idx="1">
+              <a:schemeClr val="accent1"/>
+            </a:lnRef>
+            <a:fillRef idx="0">
+              <a:schemeClr val="accent1"/>
+            </a:fillRef>
+            <a:effectRef idx="0">
+              <a:schemeClr val="accent1"/>
+            </a:effectRef>
+            <a:fontRef idx="minor">
+              <a:schemeClr val="tx1"/>
+            </a:fontRef>
+          </p:style>
+        </p:cxnSp>
+        <p:sp>
+          <p:nvSpPr>
+            <p:cNvPr id="66" name="Rectangle 65"/>
+            <p:cNvSpPr/>
+            <p:nvPr/>
+          </p:nvSpPr>
+          <p:spPr>
+            <a:xfrm>
+              <a:off x="836244" y="5523247"/>
+              <a:ext cx="1294833" cy="548640"/>
+            </a:xfrm>
+            <a:prstGeom prst="rect">
+              <a:avLst/>
+            </a:prstGeom>
+          </p:spPr>
+          <p:style>
+            <a:lnRef idx="2">
+              <a:schemeClr val="accent1">
+                <a:shade val="50000"/>
+              </a:schemeClr>
+            </a:lnRef>
+            <a:fillRef idx="1">
+              <a:schemeClr val="accent1"/>
+            </a:fillRef>
+            <a:effectRef idx="0">
+              <a:schemeClr val="accent1"/>
+            </a:effectRef>
+            <a:fontRef idx="minor">
+              <a:schemeClr val="lt1"/>
+            </a:fontRef>
+          </p:style>
+          <p:txBody>
+            <a:bodyPr rtlCol="0" anchor="ctr"/>
+            <a:lstStyle/>
+            <a:p>
+              <a:pPr algn="ctr"/>
+              <a:r>
+                <a:rPr lang="en-CA" sz="1600" dirty="0" smtClean="0"/>
+                <a:t>Reference Year</a:t>
+              </a:r>
+              <a:endParaRPr lang="en-US" sz="1600" dirty="0"/>
+            </a:p>
+          </p:txBody>
+        </p:sp>
+        <p:sp>
+          <p:nvSpPr>
+            <p:cNvPr id="67" name="Rectangle 66"/>
+            <p:cNvSpPr/>
+            <p:nvPr/>
+          </p:nvSpPr>
+          <p:spPr>
+            <a:xfrm>
+              <a:off x="2425566" y="5513815"/>
+              <a:ext cx="1204890" cy="548640"/>
+            </a:xfrm>
+            <a:prstGeom prst="rect">
+              <a:avLst/>
+            </a:prstGeom>
+          </p:spPr>
+          <p:style>
+            <a:lnRef idx="2">
+              <a:schemeClr val="accent3">
+                <a:shade val="50000"/>
+              </a:schemeClr>
+            </a:lnRef>
+            <a:fillRef idx="1">
+              <a:schemeClr val="accent3"/>
+            </a:fillRef>
+            <a:effectRef idx="0">
+              <a:schemeClr val="accent3"/>
+            </a:effectRef>
+            <a:fontRef idx="minor">
+              <a:schemeClr val="lt1"/>
+            </a:fontRef>
+          </p:style>
+          <p:txBody>
+            <a:bodyPr rtlCol="0" anchor="ctr"/>
+            <a:lstStyle/>
+            <a:p>
+              <a:pPr algn="ctr"/>
+              <a:r>
+                <a:rPr lang="en-CA" sz="1600" dirty="0" smtClean="0"/>
+                <a:t>Disturbance Year</a:t>
+              </a:r>
+              <a:endParaRPr lang="en-US" sz="1600" dirty="0"/>
+            </a:p>
+          </p:txBody>
+        </p:sp>
+        <p:sp>
+          <p:nvSpPr>
+            <p:cNvPr id="68" name="Rectangle 67"/>
+            <p:cNvSpPr/>
+            <p:nvPr/>
+          </p:nvSpPr>
+          <p:spPr>
+            <a:xfrm>
+              <a:off x="2425565" y="6128905"/>
+              <a:ext cx="858527" cy="481452"/>
+            </a:xfrm>
+            <a:prstGeom prst="rect">
+              <a:avLst/>
+            </a:prstGeom>
+          </p:spPr>
+          <p:style>
+            <a:lnRef idx="2">
+              <a:schemeClr val="accent4">
+                <a:shade val="50000"/>
+              </a:schemeClr>
+            </a:lnRef>
+            <a:fillRef idx="1">
+              <a:schemeClr val="accent4"/>
+            </a:fillRef>
+            <a:effectRef idx="0">
+              <a:schemeClr val="accent4"/>
+            </a:effectRef>
+            <a:fontRef idx="minor">
+              <a:schemeClr val="lt1"/>
+            </a:fontRef>
+          </p:style>
+          <p:txBody>
+            <a:bodyPr rtlCol="0" anchor="ctr"/>
+            <a:lstStyle/>
+            <a:p>
+              <a:pPr algn="ctr"/>
+              <a:r>
+                <a:rPr lang="en-CA" sz="1600" dirty="0" smtClean="0"/>
+                <a:t>Bird Survey</a:t>
+              </a:r>
+              <a:endParaRPr lang="en-US" sz="1600" dirty="0"/>
+            </a:p>
+          </p:txBody>
+        </p:sp>
+        <p:sp>
+          <p:nvSpPr>
+            <p:cNvPr id="69" name="TextBox 68"/>
+            <p:cNvSpPr txBox="1"/>
+            <p:nvPr/>
+          </p:nvSpPr>
+          <p:spPr>
+            <a:xfrm>
+              <a:off x="541756" y="5539321"/>
+              <a:ext cx="312906" cy="400110"/>
+            </a:xfrm>
+            <a:prstGeom prst="rect">
+              <a:avLst/>
+            </a:prstGeom>
+            <a:noFill/>
+          </p:spPr>
+          <p:txBody>
+            <a:bodyPr wrap="none" rtlCol="0">
+              <a:spAutoFit/>
+            </a:bodyPr>
+            <a:lstStyle/>
+            <a:p>
+              <a:r>
+                <a:rPr lang="en-CA" sz="2000" dirty="0" smtClean="0"/>
+                <a:t>e</a:t>
+              </a:r>
+              <a:endParaRPr lang="en-US" sz="3200" dirty="0"/>
+            </a:p>
+          </p:txBody>
+        </p:sp>
+      </p:grpSp>
+    </p:spTree>
+    <p:extLst>
+      <p:ext uri="{BB962C8B-B14F-4D97-AF65-F5344CB8AC3E}">
+        <p14:creationId xmlns:p14="http://schemas.microsoft.com/office/powerpoint/2010/main" val="3259992937"/>
+      </p:ext>
+    </p:extLst>
+  </p:cSld>
+  <p:clrMapOvr>
+    <a:masterClrMapping/>
+  </p:clrMapOvr>
+</p:sld>
+</file>
+
+<file path=ppt/slides/slide3.xml><?xml version="1.0" encoding="utf-8"?>
+<p:sld xmlns:a="http://schemas.openxmlformats.org/drawingml/2006/main" xmlns:r="http://schemas.openxmlformats.org/officeDocument/2006/relationships" xmlns:p="http://schemas.openxmlformats.org/presentationml/2006/main">
+  <p:cSld>
+    <p:spTree>
+      <p:nvGrpSpPr>
+        <p:cNvPr id="1" name=""/>
+        <p:cNvGrpSpPr/>
+        <p:nvPr/>
+      </p:nvGrpSpPr>
+      <p:grpSpPr>
+        <a:xfrm>
+          <a:off x="0" y="0"/>
+          <a:ext cx="0" cy="0"/>
+          <a:chOff x="0" y="0"/>
+          <a:chExt cx="0" cy="0"/>
+        </a:xfrm>
+      </p:grpSpPr>
       <p:cxnSp>
         <p:nvCxnSpPr>
           <p:cNvPr id="14" name="Straight Arrow Connector 13"/>
@@ -4683,7 +5230,7 @@
         </p:nvCxnSpPr>
         <p:spPr>
           <a:xfrm flipV="1">
-            <a:off x="856776" y="5107654"/>
+            <a:off x="615707" y="1765938"/>
             <a:ext cx="4346863" cy="18552"/>
           </a:xfrm>
           <a:prstGeom prst="straightConnector1">
@@ -4716,7 +5263,7 @@
         </p:nvSpPr>
         <p:spPr>
           <a:xfrm>
-            <a:off x="948216" y="4477813"/>
+            <a:off x="707147" y="1136097"/>
             <a:ext cx="1221971" cy="548640"/>
           </a:xfrm>
           <a:prstGeom prst="rect">
@@ -4760,7 +5307,7 @@
         </p:nvSpPr>
         <p:spPr>
           <a:xfrm>
-            <a:off x="3361677" y="4477813"/>
+            <a:off x="3120608" y="1136097"/>
             <a:ext cx="1294015" cy="548640"/>
           </a:xfrm>
           <a:prstGeom prst="rect">
@@ -4804,7 +5351,7 @@
         </p:nvSpPr>
         <p:spPr>
           <a:xfrm>
-            <a:off x="2344055" y="4477813"/>
+            <a:off x="2102986" y="1136097"/>
             <a:ext cx="875608" cy="548640"/>
           </a:xfrm>
           <a:prstGeom prst="rect">
@@ -4842,13 +5389,13 @@
       </p:sp>
       <p:cxnSp>
         <p:nvCxnSpPr>
-          <p:cNvPr id="23" name="Straight Arrow Connector 22"/>
+          <p:cNvPr id="28" name="Straight Arrow Connector 27"/>
           <p:cNvCxnSpPr/>
           <p:nvPr/>
         </p:nvCxnSpPr>
         <p:spPr>
           <a:xfrm>
-            <a:off x="6215481" y="3579492"/>
+            <a:off x="615707" y="2625962"/>
             <a:ext cx="4364181" cy="0"/>
           </a:xfrm>
           <a:prstGeom prst="straightConnector1">
@@ -4875,13 +5422,13 @@
       </p:cxnSp>
       <p:sp>
         <p:nvSpPr>
-          <p:cNvPr id="24" name="Rectangle 23"/>
+          <p:cNvPr id="29" name="Rectangle 28"/>
           <p:cNvSpPr/>
           <p:nvPr/>
         </p:nvSpPr>
         <p:spPr>
           <a:xfrm>
-            <a:off x="8792426" y="2940798"/>
+            <a:off x="1756623" y="1987268"/>
             <a:ext cx="1221971" cy="548640"/>
           </a:xfrm>
           <a:prstGeom prst="rect">
@@ -4919,13 +5466,13 @@
       </p:sp>
       <p:sp>
         <p:nvSpPr>
-          <p:cNvPr id="25" name="Rectangle 24"/>
+          <p:cNvPr id="30" name="Rectangle 29"/>
           <p:cNvSpPr/>
           <p:nvPr/>
         </p:nvSpPr>
         <p:spPr>
           <a:xfrm>
-            <a:off x="7384109" y="2940798"/>
+            <a:off x="3120608" y="1990038"/>
             <a:ext cx="1294015" cy="548640"/>
           </a:xfrm>
           <a:prstGeom prst="rect">
@@ -4963,13 +5510,13 @@
       </p:sp>
       <p:sp>
         <p:nvSpPr>
-          <p:cNvPr id="26" name="Rectangle 25"/>
+          <p:cNvPr id="31" name="Rectangle 30"/>
           <p:cNvSpPr/>
           <p:nvPr/>
         </p:nvSpPr>
         <p:spPr>
           <a:xfrm>
-            <a:off x="6306921" y="2940798"/>
+            <a:off x="707147" y="1987268"/>
             <a:ext cx="875608" cy="548640"/>
           </a:xfrm>
           <a:prstGeom prst="rect">
@@ -5005,510 +5552,15 @@
           </a:p>
         </p:txBody>
       </p:sp>
-      <p:cxnSp>
-        <p:nvCxnSpPr>
-          <p:cNvPr id="28" name="Straight Arrow Connector 27"/>
-          <p:cNvCxnSpPr/>
+      <p:sp>
+        <p:nvSpPr>
+          <p:cNvPr id="34" name="TextBox 33"/>
+          <p:cNvSpPr txBox="1"/>
           <p:nvPr/>
-        </p:nvCxnSpPr>
+        </p:nvSpPr>
         <p:spPr>
           <a:xfrm>
-            <a:off x="856776" y="5967678"/>
-            <a:ext cx="4364181" cy="0"/>
-          </a:xfrm>
-          <a:prstGeom prst="straightConnector1">
-            <a:avLst/>
-          </a:prstGeom>
-          <a:ln w="12700">
-            <a:tailEnd type="triangle"/>
-          </a:ln>
-        </p:spPr>
-        <p:style>
-          <a:lnRef idx="1">
-            <a:schemeClr val="accent1"/>
-          </a:lnRef>
-          <a:fillRef idx="0">
-            <a:schemeClr val="accent1"/>
-          </a:fillRef>
-          <a:effectRef idx="0">
-            <a:schemeClr val="accent1"/>
-          </a:effectRef>
-          <a:fontRef idx="minor">
-            <a:schemeClr val="tx1"/>
-          </a:fontRef>
-        </p:style>
-      </p:cxnSp>
-      <p:sp>
-        <p:nvSpPr>
-          <p:cNvPr id="29" name="Rectangle 28"/>
-          <p:cNvSpPr/>
-          <p:nvPr/>
-        </p:nvSpPr>
-        <p:spPr>
-          <a:xfrm>
-            <a:off x="1997692" y="5328984"/>
-            <a:ext cx="1221971" cy="548640"/>
-          </a:xfrm>
-          <a:prstGeom prst="rect">
-            <a:avLst/>
-          </a:prstGeom>
-        </p:spPr>
-        <p:style>
-          <a:lnRef idx="2">
-            <a:schemeClr val="accent1">
-              <a:shade val="50000"/>
-            </a:schemeClr>
-          </a:lnRef>
-          <a:fillRef idx="1">
-            <a:schemeClr val="accent1"/>
-          </a:fillRef>
-          <a:effectRef idx="0">
-            <a:schemeClr val="accent1"/>
-          </a:effectRef>
-          <a:fontRef idx="minor">
-            <a:schemeClr val="lt1"/>
-          </a:fontRef>
-        </p:style>
-        <p:txBody>
-          <a:bodyPr rtlCol="0" anchor="ctr"/>
-          <a:lstStyle/>
-          <a:p>
-            <a:pPr algn="ctr"/>
-            <a:r>
-              <a:rPr lang="en-CA" sz="1600" dirty="0" smtClean="0"/>
-              <a:t>Reference Year</a:t>
-            </a:r>
-            <a:endParaRPr lang="en-US" sz="1600" dirty="0"/>
-          </a:p>
-        </p:txBody>
-      </p:sp>
-      <p:sp>
-        <p:nvSpPr>
-          <p:cNvPr id="30" name="Rectangle 29"/>
-          <p:cNvSpPr/>
-          <p:nvPr/>
-        </p:nvSpPr>
-        <p:spPr>
-          <a:xfrm>
-            <a:off x="3361677" y="5331754"/>
-            <a:ext cx="1294015" cy="548640"/>
-          </a:xfrm>
-          <a:prstGeom prst="rect">
-            <a:avLst/>
-          </a:prstGeom>
-        </p:spPr>
-        <p:style>
-          <a:lnRef idx="2">
-            <a:schemeClr val="accent3">
-              <a:shade val="50000"/>
-            </a:schemeClr>
-          </a:lnRef>
-          <a:fillRef idx="1">
-            <a:schemeClr val="accent3"/>
-          </a:fillRef>
-          <a:effectRef idx="0">
-            <a:schemeClr val="accent3"/>
-          </a:effectRef>
-          <a:fontRef idx="minor">
-            <a:schemeClr val="lt1"/>
-          </a:fontRef>
-        </p:style>
-        <p:txBody>
-          <a:bodyPr rtlCol="0" anchor="ctr"/>
-          <a:lstStyle/>
-          <a:p>
-            <a:pPr algn="ctr"/>
-            <a:r>
-              <a:rPr lang="en-CA" sz="1600" dirty="0" smtClean="0"/>
-              <a:t>Disturbance Year</a:t>
-            </a:r>
-            <a:endParaRPr lang="en-US" sz="1600" dirty="0"/>
-          </a:p>
-        </p:txBody>
-      </p:sp>
-      <p:sp>
-        <p:nvSpPr>
-          <p:cNvPr id="31" name="Rectangle 30"/>
-          <p:cNvSpPr/>
-          <p:nvPr/>
-        </p:nvSpPr>
-        <p:spPr>
-          <a:xfrm>
-            <a:off x="948216" y="5328984"/>
-            <a:ext cx="875608" cy="548640"/>
-          </a:xfrm>
-          <a:prstGeom prst="rect">
-            <a:avLst/>
-          </a:prstGeom>
-        </p:spPr>
-        <p:style>
-          <a:lnRef idx="2">
-            <a:schemeClr val="accent4">
-              <a:shade val="50000"/>
-            </a:schemeClr>
-          </a:lnRef>
-          <a:fillRef idx="1">
-            <a:schemeClr val="accent4"/>
-          </a:fillRef>
-          <a:effectRef idx="0">
-            <a:schemeClr val="accent4"/>
-          </a:effectRef>
-          <a:fontRef idx="minor">
-            <a:schemeClr val="lt1"/>
-          </a:fontRef>
-        </p:style>
-        <p:txBody>
-          <a:bodyPr rtlCol="0" anchor="ctr"/>
-          <a:lstStyle/>
-          <a:p>
-            <a:pPr algn="ctr"/>
-            <a:r>
-              <a:rPr lang="en-CA" sz="1600" dirty="0" smtClean="0"/>
-              <a:t>Bird Survey</a:t>
-            </a:r>
-            <a:endParaRPr lang="en-US" sz="1600" dirty="0"/>
-          </a:p>
-        </p:txBody>
-      </p:sp>
-      <p:cxnSp>
-        <p:nvCxnSpPr>
-          <p:cNvPr id="41" name="Straight Arrow Connector 40"/>
-          <p:cNvCxnSpPr/>
-          <p:nvPr/>
-        </p:nvCxnSpPr>
-        <p:spPr>
-          <a:xfrm>
-            <a:off x="856776" y="1810355"/>
-            <a:ext cx="4364181" cy="0"/>
-          </a:xfrm>
-          <a:prstGeom prst="straightConnector1">
-            <a:avLst/>
-          </a:prstGeom>
-          <a:ln w="12700">
-            <a:tailEnd type="triangle"/>
-          </a:ln>
-        </p:spPr>
-        <p:style>
-          <a:lnRef idx="1">
-            <a:schemeClr val="accent1"/>
-          </a:lnRef>
-          <a:fillRef idx="0">
-            <a:schemeClr val="accent1"/>
-          </a:fillRef>
-          <a:effectRef idx="0">
-            <a:schemeClr val="accent1"/>
-          </a:effectRef>
-          <a:fontRef idx="minor">
-            <a:schemeClr val="tx1"/>
-          </a:fontRef>
-        </p:style>
-      </p:cxnSp>
-      <p:sp>
-        <p:nvSpPr>
-          <p:cNvPr id="42" name="Rectangle 41"/>
-          <p:cNvSpPr/>
-          <p:nvPr/>
-        </p:nvSpPr>
-        <p:spPr>
-          <a:xfrm>
-            <a:off x="2388394" y="1171661"/>
-            <a:ext cx="1221971" cy="548640"/>
-          </a:xfrm>
-          <a:prstGeom prst="rect">
-            <a:avLst/>
-          </a:prstGeom>
-        </p:spPr>
-        <p:style>
-          <a:lnRef idx="2">
-            <a:schemeClr val="accent1">
-              <a:shade val="50000"/>
-            </a:schemeClr>
-          </a:lnRef>
-          <a:fillRef idx="1">
-            <a:schemeClr val="accent1"/>
-          </a:fillRef>
-          <a:effectRef idx="0">
-            <a:schemeClr val="accent1"/>
-          </a:effectRef>
-          <a:fontRef idx="minor">
-            <a:schemeClr val="lt1"/>
-          </a:fontRef>
-        </p:style>
-        <p:txBody>
-          <a:bodyPr rtlCol="0" anchor="ctr"/>
-          <a:lstStyle/>
-          <a:p>
-            <a:pPr algn="ctr"/>
-            <a:r>
-              <a:rPr lang="en-CA" sz="1600" dirty="0" smtClean="0"/>
-              <a:t>Reference Year</a:t>
-            </a:r>
-            <a:endParaRPr lang="en-US" sz="1600" dirty="0"/>
-          </a:p>
-        </p:txBody>
-      </p:sp>
-      <p:sp>
-        <p:nvSpPr>
-          <p:cNvPr id="43" name="Rectangle 42"/>
-          <p:cNvSpPr/>
-          <p:nvPr/>
-        </p:nvSpPr>
-        <p:spPr>
-          <a:xfrm>
-            <a:off x="948216" y="1171661"/>
-            <a:ext cx="1294015" cy="548640"/>
-          </a:xfrm>
-          <a:prstGeom prst="rect">
-            <a:avLst/>
-          </a:prstGeom>
-        </p:spPr>
-        <p:style>
-          <a:lnRef idx="2">
-            <a:schemeClr val="accent3">
-              <a:shade val="50000"/>
-            </a:schemeClr>
-          </a:lnRef>
-          <a:fillRef idx="1">
-            <a:schemeClr val="accent3"/>
-          </a:fillRef>
-          <a:effectRef idx="0">
-            <a:schemeClr val="accent3"/>
-          </a:effectRef>
-          <a:fontRef idx="minor">
-            <a:schemeClr val="lt1"/>
-          </a:fontRef>
-        </p:style>
-        <p:txBody>
-          <a:bodyPr rtlCol="0" anchor="ctr"/>
-          <a:lstStyle/>
-          <a:p>
-            <a:pPr algn="ctr"/>
-            <a:r>
-              <a:rPr lang="en-CA" sz="1600" dirty="0" smtClean="0"/>
-              <a:t>Disturbance Year</a:t>
-            </a:r>
-            <a:endParaRPr lang="en-US" sz="1600" dirty="0"/>
-          </a:p>
-        </p:txBody>
-      </p:sp>
-      <p:sp>
-        <p:nvSpPr>
-          <p:cNvPr id="44" name="Rectangle 43"/>
-          <p:cNvSpPr/>
-          <p:nvPr/>
-        </p:nvSpPr>
-        <p:spPr>
-          <a:xfrm>
-            <a:off x="3780084" y="1171661"/>
-            <a:ext cx="875608" cy="548640"/>
-          </a:xfrm>
-          <a:prstGeom prst="rect">
-            <a:avLst/>
-          </a:prstGeom>
-        </p:spPr>
-        <p:style>
-          <a:lnRef idx="2">
-            <a:schemeClr val="accent4">
-              <a:shade val="50000"/>
-            </a:schemeClr>
-          </a:lnRef>
-          <a:fillRef idx="1">
-            <a:schemeClr val="accent4"/>
-          </a:fillRef>
-          <a:effectRef idx="0">
-            <a:schemeClr val="accent4"/>
-          </a:effectRef>
-          <a:fontRef idx="minor">
-            <a:schemeClr val="lt1"/>
-          </a:fontRef>
-        </p:style>
-        <p:txBody>
-          <a:bodyPr rtlCol="0" anchor="ctr"/>
-          <a:lstStyle/>
-          <a:p>
-            <a:pPr algn="ctr"/>
-            <a:r>
-              <a:rPr lang="en-CA" sz="1600" dirty="0" smtClean="0"/>
-              <a:t>Bird Survey</a:t>
-            </a:r>
-            <a:endParaRPr lang="en-US" sz="1600" dirty="0"/>
-          </a:p>
-        </p:txBody>
-      </p:sp>
-      <p:cxnSp>
-        <p:nvCxnSpPr>
-          <p:cNvPr id="45" name="Straight Arrow Connector 44"/>
-          <p:cNvCxnSpPr/>
-          <p:nvPr/>
-        </p:nvCxnSpPr>
-        <p:spPr>
-          <a:xfrm>
-            <a:off x="856776" y="968350"/>
-            <a:ext cx="4364181" cy="0"/>
-          </a:xfrm>
-          <a:prstGeom prst="straightConnector1">
-            <a:avLst/>
-          </a:prstGeom>
-          <a:ln w="12700">
-            <a:tailEnd type="triangle"/>
-          </a:ln>
-        </p:spPr>
-        <p:style>
-          <a:lnRef idx="1">
-            <a:schemeClr val="accent1"/>
-          </a:lnRef>
-          <a:fillRef idx="0">
-            <a:schemeClr val="accent1"/>
-          </a:fillRef>
-          <a:effectRef idx="0">
-            <a:schemeClr val="accent1"/>
-          </a:effectRef>
-          <a:fontRef idx="minor">
-            <a:schemeClr val="tx1"/>
-          </a:fontRef>
-        </p:style>
-      </p:cxnSp>
-      <p:sp>
-        <p:nvSpPr>
-          <p:cNvPr id="46" name="Rectangle 45"/>
-          <p:cNvSpPr/>
-          <p:nvPr/>
-        </p:nvSpPr>
-        <p:spPr>
-          <a:xfrm>
-            <a:off x="3433721" y="318568"/>
-            <a:ext cx="1221971" cy="548640"/>
-          </a:xfrm>
-          <a:prstGeom prst="rect">
-            <a:avLst/>
-          </a:prstGeom>
-        </p:spPr>
-        <p:style>
-          <a:lnRef idx="2">
-            <a:schemeClr val="accent1">
-              <a:shade val="50000"/>
-            </a:schemeClr>
-          </a:lnRef>
-          <a:fillRef idx="1">
-            <a:schemeClr val="accent1"/>
-          </a:fillRef>
-          <a:effectRef idx="0">
-            <a:schemeClr val="accent1"/>
-          </a:effectRef>
-          <a:fontRef idx="minor">
-            <a:schemeClr val="lt1"/>
-          </a:fontRef>
-        </p:style>
-        <p:txBody>
-          <a:bodyPr rtlCol="0" anchor="ctr"/>
-          <a:lstStyle/>
-          <a:p>
-            <a:pPr algn="ctr"/>
-            <a:r>
-              <a:rPr lang="en-CA" sz="1600" dirty="0" smtClean="0"/>
-              <a:t>Reference Year</a:t>
-            </a:r>
-            <a:endParaRPr lang="en-US" sz="1600" dirty="0"/>
-          </a:p>
-        </p:txBody>
-      </p:sp>
-      <p:sp>
-        <p:nvSpPr>
-          <p:cNvPr id="47" name="Rectangle 46"/>
-          <p:cNvSpPr/>
-          <p:nvPr/>
-        </p:nvSpPr>
-        <p:spPr>
-          <a:xfrm>
-            <a:off x="948216" y="332426"/>
-            <a:ext cx="1294015" cy="548640"/>
-          </a:xfrm>
-          <a:prstGeom prst="rect">
-            <a:avLst/>
-          </a:prstGeom>
-        </p:spPr>
-        <p:style>
-          <a:lnRef idx="2">
-            <a:schemeClr val="accent3">
-              <a:shade val="50000"/>
-            </a:schemeClr>
-          </a:lnRef>
-          <a:fillRef idx="1">
-            <a:schemeClr val="accent3"/>
-          </a:fillRef>
-          <a:effectRef idx="0">
-            <a:schemeClr val="accent3"/>
-          </a:effectRef>
-          <a:fontRef idx="minor">
-            <a:schemeClr val="lt1"/>
-          </a:fontRef>
-        </p:style>
-        <p:txBody>
-          <a:bodyPr rtlCol="0" anchor="ctr"/>
-          <a:lstStyle/>
-          <a:p>
-            <a:pPr algn="ctr"/>
-            <a:r>
-              <a:rPr lang="en-CA" sz="1600" dirty="0" smtClean="0"/>
-              <a:t>Disturbance Year</a:t>
-            </a:r>
-            <a:endParaRPr lang="en-US" sz="1600" dirty="0"/>
-          </a:p>
-        </p:txBody>
-      </p:sp>
-      <p:sp>
-        <p:nvSpPr>
-          <p:cNvPr id="48" name="Rectangle 47"/>
-          <p:cNvSpPr/>
-          <p:nvPr/>
-        </p:nvSpPr>
-        <p:spPr>
-          <a:xfrm>
-            <a:off x="2443811" y="329656"/>
-            <a:ext cx="875608" cy="548640"/>
-          </a:xfrm>
-          <a:prstGeom prst="rect">
-            <a:avLst/>
-          </a:prstGeom>
-        </p:spPr>
-        <p:style>
-          <a:lnRef idx="2">
-            <a:schemeClr val="accent4">
-              <a:shade val="50000"/>
-            </a:schemeClr>
-          </a:lnRef>
-          <a:fillRef idx="1">
-            <a:schemeClr val="accent4"/>
-          </a:fillRef>
-          <a:effectRef idx="0">
-            <a:schemeClr val="accent4"/>
-          </a:effectRef>
-          <a:fontRef idx="minor">
-            <a:schemeClr val="lt1"/>
-          </a:fontRef>
-        </p:style>
-        <p:txBody>
-          <a:bodyPr rtlCol="0" anchor="ctr"/>
-          <a:lstStyle/>
-          <a:p>
-            <a:pPr algn="ctr"/>
-            <a:r>
-              <a:rPr lang="en-CA" sz="1600" dirty="0" smtClean="0"/>
-              <a:t>Bird Survey</a:t>
-            </a:r>
-            <a:endParaRPr lang="en-US" sz="1600" dirty="0"/>
-          </a:p>
-        </p:txBody>
-      </p:sp>
-      <p:sp>
-        <p:nvSpPr>
-          <p:cNvPr id="2" name="TextBox 1"/>
-          <p:cNvSpPr txBox="1"/>
-          <p:nvPr/>
-        </p:nvSpPr>
-        <p:spPr>
-          <a:xfrm>
-            <a:off x="437486" y="267110"/>
+            <a:off x="205152" y="1103320"/>
             <a:ext cx="393056" cy="584775"/>
           </a:xfrm>
           <a:prstGeom prst="rect">
@@ -5517,66 +5569,6 @@
           <a:noFill/>
         </p:spPr>
         <p:txBody>
-          <a:bodyPr wrap="none" rtlCol="0">
-            <a:spAutoFit/>
-          </a:bodyPr>
-          <a:lstStyle/>
-          <a:p>
-            <a:r>
-              <a:rPr lang="en-CA" sz="3200" dirty="0" smtClean="0"/>
-              <a:t>1</a:t>
-            </a:r>
-            <a:endParaRPr lang="en-US" sz="3200" dirty="0"/>
-          </a:p>
-        </p:txBody>
-      </p:sp>
-      <p:sp>
-        <p:nvSpPr>
-          <p:cNvPr id="33" name="TextBox 32"/>
-          <p:cNvSpPr txBox="1"/>
-          <p:nvPr/>
-        </p:nvSpPr>
-        <p:spPr>
-          <a:xfrm>
-            <a:off x="5796191" y="2031097"/>
-            <a:ext cx="393056" cy="584775"/>
-          </a:xfrm>
-          <a:prstGeom prst="rect">
-            <a:avLst/>
-          </a:prstGeom>
-          <a:noFill/>
-        </p:spPr>
-        <p:txBody>
-          <a:bodyPr wrap="none" rtlCol="0">
-            <a:spAutoFit/>
-          </a:bodyPr>
-          <a:lstStyle/>
-          <a:p>
-            <a:r>
-              <a:rPr lang="en-CA" sz="3200" dirty="0"/>
-              <a:t>2</a:t>
-            </a:r>
-            <a:endParaRPr lang="en-US" sz="3200" dirty="0"/>
-          </a:p>
-        </p:txBody>
-      </p:sp>
-      <p:sp>
-        <p:nvSpPr>
-          <p:cNvPr id="34" name="TextBox 33"/>
-          <p:cNvSpPr txBox="1"/>
-          <p:nvPr/>
-        </p:nvSpPr>
-        <p:spPr>
-          <a:xfrm>
-            <a:off x="446221" y="4445036"/>
-            <a:ext cx="393056" cy="584775"/>
-          </a:xfrm>
-          <a:prstGeom prst="rect">
-            <a:avLst/>
-          </a:prstGeom>
-          <a:noFill/>
-        </p:spPr>
-        <p:txBody>
           <a:bodyPr wrap="square" rtlCol="0">
             <a:spAutoFit/>
           </a:bodyPr>
@@ -5592,13 +5584,13 @@
       </p:sp>
       <p:sp>
         <p:nvSpPr>
-          <p:cNvPr id="35" name="TextBox 34"/>
+          <p:cNvPr id="39" name="TextBox 38"/>
           <p:cNvSpPr txBox="1"/>
           <p:nvPr/>
         </p:nvSpPr>
         <p:spPr>
           <a:xfrm>
-            <a:off x="692203" y="387313"/>
+            <a:off x="451134" y="1211732"/>
             <a:ext cx="308098" cy="400110"/>
           </a:xfrm>
           <a:prstGeom prst="rect">
@@ -5607,7 +5599,7 @@
           <a:noFill/>
         </p:spPr>
         <p:txBody>
-          <a:bodyPr wrap="none" rtlCol="0">
+          <a:bodyPr wrap="square" rtlCol="0">
             <a:spAutoFit/>
           </a:bodyPr>
           <a:lstStyle/>
@@ -5622,13 +5614,13 @@
       </p:sp>
       <p:sp>
         <p:nvSpPr>
-          <p:cNvPr id="36" name="TextBox 35"/>
+          <p:cNvPr id="40" name="TextBox 39"/>
           <p:cNvSpPr txBox="1"/>
           <p:nvPr/>
         </p:nvSpPr>
         <p:spPr>
           <a:xfrm>
-            <a:off x="692203" y="1236977"/>
+            <a:off x="451134" y="2061396"/>
             <a:ext cx="319318" cy="400110"/>
           </a:xfrm>
           <a:prstGeom prst="rect">
@@ -5637,7 +5629,7 @@
           <a:noFill/>
         </p:spPr>
         <p:txBody>
-          <a:bodyPr wrap="none" rtlCol="0">
+          <a:bodyPr wrap="square" rtlCol="0">
             <a:spAutoFit/>
           </a:bodyPr>
           <a:lstStyle/>
@@ -5652,14 +5644,14 @@
       </p:sp>
       <p:sp>
         <p:nvSpPr>
-          <p:cNvPr id="37" name="TextBox 36"/>
+          <p:cNvPr id="51" name="TextBox 50"/>
           <p:cNvSpPr txBox="1"/>
           <p:nvPr/>
         </p:nvSpPr>
         <p:spPr>
           <a:xfrm>
-            <a:off x="6050908" y="2130260"/>
-            <a:ext cx="308098" cy="400110"/>
+            <a:off x="5136438" y="992239"/>
+            <a:ext cx="5760720" cy="1600438"/>
           </a:xfrm>
           <a:prstGeom prst="rect">
             <a:avLst/>
@@ -5667,417 +5659,94 @@
           <a:noFill/>
         </p:spPr>
         <p:txBody>
-          <a:bodyPr wrap="none" rtlCol="0">
-            <a:spAutoFit/>
-          </a:bodyPr>
-          <a:lstStyle/>
-          <a:p>
-            <a:r>
-              <a:rPr lang="en-CA" sz="2000" dirty="0" smtClean="0"/>
-              <a:t>a</a:t>
-            </a:r>
-            <a:endParaRPr lang="en-US" sz="3200" dirty="0"/>
-          </a:p>
-        </p:txBody>
-      </p:sp>
-      <p:sp>
-        <p:nvSpPr>
-          <p:cNvPr id="38" name="TextBox 37"/>
-          <p:cNvSpPr txBox="1"/>
-          <p:nvPr/>
-        </p:nvSpPr>
-        <p:spPr>
-          <a:xfrm>
-            <a:off x="6050908" y="2979924"/>
-            <a:ext cx="319318" cy="400110"/>
-          </a:xfrm>
-          <a:prstGeom prst="rect">
-            <a:avLst/>
-          </a:prstGeom>
-          <a:noFill/>
-        </p:spPr>
-        <p:txBody>
-          <a:bodyPr wrap="none" rtlCol="0">
-            <a:spAutoFit/>
-          </a:bodyPr>
-          <a:lstStyle/>
-          <a:p>
-            <a:r>
-              <a:rPr lang="en-CA" sz="2000" dirty="0"/>
-              <a:t>b</a:t>
-            </a:r>
-            <a:endParaRPr lang="en-US" sz="3200" dirty="0"/>
-          </a:p>
-        </p:txBody>
-      </p:sp>
-      <p:sp>
-        <p:nvSpPr>
-          <p:cNvPr id="39" name="TextBox 38"/>
-          <p:cNvSpPr txBox="1"/>
-          <p:nvPr/>
-        </p:nvSpPr>
-        <p:spPr>
-          <a:xfrm>
-            <a:off x="692203" y="4553448"/>
-            <a:ext cx="308098" cy="400110"/>
-          </a:xfrm>
-          <a:prstGeom prst="rect">
-            <a:avLst/>
-          </a:prstGeom>
-          <a:noFill/>
-        </p:spPr>
-        <p:txBody>
           <a:bodyPr wrap="square" rtlCol="0">
             <a:spAutoFit/>
           </a:bodyPr>
           <a:lstStyle/>
           <a:p>
             <a:r>
-              <a:rPr lang="en-CA" sz="2000" dirty="0" smtClean="0"/>
-              <a:t>a</a:t>
-            </a:r>
-            <a:endParaRPr lang="en-US" sz="3200" dirty="0"/>
-          </a:p>
-        </p:txBody>
-      </p:sp>
-      <p:sp>
-        <p:nvSpPr>
-          <p:cNvPr id="40" name="TextBox 39"/>
-          <p:cNvSpPr txBox="1"/>
-          <p:nvPr/>
-        </p:nvSpPr>
-        <p:spPr>
-          <a:xfrm>
-            <a:off x="692203" y="5403112"/>
-            <a:ext cx="319318" cy="400110"/>
-          </a:xfrm>
-          <a:prstGeom prst="rect">
-            <a:avLst/>
-          </a:prstGeom>
-          <a:noFill/>
-        </p:spPr>
-        <p:txBody>
-          <a:bodyPr wrap="square" rtlCol="0">
-            <a:spAutoFit/>
-          </a:bodyPr>
-          <a:lstStyle/>
-          <a:p>
-            <a:r>
-              <a:rPr lang="en-CA" sz="2000" dirty="0"/>
-              <a:t>b</a:t>
-            </a:r>
-            <a:endParaRPr lang="en-US" sz="3200" dirty="0"/>
-          </a:p>
-        </p:txBody>
-      </p:sp>
-      <p:sp>
-        <p:nvSpPr>
-          <p:cNvPr id="51" name="TextBox 50"/>
-          <p:cNvSpPr txBox="1"/>
-          <p:nvPr/>
-        </p:nvSpPr>
-        <p:spPr>
-          <a:xfrm>
-            <a:off x="8906289" y="185798"/>
-            <a:ext cx="3197337" cy="1384995"/>
-          </a:xfrm>
-          <a:prstGeom prst="rect">
-            <a:avLst/>
-          </a:prstGeom>
-          <a:noFill/>
-        </p:spPr>
-        <p:txBody>
-          <a:bodyPr wrap="square" rtlCol="0">
-            <a:spAutoFit/>
-          </a:bodyPr>
-          <a:lstStyle/>
-          <a:p>
-            <a:r>
               <a:rPr lang="en-CA" sz="1400" dirty="0" smtClean="0"/>
-              <a:t>Diff1 </a:t>
-            </a:r>
+              <a:t>Disturbance occurred after both the inventory and the bird data</a:t>
+            </a:r>
+            <a:r>
+              <a:rPr lang="en-CA" sz="1400" dirty="0" smtClean="0"/>
+              <a:t>.</a:t>
+            </a:r>
+          </a:p>
+          <a:p>
+            <a:r>
+              <a:rPr lang="en-CA" sz="1400" dirty="0" err="1"/>
+              <a:t>DisturbanceYear</a:t>
+            </a:r>
+            <a:r>
+              <a:rPr lang="en-CA" sz="1400" dirty="0"/>
+              <a:t> &gt; </a:t>
+            </a:r>
+            <a:r>
+              <a:rPr lang="en-CA" sz="1400" dirty="0" err="1"/>
+              <a:t>ReferenceYear</a:t>
+            </a:r>
+            <a:r>
+              <a:rPr lang="en-CA" sz="1400" dirty="0"/>
+              <a:t> &amp; </a:t>
+            </a:r>
+            <a:r>
+              <a:rPr lang="en-CA" sz="1400" dirty="0" err="1"/>
+              <a:t>DisturbanceYear</a:t>
+            </a:r>
+            <a:r>
+              <a:rPr lang="en-CA" sz="1400" dirty="0"/>
+              <a:t> &gt; Bird Survey</a:t>
+            </a:r>
+          </a:p>
+          <a:p>
             <a:r>
               <a:rPr lang="en-CA" sz="1400" dirty="0" smtClean="0">
                 <a:sym typeface="Wingdings" panose="05000000000000000000" pitchFamily="2" charset="2"/>
               </a:rPr>
-              <a:t></a:t>
-            </a:r>
-            <a:r>
-              <a:rPr lang="en-CA" sz="1400" dirty="0" smtClean="0"/>
-              <a:t> </a:t>
-            </a:r>
-            <a:r>
-              <a:rPr lang="en-CA" sz="1400" dirty="0" err="1" smtClean="0"/>
-              <a:t>DisturbanceYear</a:t>
-            </a:r>
-            <a:r>
-              <a:rPr lang="en-CA" sz="1400" dirty="0" smtClean="0"/>
-              <a:t> &gt; </a:t>
-            </a:r>
-            <a:r>
-              <a:rPr lang="en-CA" sz="1400" dirty="0" err="1" smtClean="0"/>
-              <a:t>BirdSurvey</a:t>
-            </a:r>
-            <a:endParaRPr lang="en-CA" sz="1400" dirty="0" smtClean="0"/>
-          </a:p>
-          <a:p>
-            <a:r>
-              <a:rPr lang="en-CA" sz="1400" dirty="0" smtClean="0"/>
-              <a:t>Diff2 </a:t>
+              <a:t> </a:t>
             </a:r>
             <a:r>
               <a:rPr lang="en-CA" sz="1400" dirty="0" smtClean="0">
                 <a:sym typeface="Wingdings" panose="05000000000000000000" pitchFamily="2" charset="2"/>
               </a:rPr>
-              <a:t> </a:t>
-            </a:r>
-            <a:r>
-              <a:rPr lang="en-CA" sz="1400" dirty="0" err="1" smtClean="0">
-                <a:sym typeface="Wingdings" panose="05000000000000000000" pitchFamily="2" charset="2"/>
-              </a:rPr>
-              <a:t>DisturbanceYear</a:t>
+              <a:t>PROBABLY GOOD: Bird data and inventory data collected under similar conditions. I</a:t>
+            </a:r>
+            <a:r>
+              <a:rPr lang="en-CA" sz="1400" dirty="0" smtClean="0"/>
+              <a:t>f VRI dataset seems to reflect reference year conditions, then it likely represents bird conditions </a:t>
             </a:r>
             <a:r>
               <a:rPr lang="en-CA" sz="1400" dirty="0" smtClean="0">
                 <a:sym typeface="Wingdings" panose="05000000000000000000" pitchFamily="2" charset="2"/>
               </a:rPr>
-              <a:t> </a:t>
-            </a:r>
-            <a:r>
-              <a:rPr lang="en-CA" sz="1400" dirty="0"/>
-              <a:t>&gt;</a:t>
-            </a:r>
+              <a:t>(depending on time lag)</a:t>
+            </a:r>
+            <a:r>
+              <a:rPr lang="en-CA" sz="1400" dirty="0" smtClean="0"/>
+              <a:t>. </a:t>
+            </a:r>
+            <a:endParaRPr lang="en-US" sz="1400" dirty="0" smtClean="0"/>
+          </a:p>
+          <a:p>
             <a:r>
               <a:rPr lang="en-CA" sz="1400" dirty="0" smtClean="0">
                 <a:sym typeface="Wingdings" panose="05000000000000000000" pitchFamily="2" charset="2"/>
               </a:rPr>
-              <a:t> </a:t>
-            </a:r>
-            <a:r>
-              <a:rPr lang="en-CA" sz="1400" dirty="0" err="1" smtClean="0">
-                <a:sym typeface="Wingdings" panose="05000000000000000000" pitchFamily="2" charset="2"/>
-              </a:rPr>
-              <a:t>ReferenceYear</a:t>
-            </a:r>
-            <a:endParaRPr lang="en-CA" sz="1400" dirty="0" smtClean="0">
-              <a:sym typeface="Wingdings" panose="05000000000000000000" pitchFamily="2" charset="2"/>
-            </a:endParaRPr>
-          </a:p>
-          <a:p>
-            <a:r>
-              <a:rPr lang="en-CA" sz="1400" dirty="0" smtClean="0">
-                <a:sym typeface="Wingdings" panose="05000000000000000000" pitchFamily="2" charset="2"/>
-              </a:rPr>
-              <a:t>Diff3  </a:t>
-            </a:r>
-            <a:r>
-              <a:rPr lang="en-CA" sz="1400" dirty="0" err="1" smtClean="0">
-                <a:sym typeface="Wingdings" panose="05000000000000000000" pitchFamily="2" charset="2"/>
-              </a:rPr>
-              <a:t>BirdSurvey</a:t>
-            </a:r>
-            <a:r>
-              <a:rPr lang="en-CA" sz="1400" dirty="0" smtClean="0">
-                <a:sym typeface="Wingdings" panose="05000000000000000000" pitchFamily="2" charset="2"/>
-              </a:rPr>
-              <a:t> </a:t>
-            </a:r>
-            <a:r>
-              <a:rPr lang="en-CA" sz="1400" dirty="0"/>
-              <a:t>&gt;</a:t>
-            </a:r>
-            <a:r>
-              <a:rPr lang="en-CA" sz="1400" dirty="0" smtClean="0">
-                <a:sym typeface="Wingdings" panose="05000000000000000000" pitchFamily="2" charset="2"/>
-              </a:rPr>
-              <a:t> </a:t>
-            </a:r>
-            <a:r>
-              <a:rPr lang="en-CA" sz="1400" dirty="0" err="1" smtClean="0">
-                <a:sym typeface="Wingdings" panose="05000000000000000000" pitchFamily="2" charset="2"/>
-              </a:rPr>
-              <a:t>ReferenceYear</a:t>
-            </a:r>
-            <a:endParaRPr lang="en-CA" sz="1400" dirty="0" smtClean="0">
-              <a:sym typeface="Wingdings" panose="05000000000000000000" pitchFamily="2" charset="2"/>
-            </a:endParaRPr>
-          </a:p>
-          <a:p>
-            <a:r>
-              <a:rPr lang="en-CA" sz="1400" dirty="0" smtClean="0">
-                <a:sym typeface="Wingdings" panose="05000000000000000000" pitchFamily="2" charset="2"/>
-              </a:rPr>
-              <a:t>Diff4  </a:t>
-            </a:r>
-            <a:r>
-              <a:rPr lang="en-CA" sz="1400" dirty="0" err="1" smtClean="0">
-                <a:sym typeface="Wingdings" panose="05000000000000000000" pitchFamily="2" charset="2"/>
-              </a:rPr>
-              <a:t>BirdSurvey</a:t>
-            </a:r>
-            <a:r>
-              <a:rPr lang="en-CA" sz="1400" dirty="0" smtClean="0">
-                <a:sym typeface="Wingdings" panose="05000000000000000000" pitchFamily="2" charset="2"/>
-              </a:rPr>
-              <a:t> </a:t>
-            </a:r>
-            <a:r>
-              <a:rPr lang="en-CA" sz="1400" dirty="0"/>
-              <a:t>&gt;</a:t>
-            </a:r>
-            <a:r>
-              <a:rPr lang="en-CA" sz="1400" dirty="0" smtClean="0">
-                <a:sym typeface="Wingdings" panose="05000000000000000000" pitchFamily="2" charset="2"/>
-              </a:rPr>
-              <a:t> </a:t>
-            </a:r>
-            <a:r>
-              <a:rPr lang="en-CA" sz="1400" dirty="0" err="1" smtClean="0">
-                <a:sym typeface="Wingdings" panose="05000000000000000000" pitchFamily="2" charset="2"/>
-              </a:rPr>
-              <a:t>DisturbanceYear</a:t>
-            </a:r>
-            <a:endParaRPr lang="en-CA" sz="1400" dirty="0" smtClean="0">
-              <a:sym typeface="Wingdings" panose="05000000000000000000" pitchFamily="2" charset="2"/>
-            </a:endParaRPr>
-          </a:p>
-          <a:p>
-            <a:r>
-              <a:rPr lang="en-CA" sz="1400" dirty="0" smtClean="0">
-                <a:sym typeface="Wingdings" panose="05000000000000000000" pitchFamily="2" charset="2"/>
-              </a:rPr>
-              <a:t>Diff5  </a:t>
-            </a:r>
-            <a:r>
-              <a:rPr lang="en-CA" sz="1400" dirty="0" err="1" smtClean="0">
-                <a:sym typeface="Wingdings" panose="05000000000000000000" pitchFamily="2" charset="2"/>
-              </a:rPr>
-              <a:t>ReferenceYear</a:t>
-            </a:r>
-            <a:r>
-              <a:rPr lang="en-CA" sz="1400" dirty="0" smtClean="0">
-                <a:sym typeface="Wingdings" panose="05000000000000000000" pitchFamily="2" charset="2"/>
-              </a:rPr>
-              <a:t> </a:t>
-            </a:r>
-            <a:r>
-              <a:rPr lang="en-CA" sz="1400" dirty="0"/>
-              <a:t>&gt;</a:t>
-            </a:r>
-            <a:r>
-              <a:rPr lang="en-CA" sz="1400" dirty="0" smtClean="0">
-                <a:sym typeface="Wingdings" panose="05000000000000000000" pitchFamily="2" charset="2"/>
-              </a:rPr>
-              <a:t> </a:t>
-            </a:r>
-            <a:r>
-              <a:rPr lang="en-CA" sz="1400" dirty="0" err="1" smtClean="0">
-                <a:sym typeface="Wingdings" panose="05000000000000000000" pitchFamily="2" charset="2"/>
-              </a:rPr>
-              <a:t>DisturbanceYear</a:t>
-            </a:r>
-            <a:endParaRPr lang="en-CA" sz="1400" dirty="0" smtClean="0">
-              <a:sym typeface="Wingdings" panose="05000000000000000000" pitchFamily="2" charset="2"/>
-            </a:endParaRPr>
-          </a:p>
-          <a:p>
-            <a:r>
-              <a:rPr lang="en-CA" sz="1400" dirty="0" smtClean="0">
-                <a:sym typeface="Wingdings" panose="05000000000000000000" pitchFamily="2" charset="2"/>
-              </a:rPr>
-              <a:t>Diff6  </a:t>
-            </a:r>
-            <a:r>
-              <a:rPr lang="en-CA" sz="1400" dirty="0" err="1" smtClean="0">
-                <a:sym typeface="Wingdings" panose="05000000000000000000" pitchFamily="2" charset="2"/>
-              </a:rPr>
-              <a:t>ReferenceYear</a:t>
-            </a:r>
-            <a:r>
-              <a:rPr lang="en-CA" sz="1400" dirty="0" smtClean="0">
-                <a:sym typeface="Wingdings" panose="05000000000000000000" pitchFamily="2" charset="2"/>
-              </a:rPr>
-              <a:t> </a:t>
-            </a:r>
-            <a:r>
-              <a:rPr lang="en-CA" sz="1400" dirty="0"/>
-              <a:t>&gt;</a:t>
-            </a:r>
-            <a:r>
-              <a:rPr lang="en-CA" sz="1400" dirty="0" smtClean="0">
-                <a:sym typeface="Wingdings" panose="05000000000000000000" pitchFamily="2" charset="2"/>
-              </a:rPr>
-              <a:t> </a:t>
-            </a:r>
-            <a:r>
-              <a:rPr lang="en-CA" sz="1400" dirty="0" err="1" smtClean="0">
-                <a:sym typeface="Wingdings" panose="05000000000000000000" pitchFamily="2" charset="2"/>
-              </a:rPr>
-              <a:t>BirdSurvey</a:t>
-            </a:r>
-            <a:r>
-              <a:rPr lang="en-CA" sz="1400" dirty="0" smtClean="0">
-                <a:sym typeface="Wingdings" panose="05000000000000000000" pitchFamily="2" charset="2"/>
-              </a:rPr>
-              <a:t> </a:t>
-            </a:r>
-            <a:endParaRPr lang="en-US" sz="1400" dirty="0"/>
-          </a:p>
-        </p:txBody>
-      </p:sp>
-      <p:sp>
-        <p:nvSpPr>
-          <p:cNvPr id="53" name="TextBox 52"/>
-          <p:cNvSpPr txBox="1"/>
-          <p:nvPr/>
-        </p:nvSpPr>
-        <p:spPr>
-          <a:xfrm>
-            <a:off x="348046" y="1809823"/>
-            <a:ext cx="5448145" cy="523220"/>
-          </a:xfrm>
-          <a:prstGeom prst="rect">
-            <a:avLst/>
-          </a:prstGeom>
-          <a:noFill/>
-        </p:spPr>
-        <p:txBody>
-          <a:bodyPr wrap="square" rtlCol="0">
-            <a:spAutoFit/>
-          </a:bodyPr>
-          <a:lstStyle/>
-          <a:p>
-            <a:r>
-              <a:rPr lang="en-CA" sz="1400" dirty="0" err="1" smtClean="0"/>
-              <a:t>DisturbanceYear</a:t>
+              <a:t> </a:t>
             </a:r>
             <a:r>
               <a:rPr lang="en-CA" sz="1400" dirty="0" smtClean="0"/>
-              <a:t> &lt; </a:t>
-            </a:r>
-            <a:r>
-              <a:rPr lang="en-CA" sz="1400" dirty="0" err="1" smtClean="0"/>
-              <a:t>BirdSurvey</a:t>
+              <a:t>POSSIBLE MISMATCH: If the 2014 VRI dataset </a:t>
+            </a:r>
+            <a:r>
+              <a:rPr lang="en-CA" sz="1400" b="1" dirty="0" smtClean="0"/>
+              <a:t>was</a:t>
             </a:r>
             <a:r>
               <a:rPr lang="en-CA" sz="1400" dirty="0" smtClean="0"/>
-              <a:t> &amp; </a:t>
-            </a:r>
-            <a:r>
-              <a:rPr lang="en-CA" sz="1400" dirty="0" err="1" smtClean="0"/>
-              <a:t>DisturbanceYear</a:t>
-            </a:r>
-            <a:r>
-              <a:rPr lang="en-CA" sz="1400" dirty="0" smtClean="0"/>
-              <a:t> &lt; </a:t>
-            </a:r>
-            <a:r>
-              <a:rPr lang="en-CA" sz="1400" dirty="0" err="1" smtClean="0"/>
-              <a:t>ReferenceYear</a:t>
-            </a:r>
-            <a:endParaRPr lang="en-CA" sz="1400" dirty="0" smtClean="0"/>
-          </a:p>
-          <a:p>
+              <a:t> updated to reflect the disturbance, then it won’t represent bird conditions. </a:t>
+            </a:r>
             <a:endParaRPr lang="en-US" sz="1400" dirty="0"/>
           </a:p>
         </p:txBody>
@@ -6085,7 +5754,7 @@
     </p:spTree>
     <p:extLst>
       <p:ext uri="{BB962C8B-B14F-4D97-AF65-F5344CB8AC3E}">
-        <p14:creationId xmlns:p14="http://schemas.microsoft.com/office/powerpoint/2010/main" val="3588655513"/>
+        <p14:creationId xmlns:p14="http://schemas.microsoft.com/office/powerpoint/2010/main" val="2479048058"/>
       </p:ext>
     </p:extLst>
   </p:cSld>
@@ -6095,7 +5764,7 @@
 </p:sld>
 </file>
 
-<file path=ppt/slides/slide3.xml><?xml version="1.0" encoding="utf-8"?>
+<file path=ppt/slides/slide4.xml><?xml version="1.0" encoding="utf-8"?>
 <p:sld xmlns:a="http://schemas.openxmlformats.org/drawingml/2006/main" xmlns:r="http://schemas.openxmlformats.org/officeDocument/2006/relationships" xmlns:p="http://schemas.openxmlformats.org/presentationml/2006/main">
   <p:cSld>
     <p:spTree>

--- a/VRI_bird_data_scenarios.pptx
+++ b/VRI_bird_data_scenarios.pptx
@@ -9,6 +9,8 @@
     <p:sldId id="259" r:id="rId3"/>
     <p:sldId id="260" r:id="rId4"/>
     <p:sldId id="257" r:id="rId5"/>
+    <p:sldId id="261" r:id="rId6"/>
+    <p:sldId id="262" r:id="rId7"/>
   </p:sldIdLst>
   <p:sldSz cx="12192000" cy="6858000"/>
   <p:notesSz cx="6858000" cy="9144000"/>
@@ -246,7 +248,7 @@
           <a:p>
             <a:fld id="{2D5072A0-6F4A-496D-BC20-1C16D5D961A8}" type="datetimeFigureOut">
               <a:rPr lang="en-US" smtClean="0"/>
-              <a:t>1/1/2018</a:t>
+              <a:t>1/8/2018</a:t>
             </a:fld>
             <a:endParaRPr lang="en-US"/>
           </a:p>
@@ -416,7 +418,7 @@
           <a:p>
             <a:fld id="{2D5072A0-6F4A-496D-BC20-1C16D5D961A8}" type="datetimeFigureOut">
               <a:rPr lang="en-US" smtClean="0"/>
-              <a:t>1/1/2018</a:t>
+              <a:t>1/8/2018</a:t>
             </a:fld>
             <a:endParaRPr lang="en-US"/>
           </a:p>
@@ -596,7 +598,7 @@
           <a:p>
             <a:fld id="{2D5072A0-6F4A-496D-BC20-1C16D5D961A8}" type="datetimeFigureOut">
               <a:rPr lang="en-US" smtClean="0"/>
-              <a:t>1/1/2018</a:t>
+              <a:t>1/8/2018</a:t>
             </a:fld>
             <a:endParaRPr lang="en-US"/>
           </a:p>
@@ -766,7 +768,7 @@
           <a:p>
             <a:fld id="{2D5072A0-6F4A-496D-BC20-1C16D5D961A8}" type="datetimeFigureOut">
               <a:rPr lang="en-US" smtClean="0"/>
-              <a:t>1/1/2018</a:t>
+              <a:t>1/8/2018</a:t>
             </a:fld>
             <a:endParaRPr lang="en-US"/>
           </a:p>
@@ -1012,7 +1014,7 @@
           <a:p>
             <a:fld id="{2D5072A0-6F4A-496D-BC20-1C16D5D961A8}" type="datetimeFigureOut">
               <a:rPr lang="en-US" smtClean="0"/>
-              <a:t>1/1/2018</a:t>
+              <a:t>1/8/2018</a:t>
             </a:fld>
             <a:endParaRPr lang="en-US"/>
           </a:p>
@@ -1244,7 +1246,7 @@
           <a:p>
             <a:fld id="{2D5072A0-6F4A-496D-BC20-1C16D5D961A8}" type="datetimeFigureOut">
               <a:rPr lang="en-US" smtClean="0"/>
-              <a:t>1/1/2018</a:t>
+              <a:t>1/8/2018</a:t>
             </a:fld>
             <a:endParaRPr lang="en-US"/>
           </a:p>
@@ -1611,7 +1613,7 @@
           <a:p>
             <a:fld id="{2D5072A0-6F4A-496D-BC20-1C16D5D961A8}" type="datetimeFigureOut">
               <a:rPr lang="en-US" smtClean="0"/>
-              <a:t>1/1/2018</a:t>
+              <a:t>1/8/2018</a:t>
             </a:fld>
             <a:endParaRPr lang="en-US"/>
           </a:p>
@@ -1729,7 +1731,7 @@
           <a:p>
             <a:fld id="{2D5072A0-6F4A-496D-BC20-1C16D5D961A8}" type="datetimeFigureOut">
               <a:rPr lang="en-US" smtClean="0"/>
-              <a:t>1/1/2018</a:t>
+              <a:t>1/8/2018</a:t>
             </a:fld>
             <a:endParaRPr lang="en-US"/>
           </a:p>
@@ -1824,7 +1826,7 @@
           <a:p>
             <a:fld id="{2D5072A0-6F4A-496D-BC20-1C16D5D961A8}" type="datetimeFigureOut">
               <a:rPr lang="en-US" smtClean="0"/>
-              <a:t>1/1/2018</a:t>
+              <a:t>1/8/2018</a:t>
             </a:fld>
             <a:endParaRPr lang="en-US"/>
           </a:p>
@@ -2101,7 +2103,7 @@
           <a:p>
             <a:fld id="{2D5072A0-6F4A-496D-BC20-1C16D5D961A8}" type="datetimeFigureOut">
               <a:rPr lang="en-US" smtClean="0"/>
-              <a:t>1/1/2018</a:t>
+              <a:t>1/8/2018</a:t>
             </a:fld>
             <a:endParaRPr lang="en-US"/>
           </a:p>
@@ -2354,7 +2356,7 @@
           <a:p>
             <a:fld id="{2D5072A0-6F4A-496D-BC20-1C16D5D961A8}" type="datetimeFigureOut">
               <a:rPr lang="en-US" smtClean="0"/>
-              <a:t>1/1/2018</a:t>
+              <a:t>1/8/2018</a:t>
             </a:fld>
             <a:endParaRPr lang="en-US"/>
           </a:p>
@@ -2567,7 +2569,7 @@
           <a:p>
             <a:fld id="{2D5072A0-6F4A-496D-BC20-1C16D5D961A8}" type="datetimeFigureOut">
               <a:rPr lang="en-US" smtClean="0"/>
-              <a:t>1/1/2018</a:t>
+              <a:t>1/8/2018</a:t>
             </a:fld>
             <a:endParaRPr lang="en-US"/>
           </a:p>
@@ -3499,25 +3501,7 @@
                 <a:rPr lang="en-CA" sz="1400" dirty="0" smtClean="0">
                   <a:sym typeface="Wingdings" panose="05000000000000000000" pitchFamily="2" charset="2"/>
                 </a:rPr>
-                <a:t> </a:t>
-              </a:r>
-              <a:r>
-                <a:rPr lang="en-CA" sz="1400" dirty="0" smtClean="0">
-                  <a:sym typeface="Wingdings" panose="05000000000000000000" pitchFamily="2" charset="2"/>
-                </a:rPr>
-                <a:t>GOOD: Bird survey </a:t>
-              </a:r>
-              <a:r>
-                <a:rPr lang="en-CA" sz="1400" dirty="0" smtClean="0">
-                  <a:sym typeface="Wingdings" panose="05000000000000000000" pitchFamily="2" charset="2"/>
-                </a:rPr>
-                <a:t>represents </a:t>
-              </a:r>
-              <a:r>
-                <a:rPr lang="en-CA" sz="1400" dirty="0" smtClean="0">
-                  <a:sym typeface="Wingdings" panose="05000000000000000000" pitchFamily="2" charset="2"/>
-                </a:rPr>
-                <a:t>post-disturbance conditions </a:t>
+                <a:t> GOOD: Bird survey represents post-disturbance conditions </a:t>
               </a:r>
               <a:endParaRPr lang="en-US" sz="1400" dirty="0"/>
             </a:p>
@@ -4034,7 +4018,6 @@
                 <a:rPr lang="en-CA" sz="1400" dirty="0" smtClean="0"/>
                 <a:t>A disturbance occurred after the inventory and before the bird survey. </a:t>
               </a:r>
-              <a:endParaRPr lang="en-CA" sz="1400" dirty="0" smtClean="0"/>
             </a:p>
             <a:p>
               <a:r>
@@ -4075,13 +4058,7 @@
                 <a:rPr lang="en-CA" sz="1400" dirty="0" smtClean="0">
                   <a:sym typeface="Wingdings" panose="05000000000000000000" pitchFamily="2" charset="2"/>
                 </a:rPr>
-                <a:t> </a:t>
-              </a:r>
-              <a:r>
-                <a:rPr lang="en-CA" sz="1400" dirty="0" smtClean="0">
-                  <a:sym typeface="Wingdings" panose="05000000000000000000" pitchFamily="2" charset="2"/>
-                </a:rPr>
-                <a:t>PROBABLE</a:t>
+                <a:t> PROBABLE</a:t>
               </a:r>
               <a:r>
                 <a:rPr lang="en-CA" sz="1400" dirty="0" smtClean="0"/>
@@ -4379,19 +4356,7 @@
                 <a:rPr lang="en-CA" sz="1400" dirty="0" smtClean="0">
                   <a:sym typeface="Wingdings" panose="05000000000000000000" pitchFamily="2" charset="2"/>
                 </a:rPr>
-                <a:t> ALMOST </a:t>
-              </a:r>
-              <a:r>
-                <a:rPr lang="en-CA" sz="1400" dirty="0" smtClean="0">
-                  <a:sym typeface="Wingdings" panose="05000000000000000000" pitchFamily="2" charset="2"/>
-                </a:rPr>
-                <a:t>CERTAIN MISMATCH: The inventory reflects the post-disturbance conditions, but bird survey represents pre-disturbance conditions</a:t>
-              </a:r>
-              <a:r>
-                <a:rPr lang="en-CA" sz="1400" dirty="0" smtClean="0">
-                  <a:sym typeface="Wingdings" panose="05000000000000000000" pitchFamily="2" charset="2"/>
-                </a:rPr>
-                <a:t>.</a:t>
+                <a:t> ALMOST CERTAIN MISMATCH: The inventory reflects the post-disturbance conditions, but bird survey represents pre-disturbance conditions.</a:t>
               </a:r>
             </a:p>
           </p:txBody>
@@ -4940,11 +4905,7 @@
             <a:p>
               <a:r>
                 <a:rPr lang="en-CA" sz="1400" dirty="0" smtClean="0"/>
-                <a:t>Disturbance occurred after </a:t>
-              </a:r>
-              <a:r>
-                <a:rPr lang="en-CA" sz="1400" dirty="0" smtClean="0"/>
-                <a:t>the inventory, but in the same year as the bird survey. </a:t>
+                <a:t>Disturbance occurred after the inventory, but in the same year as the bird survey. </a:t>
               </a:r>
             </a:p>
             <a:p>
@@ -4986,11 +4947,7 @@
               </a:r>
               <a:r>
                 <a:rPr lang="en-CA" sz="1400" dirty="0" smtClean="0"/>
-                <a:t>POSSIBLE MISMATCH: </a:t>
-              </a:r>
-              <a:r>
-                <a:rPr lang="en-CA" sz="1400" dirty="0" smtClean="0"/>
-                <a:t>We don’t know if the bird survey was pre or post-disturbance, so best to exclude these. </a:t>
+                <a:t>POSSIBLE MISMATCH: We don’t know if the bird survey was pre or post-disturbance, so best to exclude these. </a:t>
               </a:r>
               <a:endParaRPr lang="en-US" sz="1400" dirty="0"/>
             </a:p>
@@ -5666,11 +5623,7 @@
           <a:p>
             <a:r>
               <a:rPr lang="en-CA" sz="1400" dirty="0" smtClean="0"/>
-              <a:t>Disturbance occurred after both the inventory and the bird data</a:t>
-            </a:r>
-            <a:r>
-              <a:rPr lang="en-CA" sz="1400" dirty="0" smtClean="0"/>
-              <a:t>.</a:t>
+              <a:t>Disturbance occurred after both the inventory and the bird data.</a:t>
             </a:r>
           </a:p>
           <a:p>
@@ -5704,13 +5657,7 @@
               <a:rPr lang="en-CA" sz="1400" dirty="0" smtClean="0">
                 <a:sym typeface="Wingdings" panose="05000000000000000000" pitchFamily="2" charset="2"/>
               </a:rPr>
-              <a:t> </a:t>
-            </a:r>
-            <a:r>
-              <a:rPr lang="en-CA" sz="1400" dirty="0" smtClean="0">
-                <a:sym typeface="Wingdings" panose="05000000000000000000" pitchFamily="2" charset="2"/>
-              </a:rPr>
-              <a:t>PROBABLY GOOD: Bird data and inventory data collected under similar conditions. I</a:t>
+              <a:t> PROBABLY GOOD: Bird data and inventory data collected under similar conditions. I</a:t>
             </a:r>
             <a:r>
               <a:rPr lang="en-CA" sz="1400" dirty="0" smtClean="0"/>
@@ -5832,6 +5779,230 @@
           </a:p>
         </p:txBody>
       </p:sp>
+      <p:cxnSp>
+        <p:nvCxnSpPr>
+          <p:cNvPr id="5" name="Elbow Connector 4"/>
+          <p:cNvCxnSpPr/>
+          <p:nvPr/>
+        </p:nvCxnSpPr>
+        <p:spPr>
+          <a:xfrm rot="16200000" flipH="1">
+            <a:off x="-98790" y="1201590"/>
+            <a:ext cx="581894" cy="103912"/>
+          </a:xfrm>
+          <a:prstGeom prst="bentConnector3">
+            <a:avLst>
+              <a:gd name="adj1" fmla="val 100000"/>
+            </a:avLst>
+          </a:prstGeom>
+          <a:ln>
+            <a:tailEnd type="triangle"/>
+          </a:ln>
+        </p:spPr>
+        <p:style>
+          <a:lnRef idx="1">
+            <a:schemeClr val="accent1"/>
+          </a:lnRef>
+          <a:fillRef idx="0">
+            <a:schemeClr val="accent1"/>
+          </a:fillRef>
+          <a:effectRef idx="0">
+            <a:schemeClr val="accent1"/>
+          </a:effectRef>
+          <a:fontRef idx="minor">
+            <a:schemeClr val="tx1"/>
+          </a:fontRef>
+        </p:style>
+      </p:cxnSp>
+      <p:sp>
+        <p:nvSpPr>
+          <p:cNvPr id="9" name="TextBox 8"/>
+          <p:cNvSpPr txBox="1"/>
+          <p:nvPr/>
+        </p:nvSpPr>
+        <p:spPr>
+          <a:xfrm>
+            <a:off x="264895" y="1228608"/>
+            <a:ext cx="1866204" cy="1815882"/>
+          </a:xfrm>
+          <a:prstGeom prst="rect">
+            <a:avLst/>
+          </a:prstGeom>
+          <a:noFill/>
+          <a:ln>
+            <a:solidFill>
+              <a:schemeClr val="accent1"/>
+            </a:solidFill>
+          </a:ln>
+        </p:spPr>
+        <p:txBody>
+          <a:bodyPr wrap="square" rtlCol="0">
+            <a:spAutoFit/>
+          </a:bodyPr>
+          <a:lstStyle/>
+          <a:p>
+            <a:pPr marL="285750" indent="-285750">
+              <a:buFont typeface="Arial" panose="020B0604020202020204" pitchFamily="34" charset="0"/>
+              <a:buChar char="•"/>
+            </a:pPr>
+            <a:r>
+              <a:rPr lang="en-US" sz="1400" dirty="0" smtClean="0"/>
+              <a:t>Look for &amp; eliminate </a:t>
+            </a:r>
+            <a:r>
+              <a:rPr lang="en-US" sz="1400" dirty="0" smtClean="0"/>
+              <a:t>duplicates</a:t>
+            </a:r>
+          </a:p>
+          <a:p>
+            <a:pPr marL="285750" indent="-285750">
+              <a:buFont typeface="Arial" panose="020B0604020202020204" pitchFamily="34" charset="0"/>
+              <a:buChar char="•"/>
+            </a:pPr>
+            <a:r>
+              <a:rPr lang="en-US" sz="1400" dirty="0" smtClean="0"/>
+              <a:t>Identify </a:t>
+            </a:r>
+            <a:r>
+              <a:rPr lang="en-US" sz="1400" smtClean="0"/>
+              <a:t>missing data</a:t>
+            </a:r>
+            <a:endParaRPr lang="en-US" sz="1400" dirty="0" smtClean="0"/>
+          </a:p>
+          <a:p>
+            <a:pPr marL="285750" indent="-285750">
+              <a:buFont typeface="Arial" panose="020B0604020202020204" pitchFamily="34" charset="0"/>
+              <a:buChar char="•"/>
+            </a:pPr>
+            <a:r>
+              <a:rPr lang="en-US" sz="1400" dirty="0" smtClean="0"/>
+              <a:t>Find and correct for errors</a:t>
+            </a:r>
+          </a:p>
+          <a:p>
+            <a:pPr marL="285750" indent="-285750">
+              <a:buFont typeface="Arial" panose="020B0604020202020204" pitchFamily="34" charset="0"/>
+              <a:buChar char="•"/>
+            </a:pPr>
+            <a:r>
+              <a:rPr lang="en-US" sz="1400" dirty="0" smtClean="0"/>
+              <a:t>Save csv</a:t>
+            </a:r>
+            <a:endParaRPr lang="en-US" sz="1400" dirty="0"/>
+          </a:p>
+        </p:txBody>
+      </p:sp>
+      <p:sp>
+        <p:nvSpPr>
+          <p:cNvPr id="30" name="TextBox 29"/>
+          <p:cNvSpPr txBox="1"/>
+          <p:nvPr/>
+        </p:nvSpPr>
+        <p:spPr>
+          <a:xfrm>
+            <a:off x="295457" y="987330"/>
+            <a:ext cx="537327" cy="276999"/>
+          </a:xfrm>
+          <a:prstGeom prst="rect">
+            <a:avLst/>
+          </a:prstGeom>
+          <a:noFill/>
+        </p:spPr>
+        <p:txBody>
+          <a:bodyPr wrap="none" rtlCol="0">
+            <a:spAutoFit/>
+          </a:bodyPr>
+          <a:lstStyle/>
+          <a:p>
+            <a:r>
+              <a:rPr lang="en-CA" sz="1200" dirty="0" smtClean="0"/>
+              <a:t>00.01</a:t>
+            </a:r>
+            <a:endParaRPr lang="en-US" sz="1200" dirty="0"/>
+          </a:p>
+        </p:txBody>
+      </p:sp>
+    </p:spTree>
+    <p:extLst>
+      <p:ext uri="{BB962C8B-B14F-4D97-AF65-F5344CB8AC3E}">
+        <p14:creationId xmlns:p14="http://schemas.microsoft.com/office/powerpoint/2010/main" val="3228582158"/>
+      </p:ext>
+    </p:extLst>
+  </p:cSld>
+  <p:clrMapOvr>
+    <a:masterClrMapping/>
+  </p:clrMapOvr>
+</p:sld>
+</file>
+
+<file path=ppt/slides/slide5.xml><?xml version="1.0" encoding="utf-8"?>
+<p:sld xmlns:a="http://schemas.openxmlformats.org/drawingml/2006/main" xmlns:r="http://schemas.openxmlformats.org/officeDocument/2006/relationships" xmlns:p="http://schemas.openxmlformats.org/presentationml/2006/main">
+  <p:cSld>
+    <p:spTree>
+      <p:nvGrpSpPr>
+        <p:cNvPr id="1" name=""/>
+        <p:cNvGrpSpPr/>
+        <p:nvPr/>
+      </p:nvGrpSpPr>
+      <p:grpSpPr>
+        <a:xfrm>
+          <a:off x="0" y="0"/>
+          <a:ext cx="0" cy="0"/>
+          <a:chOff x="0" y="0"/>
+          <a:chExt cx="0" cy="0"/>
+        </a:xfrm>
+      </p:grpSpPr>
+      <p:sp>
+        <p:nvSpPr>
+          <p:cNvPr id="2" name="Rectangle 1"/>
+          <p:cNvSpPr/>
+          <p:nvPr/>
+        </p:nvSpPr>
+        <p:spPr>
+          <a:xfrm>
+            <a:off x="61229" y="73137"/>
+            <a:ext cx="2069869" cy="889462"/>
+          </a:xfrm>
+          <a:prstGeom prst="rect">
+            <a:avLst/>
+          </a:prstGeom>
+        </p:spPr>
+        <p:style>
+          <a:lnRef idx="2">
+            <a:schemeClr val="accent1">
+              <a:shade val="50000"/>
+            </a:schemeClr>
+          </a:lnRef>
+          <a:fillRef idx="1">
+            <a:schemeClr val="accent1"/>
+          </a:fillRef>
+          <a:effectRef idx="0">
+            <a:schemeClr val="accent1"/>
+          </a:effectRef>
+          <a:fontRef idx="minor">
+            <a:schemeClr val="lt1"/>
+          </a:fontRef>
+        </p:style>
+        <p:txBody>
+          <a:bodyPr rtlCol="0" anchor="ctr"/>
+          <a:lstStyle/>
+          <a:p>
+            <a:pPr algn="ctr"/>
+            <a:r>
+              <a:rPr lang="en-US" dirty="0" smtClean="0"/>
+              <a:t>Quality-check </a:t>
+            </a:r>
+            <a:br>
+              <a:rPr lang="en-US" dirty="0" smtClean="0"/>
+            </a:br>
+            <a:r>
+              <a:rPr lang="en-US" dirty="0" smtClean="0"/>
+              <a:t>Bird Data</a:t>
+            </a:r>
+            <a:endParaRPr lang="en-US" dirty="0"/>
+          </a:p>
+        </p:txBody>
+      </p:sp>
       <p:sp>
         <p:nvSpPr>
           <p:cNvPr id="3" name="Rectangle 2"/>
@@ -7174,7 +7345,1427 @@
     </p:spTree>
     <p:extLst>
       <p:ext uri="{BB962C8B-B14F-4D97-AF65-F5344CB8AC3E}">
-        <p14:creationId xmlns:p14="http://schemas.microsoft.com/office/powerpoint/2010/main" val="3228582158"/>
+        <p14:creationId xmlns:p14="http://schemas.microsoft.com/office/powerpoint/2010/main" val="1208913501"/>
+      </p:ext>
+    </p:extLst>
+  </p:cSld>
+  <p:clrMapOvr>
+    <a:masterClrMapping/>
+  </p:clrMapOvr>
+</p:sld>
+</file>
+
+<file path=ppt/slides/slide6.xml><?xml version="1.0" encoding="utf-8"?>
+<p:sld xmlns:a="http://schemas.openxmlformats.org/drawingml/2006/main" xmlns:r="http://schemas.openxmlformats.org/officeDocument/2006/relationships" xmlns:p="http://schemas.openxmlformats.org/presentationml/2006/main">
+  <p:cSld>
+    <p:spTree>
+      <p:nvGrpSpPr>
+        <p:cNvPr id="1" name=""/>
+        <p:cNvGrpSpPr/>
+        <p:nvPr/>
+      </p:nvGrpSpPr>
+      <p:grpSpPr>
+        <a:xfrm>
+          <a:off x="0" y="0"/>
+          <a:ext cx="0" cy="0"/>
+          <a:chOff x="0" y="0"/>
+          <a:chExt cx="0" cy="0"/>
+        </a:xfrm>
+      </p:grpSpPr>
+      <p:sp>
+        <p:nvSpPr>
+          <p:cNvPr id="2" name="Rectangle 1"/>
+          <p:cNvSpPr/>
+          <p:nvPr/>
+        </p:nvSpPr>
+        <p:spPr>
+          <a:xfrm>
+            <a:off x="61229" y="73137"/>
+            <a:ext cx="2069869" cy="889462"/>
+          </a:xfrm>
+          <a:prstGeom prst="rect">
+            <a:avLst/>
+          </a:prstGeom>
+        </p:spPr>
+        <p:style>
+          <a:lnRef idx="2">
+            <a:schemeClr val="accent1">
+              <a:shade val="50000"/>
+            </a:schemeClr>
+          </a:lnRef>
+          <a:fillRef idx="1">
+            <a:schemeClr val="accent1"/>
+          </a:fillRef>
+          <a:effectRef idx="0">
+            <a:schemeClr val="accent1"/>
+          </a:effectRef>
+          <a:fontRef idx="minor">
+            <a:schemeClr val="lt1"/>
+          </a:fontRef>
+        </p:style>
+        <p:txBody>
+          <a:bodyPr rtlCol="0" anchor="ctr"/>
+          <a:lstStyle/>
+          <a:p>
+            <a:pPr algn="ctr"/>
+            <a:r>
+              <a:rPr lang="en-US" dirty="0" smtClean="0"/>
+              <a:t>Quality-check </a:t>
+            </a:r>
+            <a:br>
+              <a:rPr lang="en-US" dirty="0" smtClean="0"/>
+            </a:br>
+            <a:r>
+              <a:rPr lang="en-US" dirty="0" smtClean="0"/>
+              <a:t>Bird Data</a:t>
+            </a:r>
+            <a:endParaRPr lang="en-US" dirty="0"/>
+          </a:p>
+        </p:txBody>
+      </p:sp>
+      <p:sp>
+        <p:nvSpPr>
+          <p:cNvPr id="3" name="Rectangle 2"/>
+          <p:cNvSpPr/>
+          <p:nvPr/>
+        </p:nvSpPr>
+        <p:spPr>
+          <a:xfrm>
+            <a:off x="2210070" y="76205"/>
+            <a:ext cx="3423046" cy="889462"/>
+          </a:xfrm>
+          <a:prstGeom prst="rect">
+            <a:avLst/>
+          </a:prstGeom>
+        </p:spPr>
+        <p:style>
+          <a:lnRef idx="2">
+            <a:schemeClr val="accent2">
+              <a:shade val="50000"/>
+            </a:schemeClr>
+          </a:lnRef>
+          <a:fillRef idx="1">
+            <a:schemeClr val="accent2"/>
+          </a:fillRef>
+          <a:effectRef idx="0">
+            <a:schemeClr val="accent2"/>
+          </a:effectRef>
+          <a:fontRef idx="minor">
+            <a:schemeClr val="lt1"/>
+          </a:fontRef>
+        </p:style>
+        <p:txBody>
+          <a:bodyPr rtlCol="0" anchor="ctr"/>
+          <a:lstStyle/>
+          <a:p>
+            <a:pPr algn="ctr"/>
+            <a:r>
+              <a:rPr lang="en-US" dirty="0" smtClean="0"/>
+              <a:t>Pre-Process </a:t>
+            </a:r>
+            <a:br>
+              <a:rPr lang="en-US" dirty="0" smtClean="0"/>
+            </a:br>
+            <a:r>
+              <a:rPr lang="en-US" dirty="0" smtClean="0"/>
+              <a:t>VRI Data</a:t>
+            </a:r>
+            <a:endParaRPr lang="en-US" dirty="0"/>
+          </a:p>
+        </p:txBody>
+      </p:sp>
+      <p:cxnSp>
+        <p:nvCxnSpPr>
+          <p:cNvPr id="5" name="Elbow Connector 4"/>
+          <p:cNvCxnSpPr/>
+          <p:nvPr/>
+        </p:nvCxnSpPr>
+        <p:spPr>
+          <a:xfrm rot="16200000" flipH="1">
+            <a:off x="-98790" y="1201590"/>
+            <a:ext cx="581894" cy="103912"/>
+          </a:xfrm>
+          <a:prstGeom prst="bentConnector3">
+            <a:avLst>
+              <a:gd name="adj1" fmla="val 100000"/>
+            </a:avLst>
+          </a:prstGeom>
+          <a:ln>
+            <a:tailEnd type="triangle"/>
+          </a:ln>
+        </p:spPr>
+        <p:style>
+          <a:lnRef idx="1">
+            <a:schemeClr val="accent1"/>
+          </a:lnRef>
+          <a:fillRef idx="0">
+            <a:schemeClr val="accent1"/>
+          </a:fillRef>
+          <a:effectRef idx="0">
+            <a:schemeClr val="accent1"/>
+          </a:effectRef>
+          <a:fontRef idx="minor">
+            <a:schemeClr val="tx1"/>
+          </a:fontRef>
+        </p:style>
+      </p:cxnSp>
+      <p:sp>
+        <p:nvSpPr>
+          <p:cNvPr id="9" name="TextBox 8"/>
+          <p:cNvSpPr txBox="1"/>
+          <p:nvPr/>
+        </p:nvSpPr>
+        <p:spPr>
+          <a:xfrm>
+            <a:off x="264895" y="1228608"/>
+            <a:ext cx="1866204" cy="1384995"/>
+          </a:xfrm>
+          <a:prstGeom prst="rect">
+            <a:avLst/>
+          </a:prstGeom>
+          <a:noFill/>
+          <a:ln>
+            <a:solidFill>
+              <a:schemeClr val="accent1"/>
+            </a:solidFill>
+          </a:ln>
+        </p:spPr>
+        <p:txBody>
+          <a:bodyPr wrap="square" rtlCol="0">
+            <a:spAutoFit/>
+          </a:bodyPr>
+          <a:lstStyle/>
+          <a:p>
+            <a:pPr marL="285750" indent="-285750">
+              <a:buFont typeface="Arial" panose="020B0604020202020204" pitchFamily="34" charset="0"/>
+              <a:buChar char="•"/>
+            </a:pPr>
+            <a:r>
+              <a:rPr lang="en-US" sz="1400" dirty="0" smtClean="0"/>
+              <a:t>Look for &amp; eliminate duplicates</a:t>
+            </a:r>
+          </a:p>
+          <a:p>
+            <a:pPr marL="285750" indent="-285750">
+              <a:buFont typeface="Arial" panose="020B0604020202020204" pitchFamily="34" charset="0"/>
+              <a:buChar char="•"/>
+            </a:pPr>
+            <a:r>
+              <a:rPr lang="en-US" sz="1400" dirty="0" smtClean="0"/>
+              <a:t>Find and correct for errors</a:t>
+            </a:r>
+          </a:p>
+          <a:p>
+            <a:pPr marL="285750" indent="-285750">
+              <a:buFont typeface="Arial" panose="020B0604020202020204" pitchFamily="34" charset="0"/>
+              <a:buChar char="•"/>
+            </a:pPr>
+            <a:r>
+              <a:rPr lang="en-US" sz="1400" dirty="0" smtClean="0"/>
+              <a:t>Save csv</a:t>
+            </a:r>
+            <a:endParaRPr lang="en-US" sz="1400" dirty="0"/>
+          </a:p>
+        </p:txBody>
+      </p:sp>
+      <p:sp>
+        <p:nvSpPr>
+          <p:cNvPr id="11" name="TextBox 10"/>
+          <p:cNvSpPr txBox="1"/>
+          <p:nvPr/>
+        </p:nvSpPr>
+        <p:spPr>
+          <a:xfrm>
+            <a:off x="4308066" y="1339364"/>
+            <a:ext cx="1325050" cy="954107"/>
+          </a:xfrm>
+          <a:prstGeom prst="rect">
+            <a:avLst/>
+          </a:prstGeom>
+          <a:noFill/>
+          <a:ln>
+            <a:solidFill>
+              <a:schemeClr val="accent2"/>
+            </a:solidFill>
+          </a:ln>
+        </p:spPr>
+        <p:txBody>
+          <a:bodyPr wrap="square" rtlCol="0">
+            <a:spAutoFit/>
+          </a:bodyPr>
+          <a:lstStyle/>
+          <a:p>
+            <a:pPr marL="285750" indent="-285750">
+              <a:buFont typeface="Arial" panose="020B0604020202020204" pitchFamily="34" charset="0"/>
+              <a:buChar char="•"/>
+            </a:pPr>
+            <a:r>
+              <a:rPr lang="en-US" sz="1400" dirty="0"/>
+              <a:t>Look for &amp; eliminate duplicates</a:t>
+            </a:r>
+          </a:p>
+          <a:p>
+            <a:pPr marL="285750" indent="-285750">
+              <a:buFont typeface="Arial" panose="020B0604020202020204" pitchFamily="34" charset="0"/>
+              <a:buChar char="•"/>
+            </a:pPr>
+            <a:r>
+              <a:rPr lang="en-US" sz="1400" dirty="0" smtClean="0"/>
+              <a:t>Save </a:t>
+            </a:r>
+            <a:r>
+              <a:rPr lang="en-US" sz="1400" dirty="0" err="1" smtClean="0"/>
+              <a:t>RData</a:t>
+            </a:r>
+            <a:endParaRPr lang="en-US" sz="1400" dirty="0"/>
+          </a:p>
+        </p:txBody>
+      </p:sp>
+      <p:cxnSp>
+        <p:nvCxnSpPr>
+          <p:cNvPr id="8" name="Elbow Connector 7"/>
+          <p:cNvCxnSpPr/>
+          <p:nvPr/>
+        </p:nvCxnSpPr>
+        <p:spPr>
+          <a:xfrm rot="16200000" flipH="1">
+            <a:off x="1475311" y="2029859"/>
+            <a:ext cx="1684256" cy="139938"/>
+          </a:xfrm>
+          <a:prstGeom prst="bentConnector3">
+            <a:avLst>
+              <a:gd name="adj1" fmla="val 99849"/>
+            </a:avLst>
+          </a:prstGeom>
+          <a:ln>
+            <a:solidFill>
+              <a:schemeClr val="accent2"/>
+            </a:solidFill>
+            <a:tailEnd type="triangle"/>
+          </a:ln>
+        </p:spPr>
+        <p:style>
+          <a:lnRef idx="1">
+            <a:schemeClr val="accent1"/>
+          </a:lnRef>
+          <a:fillRef idx="0">
+            <a:schemeClr val="accent1"/>
+          </a:fillRef>
+          <a:effectRef idx="0">
+            <a:schemeClr val="accent1"/>
+          </a:effectRef>
+          <a:fontRef idx="minor">
+            <a:schemeClr val="tx1"/>
+          </a:fontRef>
+        </p:style>
+      </p:cxnSp>
+      <p:cxnSp>
+        <p:nvCxnSpPr>
+          <p:cNvPr id="13" name="Elbow Connector 12"/>
+          <p:cNvCxnSpPr/>
+          <p:nvPr/>
+        </p:nvCxnSpPr>
+        <p:spPr>
+          <a:xfrm rot="16200000" flipH="1">
+            <a:off x="2267307" y="3712311"/>
+            <a:ext cx="658632" cy="149640"/>
+          </a:xfrm>
+          <a:prstGeom prst="bentConnector3">
+            <a:avLst>
+              <a:gd name="adj1" fmla="val 99223"/>
+            </a:avLst>
+          </a:prstGeom>
+          <a:ln>
+            <a:solidFill>
+              <a:schemeClr val="accent2"/>
+            </a:solidFill>
+            <a:tailEnd type="triangle"/>
+          </a:ln>
+        </p:spPr>
+        <p:style>
+          <a:lnRef idx="1">
+            <a:schemeClr val="accent1"/>
+          </a:lnRef>
+          <a:fillRef idx="0">
+            <a:schemeClr val="accent1"/>
+          </a:fillRef>
+          <a:effectRef idx="0">
+            <a:schemeClr val="accent1"/>
+          </a:effectRef>
+          <a:fontRef idx="minor">
+            <a:schemeClr val="tx1"/>
+          </a:fontRef>
+        </p:style>
+      </p:cxnSp>
+      <p:sp>
+        <p:nvSpPr>
+          <p:cNvPr id="14" name="TextBox 13"/>
+          <p:cNvSpPr txBox="1"/>
+          <p:nvPr/>
+        </p:nvSpPr>
+        <p:spPr>
+          <a:xfrm>
+            <a:off x="2433130" y="2719151"/>
+            <a:ext cx="1578443" cy="738664"/>
+          </a:xfrm>
+          <a:prstGeom prst="rect">
+            <a:avLst/>
+          </a:prstGeom>
+          <a:noFill/>
+          <a:ln>
+            <a:solidFill>
+              <a:schemeClr val="accent2"/>
+            </a:solidFill>
+          </a:ln>
+        </p:spPr>
+        <p:txBody>
+          <a:bodyPr wrap="square" rtlCol="0">
+            <a:spAutoFit/>
+          </a:bodyPr>
+          <a:lstStyle/>
+          <a:p>
+            <a:pPr marL="285750" indent="-285750">
+              <a:buFont typeface="Arial" panose="020B0604020202020204" pitchFamily="34" charset="0"/>
+              <a:buChar char="•"/>
+            </a:pPr>
+            <a:r>
+              <a:rPr lang="en-CA" sz="1400" dirty="0" smtClean="0"/>
+              <a:t>Standardize tree species codes</a:t>
+            </a:r>
+          </a:p>
+        </p:txBody>
+      </p:sp>
+      <p:sp>
+        <p:nvSpPr>
+          <p:cNvPr id="17" name="Rectangle 16"/>
+          <p:cNvSpPr/>
+          <p:nvPr/>
+        </p:nvSpPr>
+        <p:spPr>
+          <a:xfrm>
+            <a:off x="5798187" y="97868"/>
+            <a:ext cx="1886989" cy="889462"/>
+          </a:xfrm>
+          <a:prstGeom prst="rect">
+            <a:avLst/>
+          </a:prstGeom>
+        </p:spPr>
+        <p:style>
+          <a:lnRef idx="2">
+            <a:schemeClr val="accent6">
+              <a:shade val="50000"/>
+            </a:schemeClr>
+          </a:lnRef>
+          <a:fillRef idx="1">
+            <a:schemeClr val="accent6"/>
+          </a:fillRef>
+          <a:effectRef idx="0">
+            <a:schemeClr val="accent6"/>
+          </a:effectRef>
+          <a:fontRef idx="minor">
+            <a:schemeClr val="lt1"/>
+          </a:fontRef>
+        </p:style>
+        <p:txBody>
+          <a:bodyPr rtlCol="0" anchor="ctr"/>
+          <a:lstStyle/>
+          <a:p>
+            <a:pPr algn="ctr"/>
+            <a:r>
+              <a:rPr lang="en-US" dirty="0" smtClean="0"/>
+              <a:t>Pre-process intersected VRI Data</a:t>
+            </a:r>
+            <a:endParaRPr lang="en-US" dirty="0"/>
+          </a:p>
+        </p:txBody>
+      </p:sp>
+      <p:cxnSp>
+        <p:nvCxnSpPr>
+          <p:cNvPr id="18" name="Elbow Connector 17"/>
+          <p:cNvCxnSpPr/>
+          <p:nvPr/>
+        </p:nvCxnSpPr>
+        <p:spPr>
+          <a:xfrm rot="16200000" flipH="1">
+            <a:off x="5762858" y="1226322"/>
+            <a:ext cx="581894" cy="103912"/>
+          </a:xfrm>
+          <a:prstGeom prst="bentConnector3">
+            <a:avLst>
+              <a:gd name="adj1" fmla="val 100000"/>
+            </a:avLst>
+          </a:prstGeom>
+          <a:ln>
+            <a:solidFill>
+              <a:srgbClr val="935C2F"/>
+            </a:solidFill>
+            <a:tailEnd type="triangle"/>
+          </a:ln>
+        </p:spPr>
+        <p:style>
+          <a:lnRef idx="1">
+            <a:schemeClr val="accent1"/>
+          </a:lnRef>
+          <a:fillRef idx="0">
+            <a:schemeClr val="accent1"/>
+          </a:fillRef>
+          <a:effectRef idx="0">
+            <a:schemeClr val="accent1"/>
+          </a:effectRef>
+          <a:fontRef idx="minor">
+            <a:schemeClr val="tx1"/>
+          </a:fontRef>
+        </p:style>
+      </p:cxnSp>
+      <p:sp>
+        <p:nvSpPr>
+          <p:cNvPr id="19" name="TextBox 18"/>
+          <p:cNvSpPr txBox="1"/>
+          <p:nvPr/>
+        </p:nvSpPr>
+        <p:spPr>
+          <a:xfrm>
+            <a:off x="6105761" y="1730561"/>
+            <a:ext cx="2062939" cy="2893100"/>
+          </a:xfrm>
+          <a:prstGeom prst="rect">
+            <a:avLst/>
+          </a:prstGeom>
+          <a:noFill/>
+          <a:ln>
+            <a:solidFill>
+              <a:srgbClr val="935C2F"/>
+            </a:solidFill>
+          </a:ln>
+        </p:spPr>
+        <p:txBody>
+          <a:bodyPr wrap="square" rtlCol="0">
+            <a:spAutoFit/>
+          </a:bodyPr>
+          <a:lstStyle/>
+          <a:p>
+            <a:pPr marL="285750" indent="-285750">
+              <a:buFont typeface="Arial" panose="020B0604020202020204" pitchFamily="34" charset="0"/>
+              <a:buChar char="•"/>
+            </a:pPr>
+            <a:r>
+              <a:rPr lang="en-CA" sz="1400" dirty="0" smtClean="0"/>
+              <a:t>Check for duplicates within each intersected dataset</a:t>
+            </a:r>
+          </a:p>
+          <a:p>
+            <a:pPr marL="285750" indent="-285750">
+              <a:buFont typeface="Arial" panose="020B0604020202020204" pitchFamily="34" charset="0"/>
+              <a:buChar char="•"/>
+            </a:pPr>
+            <a:r>
+              <a:rPr lang="en-CA" sz="1400" dirty="0" smtClean="0"/>
+              <a:t>Identify how to extract corrected attributes from full </a:t>
+            </a:r>
+            <a:r>
+              <a:rPr lang="en-CA" sz="1400" dirty="0" err="1" smtClean="0"/>
+              <a:t>vri</a:t>
+            </a:r>
+            <a:r>
+              <a:rPr lang="en-CA" sz="1400" dirty="0" smtClean="0"/>
+              <a:t> table based on a polygon identifier</a:t>
+            </a:r>
+          </a:p>
+          <a:p>
+            <a:pPr marL="285750" indent="-285750">
+              <a:buFont typeface="Arial" panose="020B0604020202020204" pitchFamily="34" charset="0"/>
+              <a:buChar char="•"/>
+            </a:pPr>
+            <a:r>
+              <a:rPr lang="en-CA" sz="1400" dirty="0" smtClean="0"/>
+              <a:t>Check for duplicates among datasets</a:t>
+            </a:r>
+          </a:p>
+          <a:p>
+            <a:pPr marL="285750" indent="-285750">
+              <a:buFont typeface="Arial" panose="020B0604020202020204" pitchFamily="34" charset="0"/>
+              <a:buChar char="•"/>
+            </a:pPr>
+            <a:r>
+              <a:rPr lang="en-CA" sz="1400" dirty="0" smtClean="0"/>
+              <a:t>Extract attributes from full VRI file for each bird point</a:t>
+            </a:r>
+          </a:p>
+        </p:txBody>
+      </p:sp>
+      <p:cxnSp>
+        <p:nvCxnSpPr>
+          <p:cNvPr id="22" name="Elbow Connector 21"/>
+          <p:cNvCxnSpPr/>
+          <p:nvPr/>
+        </p:nvCxnSpPr>
+        <p:spPr>
+          <a:xfrm rot="16200000" flipH="1">
+            <a:off x="5967827" y="4811743"/>
+            <a:ext cx="457200" cy="91440"/>
+          </a:xfrm>
+          <a:prstGeom prst="bentConnector3">
+            <a:avLst>
+              <a:gd name="adj1" fmla="val 103437"/>
+            </a:avLst>
+          </a:prstGeom>
+          <a:ln>
+            <a:solidFill>
+              <a:srgbClr val="935C2F"/>
+            </a:solidFill>
+            <a:tailEnd type="triangle"/>
+          </a:ln>
+        </p:spPr>
+        <p:style>
+          <a:lnRef idx="1">
+            <a:schemeClr val="accent1"/>
+          </a:lnRef>
+          <a:fillRef idx="0">
+            <a:schemeClr val="accent1"/>
+          </a:fillRef>
+          <a:effectRef idx="0">
+            <a:schemeClr val="accent1"/>
+          </a:effectRef>
+          <a:fontRef idx="minor">
+            <a:schemeClr val="tx1"/>
+          </a:fontRef>
+        </p:style>
+      </p:cxnSp>
+      <p:sp>
+        <p:nvSpPr>
+          <p:cNvPr id="23" name="TextBox 22"/>
+          <p:cNvSpPr txBox="1"/>
+          <p:nvPr/>
+        </p:nvSpPr>
+        <p:spPr>
+          <a:xfrm>
+            <a:off x="6105761" y="1422784"/>
+            <a:ext cx="2062939" cy="307777"/>
+          </a:xfrm>
+          <a:prstGeom prst="rect">
+            <a:avLst/>
+          </a:prstGeom>
+          <a:solidFill>
+            <a:schemeClr val="accent6">
+              <a:lumMod val="40000"/>
+              <a:lumOff val="60000"/>
+            </a:schemeClr>
+          </a:solidFill>
+          <a:ln>
+            <a:solidFill>
+              <a:srgbClr val="935C2F"/>
+            </a:solidFill>
+          </a:ln>
+        </p:spPr>
+        <p:txBody>
+          <a:bodyPr wrap="square" rtlCol="0">
+            <a:spAutoFit/>
+          </a:bodyPr>
+          <a:lstStyle/>
+          <a:p>
+            <a:r>
+              <a:rPr lang="en-US" sz="1400" dirty="0" smtClean="0"/>
+              <a:t>Extract intersected VRI</a:t>
+            </a:r>
+            <a:endParaRPr lang="en-US" sz="1400" dirty="0"/>
+          </a:p>
+        </p:txBody>
+      </p:sp>
+      <p:sp>
+        <p:nvSpPr>
+          <p:cNvPr id="7" name="TextBox 6"/>
+          <p:cNvSpPr txBox="1"/>
+          <p:nvPr/>
+        </p:nvSpPr>
+        <p:spPr>
+          <a:xfrm>
+            <a:off x="2445115" y="1114043"/>
+            <a:ext cx="1351652" cy="276999"/>
+          </a:xfrm>
+          <a:prstGeom prst="rect">
+            <a:avLst/>
+          </a:prstGeom>
+          <a:noFill/>
+        </p:spPr>
+        <p:txBody>
+          <a:bodyPr wrap="none" rtlCol="0">
+            <a:spAutoFit/>
+          </a:bodyPr>
+          <a:lstStyle/>
+          <a:p>
+            <a:r>
+              <a:rPr lang="en-CA" sz="1200" dirty="0" smtClean="0"/>
+              <a:t>01.01 – </a:t>
+            </a:r>
+            <a:r>
+              <a:rPr lang="en-CA" sz="1200" dirty="0" err="1" smtClean="0"/>
+              <a:t>Forsite</a:t>
+            </a:r>
+            <a:r>
+              <a:rPr lang="en-CA" sz="1200" dirty="0" smtClean="0"/>
+              <a:t> VRI</a:t>
+            </a:r>
+            <a:endParaRPr lang="en-US" sz="1200" dirty="0"/>
+          </a:p>
+        </p:txBody>
+      </p:sp>
+      <p:sp>
+        <p:nvSpPr>
+          <p:cNvPr id="30" name="TextBox 29"/>
+          <p:cNvSpPr txBox="1"/>
+          <p:nvPr/>
+        </p:nvSpPr>
+        <p:spPr>
+          <a:xfrm>
+            <a:off x="295457" y="987330"/>
+            <a:ext cx="537327" cy="276999"/>
+          </a:xfrm>
+          <a:prstGeom prst="rect">
+            <a:avLst/>
+          </a:prstGeom>
+          <a:noFill/>
+        </p:spPr>
+        <p:txBody>
+          <a:bodyPr wrap="none" rtlCol="0">
+            <a:spAutoFit/>
+          </a:bodyPr>
+          <a:lstStyle/>
+          <a:p>
+            <a:r>
+              <a:rPr lang="en-CA" sz="1200" dirty="0" smtClean="0"/>
+              <a:t>00.01</a:t>
+            </a:r>
+            <a:endParaRPr lang="en-US" sz="1200" dirty="0"/>
+          </a:p>
+        </p:txBody>
+      </p:sp>
+      <p:cxnSp>
+        <p:nvCxnSpPr>
+          <p:cNvPr id="44" name="Elbow Connector 43"/>
+          <p:cNvCxnSpPr>
+            <a:endCxn id="11" idx="1"/>
+          </p:cNvCxnSpPr>
+          <p:nvPr/>
+        </p:nvCxnSpPr>
+        <p:spPr>
+          <a:xfrm rot="16200000" flipH="1">
+            <a:off x="3782931" y="1291283"/>
+            <a:ext cx="865998" cy="184272"/>
+          </a:xfrm>
+          <a:prstGeom prst="bentConnector2">
+            <a:avLst/>
+          </a:prstGeom>
+          <a:ln>
+            <a:solidFill>
+              <a:schemeClr val="accent2"/>
+            </a:solidFill>
+            <a:tailEnd type="triangle"/>
+          </a:ln>
+        </p:spPr>
+        <p:style>
+          <a:lnRef idx="1">
+            <a:schemeClr val="accent1"/>
+          </a:lnRef>
+          <a:fillRef idx="0">
+            <a:schemeClr val="accent1"/>
+          </a:fillRef>
+          <a:effectRef idx="0">
+            <a:schemeClr val="accent1"/>
+          </a:effectRef>
+          <a:fontRef idx="minor">
+            <a:schemeClr val="tx1"/>
+          </a:fontRef>
+        </p:style>
+      </p:cxnSp>
+      <p:sp>
+        <p:nvSpPr>
+          <p:cNvPr id="47" name="TextBox 46"/>
+          <p:cNvSpPr txBox="1"/>
+          <p:nvPr/>
+        </p:nvSpPr>
+        <p:spPr>
+          <a:xfrm>
+            <a:off x="2433130" y="1339364"/>
+            <a:ext cx="1578443" cy="954107"/>
+          </a:xfrm>
+          <a:prstGeom prst="rect">
+            <a:avLst/>
+          </a:prstGeom>
+          <a:noFill/>
+          <a:ln>
+            <a:solidFill>
+              <a:schemeClr val="accent2"/>
+            </a:solidFill>
+          </a:ln>
+        </p:spPr>
+        <p:txBody>
+          <a:bodyPr wrap="square" rtlCol="0">
+            <a:spAutoFit/>
+          </a:bodyPr>
+          <a:lstStyle/>
+          <a:p>
+            <a:pPr marL="285750" indent="-285750">
+              <a:buFont typeface="Arial" panose="020B0604020202020204" pitchFamily="34" charset="0"/>
+              <a:buChar char="•"/>
+            </a:pPr>
+            <a:r>
+              <a:rPr lang="en-US" sz="1400" dirty="0"/>
+              <a:t>Look for &amp; eliminate duplicates</a:t>
+            </a:r>
+          </a:p>
+          <a:p>
+            <a:pPr marL="285750" indent="-285750">
+              <a:buFont typeface="Arial" panose="020B0604020202020204" pitchFamily="34" charset="0"/>
+              <a:buChar char="•"/>
+            </a:pPr>
+            <a:r>
+              <a:rPr lang="en-US" sz="1400" dirty="0" smtClean="0"/>
+              <a:t>Save </a:t>
+            </a:r>
+            <a:r>
+              <a:rPr lang="en-US" sz="1400" dirty="0" err="1" smtClean="0"/>
+              <a:t>RData</a:t>
+            </a:r>
+            <a:endParaRPr lang="en-US" sz="1400" dirty="0"/>
+          </a:p>
+        </p:txBody>
+      </p:sp>
+      <p:cxnSp>
+        <p:nvCxnSpPr>
+          <p:cNvPr id="48" name="Elbow Connector 47"/>
+          <p:cNvCxnSpPr>
+            <a:endCxn id="47" idx="1"/>
+          </p:cNvCxnSpPr>
+          <p:nvPr/>
+        </p:nvCxnSpPr>
+        <p:spPr>
+          <a:xfrm rot="16200000" flipH="1">
+            <a:off x="1907995" y="1291283"/>
+            <a:ext cx="865998" cy="184272"/>
+          </a:xfrm>
+          <a:prstGeom prst="bentConnector2">
+            <a:avLst/>
+          </a:prstGeom>
+          <a:ln>
+            <a:solidFill>
+              <a:schemeClr val="accent2"/>
+            </a:solidFill>
+            <a:tailEnd type="triangle"/>
+          </a:ln>
+        </p:spPr>
+        <p:style>
+          <a:lnRef idx="1">
+            <a:schemeClr val="accent1"/>
+          </a:lnRef>
+          <a:fillRef idx="0">
+            <a:schemeClr val="accent1"/>
+          </a:fillRef>
+          <a:effectRef idx="0">
+            <a:schemeClr val="accent1"/>
+          </a:effectRef>
+          <a:fontRef idx="minor">
+            <a:schemeClr val="tx1"/>
+          </a:fontRef>
+        </p:style>
+      </p:cxnSp>
+      <p:sp>
+        <p:nvSpPr>
+          <p:cNvPr id="51" name="TextBox 50"/>
+          <p:cNvSpPr txBox="1"/>
+          <p:nvPr/>
+        </p:nvSpPr>
+        <p:spPr>
+          <a:xfrm>
+            <a:off x="4252904" y="1103426"/>
+            <a:ext cx="1342740" cy="276999"/>
+          </a:xfrm>
+          <a:prstGeom prst="rect">
+            <a:avLst/>
+          </a:prstGeom>
+          <a:noFill/>
+        </p:spPr>
+        <p:txBody>
+          <a:bodyPr wrap="none" rtlCol="0">
+            <a:spAutoFit/>
+          </a:bodyPr>
+          <a:lstStyle/>
+          <a:p>
+            <a:r>
+              <a:rPr lang="en-CA" sz="1200" dirty="0" smtClean="0"/>
+              <a:t>01.02 – Canfor TFL</a:t>
+            </a:r>
+            <a:endParaRPr lang="en-US" sz="1200" dirty="0"/>
+          </a:p>
+        </p:txBody>
+      </p:sp>
+      <p:sp>
+        <p:nvSpPr>
+          <p:cNvPr id="52" name="TextBox 51"/>
+          <p:cNvSpPr txBox="1"/>
+          <p:nvPr/>
+        </p:nvSpPr>
+        <p:spPr>
+          <a:xfrm>
+            <a:off x="2704895" y="3842946"/>
+            <a:ext cx="1581011" cy="738664"/>
+          </a:xfrm>
+          <a:prstGeom prst="rect">
+            <a:avLst/>
+          </a:prstGeom>
+          <a:noFill/>
+          <a:ln>
+            <a:solidFill>
+              <a:schemeClr val="accent2"/>
+            </a:solidFill>
+          </a:ln>
+        </p:spPr>
+        <p:txBody>
+          <a:bodyPr wrap="square" rtlCol="0">
+            <a:spAutoFit/>
+          </a:bodyPr>
+          <a:lstStyle/>
+          <a:p>
+            <a:pPr marL="285750" indent="-285750">
+              <a:buFont typeface="Arial" panose="020B0604020202020204" pitchFamily="34" charset="0"/>
+              <a:buChar char="•"/>
+            </a:pPr>
+            <a:r>
+              <a:rPr lang="en-CA" sz="1400" dirty="0" smtClean="0"/>
+              <a:t>Quality-check and correct stand areas</a:t>
+            </a:r>
+          </a:p>
+        </p:txBody>
+      </p:sp>
+      <p:sp>
+        <p:nvSpPr>
+          <p:cNvPr id="53" name="TextBox 52"/>
+          <p:cNvSpPr txBox="1"/>
+          <p:nvPr/>
+        </p:nvSpPr>
+        <p:spPr>
+          <a:xfrm>
+            <a:off x="2704895" y="4783235"/>
+            <a:ext cx="1581011" cy="738664"/>
+          </a:xfrm>
+          <a:prstGeom prst="rect">
+            <a:avLst/>
+          </a:prstGeom>
+          <a:noFill/>
+          <a:ln>
+            <a:solidFill>
+              <a:schemeClr val="accent2"/>
+            </a:solidFill>
+          </a:ln>
+        </p:spPr>
+        <p:txBody>
+          <a:bodyPr wrap="square" rtlCol="0">
+            <a:spAutoFit/>
+          </a:bodyPr>
+          <a:lstStyle/>
+          <a:p>
+            <a:pPr marL="285750" indent="-285750">
+              <a:buFont typeface="Arial" panose="020B0604020202020204" pitchFamily="34" charset="0"/>
+              <a:buChar char="•"/>
+            </a:pPr>
+            <a:r>
+              <a:rPr lang="en-CA" sz="1400" dirty="0" smtClean="0"/>
+              <a:t>Quality-check </a:t>
+            </a:r>
+            <a:r>
+              <a:rPr lang="en-CA" sz="1400" dirty="0"/>
+              <a:t>and correct stand </a:t>
+            </a:r>
+            <a:r>
+              <a:rPr lang="en-CA" sz="1400" dirty="0" smtClean="0"/>
+              <a:t>ranks</a:t>
+            </a:r>
+            <a:endParaRPr lang="en-CA" sz="1400" dirty="0"/>
+          </a:p>
+        </p:txBody>
+      </p:sp>
+      <p:cxnSp>
+        <p:nvCxnSpPr>
+          <p:cNvPr id="54" name="Elbow Connector 53"/>
+          <p:cNvCxnSpPr/>
+          <p:nvPr/>
+        </p:nvCxnSpPr>
+        <p:spPr>
+          <a:xfrm rot="16200000" flipH="1">
+            <a:off x="1749644" y="4240470"/>
+            <a:ext cx="1684256" cy="139938"/>
+          </a:xfrm>
+          <a:prstGeom prst="bentConnector3">
+            <a:avLst>
+              <a:gd name="adj1" fmla="val 99849"/>
+            </a:avLst>
+          </a:prstGeom>
+          <a:ln>
+            <a:solidFill>
+              <a:schemeClr val="accent2"/>
+            </a:solidFill>
+            <a:tailEnd type="triangle"/>
+          </a:ln>
+        </p:spPr>
+        <p:style>
+          <a:lnRef idx="1">
+            <a:schemeClr val="accent1"/>
+          </a:lnRef>
+          <a:fillRef idx="0">
+            <a:schemeClr val="accent1"/>
+          </a:fillRef>
+          <a:effectRef idx="0">
+            <a:schemeClr val="accent1"/>
+          </a:effectRef>
+          <a:fontRef idx="minor">
+            <a:schemeClr val="tx1"/>
+          </a:fontRef>
+        </p:style>
+      </p:cxnSp>
+      <p:sp>
+        <p:nvSpPr>
+          <p:cNvPr id="55" name="TextBox 54"/>
+          <p:cNvSpPr txBox="1"/>
+          <p:nvPr/>
+        </p:nvSpPr>
+        <p:spPr>
+          <a:xfrm>
+            <a:off x="2430562" y="2498617"/>
+            <a:ext cx="1560299" cy="461665"/>
+          </a:xfrm>
+          <a:prstGeom prst="rect">
+            <a:avLst/>
+          </a:prstGeom>
+          <a:noFill/>
+        </p:spPr>
+        <p:txBody>
+          <a:bodyPr wrap="none" rtlCol="0">
+            <a:spAutoFit/>
+          </a:bodyPr>
+          <a:lstStyle/>
+          <a:p>
+            <a:r>
+              <a:rPr lang="en-CA" sz="1200" dirty="0" smtClean="0"/>
+              <a:t>01.01a - tree </a:t>
+            </a:r>
+            <a:r>
+              <a:rPr lang="en-CA" sz="1200" dirty="0" err="1" smtClean="0"/>
+              <a:t>sp</a:t>
+            </a:r>
+            <a:r>
+              <a:rPr lang="en-CA" sz="1200" dirty="0" smtClean="0"/>
+              <a:t> group</a:t>
+            </a:r>
+          </a:p>
+          <a:p>
+            <a:endParaRPr lang="en-US" sz="1200" dirty="0"/>
+          </a:p>
+        </p:txBody>
+      </p:sp>
+      <p:sp>
+        <p:nvSpPr>
+          <p:cNvPr id="56" name="TextBox 55"/>
+          <p:cNvSpPr txBox="1"/>
+          <p:nvPr/>
+        </p:nvSpPr>
+        <p:spPr>
+          <a:xfrm>
+            <a:off x="2704895" y="3624363"/>
+            <a:ext cx="1418145" cy="276999"/>
+          </a:xfrm>
+          <a:prstGeom prst="rect">
+            <a:avLst/>
+          </a:prstGeom>
+          <a:noFill/>
+        </p:spPr>
+        <p:txBody>
+          <a:bodyPr wrap="none" rtlCol="0">
+            <a:spAutoFit/>
+          </a:bodyPr>
+          <a:lstStyle/>
+          <a:p>
+            <a:r>
+              <a:rPr lang="en-CA" sz="1200" dirty="0" smtClean="0"/>
+              <a:t>01.01b – stand area</a:t>
+            </a:r>
+            <a:endParaRPr lang="en-US" sz="1200" dirty="0"/>
+          </a:p>
+        </p:txBody>
+      </p:sp>
+      <p:sp>
+        <p:nvSpPr>
+          <p:cNvPr id="57" name="TextBox 56"/>
+          <p:cNvSpPr txBox="1"/>
+          <p:nvPr/>
+        </p:nvSpPr>
+        <p:spPr>
+          <a:xfrm>
+            <a:off x="2704895" y="4566602"/>
+            <a:ext cx="1402628" cy="276999"/>
+          </a:xfrm>
+          <a:prstGeom prst="rect">
+            <a:avLst/>
+          </a:prstGeom>
+          <a:noFill/>
+        </p:spPr>
+        <p:txBody>
+          <a:bodyPr wrap="none" rtlCol="0">
+            <a:spAutoFit/>
+          </a:bodyPr>
+          <a:lstStyle/>
+          <a:p>
+            <a:r>
+              <a:rPr lang="en-CA" sz="1200" dirty="0" smtClean="0"/>
+              <a:t>01.01c – stand rank</a:t>
+            </a:r>
+            <a:endParaRPr lang="en-US" sz="1200" dirty="0"/>
+          </a:p>
+        </p:txBody>
+      </p:sp>
+      <p:cxnSp>
+        <p:nvCxnSpPr>
+          <p:cNvPr id="62" name="Elbow Connector 61"/>
+          <p:cNvCxnSpPr/>
+          <p:nvPr/>
+        </p:nvCxnSpPr>
+        <p:spPr>
+          <a:xfrm rot="16200000" flipH="1">
+            <a:off x="2893035" y="5788156"/>
+            <a:ext cx="658632" cy="149640"/>
+          </a:xfrm>
+          <a:prstGeom prst="bentConnector3">
+            <a:avLst>
+              <a:gd name="adj1" fmla="val 99223"/>
+            </a:avLst>
+          </a:prstGeom>
+          <a:ln>
+            <a:solidFill>
+              <a:schemeClr val="accent2"/>
+            </a:solidFill>
+            <a:tailEnd type="triangle"/>
+          </a:ln>
+        </p:spPr>
+        <p:style>
+          <a:lnRef idx="1">
+            <a:schemeClr val="accent1"/>
+          </a:lnRef>
+          <a:fillRef idx="0">
+            <a:schemeClr val="accent1"/>
+          </a:fillRef>
+          <a:effectRef idx="0">
+            <a:schemeClr val="accent1"/>
+          </a:effectRef>
+          <a:fontRef idx="minor">
+            <a:schemeClr val="tx1"/>
+          </a:fontRef>
+        </p:style>
+      </p:cxnSp>
+      <p:cxnSp>
+        <p:nvCxnSpPr>
+          <p:cNvPr id="63" name="Elbow Connector 62"/>
+          <p:cNvCxnSpPr/>
+          <p:nvPr/>
+        </p:nvCxnSpPr>
+        <p:spPr>
+          <a:xfrm rot="5400000">
+            <a:off x="3437448" y="4094365"/>
+            <a:ext cx="3957791" cy="358602"/>
+          </a:xfrm>
+          <a:prstGeom prst="bentConnector3">
+            <a:avLst>
+              <a:gd name="adj1" fmla="val 99988"/>
+            </a:avLst>
+          </a:prstGeom>
+          <a:ln>
+            <a:solidFill>
+              <a:schemeClr val="accent2"/>
+            </a:solidFill>
+            <a:tailEnd type="triangle"/>
+          </a:ln>
+        </p:spPr>
+        <p:style>
+          <a:lnRef idx="1">
+            <a:schemeClr val="accent1"/>
+          </a:lnRef>
+          <a:fillRef idx="0">
+            <a:schemeClr val="accent1"/>
+          </a:fillRef>
+          <a:effectRef idx="0">
+            <a:schemeClr val="accent1"/>
+          </a:effectRef>
+          <a:fontRef idx="minor">
+            <a:schemeClr val="tx1"/>
+          </a:fontRef>
+        </p:style>
+      </p:cxnSp>
+      <p:sp>
+        <p:nvSpPr>
+          <p:cNvPr id="68" name="TextBox 67"/>
+          <p:cNvSpPr txBox="1"/>
+          <p:nvPr/>
+        </p:nvSpPr>
+        <p:spPr>
+          <a:xfrm>
+            <a:off x="3317017" y="5719914"/>
+            <a:ext cx="1882554" cy="954107"/>
+          </a:xfrm>
+          <a:prstGeom prst="rect">
+            <a:avLst/>
+          </a:prstGeom>
+          <a:noFill/>
+          <a:ln>
+            <a:solidFill>
+              <a:schemeClr val="accent2"/>
+            </a:solidFill>
+          </a:ln>
+        </p:spPr>
+        <p:txBody>
+          <a:bodyPr wrap="square" rtlCol="0">
+            <a:spAutoFit/>
+          </a:bodyPr>
+          <a:lstStyle/>
+          <a:p>
+            <a:pPr marL="285750" indent="-285750">
+              <a:buFont typeface="Arial" panose="020B0604020202020204" pitchFamily="34" charset="0"/>
+              <a:buChar char="•"/>
+            </a:pPr>
+            <a:r>
+              <a:rPr lang="en-CA" sz="1400" dirty="0" smtClean="0"/>
+              <a:t>Format dates</a:t>
+            </a:r>
+          </a:p>
+          <a:p>
+            <a:pPr marL="285750" indent="-285750">
+              <a:buFont typeface="Arial" panose="020B0604020202020204" pitchFamily="34" charset="0"/>
+              <a:buChar char="•"/>
+            </a:pPr>
+            <a:r>
+              <a:rPr lang="en-CA" sz="1400" dirty="0" smtClean="0"/>
+              <a:t>Extract years</a:t>
+            </a:r>
+          </a:p>
+          <a:p>
+            <a:pPr marL="285750" indent="-285750">
+              <a:buFont typeface="Arial" panose="020B0604020202020204" pitchFamily="34" charset="0"/>
+              <a:buChar char="•"/>
+            </a:pPr>
+            <a:r>
+              <a:rPr lang="en-CA" sz="1400" dirty="0" smtClean="0"/>
+              <a:t>Class age</a:t>
+            </a:r>
+          </a:p>
+          <a:p>
+            <a:pPr marL="285750" indent="-285750">
+              <a:buFont typeface="Arial" panose="020B0604020202020204" pitchFamily="34" charset="0"/>
+              <a:buChar char="•"/>
+            </a:pPr>
+            <a:r>
+              <a:rPr lang="en-CA" sz="1400" dirty="0" smtClean="0"/>
+              <a:t>Class height</a:t>
+            </a:r>
+            <a:endParaRPr lang="en-CA" sz="1400" dirty="0"/>
+          </a:p>
+        </p:txBody>
+      </p:sp>
+      <p:sp>
+        <p:nvSpPr>
+          <p:cNvPr id="69" name="TextBox 68"/>
+          <p:cNvSpPr txBox="1"/>
+          <p:nvPr/>
+        </p:nvSpPr>
+        <p:spPr>
+          <a:xfrm>
+            <a:off x="3444525" y="5508841"/>
+            <a:ext cx="1373902" cy="276999"/>
+          </a:xfrm>
+          <a:prstGeom prst="rect">
+            <a:avLst/>
+          </a:prstGeom>
+          <a:noFill/>
+        </p:spPr>
+        <p:txBody>
+          <a:bodyPr wrap="none" rtlCol="0">
+            <a:spAutoFit/>
+          </a:bodyPr>
+          <a:lstStyle/>
+          <a:p>
+            <a:r>
+              <a:rPr lang="en-CA" sz="1200" dirty="0" smtClean="0"/>
+              <a:t>01.03 – merge files</a:t>
+            </a:r>
+            <a:endParaRPr lang="en-US" sz="1200" dirty="0"/>
+          </a:p>
+        </p:txBody>
+      </p:sp>
+      <p:sp>
+        <p:nvSpPr>
+          <p:cNvPr id="70" name="TextBox 69"/>
+          <p:cNvSpPr txBox="1"/>
+          <p:nvPr/>
+        </p:nvSpPr>
+        <p:spPr>
+          <a:xfrm>
+            <a:off x="6083808" y="1194582"/>
+            <a:ext cx="684803" cy="276999"/>
+          </a:xfrm>
+          <a:prstGeom prst="rect">
+            <a:avLst/>
+          </a:prstGeom>
+          <a:noFill/>
+        </p:spPr>
+        <p:txBody>
+          <a:bodyPr wrap="none" rtlCol="0">
+            <a:spAutoFit/>
+          </a:bodyPr>
+          <a:lstStyle/>
+          <a:p>
+            <a:r>
+              <a:rPr lang="en-CA" sz="1200" dirty="0" smtClean="0"/>
+              <a:t>02.01 – </a:t>
+            </a:r>
+            <a:endParaRPr lang="en-US" sz="1200" dirty="0"/>
+          </a:p>
+        </p:txBody>
+      </p:sp>
+      <p:sp>
+        <p:nvSpPr>
+          <p:cNvPr id="38" name="TextBox 37"/>
+          <p:cNvSpPr txBox="1"/>
+          <p:nvPr/>
+        </p:nvSpPr>
+        <p:spPr>
+          <a:xfrm>
+            <a:off x="6242147" y="4891301"/>
+            <a:ext cx="1926553" cy="523220"/>
+          </a:xfrm>
+          <a:prstGeom prst="rect">
+            <a:avLst/>
+          </a:prstGeom>
+          <a:noFill/>
+          <a:ln>
+            <a:solidFill>
+              <a:srgbClr val="935C2F"/>
+            </a:solidFill>
+          </a:ln>
+        </p:spPr>
+        <p:txBody>
+          <a:bodyPr wrap="square" rtlCol="0">
+            <a:spAutoFit/>
+          </a:bodyPr>
+          <a:lstStyle/>
+          <a:p>
+            <a:pPr marL="285750" indent="-285750">
+              <a:buFont typeface="Arial" panose="020B0604020202020204" pitchFamily="34" charset="0"/>
+              <a:buChar char="•"/>
+            </a:pPr>
+            <a:r>
+              <a:rPr lang="en-CA" sz="1400" dirty="0" smtClean="0"/>
+              <a:t>Filter for temporal misalignment</a:t>
+            </a:r>
+          </a:p>
+        </p:txBody>
+      </p:sp>
+      <p:sp>
+        <p:nvSpPr>
+          <p:cNvPr id="49" name="TextBox 48"/>
+          <p:cNvSpPr txBox="1"/>
+          <p:nvPr/>
+        </p:nvSpPr>
+        <p:spPr>
+          <a:xfrm>
+            <a:off x="6249526" y="4654439"/>
+            <a:ext cx="684803" cy="276999"/>
+          </a:xfrm>
+          <a:prstGeom prst="rect">
+            <a:avLst/>
+          </a:prstGeom>
+          <a:noFill/>
+        </p:spPr>
+        <p:txBody>
+          <a:bodyPr wrap="none" rtlCol="0">
+            <a:spAutoFit/>
+          </a:bodyPr>
+          <a:lstStyle/>
+          <a:p>
+            <a:r>
+              <a:rPr lang="en-CA" sz="1200" dirty="0" smtClean="0"/>
+              <a:t>02.02 – </a:t>
+            </a:r>
+            <a:endParaRPr lang="en-US" sz="1200" dirty="0"/>
+          </a:p>
+        </p:txBody>
+      </p:sp>
+      <p:sp>
+        <p:nvSpPr>
+          <p:cNvPr id="50" name="TextBox 49"/>
+          <p:cNvSpPr txBox="1"/>
+          <p:nvPr/>
+        </p:nvSpPr>
+        <p:spPr>
+          <a:xfrm>
+            <a:off x="6329090" y="5642930"/>
+            <a:ext cx="1926553" cy="523220"/>
+          </a:xfrm>
+          <a:prstGeom prst="rect">
+            <a:avLst/>
+          </a:prstGeom>
+          <a:noFill/>
+          <a:ln>
+            <a:solidFill>
+              <a:srgbClr val="935C2F"/>
+            </a:solidFill>
+          </a:ln>
+        </p:spPr>
+        <p:txBody>
+          <a:bodyPr wrap="square" rtlCol="0">
+            <a:spAutoFit/>
+          </a:bodyPr>
+          <a:lstStyle/>
+          <a:p>
+            <a:pPr marL="285750" indent="-285750">
+              <a:buFont typeface="Arial" panose="020B0604020202020204" pitchFamily="34" charset="0"/>
+              <a:buChar char="•"/>
+            </a:pPr>
+            <a:r>
+              <a:rPr lang="en-CA" sz="1400" dirty="0" smtClean="0"/>
+              <a:t>Filter any too close to stand edges</a:t>
+            </a:r>
+          </a:p>
+        </p:txBody>
+      </p:sp>
+      <p:sp>
+        <p:nvSpPr>
+          <p:cNvPr id="58" name="TextBox 57"/>
+          <p:cNvSpPr txBox="1"/>
+          <p:nvPr/>
+        </p:nvSpPr>
+        <p:spPr>
+          <a:xfrm>
+            <a:off x="6329090" y="5405710"/>
+            <a:ext cx="684803" cy="276999"/>
+          </a:xfrm>
+          <a:prstGeom prst="rect">
+            <a:avLst/>
+          </a:prstGeom>
+          <a:noFill/>
+        </p:spPr>
+        <p:txBody>
+          <a:bodyPr wrap="none" rtlCol="0">
+            <a:spAutoFit/>
+          </a:bodyPr>
+          <a:lstStyle/>
+          <a:p>
+            <a:r>
+              <a:rPr lang="en-CA" sz="1200" dirty="0" smtClean="0"/>
+              <a:t>02.03 – </a:t>
+            </a:r>
+            <a:endParaRPr lang="en-US" sz="1200" dirty="0"/>
+          </a:p>
+        </p:txBody>
+      </p:sp>
+    </p:spTree>
+    <p:extLst>
+      <p:ext uri="{BB962C8B-B14F-4D97-AF65-F5344CB8AC3E}">
+        <p14:creationId xmlns:p14="http://schemas.microsoft.com/office/powerpoint/2010/main" val="2727551187"/>
       </p:ext>
     </p:extLst>
   </p:cSld>

--- a/VRI_bird_data_scenarios.pptx
+++ b/VRI_bird_data_scenarios.pptx
@@ -13,7 +13,7 @@
     <p:sldId id="262" r:id="rId7"/>
   </p:sldIdLst>
   <p:sldSz cx="12192000" cy="6858000"/>
-  <p:notesSz cx="6858000" cy="9144000"/>
+  <p:notesSz cx="7023100" cy="9309100"/>
   <p:defaultTextStyle>
     <a:defPPr>
       <a:defRPr lang="en-US"/>
@@ -248,7 +248,7 @@
           <a:p>
             <a:fld id="{2D5072A0-6F4A-496D-BC20-1C16D5D961A8}" type="datetimeFigureOut">
               <a:rPr lang="en-US" smtClean="0"/>
-              <a:t>1/8/2018</a:t>
+              <a:t>1/9/2018</a:t>
             </a:fld>
             <a:endParaRPr lang="en-US"/>
           </a:p>
@@ -418,7 +418,7 @@
           <a:p>
             <a:fld id="{2D5072A0-6F4A-496D-BC20-1C16D5D961A8}" type="datetimeFigureOut">
               <a:rPr lang="en-US" smtClean="0"/>
-              <a:t>1/8/2018</a:t>
+              <a:t>1/9/2018</a:t>
             </a:fld>
             <a:endParaRPr lang="en-US"/>
           </a:p>
@@ -598,7 +598,7 @@
           <a:p>
             <a:fld id="{2D5072A0-6F4A-496D-BC20-1C16D5D961A8}" type="datetimeFigureOut">
               <a:rPr lang="en-US" smtClean="0"/>
-              <a:t>1/8/2018</a:t>
+              <a:t>1/9/2018</a:t>
             </a:fld>
             <a:endParaRPr lang="en-US"/>
           </a:p>
@@ -768,7 +768,7 @@
           <a:p>
             <a:fld id="{2D5072A0-6F4A-496D-BC20-1C16D5D961A8}" type="datetimeFigureOut">
               <a:rPr lang="en-US" smtClean="0"/>
-              <a:t>1/8/2018</a:t>
+              <a:t>1/9/2018</a:t>
             </a:fld>
             <a:endParaRPr lang="en-US"/>
           </a:p>
@@ -1014,7 +1014,7 @@
           <a:p>
             <a:fld id="{2D5072A0-6F4A-496D-BC20-1C16D5D961A8}" type="datetimeFigureOut">
               <a:rPr lang="en-US" smtClean="0"/>
-              <a:t>1/8/2018</a:t>
+              <a:t>1/9/2018</a:t>
             </a:fld>
             <a:endParaRPr lang="en-US"/>
           </a:p>
@@ -1246,7 +1246,7 @@
           <a:p>
             <a:fld id="{2D5072A0-6F4A-496D-BC20-1C16D5D961A8}" type="datetimeFigureOut">
               <a:rPr lang="en-US" smtClean="0"/>
-              <a:t>1/8/2018</a:t>
+              <a:t>1/9/2018</a:t>
             </a:fld>
             <a:endParaRPr lang="en-US"/>
           </a:p>
@@ -1613,7 +1613,7 @@
           <a:p>
             <a:fld id="{2D5072A0-6F4A-496D-BC20-1C16D5D961A8}" type="datetimeFigureOut">
               <a:rPr lang="en-US" smtClean="0"/>
-              <a:t>1/8/2018</a:t>
+              <a:t>1/9/2018</a:t>
             </a:fld>
             <a:endParaRPr lang="en-US"/>
           </a:p>
@@ -1731,7 +1731,7 @@
           <a:p>
             <a:fld id="{2D5072A0-6F4A-496D-BC20-1C16D5D961A8}" type="datetimeFigureOut">
               <a:rPr lang="en-US" smtClean="0"/>
-              <a:t>1/8/2018</a:t>
+              <a:t>1/9/2018</a:t>
             </a:fld>
             <a:endParaRPr lang="en-US"/>
           </a:p>
@@ -1826,7 +1826,7 @@
           <a:p>
             <a:fld id="{2D5072A0-6F4A-496D-BC20-1C16D5D961A8}" type="datetimeFigureOut">
               <a:rPr lang="en-US" smtClean="0"/>
-              <a:t>1/8/2018</a:t>
+              <a:t>1/9/2018</a:t>
             </a:fld>
             <a:endParaRPr lang="en-US"/>
           </a:p>
@@ -2103,7 +2103,7 @@
           <a:p>
             <a:fld id="{2D5072A0-6F4A-496D-BC20-1C16D5D961A8}" type="datetimeFigureOut">
               <a:rPr lang="en-US" smtClean="0"/>
-              <a:t>1/8/2018</a:t>
+              <a:t>1/9/2018</a:t>
             </a:fld>
             <a:endParaRPr lang="en-US"/>
           </a:p>
@@ -2356,7 +2356,7 @@
           <a:p>
             <a:fld id="{2D5072A0-6F4A-496D-BC20-1C16D5D961A8}" type="datetimeFigureOut">
               <a:rPr lang="en-US" smtClean="0"/>
-              <a:t>1/8/2018</a:t>
+              <a:t>1/9/2018</a:t>
             </a:fld>
             <a:endParaRPr lang="en-US"/>
           </a:p>
@@ -2569,7 +2569,7 @@
           <a:p>
             <a:fld id="{2D5072A0-6F4A-496D-BC20-1C16D5D961A8}" type="datetimeFigureOut">
               <a:rPr lang="en-US" smtClean="0"/>
-              <a:t>1/8/2018</a:t>
+              <a:t>1/9/2018</a:t>
             </a:fld>
             <a:endParaRPr lang="en-US"/>
           </a:p>
@@ -5847,11 +5847,7 @@
             </a:pPr>
             <a:r>
               <a:rPr lang="en-US" sz="1400" dirty="0" smtClean="0"/>
-              <a:t>Look for &amp; eliminate </a:t>
-            </a:r>
-            <a:r>
-              <a:rPr lang="en-US" sz="1400" dirty="0" smtClean="0"/>
-              <a:t>duplicates</a:t>
+              <a:t>Look for &amp; eliminate duplicates</a:t>
             </a:r>
           </a:p>
           <a:p>
@@ -6011,7 +6007,7 @@
         </p:nvSpPr>
         <p:spPr>
           <a:xfrm>
-            <a:off x="2210070" y="76205"/>
+            <a:off x="3082906" y="76205"/>
             <a:ext cx="3423046" cy="889462"/>
           </a:xfrm>
           <a:prstGeom prst="rect">
@@ -6156,7 +6152,7 @@
         </p:nvSpPr>
         <p:spPr>
           <a:xfrm>
-            <a:off x="4308066" y="1339364"/>
+            <a:off x="5180902" y="1339364"/>
             <a:ext cx="1325050" cy="954107"/>
           </a:xfrm>
           <a:prstGeom prst="rect">
@@ -6209,7 +6205,7 @@
         </p:nvCxnSpPr>
         <p:spPr>
           <a:xfrm rot="16200000" flipH="1">
-            <a:off x="1475311" y="2029859"/>
+            <a:off x="2348147" y="2029859"/>
             <a:ext cx="1684256" cy="139938"/>
           </a:xfrm>
           <a:prstGeom prst="bentConnector3">
@@ -6247,7 +6243,7 @@
         </p:nvCxnSpPr>
         <p:spPr>
           <a:xfrm rot="16200000" flipH="1">
-            <a:off x="2267307" y="3712311"/>
+            <a:off x="3140143" y="3712311"/>
             <a:ext cx="658632" cy="149640"/>
           </a:xfrm>
           <a:prstGeom prst="bentConnector3">
@@ -6285,7 +6281,7 @@
         </p:nvSpPr>
         <p:spPr>
           <a:xfrm>
-            <a:off x="2433130" y="2719151"/>
+            <a:off x="3305966" y="2719151"/>
             <a:ext cx="1578443" cy="738664"/>
           </a:xfrm>
           <a:prstGeom prst="rect">
@@ -6323,7 +6319,7 @@
         </p:nvSpPr>
         <p:spPr>
           <a:xfrm>
-            <a:off x="5798187" y="97868"/>
+            <a:off x="7851367" y="97868"/>
             <a:ext cx="1886989" cy="889462"/>
           </a:xfrm>
           <a:prstGeom prst="rect">
@@ -6367,7 +6363,7 @@
         </p:nvCxnSpPr>
         <p:spPr>
           <a:xfrm rot="16200000" flipH="1">
-            <a:off x="5762858" y="1226322"/>
+            <a:off x="7816038" y="1226322"/>
             <a:ext cx="581894" cy="103912"/>
           </a:xfrm>
           <a:prstGeom prst="bentConnector3">
@@ -6405,7 +6401,7 @@
         </p:nvSpPr>
         <p:spPr>
           <a:xfrm>
-            <a:off x="6105761" y="1730561"/>
+            <a:off x="8158941" y="1730561"/>
             <a:ext cx="2062939" cy="2893100"/>
           </a:xfrm>
           <a:prstGeom prst="rect">
@@ -6481,7 +6477,7 @@
         </p:nvCxnSpPr>
         <p:spPr>
           <a:xfrm rot="16200000" flipH="1">
-            <a:off x="5967827" y="4811743"/>
+            <a:off x="8021007" y="4811743"/>
             <a:ext cx="457200" cy="91440"/>
           </a:xfrm>
           <a:prstGeom prst="bentConnector3">
@@ -6519,7 +6515,7 @@
         </p:nvSpPr>
         <p:spPr>
           <a:xfrm>
-            <a:off x="6105761" y="1422784"/>
+            <a:off x="8158941" y="1422784"/>
             <a:ext cx="2062939" cy="307777"/>
           </a:xfrm>
           <a:prstGeom prst="rect">
@@ -6559,7 +6555,7 @@
         </p:nvSpPr>
         <p:spPr>
           <a:xfrm>
-            <a:off x="2445115" y="1114043"/>
+            <a:off x="3317951" y="1114043"/>
             <a:ext cx="1351652" cy="276999"/>
           </a:xfrm>
           <a:prstGeom prst="rect">
@@ -6629,7 +6625,7 @@
         </p:nvCxnSpPr>
         <p:spPr>
           <a:xfrm rot="16200000" flipH="1">
-            <a:off x="3782931" y="1291283"/>
+            <a:off x="4655767" y="1291283"/>
             <a:ext cx="865998" cy="184272"/>
           </a:xfrm>
           <a:prstGeom prst="bentConnector2">
@@ -6665,7 +6661,7 @@
         </p:nvSpPr>
         <p:spPr>
           <a:xfrm>
-            <a:off x="2433130" y="1339364"/>
+            <a:off x="3305966" y="1339364"/>
             <a:ext cx="1578443" cy="954107"/>
           </a:xfrm>
           <a:prstGeom prst="rect">
@@ -6720,7 +6716,7 @@
         </p:nvCxnSpPr>
         <p:spPr>
           <a:xfrm rot="16200000" flipH="1">
-            <a:off x="1907995" y="1291283"/>
+            <a:off x="2780831" y="1291283"/>
             <a:ext cx="865998" cy="184272"/>
           </a:xfrm>
           <a:prstGeom prst="bentConnector2">
@@ -6756,7 +6752,7 @@
         </p:nvSpPr>
         <p:spPr>
           <a:xfrm>
-            <a:off x="4252904" y="1103426"/>
+            <a:off x="5125740" y="1103426"/>
             <a:ext cx="1342740" cy="276999"/>
           </a:xfrm>
           <a:prstGeom prst="rect">
@@ -6786,7 +6782,7 @@
         </p:nvSpPr>
         <p:spPr>
           <a:xfrm>
-            <a:off x="2704895" y="3842946"/>
+            <a:off x="3577731" y="3842946"/>
             <a:ext cx="1581011" cy="738664"/>
           </a:xfrm>
           <a:prstGeom prst="rect">
@@ -6824,7 +6820,7 @@
         </p:nvSpPr>
         <p:spPr>
           <a:xfrm>
-            <a:off x="2704895" y="4783235"/>
+            <a:off x="3577731" y="4783235"/>
             <a:ext cx="1581011" cy="738664"/>
           </a:xfrm>
           <a:prstGeom prst="rect">
@@ -6871,7 +6867,7 @@
         </p:nvCxnSpPr>
         <p:spPr>
           <a:xfrm rot="16200000" flipH="1">
-            <a:off x="1749644" y="4240470"/>
+            <a:off x="2622480" y="4240470"/>
             <a:ext cx="1684256" cy="139938"/>
           </a:xfrm>
           <a:prstGeom prst="bentConnector3">
@@ -6909,7 +6905,7 @@
         </p:nvSpPr>
         <p:spPr>
           <a:xfrm>
-            <a:off x="2430562" y="2498617"/>
+            <a:off x="3303398" y="2498617"/>
             <a:ext cx="1560299" cy="461665"/>
           </a:xfrm>
           <a:prstGeom prst="rect">
@@ -6949,7 +6945,7 @@
         </p:nvSpPr>
         <p:spPr>
           <a:xfrm>
-            <a:off x="2704895" y="3624363"/>
+            <a:off x="3577731" y="3624363"/>
             <a:ext cx="1418145" cy="276999"/>
           </a:xfrm>
           <a:prstGeom prst="rect">
@@ -6979,7 +6975,7 @@
         </p:nvSpPr>
         <p:spPr>
           <a:xfrm>
-            <a:off x="2704895" y="4566602"/>
+            <a:off x="3577731" y="4566602"/>
             <a:ext cx="1402628" cy="276999"/>
           </a:xfrm>
           <a:prstGeom prst="rect">
@@ -7009,7 +7005,7 @@
         </p:nvCxnSpPr>
         <p:spPr>
           <a:xfrm rot="16200000" flipH="1">
-            <a:off x="2893035" y="5788156"/>
+            <a:off x="3765871" y="5788156"/>
             <a:ext cx="658632" cy="149640"/>
           </a:xfrm>
           <a:prstGeom prst="bentConnector3">
@@ -7047,7 +7043,7 @@
         </p:nvCxnSpPr>
         <p:spPr>
           <a:xfrm rot="5400000">
-            <a:off x="3437448" y="4094365"/>
+            <a:off x="4310284" y="4094365"/>
             <a:ext cx="3957791" cy="358602"/>
           </a:xfrm>
           <a:prstGeom prst="bentConnector3">
@@ -7085,7 +7081,7 @@
         </p:nvSpPr>
         <p:spPr>
           <a:xfrm>
-            <a:off x="3317017" y="5719914"/>
+            <a:off x="4189853" y="5719914"/>
             <a:ext cx="1882554" cy="954107"/>
           </a:xfrm>
           <a:prstGeom prst="rect">
@@ -7154,7 +7150,7 @@
         </p:nvSpPr>
         <p:spPr>
           <a:xfrm>
-            <a:off x="3444525" y="5508841"/>
+            <a:off x="4317361" y="5508841"/>
             <a:ext cx="1373902" cy="276999"/>
           </a:xfrm>
           <a:prstGeom prst="rect">
@@ -7184,7 +7180,7 @@
         </p:nvSpPr>
         <p:spPr>
           <a:xfrm>
-            <a:off x="6083808" y="1194582"/>
+            <a:off x="8136988" y="1194582"/>
             <a:ext cx="684803" cy="276999"/>
           </a:xfrm>
           <a:prstGeom prst="rect">
@@ -7214,7 +7210,7 @@
         </p:nvSpPr>
         <p:spPr>
           <a:xfrm>
-            <a:off x="6242147" y="4891301"/>
+            <a:off x="8295327" y="4891301"/>
             <a:ext cx="1926553" cy="523220"/>
           </a:xfrm>
           <a:prstGeom prst="rect">
@@ -7252,7 +7248,7 @@
         </p:nvSpPr>
         <p:spPr>
           <a:xfrm>
-            <a:off x="6249526" y="4654439"/>
+            <a:off x="8302706" y="4654439"/>
             <a:ext cx="684803" cy="276999"/>
           </a:xfrm>
           <a:prstGeom prst="rect">
@@ -7282,7 +7278,7 @@
         </p:nvSpPr>
         <p:spPr>
           <a:xfrm>
-            <a:off x="6329090" y="5642930"/>
+            <a:off x="8382270" y="5642930"/>
             <a:ext cx="1926553" cy="523220"/>
           </a:xfrm>
           <a:prstGeom prst="rect">
@@ -7320,7 +7316,7 @@
         </p:nvSpPr>
         <p:spPr>
           <a:xfrm>
-            <a:off x="6329090" y="5405710"/>
+            <a:off x="8382270" y="5405710"/>
             <a:ext cx="684803" cy="276999"/>
           </a:xfrm>
           <a:prstGeom prst="rect">
